--- a/Day 2.pptx
+++ b/Day 2.pptx
@@ -5,19 +5,40 @@
     <p:sldMasterId id="2147483648" r:id="rId1"/>
   </p:sldMasterIdLst>
   <p:notesMasterIdLst>
-    <p:notesMasterId r:id="rId12"/>
+    <p:notesMasterId r:id="rId33"/>
   </p:notesMasterIdLst>
   <p:sldIdLst>
     <p:sldId id="290" r:id="rId2"/>
-    <p:sldId id="305" r:id="rId3"/>
-    <p:sldId id="306" r:id="rId4"/>
-    <p:sldId id="313" r:id="rId5"/>
-    <p:sldId id="292" r:id="rId6"/>
-    <p:sldId id="302" r:id="rId7"/>
-    <p:sldId id="303" r:id="rId8"/>
-    <p:sldId id="314" r:id="rId9"/>
-    <p:sldId id="295" r:id="rId10"/>
-    <p:sldId id="296" r:id="rId11"/>
+    <p:sldId id="306" r:id="rId3"/>
+    <p:sldId id="318" r:id="rId4"/>
+    <p:sldId id="336" r:id="rId5"/>
+    <p:sldId id="322" r:id="rId6"/>
+    <p:sldId id="340" r:id="rId7"/>
+    <p:sldId id="323" r:id="rId8"/>
+    <p:sldId id="313" r:id="rId9"/>
+    <p:sldId id="335" r:id="rId10"/>
+    <p:sldId id="319" r:id="rId11"/>
+    <p:sldId id="333" r:id="rId12"/>
+    <p:sldId id="334" r:id="rId13"/>
+    <p:sldId id="337" r:id="rId14"/>
+    <p:sldId id="338" r:id="rId15"/>
+    <p:sldId id="339" r:id="rId16"/>
+    <p:sldId id="292" r:id="rId17"/>
+    <p:sldId id="320" r:id="rId18"/>
+    <p:sldId id="324" r:id="rId19"/>
+    <p:sldId id="321" r:id="rId20"/>
+    <p:sldId id="314" r:id="rId21"/>
+    <p:sldId id="341" r:id="rId22"/>
+    <p:sldId id="328" r:id="rId23"/>
+    <p:sldId id="325" r:id="rId24"/>
+    <p:sldId id="326" r:id="rId25"/>
+    <p:sldId id="327" r:id="rId26"/>
+    <p:sldId id="295" r:id="rId27"/>
+    <p:sldId id="296" r:id="rId28"/>
+    <p:sldId id="329" r:id="rId29"/>
+    <p:sldId id="330" r:id="rId30"/>
+    <p:sldId id="331" r:id="rId31"/>
+    <p:sldId id="332" r:id="rId32"/>
   </p:sldIdLst>
   <p:sldSz cx="9144000" cy="6858000" type="screen4x3"/>
   <p:notesSz cx="6858000" cy="9144000"/>
@@ -217,7 +238,7 @@
           <a:p>
             <a:fld id="{909AFCF1-7F48-4D21-8D27-97E9804428B6}" type="datetimeFigureOut">
               <a:rPr lang="en-US" smtClean="0"/>
-              <a:t>8/6/2019</a:t>
+              <a:t>8/9/2019</a:t>
             </a:fld>
             <a:endParaRPr lang="en-US"/>
           </a:p>
@@ -666,7 +687,7 @@
           <a:p>
             <a:fld id="{A17B4B1F-9ADE-4FEE-88FC-832835B49A13}" type="datetime4">
               <a:rPr lang="en-US" smtClean="0"/>
-              <a:t>August 6, 2019</a:t>
+              <a:t>August 9, 2019</a:t>
             </a:fld>
             <a:endParaRPr lang="en-US" dirty="0"/>
           </a:p>
@@ -1064,7 +1085,7 @@
           <a:p>
             <a:fld id="{CAEF89AF-97FF-41FD-A810-843DAB910B39}" type="datetime4">
               <a:rPr lang="en-US" smtClean="0"/>
-              <a:t>August 6, 2019</a:t>
+              <a:t>August 9, 2019</a:t>
             </a:fld>
             <a:endParaRPr lang="en-US" dirty="0"/>
           </a:p>
@@ -1409,7 +1430,7 @@
           <a:p>
             <a:fld id="{58C37697-90A4-4007-8C23-BAAA588B27B3}" type="datetime4">
               <a:rPr lang="en-US" smtClean="0"/>
-              <a:t>August 6, 2019</a:t>
+              <a:t>August 9, 2019</a:t>
             </a:fld>
             <a:endParaRPr lang="en-US" dirty="0"/>
           </a:p>
@@ -1795,7 +1816,7 @@
           <a:p>
             <a:fld id="{C526132D-74A4-457B-9FB6-E79DB3FA6555}" type="datetime4">
               <a:rPr lang="en-US" smtClean="0"/>
-              <a:t>August 6, 2019</a:t>
+              <a:t>August 9, 2019</a:t>
             </a:fld>
             <a:endParaRPr lang="en-US" dirty="0"/>
           </a:p>
@@ -2138,7 +2159,7 @@
           <a:p>
             <a:fld id="{6A0291C7-F608-4246-89E2-5DBB54EDEF09}" type="datetime4">
               <a:rPr lang="en-US" smtClean="0"/>
-              <a:t>August 6, 2019</a:t>
+              <a:t>August 9, 2019</a:t>
             </a:fld>
             <a:endParaRPr lang="en-US" dirty="0"/>
           </a:p>
@@ -2316,7 +2337,7 @@
           <a:p>
             <a:fld id="{4D013C2E-F697-4ACF-9974-2B7ED63A336A}" type="datetime4">
               <a:rPr lang="en-US" smtClean="0"/>
-              <a:t>August 6, 2019</a:t>
+              <a:t>August 9, 2019</a:t>
             </a:fld>
             <a:endParaRPr lang="en-US" dirty="0"/>
           </a:p>
@@ -2561,7 +2582,7 @@
           <a:p>
             <a:fld id="{D4335327-653A-45BD-A8A4-D16B8D9BB63F}" type="datetime4">
               <a:rPr lang="en-US" smtClean="0"/>
-              <a:t>August 6, 2019</a:t>
+              <a:t>August 9, 2019</a:t>
             </a:fld>
             <a:endParaRPr lang="en-US" dirty="0"/>
           </a:p>
@@ -3031,7 +3052,7 @@
       </p:grpSpPr>
       <p:sp>
         <p:nvSpPr>
-          <p:cNvPr id="7" name="Title 6"/>
+          <p:cNvPr id="2" name="Title 1"/>
           <p:cNvSpPr>
             <a:spLocks noGrp="1"/>
           </p:cNvSpPr>
@@ -3044,13 +3065,17 @@
           <a:bodyPr/>
           <a:lstStyle/>
           <a:p>
-            <a:endParaRPr lang="en-US"/>
-          </a:p>
-        </p:txBody>
-      </p:sp>
-      <p:sp>
-        <p:nvSpPr>
-          <p:cNvPr id="8" name="Content Placeholder 7"/>
+            <a:r>
+              <a:rPr lang="en-US" dirty="0" smtClean="0"/>
+              <a:t>External Client Access</a:t>
+            </a:r>
+            <a:endParaRPr lang="en-US" dirty="0"/>
+          </a:p>
+        </p:txBody>
+      </p:sp>
+      <p:sp>
+        <p:nvSpPr>
+          <p:cNvPr id="3" name="Content Placeholder 2"/>
           <p:cNvSpPr>
             <a:spLocks noGrp="1"/>
           </p:cNvSpPr>
@@ -3060,41 +3085,98 @@
         </p:nvSpPr>
         <p:spPr/>
         <p:txBody>
-          <a:bodyPr/>
-          <a:lstStyle/>
-          <a:p>
-            <a:r>
-              <a:rPr lang="en-US" dirty="0" err="1" smtClean="0"/>
-              <a:t>Brekpoints</a:t>
-            </a:r>
-            <a:r>
-              <a:rPr lang="en-US" dirty="0" smtClean="0"/>
-              <a:t> works only within server. </a:t>
-            </a:r>
-          </a:p>
-          <a:p>
-            <a:r>
-              <a:rPr lang="en-US" dirty="0" smtClean="0"/>
-              <a:t>Browser()</a:t>
+          <a:bodyPr>
+            <a:normAutofit fontScale="77500" lnSpcReduction="20000"/>
+          </a:bodyPr>
+          <a:lstStyle/>
+          <a:p>
+            <a:r>
+              <a:rPr lang="en-US" dirty="0" smtClean="0"/>
+              <a:t>Do you have to limit the access? </a:t>
             </a:r>
           </a:p>
           <a:p>
             <a:pPr lvl="1"/>
             <a:r>
               <a:rPr lang="en-US" dirty="0" smtClean="0"/>
-              <a:t>conditional </a:t>
+              <a:t>Are there any sensitive data to hide? </a:t>
             </a:r>
           </a:p>
           <a:p>
             <a:pPr lvl="1"/>
-            <a:endParaRPr lang="en-US" dirty="0"/>
-          </a:p>
-          <a:p>
-            <a:r>
-              <a:rPr lang="en-US" dirty="0" err="1" smtClean="0"/>
-              <a:t>Profvis</a:t>
-            </a:r>
-            <a:endParaRPr lang="en-US" dirty="0" smtClean="0"/>
+            <a:r>
+              <a:rPr lang="en-US" dirty="0" smtClean="0"/>
+              <a:t>Pre-set user inputs. </a:t>
+            </a:r>
+          </a:p>
+          <a:p>
+            <a:r>
+              <a:rPr lang="en-US" dirty="0" smtClean="0"/>
+              <a:t>Error handling</a:t>
+            </a:r>
+          </a:p>
+          <a:p>
+            <a:pPr lvl="1"/>
+            <a:r>
+              <a:rPr lang="en-US" dirty="0" smtClean="0"/>
+              <a:t>Meaningful messages. </a:t>
+            </a:r>
+          </a:p>
+          <a:p>
+            <a:pPr lvl="1"/>
+            <a:r>
+              <a:rPr lang="en-US" dirty="0" smtClean="0"/>
+              <a:t>Safe errors. </a:t>
+            </a:r>
+          </a:p>
+          <a:p>
+            <a:r>
+              <a:rPr lang="en-US" dirty="0" smtClean="0"/>
+              <a:t>Is it vulnerable to misinterpretation? </a:t>
+            </a:r>
+          </a:p>
+          <a:p>
+            <a:pPr lvl="1"/>
+            <a:r>
+              <a:rPr lang="en-US" dirty="0" smtClean="0"/>
+              <a:t>Disclaimer and signature page. </a:t>
+            </a:r>
+          </a:p>
+          <a:p>
+            <a:pPr lvl="1"/>
+            <a:r>
+              <a:rPr lang="en-US" dirty="0" smtClean="0"/>
+              <a:t>Who’s in charge for customer </a:t>
+            </a:r>
+            <a:r>
+              <a:rPr lang="en-US" dirty="0"/>
+              <a:t>s</a:t>
+            </a:r>
+            <a:r>
+              <a:rPr lang="en-US" dirty="0" smtClean="0"/>
+              <a:t>upport?</a:t>
+            </a:r>
+          </a:p>
+          <a:p>
+            <a:r>
+              <a:rPr lang="en-US" dirty="0" smtClean="0"/>
+              <a:t>Support plans </a:t>
+            </a:r>
+          </a:p>
+          <a:p>
+            <a:endParaRPr lang="en-US" dirty="0"/>
+          </a:p>
+          <a:p>
+            <a:pPr marL="0" indent="0">
+              <a:buNone/>
+            </a:pPr>
+            <a:r>
+              <a:rPr lang="en-US" dirty="0" smtClean="0"/>
+              <a:t>Note: We are service providers, not app provider. </a:t>
+            </a:r>
+          </a:p>
+          <a:p>
+            <a:endParaRPr lang="en-US" dirty="0"/>
           </a:p>
         </p:txBody>
       </p:sp>
@@ -3159,9 +3241,4560 @@
           <a:bodyPr/>
           <a:lstStyle/>
           <a:p>
+            <a:fld id="{CAEF89AF-97FF-41FD-A810-843DAB910B39}" type="datetime4">
+              <a:rPr lang="en-US" smtClean="0"/>
+              <a:t>August 9, 2019</a:t>
+            </a:fld>
+            <a:endParaRPr lang="en-US" dirty="0"/>
+          </a:p>
+        </p:txBody>
+      </p:sp>
+    </p:spTree>
+    <p:extLst>
+      <p:ext uri="{BB962C8B-B14F-4D97-AF65-F5344CB8AC3E}">
+        <p14:creationId xmlns:p14="http://schemas.microsoft.com/office/powerpoint/2010/main" val="2655509265"/>
+      </p:ext>
+    </p:extLst>
+  </p:cSld>
+  <p:clrMapOvr>
+    <a:masterClrMapping/>
+  </p:clrMapOvr>
+</p:sld>
+</file>
+
+<file path=ppt/slides/slide11.xml><?xml version="1.0" encoding="utf-8"?>
+<p:sld xmlns:a="http://schemas.openxmlformats.org/drawingml/2006/main" xmlns:r="http://schemas.openxmlformats.org/officeDocument/2006/relationships" xmlns:p="http://schemas.openxmlformats.org/presentationml/2006/main">
+  <p:cSld>
+    <p:spTree>
+      <p:nvGrpSpPr>
+        <p:cNvPr id="1" name=""/>
+        <p:cNvGrpSpPr/>
+        <p:nvPr/>
+      </p:nvGrpSpPr>
+      <p:grpSpPr>
+        <a:xfrm>
+          <a:off x="0" y="0"/>
+          <a:ext cx="0" cy="0"/>
+          <a:chOff x="0" y="0"/>
+          <a:chExt cx="0" cy="0"/>
+        </a:xfrm>
+      </p:grpSpPr>
+      <p:sp>
+        <p:nvSpPr>
+          <p:cNvPr id="7" name="Title 6"/>
+          <p:cNvSpPr>
+            <a:spLocks noGrp="1"/>
+          </p:cNvSpPr>
+          <p:nvPr>
+            <p:ph type="title"/>
+          </p:nvPr>
+        </p:nvSpPr>
+        <p:spPr/>
+        <p:txBody>
+          <a:bodyPr/>
+          <a:lstStyle/>
+          <a:p>
+            <a:endParaRPr lang="en-US"/>
+          </a:p>
+        </p:txBody>
+      </p:sp>
+      <p:sp>
+        <p:nvSpPr>
+          <p:cNvPr id="8" name="Text Placeholder 7"/>
+          <p:cNvSpPr>
+            <a:spLocks noGrp="1"/>
+          </p:cNvSpPr>
+          <p:nvPr>
+            <p:ph type="body" idx="1"/>
+          </p:nvPr>
+        </p:nvSpPr>
+        <p:spPr/>
+        <p:txBody>
+          <a:bodyPr/>
+          <a:lstStyle/>
+          <a:p>
+            <a:r>
+              <a:rPr lang="en-US" dirty="0" smtClean="0"/>
+              <a:t>Known Issues</a:t>
+            </a:r>
+            <a:endParaRPr lang="en-US" dirty="0"/>
+          </a:p>
+        </p:txBody>
+      </p:sp>
+      <p:sp>
+        <p:nvSpPr>
+          <p:cNvPr id="4" name="Slide Number Placeholder 3"/>
+          <p:cNvSpPr>
+            <a:spLocks noGrp="1"/>
+          </p:cNvSpPr>
+          <p:nvPr>
+            <p:ph type="sldNum" sz="quarter" idx="12"/>
+          </p:nvPr>
+        </p:nvSpPr>
+        <p:spPr/>
+        <p:txBody>
+          <a:bodyPr/>
+          <a:lstStyle/>
+          <a:p>
+            <a:fld id="{8848E627-D06A-4F0E-98E2-3D90458BE48C}" type="slidenum">
+              <a:rPr lang="en-US" smtClean="0"/>
+              <a:t>11</a:t>
+            </a:fld>
+            <a:endParaRPr lang="en-US"/>
+          </a:p>
+        </p:txBody>
+      </p:sp>
+      <p:sp>
+        <p:nvSpPr>
+          <p:cNvPr id="5" name="Footer Placeholder 4"/>
+          <p:cNvSpPr>
+            <a:spLocks noGrp="1"/>
+          </p:cNvSpPr>
+          <p:nvPr>
+            <p:ph type="ftr" sz="quarter" idx="3"/>
+          </p:nvPr>
+        </p:nvSpPr>
+        <p:spPr/>
+        <p:txBody>
+          <a:bodyPr/>
+          <a:lstStyle/>
+          <a:p>
+            <a:r>
+              <a:rPr lang="en-US" smtClean="0"/>
+              <a:t>CONFIDENTIAL &amp; PROPRIETARY</a:t>
+            </a:r>
+            <a:endParaRPr lang="en-US" dirty="0"/>
+          </a:p>
+        </p:txBody>
+      </p:sp>
+      <p:sp>
+        <p:nvSpPr>
+          <p:cNvPr id="6" name="Date Placeholder 5"/>
+          <p:cNvSpPr>
+            <a:spLocks noGrp="1"/>
+          </p:cNvSpPr>
+          <p:nvPr>
+            <p:ph type="dt" sz="half" idx="10"/>
+          </p:nvPr>
+        </p:nvSpPr>
+        <p:spPr/>
+        <p:txBody>
+          <a:bodyPr/>
+          <a:lstStyle/>
+          <a:p>
+            <a:fld id="{CAEF89AF-97FF-41FD-A810-843DAB910B39}" type="datetime4">
+              <a:rPr lang="en-US" smtClean="0"/>
+              <a:t>August 9, 2019</a:t>
+            </a:fld>
+            <a:endParaRPr lang="en-US" dirty="0"/>
+          </a:p>
+        </p:txBody>
+      </p:sp>
+    </p:spTree>
+    <p:extLst>
+      <p:ext uri="{BB962C8B-B14F-4D97-AF65-F5344CB8AC3E}">
+        <p14:creationId xmlns:p14="http://schemas.microsoft.com/office/powerpoint/2010/main" val="336119163"/>
+      </p:ext>
+    </p:extLst>
+  </p:cSld>
+  <p:clrMapOvr>
+    <a:masterClrMapping/>
+  </p:clrMapOvr>
+</p:sld>
+</file>
+
+<file path=ppt/slides/slide12.xml><?xml version="1.0" encoding="utf-8"?>
+<p:sld xmlns:a="http://schemas.openxmlformats.org/drawingml/2006/main" xmlns:r="http://schemas.openxmlformats.org/officeDocument/2006/relationships" xmlns:p="http://schemas.openxmlformats.org/presentationml/2006/main">
+  <p:cSld>
+    <p:spTree>
+      <p:nvGrpSpPr>
+        <p:cNvPr id="1" name=""/>
+        <p:cNvGrpSpPr/>
+        <p:nvPr/>
+      </p:nvGrpSpPr>
+      <p:grpSpPr>
+        <a:xfrm>
+          <a:off x="0" y="0"/>
+          <a:ext cx="0" cy="0"/>
+          <a:chOff x="0" y="0"/>
+          <a:chExt cx="0" cy="0"/>
+        </a:xfrm>
+      </p:grpSpPr>
+      <p:sp>
+        <p:nvSpPr>
+          <p:cNvPr id="7" name="Title 6"/>
+          <p:cNvSpPr>
+            <a:spLocks noGrp="1"/>
+          </p:cNvSpPr>
+          <p:nvPr>
+            <p:ph type="title"/>
+          </p:nvPr>
+        </p:nvSpPr>
+        <p:spPr/>
+        <p:txBody>
+          <a:bodyPr/>
+          <a:lstStyle/>
+          <a:p>
+            <a:r>
+              <a:rPr lang="en-US" dirty="0" smtClean="0"/>
+              <a:t>Error at Opening</a:t>
+            </a:r>
+            <a:endParaRPr lang="en-US" dirty="0"/>
+          </a:p>
+        </p:txBody>
+      </p:sp>
+      <p:sp>
+        <p:nvSpPr>
+          <p:cNvPr id="8" name="Content Placeholder 7"/>
+          <p:cNvSpPr>
+            <a:spLocks noGrp="1"/>
+          </p:cNvSpPr>
+          <p:nvPr>
+            <p:ph idx="1"/>
+          </p:nvPr>
+        </p:nvSpPr>
+        <p:spPr/>
+        <p:txBody>
+          <a:bodyPr>
+            <a:normAutofit lnSpcReduction="10000"/>
+          </a:bodyPr>
+          <a:lstStyle/>
+          <a:p>
+            <a:r>
+              <a:rPr lang="en-US" dirty="0" smtClean="0"/>
+              <a:t>At opening, you may encounter an error which goes away by refreshing the page a few times.</a:t>
+            </a:r>
+          </a:p>
+          <a:p>
+            <a:pPr lvl="1"/>
+            <a:r>
+              <a:rPr lang="en-US" dirty="0" smtClean="0"/>
+              <a:t>Cause:  The </a:t>
+            </a:r>
+            <a:r>
+              <a:rPr lang="en-US" dirty="0" err="1" smtClean="0"/>
+              <a:t>linux</a:t>
+            </a:r>
+            <a:r>
+              <a:rPr lang="en-US" dirty="0" smtClean="0"/>
+              <a:t> machine need to look into </a:t>
+            </a:r>
+            <a:r>
+              <a:rPr lang="en-US" dirty="0" smtClean="0">
+                <a:hlinkClick r:id="rId2" action="ppaction://hlinkfile"/>
+              </a:rPr>
+              <a:t>\\analystfs</a:t>
+            </a:r>
+            <a:r>
+              <a:rPr lang="en-US" dirty="0" smtClean="0"/>
+              <a:t> network locations. There seems to be a glitch somewhere. </a:t>
+            </a:r>
+          </a:p>
+          <a:p>
+            <a:pPr lvl="1"/>
+            <a:r>
+              <a:rPr lang="en-US" dirty="0" smtClean="0"/>
+              <a:t>Solution: </a:t>
+            </a:r>
+          </a:p>
+          <a:p>
+            <a:pPr lvl="2"/>
+            <a:r>
+              <a:rPr lang="en-US" dirty="0" smtClean="0"/>
+              <a:t>If we like this app file locations, no solutions have been found so far. </a:t>
+            </a:r>
+          </a:p>
+          <a:p>
+            <a:pPr lvl="2"/>
+            <a:r>
+              <a:rPr lang="en-US" dirty="0" smtClean="0"/>
+              <a:t>If we don’t mind using file transfer apps, we could place app files within the server machine…</a:t>
+            </a:r>
+          </a:p>
+          <a:p>
+            <a:pPr lvl="1"/>
+            <a:endParaRPr lang="en-US" dirty="0"/>
+          </a:p>
+        </p:txBody>
+      </p:sp>
+      <p:sp>
+        <p:nvSpPr>
+          <p:cNvPr id="4" name="Slide Number Placeholder 3"/>
+          <p:cNvSpPr>
+            <a:spLocks noGrp="1"/>
+          </p:cNvSpPr>
+          <p:nvPr>
+            <p:ph type="sldNum" sz="quarter" idx="12"/>
+          </p:nvPr>
+        </p:nvSpPr>
+        <p:spPr/>
+        <p:txBody>
+          <a:bodyPr/>
+          <a:lstStyle/>
+          <a:p>
+            <a:fld id="{8848E627-D06A-4F0E-98E2-3D90458BE48C}" type="slidenum">
+              <a:rPr lang="en-US" smtClean="0"/>
+              <a:t>12</a:t>
+            </a:fld>
+            <a:endParaRPr lang="en-US"/>
+          </a:p>
+        </p:txBody>
+      </p:sp>
+      <p:sp>
+        <p:nvSpPr>
+          <p:cNvPr id="5" name="Footer Placeholder 4"/>
+          <p:cNvSpPr>
+            <a:spLocks noGrp="1"/>
+          </p:cNvSpPr>
+          <p:nvPr>
+            <p:ph type="ftr" sz="quarter" idx="3"/>
+          </p:nvPr>
+        </p:nvSpPr>
+        <p:spPr/>
+        <p:txBody>
+          <a:bodyPr/>
+          <a:lstStyle/>
+          <a:p>
+            <a:r>
+              <a:rPr lang="en-US" smtClean="0"/>
+              <a:t>CONFIDENTIAL &amp; PROPRIETARY</a:t>
+            </a:r>
+            <a:endParaRPr lang="en-US" dirty="0"/>
+          </a:p>
+        </p:txBody>
+      </p:sp>
+      <p:sp>
+        <p:nvSpPr>
+          <p:cNvPr id="6" name="Date Placeholder 5"/>
+          <p:cNvSpPr>
+            <a:spLocks noGrp="1"/>
+          </p:cNvSpPr>
+          <p:nvPr>
+            <p:ph type="dt" sz="half" idx="10"/>
+          </p:nvPr>
+        </p:nvSpPr>
+        <p:spPr/>
+        <p:txBody>
+          <a:bodyPr/>
+          <a:lstStyle/>
+          <a:p>
             <a:fld id="{58C37697-90A4-4007-8C23-BAAA588B27B3}" type="datetime4">
               <a:rPr lang="en-US" smtClean="0"/>
-              <a:t>August 6, 2019</a:t>
+              <a:t>August 9, 2019</a:t>
+            </a:fld>
+            <a:endParaRPr lang="en-US" dirty="0"/>
+          </a:p>
+        </p:txBody>
+      </p:sp>
+    </p:spTree>
+    <p:extLst>
+      <p:ext uri="{BB962C8B-B14F-4D97-AF65-F5344CB8AC3E}">
+        <p14:creationId xmlns:p14="http://schemas.microsoft.com/office/powerpoint/2010/main" val="1444294383"/>
+      </p:ext>
+    </p:extLst>
+  </p:cSld>
+  <p:clrMapOvr>
+    <a:masterClrMapping/>
+  </p:clrMapOvr>
+</p:sld>
+</file>
+
+<file path=ppt/slides/slide13.xml><?xml version="1.0" encoding="utf-8"?>
+<p:sld xmlns:a="http://schemas.openxmlformats.org/drawingml/2006/main" xmlns:r="http://schemas.openxmlformats.org/officeDocument/2006/relationships" xmlns:p="http://schemas.openxmlformats.org/presentationml/2006/main">
+  <p:cSld>
+    <p:spTree>
+      <p:nvGrpSpPr>
+        <p:cNvPr id="1" name=""/>
+        <p:cNvGrpSpPr/>
+        <p:nvPr/>
+      </p:nvGrpSpPr>
+      <p:grpSpPr>
+        <a:xfrm>
+          <a:off x="0" y="0"/>
+          <a:ext cx="0" cy="0"/>
+          <a:chOff x="0" y="0"/>
+          <a:chExt cx="0" cy="0"/>
+        </a:xfrm>
+      </p:grpSpPr>
+      <p:sp>
+        <p:nvSpPr>
+          <p:cNvPr id="2" name="Title 1"/>
+          <p:cNvSpPr>
+            <a:spLocks noGrp="1"/>
+          </p:cNvSpPr>
+          <p:nvPr>
+            <p:ph type="title"/>
+          </p:nvPr>
+        </p:nvSpPr>
+        <p:spPr/>
+        <p:txBody>
+          <a:bodyPr/>
+          <a:lstStyle/>
+          <a:p>
+            <a:r>
+              <a:rPr lang="en-US" dirty="0" smtClean="0"/>
+              <a:t>Version Management</a:t>
+            </a:r>
+            <a:endParaRPr lang="en-US" dirty="0"/>
+          </a:p>
+        </p:txBody>
+      </p:sp>
+      <p:sp>
+        <p:nvSpPr>
+          <p:cNvPr id="3" name="Content Placeholder 2"/>
+          <p:cNvSpPr>
+            <a:spLocks noGrp="1"/>
+          </p:cNvSpPr>
+          <p:nvPr>
+            <p:ph idx="1"/>
+          </p:nvPr>
+        </p:nvSpPr>
+        <p:spPr>
+          <a:xfrm>
+            <a:off x="457200" y="1600200"/>
+            <a:ext cx="8229600" cy="4724400"/>
+          </a:xfrm>
+        </p:spPr>
+        <p:txBody>
+          <a:bodyPr>
+            <a:normAutofit fontScale="55000" lnSpcReduction="20000"/>
+          </a:bodyPr>
+          <a:lstStyle/>
+          <a:p>
+            <a:r>
+              <a:rPr lang="en-US" dirty="0" smtClean="0"/>
+              <a:t>We all share the same Shiny Servers. </a:t>
+            </a:r>
+          </a:p>
+          <a:p>
+            <a:pPr lvl="1">
+              <a:buFont typeface="Wingdings" panose="05000000000000000000" pitchFamily="2" charset="2"/>
+              <a:buChar char="à"/>
+            </a:pPr>
+            <a:r>
+              <a:rPr lang="en-US" sz="3200" dirty="0" smtClean="0">
+                <a:sym typeface="Wingdings" panose="05000000000000000000" pitchFamily="2" charset="2"/>
+              </a:rPr>
+              <a:t>We share the same </a:t>
+            </a:r>
+            <a:r>
+              <a:rPr lang="en-US" sz="3200" dirty="0" smtClean="0"/>
+              <a:t>R version and package versions on the server regardless of what you use locally. </a:t>
+            </a:r>
+          </a:p>
+          <a:p>
+            <a:endParaRPr lang="en-US" dirty="0" smtClean="0"/>
+          </a:p>
+          <a:p>
+            <a:r>
+              <a:rPr lang="en-US" dirty="0"/>
+              <a:t>C</a:t>
+            </a:r>
+            <a:r>
+              <a:rPr lang="en-US" dirty="0" smtClean="0"/>
+              <a:t>urrent R</a:t>
+            </a:r>
+            <a:r>
+              <a:rPr lang="en-US" dirty="0"/>
+              <a:t>: V</a:t>
+            </a:r>
+            <a:r>
+              <a:rPr lang="en-US" dirty="0" smtClean="0"/>
+              <a:t>ersion </a:t>
+            </a:r>
+            <a:r>
+              <a:rPr lang="en-US" dirty="0"/>
+              <a:t>3.4.4 (2018-03-15) -- "Someone to Lean </a:t>
+            </a:r>
+            <a:r>
+              <a:rPr lang="en-US" dirty="0" smtClean="0"/>
+              <a:t>On”</a:t>
+            </a:r>
+          </a:p>
+          <a:p>
+            <a:r>
+              <a:rPr lang="en-US" dirty="0" smtClean="0"/>
+              <a:t>We plan to update it on XXXXXXX. </a:t>
+            </a:r>
+          </a:p>
+          <a:p>
+            <a:pPr marL="971550" lvl="1" indent="-514350">
+              <a:buFont typeface="+mj-lt"/>
+              <a:buAutoNum type="arabicPeriod"/>
+            </a:pPr>
+            <a:r>
+              <a:rPr lang="en-US" dirty="0" smtClean="0"/>
+              <a:t>Agree on a version to install. </a:t>
+            </a:r>
+          </a:p>
+          <a:p>
+            <a:pPr marL="971550" lvl="1" indent="-514350">
+              <a:buFont typeface="+mj-lt"/>
+              <a:buAutoNum type="arabicPeriod"/>
+            </a:pPr>
+            <a:r>
+              <a:rPr lang="en-US" dirty="0" smtClean="0"/>
+              <a:t>Update Staging server. </a:t>
+            </a:r>
+          </a:p>
+          <a:p>
+            <a:pPr marL="971550" lvl="1" indent="-514350">
+              <a:buFont typeface="+mj-lt"/>
+              <a:buAutoNum type="arabicPeriod"/>
+            </a:pPr>
+            <a:r>
+              <a:rPr lang="en-US" dirty="0" smtClean="0"/>
+              <a:t>Everyone check apps. </a:t>
+            </a:r>
+          </a:p>
+          <a:p>
+            <a:pPr marL="971550" lvl="1" indent="-514350">
+              <a:buFont typeface="+mj-lt"/>
+              <a:buAutoNum type="arabicPeriod"/>
+            </a:pPr>
+            <a:r>
+              <a:rPr lang="en-US" dirty="0" smtClean="0"/>
+              <a:t>Update PROD. </a:t>
+            </a:r>
+          </a:p>
+          <a:p>
+            <a:r>
+              <a:rPr lang="en-US" dirty="0" smtClean="0"/>
+              <a:t>When you need to update a package for some reason, announce it to the entire group before updating it on PROD. </a:t>
+            </a:r>
+          </a:p>
+          <a:p>
+            <a:r>
+              <a:rPr lang="en-US" dirty="0" smtClean="0"/>
+              <a:t>Potential Solution: Look into packrat: </a:t>
+            </a:r>
+            <a:r>
+              <a:rPr lang="en-US" dirty="0">
+                <a:hlinkClick r:id="rId2"/>
+              </a:rPr>
+              <a:t>https://support.rstudio.com/hc/en-us/articles/216528108-Deploying-packrat-projects-to-Shiny-Server-Pro</a:t>
+            </a:r>
+            <a:endParaRPr lang="en-US" dirty="0" smtClean="0"/>
+          </a:p>
+          <a:p>
+            <a:endParaRPr lang="en-US" dirty="0" smtClean="0"/>
+          </a:p>
+          <a:p>
+            <a:r>
+              <a:rPr lang="en-US" dirty="0" smtClean="0"/>
+              <a:t>Known versioning issue: </a:t>
+            </a:r>
+          </a:p>
+          <a:p>
+            <a:pPr lvl="1"/>
+            <a:r>
+              <a:rPr lang="en-US" dirty="0" err="1" smtClean="0"/>
+              <a:t>Rds</a:t>
+            </a:r>
+            <a:r>
+              <a:rPr lang="en-US" dirty="0" smtClean="0"/>
+              <a:t> files created in R version 3.5 or higher is not readable in R version 3.4 or earlier. </a:t>
+            </a:r>
+          </a:p>
+          <a:p>
+            <a:endParaRPr lang="en-US" dirty="0"/>
+          </a:p>
+        </p:txBody>
+      </p:sp>
+      <p:sp>
+        <p:nvSpPr>
+          <p:cNvPr id="4" name="Slide Number Placeholder 3"/>
+          <p:cNvSpPr>
+            <a:spLocks noGrp="1"/>
+          </p:cNvSpPr>
+          <p:nvPr>
+            <p:ph type="sldNum" sz="quarter" idx="12"/>
+          </p:nvPr>
+        </p:nvSpPr>
+        <p:spPr/>
+        <p:txBody>
+          <a:bodyPr/>
+          <a:lstStyle/>
+          <a:p>
+            <a:fld id="{8848E627-D06A-4F0E-98E2-3D90458BE48C}" type="slidenum">
+              <a:rPr lang="en-US" smtClean="0"/>
+              <a:t>13</a:t>
+            </a:fld>
+            <a:endParaRPr lang="en-US"/>
+          </a:p>
+        </p:txBody>
+      </p:sp>
+      <p:sp>
+        <p:nvSpPr>
+          <p:cNvPr id="5" name="Footer Placeholder 4"/>
+          <p:cNvSpPr>
+            <a:spLocks noGrp="1"/>
+          </p:cNvSpPr>
+          <p:nvPr>
+            <p:ph type="ftr" sz="quarter" idx="3"/>
+          </p:nvPr>
+        </p:nvSpPr>
+        <p:spPr/>
+        <p:txBody>
+          <a:bodyPr/>
+          <a:lstStyle/>
+          <a:p>
+            <a:r>
+              <a:rPr lang="en-US" smtClean="0"/>
+              <a:t>CONFIDENTIAL &amp; PROPRIETARY</a:t>
+            </a:r>
+            <a:endParaRPr lang="en-US" dirty="0"/>
+          </a:p>
+        </p:txBody>
+      </p:sp>
+      <p:sp>
+        <p:nvSpPr>
+          <p:cNvPr id="6" name="Date Placeholder 5"/>
+          <p:cNvSpPr>
+            <a:spLocks noGrp="1"/>
+          </p:cNvSpPr>
+          <p:nvPr>
+            <p:ph type="dt" sz="half" idx="10"/>
+          </p:nvPr>
+        </p:nvSpPr>
+        <p:spPr/>
+        <p:txBody>
+          <a:bodyPr/>
+          <a:lstStyle/>
+          <a:p>
+            <a:fld id="{CAEF89AF-97FF-41FD-A810-843DAB910B39}" type="datetime4">
+              <a:rPr lang="en-US" smtClean="0"/>
+              <a:t>August 9, 2019</a:t>
+            </a:fld>
+            <a:endParaRPr lang="en-US" dirty="0"/>
+          </a:p>
+        </p:txBody>
+      </p:sp>
+    </p:spTree>
+    <p:extLst>
+      <p:ext uri="{BB962C8B-B14F-4D97-AF65-F5344CB8AC3E}">
+        <p14:creationId xmlns:p14="http://schemas.microsoft.com/office/powerpoint/2010/main" val="2873917718"/>
+      </p:ext>
+    </p:extLst>
+  </p:cSld>
+  <p:clrMapOvr>
+    <a:masterClrMapping/>
+  </p:clrMapOvr>
+</p:sld>
+</file>
+
+<file path=ppt/slides/slide14.xml><?xml version="1.0" encoding="utf-8"?>
+<p:sld xmlns:a="http://schemas.openxmlformats.org/drawingml/2006/main" xmlns:r="http://schemas.openxmlformats.org/officeDocument/2006/relationships" xmlns:p="http://schemas.openxmlformats.org/presentationml/2006/main">
+  <p:cSld>
+    <p:spTree>
+      <p:nvGrpSpPr>
+        <p:cNvPr id="1" name=""/>
+        <p:cNvGrpSpPr/>
+        <p:nvPr/>
+      </p:nvGrpSpPr>
+      <p:grpSpPr>
+        <a:xfrm>
+          <a:off x="0" y="0"/>
+          <a:ext cx="0" cy="0"/>
+          <a:chOff x="0" y="0"/>
+          <a:chExt cx="0" cy="0"/>
+        </a:xfrm>
+      </p:grpSpPr>
+      <p:sp>
+        <p:nvSpPr>
+          <p:cNvPr id="2" name="Title 1"/>
+          <p:cNvSpPr>
+            <a:spLocks noGrp="1"/>
+          </p:cNvSpPr>
+          <p:nvPr>
+            <p:ph type="title"/>
+          </p:nvPr>
+        </p:nvSpPr>
+        <p:spPr/>
+        <p:txBody>
+          <a:bodyPr/>
+          <a:lstStyle/>
+          <a:p>
+            <a:r>
+              <a:rPr lang="en-US" dirty="0" smtClean="0"/>
+              <a:t>One R Studio Account to Share</a:t>
+            </a:r>
+            <a:endParaRPr lang="en-US" dirty="0"/>
+          </a:p>
+        </p:txBody>
+      </p:sp>
+      <p:sp>
+        <p:nvSpPr>
+          <p:cNvPr id="3" name="Content Placeholder 2"/>
+          <p:cNvSpPr>
+            <a:spLocks noGrp="1"/>
+          </p:cNvSpPr>
+          <p:nvPr>
+            <p:ph idx="1"/>
+          </p:nvPr>
+        </p:nvSpPr>
+        <p:spPr/>
+        <p:txBody>
+          <a:bodyPr>
+            <a:normAutofit fontScale="92500" lnSpcReduction="20000"/>
+          </a:bodyPr>
+          <a:lstStyle/>
+          <a:p>
+            <a:r>
+              <a:rPr lang="en-US" dirty="0" smtClean="0"/>
+              <a:t>We currently use an open source R Studio Server on the Shiny Server. </a:t>
+            </a:r>
+          </a:p>
+          <a:p>
+            <a:pPr lvl="1"/>
+            <a:r>
+              <a:rPr lang="en-US" dirty="0" smtClean="0"/>
+              <a:t>It’s set up so that we can debug apps in the same </a:t>
+            </a:r>
+            <a:r>
+              <a:rPr lang="en-US" dirty="0" err="1" smtClean="0"/>
+              <a:t>linux</a:t>
+            </a:r>
+            <a:r>
+              <a:rPr lang="en-US" dirty="0" smtClean="0"/>
+              <a:t> environment. </a:t>
+            </a:r>
+          </a:p>
+          <a:p>
+            <a:r>
+              <a:rPr lang="en-US" dirty="0" smtClean="0"/>
+              <a:t>With the current settings, you may kick out someone when you login. Be aware. </a:t>
+            </a:r>
+          </a:p>
+          <a:p>
+            <a:r>
+              <a:rPr lang="en-US" dirty="0" smtClean="0"/>
+              <a:t>Please, please quite and close everything when you are done with what you are doing.</a:t>
+            </a:r>
+          </a:p>
+          <a:p>
+            <a:endParaRPr lang="en-US" dirty="0"/>
+          </a:p>
+          <a:p>
+            <a:r>
+              <a:rPr lang="en-US" dirty="0" smtClean="0"/>
+              <a:t>When this becomes an issue, we’ll discuss purchasing a license for Pro Studio Server. </a:t>
+            </a:r>
+            <a:endParaRPr lang="en-US" dirty="0"/>
+          </a:p>
+        </p:txBody>
+      </p:sp>
+      <p:sp>
+        <p:nvSpPr>
+          <p:cNvPr id="4" name="Slide Number Placeholder 3"/>
+          <p:cNvSpPr>
+            <a:spLocks noGrp="1"/>
+          </p:cNvSpPr>
+          <p:nvPr>
+            <p:ph type="sldNum" sz="quarter" idx="12"/>
+          </p:nvPr>
+        </p:nvSpPr>
+        <p:spPr/>
+        <p:txBody>
+          <a:bodyPr/>
+          <a:lstStyle/>
+          <a:p>
+            <a:fld id="{8848E627-D06A-4F0E-98E2-3D90458BE48C}" type="slidenum">
+              <a:rPr lang="en-US" smtClean="0"/>
+              <a:t>14</a:t>
+            </a:fld>
+            <a:endParaRPr lang="en-US"/>
+          </a:p>
+        </p:txBody>
+      </p:sp>
+      <p:sp>
+        <p:nvSpPr>
+          <p:cNvPr id="5" name="Footer Placeholder 4"/>
+          <p:cNvSpPr>
+            <a:spLocks noGrp="1"/>
+          </p:cNvSpPr>
+          <p:nvPr>
+            <p:ph type="ftr" sz="quarter" idx="3"/>
+          </p:nvPr>
+        </p:nvSpPr>
+        <p:spPr/>
+        <p:txBody>
+          <a:bodyPr/>
+          <a:lstStyle/>
+          <a:p>
+            <a:r>
+              <a:rPr lang="en-US" smtClean="0"/>
+              <a:t>CONFIDENTIAL &amp; PROPRIETARY</a:t>
+            </a:r>
+            <a:endParaRPr lang="en-US" dirty="0"/>
+          </a:p>
+        </p:txBody>
+      </p:sp>
+      <p:sp>
+        <p:nvSpPr>
+          <p:cNvPr id="6" name="Date Placeholder 5"/>
+          <p:cNvSpPr>
+            <a:spLocks noGrp="1"/>
+          </p:cNvSpPr>
+          <p:nvPr>
+            <p:ph type="dt" sz="half" idx="10"/>
+          </p:nvPr>
+        </p:nvSpPr>
+        <p:spPr/>
+        <p:txBody>
+          <a:bodyPr/>
+          <a:lstStyle/>
+          <a:p>
+            <a:fld id="{CAEF89AF-97FF-41FD-A810-843DAB910B39}" type="datetime4">
+              <a:rPr lang="en-US" smtClean="0"/>
+              <a:t>August 9, 2019</a:t>
+            </a:fld>
+            <a:endParaRPr lang="en-US" dirty="0"/>
+          </a:p>
+        </p:txBody>
+      </p:sp>
+    </p:spTree>
+    <p:extLst>
+      <p:ext uri="{BB962C8B-B14F-4D97-AF65-F5344CB8AC3E}">
+        <p14:creationId xmlns:p14="http://schemas.microsoft.com/office/powerpoint/2010/main" val="273371483"/>
+      </p:ext>
+    </p:extLst>
+  </p:cSld>
+  <p:clrMapOvr>
+    <a:masterClrMapping/>
+  </p:clrMapOvr>
+</p:sld>
+</file>
+
+<file path=ppt/slides/slide15.xml><?xml version="1.0" encoding="utf-8"?>
+<p:sld xmlns:a="http://schemas.openxmlformats.org/drawingml/2006/main" xmlns:r="http://schemas.openxmlformats.org/officeDocument/2006/relationships" xmlns:p="http://schemas.openxmlformats.org/presentationml/2006/main">
+  <p:cSld>
+    <p:spTree>
+      <p:nvGrpSpPr>
+        <p:cNvPr id="1" name=""/>
+        <p:cNvGrpSpPr/>
+        <p:nvPr/>
+      </p:nvGrpSpPr>
+      <p:grpSpPr>
+        <a:xfrm>
+          <a:off x="0" y="0"/>
+          <a:ext cx="0" cy="0"/>
+          <a:chOff x="0" y="0"/>
+          <a:chExt cx="0" cy="0"/>
+        </a:xfrm>
+      </p:grpSpPr>
+      <p:sp>
+        <p:nvSpPr>
+          <p:cNvPr id="2" name="Title 1"/>
+          <p:cNvSpPr>
+            <a:spLocks noGrp="1"/>
+          </p:cNvSpPr>
+          <p:nvPr>
+            <p:ph type="title"/>
+          </p:nvPr>
+        </p:nvSpPr>
+        <p:spPr/>
+        <p:txBody>
+          <a:bodyPr/>
+          <a:lstStyle/>
+          <a:p>
+            <a:r>
+              <a:rPr lang="en-US" dirty="0" smtClean="0"/>
+              <a:t>Concurrent Usages</a:t>
+            </a:r>
+            <a:endParaRPr lang="en-US" dirty="0"/>
+          </a:p>
+        </p:txBody>
+      </p:sp>
+      <p:sp>
+        <p:nvSpPr>
+          <p:cNvPr id="3" name="Content Placeholder 2"/>
+          <p:cNvSpPr>
+            <a:spLocks noGrp="1"/>
+          </p:cNvSpPr>
+          <p:nvPr>
+            <p:ph idx="1"/>
+          </p:nvPr>
+        </p:nvSpPr>
+        <p:spPr>
+          <a:xfrm>
+            <a:off x="457200" y="1600200"/>
+            <a:ext cx="6290104" cy="4800600"/>
+          </a:xfrm>
+        </p:spPr>
+        <p:txBody>
+          <a:bodyPr>
+            <a:normAutofit fontScale="77500" lnSpcReduction="20000"/>
+          </a:bodyPr>
+          <a:lstStyle/>
+          <a:p>
+            <a:r>
+              <a:rPr lang="en-US" dirty="0" smtClean="0"/>
+              <a:t>Single thread computation:</a:t>
+            </a:r>
+          </a:p>
+          <a:p>
+            <a:pPr lvl="1"/>
+            <a:r>
+              <a:rPr lang="en-US" sz="3500" dirty="0" smtClean="0"/>
+              <a:t>Per App.</a:t>
+            </a:r>
+          </a:p>
+          <a:p>
+            <a:pPr lvl="1"/>
+            <a:r>
+              <a:rPr lang="en-US" sz="3500" dirty="0" smtClean="0"/>
+              <a:t>Not Per User.</a:t>
+            </a:r>
+          </a:p>
+          <a:p>
+            <a:pPr lvl="1"/>
+            <a:r>
+              <a:rPr lang="en-US" sz="3500" dirty="0" smtClean="0"/>
+              <a:t>Not Per Instance.  </a:t>
+            </a:r>
+          </a:p>
+          <a:p>
+            <a:pPr lvl="1"/>
+            <a:endParaRPr lang="en-US" dirty="0"/>
+          </a:p>
+          <a:p>
+            <a:r>
+              <a:rPr lang="en-US" dirty="0" smtClean="0"/>
+              <a:t>User A’s computation could pause B and C’s app instances. </a:t>
+            </a:r>
+          </a:p>
+          <a:p>
+            <a:r>
+              <a:rPr lang="en-US" dirty="0" smtClean="0"/>
+              <a:t>Data loaded and cached when A opened the app could be utilized by B and C (depending on how you set it). </a:t>
+            </a:r>
+            <a:r>
+              <a:rPr lang="en-US" dirty="0" smtClean="0">
+                <a:sym typeface="Wingdings" panose="05000000000000000000" pitchFamily="2" charset="2"/>
+              </a:rPr>
+              <a:t> We’ll discuss this later. </a:t>
+            </a:r>
+            <a:endParaRPr lang="en-US" dirty="0" smtClean="0"/>
+          </a:p>
+          <a:p>
+            <a:r>
+              <a:rPr lang="en-US" dirty="0" smtClean="0"/>
+              <a:t>Potential Solutions</a:t>
+            </a:r>
+          </a:p>
+          <a:p>
+            <a:pPr lvl="1"/>
+            <a:r>
+              <a:rPr lang="en-US" dirty="0" smtClean="0"/>
+              <a:t>Futures &amp; promises. </a:t>
+            </a:r>
+          </a:p>
+          <a:p>
+            <a:pPr lvl="1"/>
+            <a:r>
+              <a:rPr lang="en-US" dirty="0" smtClean="0"/>
+              <a:t>Set up separate apps. </a:t>
+            </a:r>
+          </a:p>
+          <a:p>
+            <a:endParaRPr lang="en-US" dirty="0"/>
+          </a:p>
+        </p:txBody>
+      </p:sp>
+      <p:sp>
+        <p:nvSpPr>
+          <p:cNvPr id="4" name="Slide Number Placeholder 3"/>
+          <p:cNvSpPr>
+            <a:spLocks noGrp="1"/>
+          </p:cNvSpPr>
+          <p:nvPr>
+            <p:ph type="sldNum" sz="quarter" idx="12"/>
+          </p:nvPr>
+        </p:nvSpPr>
+        <p:spPr/>
+        <p:txBody>
+          <a:bodyPr/>
+          <a:lstStyle/>
+          <a:p>
+            <a:fld id="{8848E627-D06A-4F0E-98E2-3D90458BE48C}" type="slidenum">
+              <a:rPr lang="en-US" smtClean="0"/>
+              <a:t>15</a:t>
+            </a:fld>
+            <a:endParaRPr lang="en-US"/>
+          </a:p>
+        </p:txBody>
+      </p:sp>
+      <p:sp>
+        <p:nvSpPr>
+          <p:cNvPr id="5" name="Footer Placeholder 4"/>
+          <p:cNvSpPr>
+            <a:spLocks noGrp="1"/>
+          </p:cNvSpPr>
+          <p:nvPr>
+            <p:ph type="ftr" sz="quarter" idx="3"/>
+          </p:nvPr>
+        </p:nvSpPr>
+        <p:spPr/>
+        <p:txBody>
+          <a:bodyPr/>
+          <a:lstStyle/>
+          <a:p>
+            <a:r>
+              <a:rPr lang="en-US" smtClean="0"/>
+              <a:t>CONFIDENTIAL &amp; PROPRIETARY</a:t>
+            </a:r>
+            <a:endParaRPr lang="en-US" dirty="0"/>
+          </a:p>
+        </p:txBody>
+      </p:sp>
+      <p:sp>
+        <p:nvSpPr>
+          <p:cNvPr id="6" name="Date Placeholder 5"/>
+          <p:cNvSpPr>
+            <a:spLocks noGrp="1"/>
+          </p:cNvSpPr>
+          <p:nvPr>
+            <p:ph type="dt" sz="half" idx="10"/>
+          </p:nvPr>
+        </p:nvSpPr>
+        <p:spPr/>
+        <p:txBody>
+          <a:bodyPr/>
+          <a:lstStyle/>
+          <a:p>
+            <a:fld id="{CAEF89AF-97FF-41FD-A810-843DAB910B39}" type="datetime4">
+              <a:rPr lang="en-US" smtClean="0"/>
+              <a:t>August 9, 2019</a:t>
+            </a:fld>
+            <a:endParaRPr lang="en-US" dirty="0"/>
+          </a:p>
+        </p:txBody>
+      </p:sp>
+      <p:pic>
+        <p:nvPicPr>
+          <p:cNvPr id="1030" name="Picture 6" descr="Related image"/>
+          <p:cNvPicPr>
+            <a:picLocks noChangeAspect="1" noChangeArrowheads="1"/>
+          </p:cNvPicPr>
+          <p:nvPr/>
+        </p:nvPicPr>
+        <p:blipFill>
+          <a:blip r:embed="rId2" cstate="print">
+            <a:extLst>
+              <a:ext uri="{28A0092B-C50C-407E-A947-70E740481C1C}">
+                <a14:useLocalDpi xmlns:a14="http://schemas.microsoft.com/office/drawing/2010/main" val="0"/>
+              </a:ext>
+            </a:extLst>
+          </a:blip>
+          <a:srcRect/>
+          <a:stretch>
+            <a:fillRect/>
+          </a:stretch>
+        </p:blipFill>
+        <p:spPr bwMode="auto">
+          <a:xfrm>
+            <a:off x="7172764" y="3429122"/>
+            <a:ext cx="1026463" cy="1026463"/>
+          </a:xfrm>
+          <a:prstGeom prst="rect">
+            <a:avLst/>
+          </a:prstGeom>
+          <a:noFill/>
+          <a:extLst>
+            <a:ext uri="{909E8E84-426E-40DD-AFC4-6F175D3DCCD1}">
+              <a14:hiddenFill xmlns:a14="http://schemas.microsoft.com/office/drawing/2010/main">
+                <a:solidFill>
+                  <a:srgbClr val="FFFFFF"/>
+                </a:solidFill>
+              </a14:hiddenFill>
+            </a:ext>
+          </a:extLst>
+        </p:spPr>
+      </p:pic>
+      <p:pic>
+        <p:nvPicPr>
+          <p:cNvPr id="1032" name="Picture 8" descr="Image result for user icon"/>
+          <p:cNvPicPr>
+            <a:picLocks noChangeAspect="1" noChangeArrowheads="1"/>
+          </p:cNvPicPr>
+          <p:nvPr/>
+        </p:nvPicPr>
+        <p:blipFill>
+          <a:blip r:embed="rId3" cstate="print">
+            <a:duotone>
+              <a:schemeClr val="accent6">
+                <a:shade val="45000"/>
+                <a:satMod val="135000"/>
+              </a:schemeClr>
+              <a:prstClr val="white"/>
+            </a:duotone>
+            <a:extLst>
+              <a:ext uri="{28A0092B-C50C-407E-A947-70E740481C1C}">
+                <a14:useLocalDpi xmlns:a14="http://schemas.microsoft.com/office/drawing/2010/main" val="0"/>
+              </a:ext>
+            </a:extLst>
+          </a:blip>
+          <a:srcRect/>
+          <a:stretch>
+            <a:fillRect/>
+          </a:stretch>
+        </p:blipFill>
+        <p:spPr bwMode="auto">
+          <a:xfrm>
+            <a:off x="7884400" y="1634886"/>
+            <a:ext cx="1104897" cy="1104897"/>
+          </a:xfrm>
+          <a:prstGeom prst="rect">
+            <a:avLst/>
+          </a:prstGeom>
+          <a:noFill/>
+          <a:extLst>
+            <a:ext uri="{909E8E84-426E-40DD-AFC4-6F175D3DCCD1}">
+              <a14:hiddenFill xmlns:a14="http://schemas.microsoft.com/office/drawing/2010/main">
+                <a:solidFill>
+                  <a:srgbClr val="FFFFFF"/>
+                </a:solidFill>
+              </a14:hiddenFill>
+            </a:ext>
+          </a:extLst>
+        </p:spPr>
+      </p:pic>
+      <p:pic>
+        <p:nvPicPr>
+          <p:cNvPr id="11" name="Picture 8" descr="Image result for user icon"/>
+          <p:cNvPicPr>
+            <a:picLocks noChangeAspect="1" noChangeArrowheads="1"/>
+          </p:cNvPicPr>
+          <p:nvPr/>
+        </p:nvPicPr>
+        <p:blipFill>
+          <a:blip r:embed="rId3" cstate="print">
+            <a:duotone>
+              <a:schemeClr val="accent4">
+                <a:shade val="45000"/>
+                <a:satMod val="135000"/>
+              </a:schemeClr>
+              <a:prstClr val="white"/>
+            </a:duotone>
+            <a:extLst>
+              <a:ext uri="{28A0092B-C50C-407E-A947-70E740481C1C}">
+                <a14:useLocalDpi xmlns:a14="http://schemas.microsoft.com/office/drawing/2010/main" val="0"/>
+              </a:ext>
+            </a:extLst>
+          </a:blip>
+          <a:srcRect/>
+          <a:stretch>
+            <a:fillRect/>
+          </a:stretch>
+        </p:blipFill>
+        <p:spPr bwMode="auto">
+          <a:xfrm>
+            <a:off x="6698207" y="1634886"/>
+            <a:ext cx="1104897" cy="1104897"/>
+          </a:xfrm>
+          <a:prstGeom prst="rect">
+            <a:avLst/>
+          </a:prstGeom>
+          <a:noFill/>
+          <a:extLst>
+            <a:ext uri="{909E8E84-426E-40DD-AFC4-6F175D3DCCD1}">
+              <a14:hiddenFill xmlns:a14="http://schemas.microsoft.com/office/drawing/2010/main">
+                <a:solidFill>
+                  <a:srgbClr val="FFFFFF"/>
+                </a:solidFill>
+              </a14:hiddenFill>
+            </a:ext>
+          </a:extLst>
+        </p:spPr>
+      </p:pic>
+      <p:pic>
+        <p:nvPicPr>
+          <p:cNvPr id="12" name="Picture 8" descr="Image result for user icon"/>
+          <p:cNvPicPr>
+            <a:picLocks noChangeAspect="1" noChangeArrowheads="1"/>
+          </p:cNvPicPr>
+          <p:nvPr/>
+        </p:nvPicPr>
+        <p:blipFill>
+          <a:blip r:embed="rId3" cstate="print">
+            <a:duotone>
+              <a:schemeClr val="accent5">
+                <a:shade val="45000"/>
+                <a:satMod val="135000"/>
+              </a:schemeClr>
+              <a:prstClr val="white"/>
+            </a:duotone>
+            <a:extLst>
+              <a:ext uri="{28A0092B-C50C-407E-A947-70E740481C1C}">
+                <a14:useLocalDpi xmlns:a14="http://schemas.microsoft.com/office/drawing/2010/main" val="0"/>
+              </a:ext>
+            </a:extLst>
+          </a:blip>
+          <a:srcRect/>
+          <a:stretch>
+            <a:fillRect/>
+          </a:stretch>
+        </p:blipFill>
+        <p:spPr bwMode="auto">
+          <a:xfrm>
+            <a:off x="5518364" y="1634886"/>
+            <a:ext cx="1104897" cy="1104897"/>
+          </a:xfrm>
+          <a:prstGeom prst="rect">
+            <a:avLst/>
+          </a:prstGeom>
+          <a:noFill/>
+          <a:extLst>
+            <a:ext uri="{909E8E84-426E-40DD-AFC4-6F175D3DCCD1}">
+              <a14:hiddenFill xmlns:a14="http://schemas.microsoft.com/office/drawing/2010/main">
+                <a:solidFill>
+                  <a:srgbClr val="FFFFFF"/>
+                </a:solidFill>
+              </a14:hiddenFill>
+            </a:ext>
+          </a:extLst>
+        </p:spPr>
+      </p:pic>
+      <p:sp>
+        <p:nvSpPr>
+          <p:cNvPr id="7" name="TextBox 6"/>
+          <p:cNvSpPr txBox="1"/>
+          <p:nvPr/>
+        </p:nvSpPr>
+        <p:spPr>
+          <a:xfrm>
+            <a:off x="8277990" y="2294416"/>
+            <a:ext cx="317716" cy="369332"/>
+          </a:xfrm>
+          <a:prstGeom prst="rect">
+            <a:avLst/>
+          </a:prstGeom>
+          <a:noFill/>
+        </p:spPr>
+        <p:txBody>
+          <a:bodyPr wrap="none" rtlCol="0">
+            <a:spAutoFit/>
+          </a:bodyPr>
+          <a:lstStyle/>
+          <a:p>
+            <a:r>
+              <a:rPr lang="en-US" dirty="0" smtClean="0"/>
+              <a:t>A</a:t>
+            </a:r>
+            <a:endParaRPr lang="en-US" dirty="0"/>
+          </a:p>
+        </p:txBody>
+      </p:sp>
+      <p:sp>
+        <p:nvSpPr>
+          <p:cNvPr id="14" name="TextBox 13"/>
+          <p:cNvSpPr txBox="1"/>
+          <p:nvPr/>
+        </p:nvSpPr>
+        <p:spPr>
+          <a:xfrm>
+            <a:off x="7147827" y="2254036"/>
+            <a:ext cx="309700" cy="369332"/>
+          </a:xfrm>
+          <a:prstGeom prst="rect">
+            <a:avLst/>
+          </a:prstGeom>
+          <a:noFill/>
+        </p:spPr>
+        <p:txBody>
+          <a:bodyPr wrap="none" rtlCol="0">
+            <a:spAutoFit/>
+          </a:bodyPr>
+          <a:lstStyle/>
+          <a:p>
+            <a:r>
+              <a:rPr lang="en-US" dirty="0"/>
+              <a:t>B</a:t>
+            </a:r>
+            <a:endParaRPr lang="en-US" dirty="0"/>
+          </a:p>
+        </p:txBody>
+      </p:sp>
+      <p:sp>
+        <p:nvSpPr>
+          <p:cNvPr id="16" name="TextBox 15"/>
+          <p:cNvSpPr txBox="1"/>
+          <p:nvPr/>
+        </p:nvSpPr>
+        <p:spPr>
+          <a:xfrm>
+            <a:off x="5915962" y="2275531"/>
+            <a:ext cx="308098" cy="369332"/>
+          </a:xfrm>
+          <a:prstGeom prst="rect">
+            <a:avLst/>
+          </a:prstGeom>
+          <a:noFill/>
+        </p:spPr>
+        <p:txBody>
+          <a:bodyPr wrap="none" rtlCol="0">
+            <a:spAutoFit/>
+          </a:bodyPr>
+          <a:lstStyle/>
+          <a:p>
+            <a:r>
+              <a:rPr lang="en-US" dirty="0" smtClean="0"/>
+              <a:t>C</a:t>
+            </a:r>
+            <a:endParaRPr lang="en-US" dirty="0"/>
+          </a:p>
+        </p:txBody>
+      </p:sp>
+      <p:cxnSp>
+        <p:nvCxnSpPr>
+          <p:cNvPr id="9" name="Straight Arrow Connector 8"/>
+          <p:cNvCxnSpPr/>
+          <p:nvPr/>
+        </p:nvCxnSpPr>
+        <p:spPr>
+          <a:xfrm>
+            <a:off x="6400800" y="4572000"/>
+            <a:ext cx="2667000" cy="0"/>
+          </a:xfrm>
+          <a:prstGeom prst="straightConnector1">
+            <a:avLst/>
+          </a:prstGeom>
+          <a:ln>
+            <a:tailEnd type="triangle"/>
+          </a:ln>
+        </p:spPr>
+        <p:style>
+          <a:lnRef idx="1">
+            <a:schemeClr val="accent1"/>
+          </a:lnRef>
+          <a:fillRef idx="0">
+            <a:schemeClr val="accent1"/>
+          </a:fillRef>
+          <a:effectRef idx="0">
+            <a:schemeClr val="accent1"/>
+          </a:effectRef>
+          <a:fontRef idx="minor">
+            <a:schemeClr val="tx1"/>
+          </a:fontRef>
+        </p:style>
+      </p:cxnSp>
+      <p:sp>
+        <p:nvSpPr>
+          <p:cNvPr id="10" name="Rectangle 9"/>
+          <p:cNvSpPr/>
+          <p:nvPr/>
+        </p:nvSpPr>
+        <p:spPr>
+          <a:xfrm>
+            <a:off x="6858000" y="4343400"/>
+            <a:ext cx="152400" cy="304800"/>
+          </a:xfrm>
+          <a:prstGeom prst="rect">
+            <a:avLst/>
+          </a:prstGeom>
+        </p:spPr>
+        <p:style>
+          <a:lnRef idx="2">
+            <a:schemeClr val="accent5">
+              <a:shade val="50000"/>
+            </a:schemeClr>
+          </a:lnRef>
+          <a:fillRef idx="1">
+            <a:schemeClr val="accent5"/>
+          </a:fillRef>
+          <a:effectRef idx="0">
+            <a:schemeClr val="accent5"/>
+          </a:effectRef>
+          <a:fontRef idx="minor">
+            <a:schemeClr val="lt1"/>
+          </a:fontRef>
+        </p:style>
+        <p:txBody>
+          <a:bodyPr rtlCol="0" anchor="ctr"/>
+          <a:lstStyle/>
+          <a:p>
+            <a:pPr algn="ctr"/>
+            <a:endParaRPr lang="en-US"/>
+          </a:p>
+        </p:txBody>
+      </p:sp>
+      <p:sp>
+        <p:nvSpPr>
+          <p:cNvPr id="20" name="Rectangle 19"/>
+          <p:cNvSpPr/>
+          <p:nvPr/>
+        </p:nvSpPr>
+        <p:spPr>
+          <a:xfrm>
+            <a:off x="7053348" y="4343400"/>
+            <a:ext cx="94479" cy="304800"/>
+          </a:xfrm>
+          <a:prstGeom prst="rect">
+            <a:avLst/>
+          </a:prstGeom>
+        </p:spPr>
+        <p:style>
+          <a:lnRef idx="2">
+            <a:schemeClr val="accent4">
+              <a:shade val="50000"/>
+            </a:schemeClr>
+          </a:lnRef>
+          <a:fillRef idx="1">
+            <a:schemeClr val="accent4"/>
+          </a:fillRef>
+          <a:effectRef idx="0">
+            <a:schemeClr val="accent4"/>
+          </a:effectRef>
+          <a:fontRef idx="minor">
+            <a:schemeClr val="lt1"/>
+          </a:fontRef>
+        </p:style>
+        <p:txBody>
+          <a:bodyPr rtlCol="0" anchor="ctr"/>
+          <a:lstStyle/>
+          <a:p>
+            <a:pPr algn="ctr"/>
+            <a:endParaRPr lang="en-US"/>
+          </a:p>
+        </p:txBody>
+      </p:sp>
+      <p:sp>
+        <p:nvSpPr>
+          <p:cNvPr id="21" name="Rectangle 20"/>
+          <p:cNvSpPr/>
+          <p:nvPr/>
+        </p:nvSpPr>
+        <p:spPr>
+          <a:xfrm>
+            <a:off x="7190775" y="4343400"/>
+            <a:ext cx="152400" cy="304800"/>
+          </a:xfrm>
+          <a:prstGeom prst="rect">
+            <a:avLst/>
+          </a:prstGeom>
+        </p:spPr>
+        <p:style>
+          <a:lnRef idx="2">
+            <a:schemeClr val="accent4">
+              <a:shade val="50000"/>
+            </a:schemeClr>
+          </a:lnRef>
+          <a:fillRef idx="1">
+            <a:schemeClr val="accent4"/>
+          </a:fillRef>
+          <a:effectRef idx="0">
+            <a:schemeClr val="accent4"/>
+          </a:effectRef>
+          <a:fontRef idx="minor">
+            <a:schemeClr val="lt1"/>
+          </a:fontRef>
+        </p:style>
+        <p:txBody>
+          <a:bodyPr rtlCol="0" anchor="ctr"/>
+          <a:lstStyle/>
+          <a:p>
+            <a:pPr algn="ctr"/>
+            <a:endParaRPr lang="en-US"/>
+          </a:p>
+        </p:txBody>
+      </p:sp>
+      <p:sp>
+        <p:nvSpPr>
+          <p:cNvPr id="22" name="Rectangle 21"/>
+          <p:cNvSpPr/>
+          <p:nvPr/>
+        </p:nvSpPr>
+        <p:spPr>
+          <a:xfrm>
+            <a:off x="7449321" y="4343400"/>
+            <a:ext cx="94479" cy="304800"/>
+          </a:xfrm>
+          <a:prstGeom prst="rect">
+            <a:avLst/>
+          </a:prstGeom>
+        </p:spPr>
+        <p:style>
+          <a:lnRef idx="2">
+            <a:schemeClr val="accent5">
+              <a:shade val="50000"/>
+            </a:schemeClr>
+          </a:lnRef>
+          <a:fillRef idx="1">
+            <a:schemeClr val="accent5"/>
+          </a:fillRef>
+          <a:effectRef idx="0">
+            <a:schemeClr val="accent5"/>
+          </a:effectRef>
+          <a:fontRef idx="minor">
+            <a:schemeClr val="lt1"/>
+          </a:fontRef>
+        </p:style>
+        <p:txBody>
+          <a:bodyPr rtlCol="0" anchor="ctr"/>
+          <a:lstStyle/>
+          <a:p>
+            <a:pPr algn="ctr"/>
+            <a:endParaRPr lang="en-US"/>
+          </a:p>
+        </p:txBody>
+      </p:sp>
+      <p:sp>
+        <p:nvSpPr>
+          <p:cNvPr id="23" name="Rectangle 22"/>
+          <p:cNvSpPr/>
+          <p:nvPr/>
+        </p:nvSpPr>
+        <p:spPr>
+          <a:xfrm>
+            <a:off x="6722226" y="4343400"/>
+            <a:ext cx="94479" cy="304800"/>
+          </a:xfrm>
+          <a:prstGeom prst="rect">
+            <a:avLst/>
+          </a:prstGeom>
+        </p:spPr>
+        <p:style>
+          <a:lnRef idx="2">
+            <a:schemeClr val="accent6">
+              <a:shade val="50000"/>
+            </a:schemeClr>
+          </a:lnRef>
+          <a:fillRef idx="1">
+            <a:schemeClr val="accent6"/>
+          </a:fillRef>
+          <a:effectRef idx="0">
+            <a:schemeClr val="accent6"/>
+          </a:effectRef>
+          <a:fontRef idx="minor">
+            <a:schemeClr val="lt1"/>
+          </a:fontRef>
+        </p:style>
+        <p:txBody>
+          <a:bodyPr rtlCol="0" anchor="ctr"/>
+          <a:lstStyle/>
+          <a:p>
+            <a:pPr algn="ctr"/>
+            <a:endParaRPr lang="en-US"/>
+          </a:p>
+        </p:txBody>
+      </p:sp>
+      <p:sp>
+        <p:nvSpPr>
+          <p:cNvPr id="25" name="Rectangle 24"/>
+          <p:cNvSpPr/>
+          <p:nvPr/>
+        </p:nvSpPr>
+        <p:spPr>
+          <a:xfrm>
+            <a:off x="7607231" y="4346171"/>
+            <a:ext cx="927169" cy="304800"/>
+          </a:xfrm>
+          <a:prstGeom prst="rect">
+            <a:avLst/>
+          </a:prstGeom>
+        </p:spPr>
+        <p:style>
+          <a:lnRef idx="2">
+            <a:schemeClr val="accent6">
+              <a:shade val="50000"/>
+            </a:schemeClr>
+          </a:lnRef>
+          <a:fillRef idx="1">
+            <a:schemeClr val="accent6"/>
+          </a:fillRef>
+          <a:effectRef idx="0">
+            <a:schemeClr val="accent6"/>
+          </a:effectRef>
+          <a:fontRef idx="minor">
+            <a:schemeClr val="lt1"/>
+          </a:fontRef>
+        </p:style>
+        <p:txBody>
+          <a:bodyPr rtlCol="0" anchor="ctr"/>
+          <a:lstStyle/>
+          <a:p>
+            <a:pPr algn="ctr"/>
+            <a:endParaRPr lang="en-US"/>
+          </a:p>
+        </p:txBody>
+      </p:sp>
+      <p:sp>
+        <p:nvSpPr>
+          <p:cNvPr id="26" name="Rectangle 25"/>
+          <p:cNvSpPr/>
+          <p:nvPr/>
+        </p:nvSpPr>
+        <p:spPr>
+          <a:xfrm>
+            <a:off x="8554107" y="4343400"/>
+            <a:ext cx="91128" cy="304800"/>
+          </a:xfrm>
+          <a:prstGeom prst="rect">
+            <a:avLst/>
+          </a:prstGeom>
+        </p:spPr>
+        <p:style>
+          <a:lnRef idx="2">
+            <a:schemeClr val="accent4">
+              <a:shade val="50000"/>
+            </a:schemeClr>
+          </a:lnRef>
+          <a:fillRef idx="1">
+            <a:schemeClr val="accent4"/>
+          </a:fillRef>
+          <a:effectRef idx="0">
+            <a:schemeClr val="accent4"/>
+          </a:effectRef>
+          <a:fontRef idx="minor">
+            <a:schemeClr val="lt1"/>
+          </a:fontRef>
+        </p:style>
+        <p:txBody>
+          <a:bodyPr rtlCol="0" anchor="ctr"/>
+          <a:lstStyle/>
+          <a:p>
+            <a:pPr algn="ctr"/>
+            <a:endParaRPr lang="en-US"/>
+          </a:p>
+        </p:txBody>
+      </p:sp>
+      <p:sp>
+        <p:nvSpPr>
+          <p:cNvPr id="27" name="Rectangle 26"/>
+          <p:cNvSpPr/>
+          <p:nvPr/>
+        </p:nvSpPr>
+        <p:spPr>
+          <a:xfrm>
+            <a:off x="8668521" y="4343400"/>
+            <a:ext cx="94479" cy="304800"/>
+          </a:xfrm>
+          <a:prstGeom prst="rect">
+            <a:avLst/>
+          </a:prstGeom>
+        </p:spPr>
+        <p:style>
+          <a:lnRef idx="2">
+            <a:schemeClr val="accent5">
+              <a:shade val="50000"/>
+            </a:schemeClr>
+          </a:lnRef>
+          <a:fillRef idx="1">
+            <a:schemeClr val="accent5"/>
+          </a:fillRef>
+          <a:effectRef idx="0">
+            <a:schemeClr val="accent5"/>
+          </a:effectRef>
+          <a:fontRef idx="minor">
+            <a:schemeClr val="lt1"/>
+          </a:fontRef>
+        </p:style>
+        <p:txBody>
+          <a:bodyPr rtlCol="0" anchor="ctr"/>
+          <a:lstStyle/>
+          <a:p>
+            <a:pPr algn="ctr"/>
+            <a:endParaRPr lang="en-US"/>
+          </a:p>
+        </p:txBody>
+      </p:sp>
+      <p:cxnSp>
+        <p:nvCxnSpPr>
+          <p:cNvPr id="19" name="Straight Arrow Connector 18"/>
+          <p:cNvCxnSpPr/>
+          <p:nvPr/>
+        </p:nvCxnSpPr>
+        <p:spPr>
+          <a:xfrm>
+            <a:off x="6400800" y="2971800"/>
+            <a:ext cx="747027" cy="457322"/>
+          </a:xfrm>
+          <a:prstGeom prst="straightConnector1">
+            <a:avLst/>
+          </a:prstGeom>
+          <a:ln>
+            <a:headEnd type="none" w="med" len="med"/>
+            <a:tailEnd type="arrow" w="med" len="med"/>
+          </a:ln>
+        </p:spPr>
+        <p:style>
+          <a:lnRef idx="3">
+            <a:schemeClr val="accent5"/>
+          </a:lnRef>
+          <a:fillRef idx="0">
+            <a:schemeClr val="accent5"/>
+          </a:fillRef>
+          <a:effectRef idx="2">
+            <a:schemeClr val="accent5"/>
+          </a:effectRef>
+          <a:fontRef idx="minor">
+            <a:schemeClr val="tx1"/>
+          </a:fontRef>
+        </p:style>
+      </p:cxnSp>
+      <p:cxnSp>
+        <p:nvCxnSpPr>
+          <p:cNvPr id="31" name="Straight Arrow Connector 30"/>
+          <p:cNvCxnSpPr/>
+          <p:nvPr/>
+        </p:nvCxnSpPr>
+        <p:spPr>
+          <a:xfrm>
+            <a:off x="7310191" y="2882166"/>
+            <a:ext cx="147336" cy="540117"/>
+          </a:xfrm>
+          <a:prstGeom prst="straightConnector1">
+            <a:avLst/>
+          </a:prstGeom>
+          <a:ln>
+            <a:headEnd type="none" w="med" len="med"/>
+            <a:tailEnd type="arrow" w="med" len="med"/>
+          </a:ln>
+        </p:spPr>
+        <p:style>
+          <a:lnRef idx="3">
+            <a:schemeClr val="accent4"/>
+          </a:lnRef>
+          <a:fillRef idx="0">
+            <a:schemeClr val="accent4"/>
+          </a:fillRef>
+          <a:effectRef idx="2">
+            <a:schemeClr val="accent4"/>
+          </a:effectRef>
+          <a:fontRef idx="minor">
+            <a:schemeClr val="tx1"/>
+          </a:fontRef>
+        </p:style>
+      </p:cxnSp>
+      <p:cxnSp>
+        <p:nvCxnSpPr>
+          <p:cNvPr id="34" name="Straight Arrow Connector 33"/>
+          <p:cNvCxnSpPr/>
+          <p:nvPr/>
+        </p:nvCxnSpPr>
+        <p:spPr>
+          <a:xfrm flipH="1">
+            <a:off x="8020414" y="2814394"/>
+            <a:ext cx="416435" cy="614728"/>
+          </a:xfrm>
+          <a:prstGeom prst="straightConnector1">
+            <a:avLst/>
+          </a:prstGeom>
+          <a:ln>
+            <a:headEnd type="none" w="med" len="med"/>
+            <a:tailEnd type="arrow" w="med" len="med"/>
+          </a:ln>
+        </p:spPr>
+        <p:style>
+          <a:lnRef idx="3">
+            <a:schemeClr val="accent6"/>
+          </a:lnRef>
+          <a:fillRef idx="0">
+            <a:schemeClr val="accent6"/>
+          </a:fillRef>
+          <a:effectRef idx="2">
+            <a:schemeClr val="accent6"/>
+          </a:effectRef>
+          <a:fontRef idx="minor">
+            <a:schemeClr val="tx1"/>
+          </a:fontRef>
+        </p:style>
+      </p:cxnSp>
+    </p:spTree>
+    <p:extLst>
+      <p:ext uri="{BB962C8B-B14F-4D97-AF65-F5344CB8AC3E}">
+        <p14:creationId xmlns:p14="http://schemas.microsoft.com/office/powerpoint/2010/main" val="783556360"/>
+      </p:ext>
+    </p:extLst>
+  </p:cSld>
+  <p:clrMapOvr>
+    <a:masterClrMapping/>
+  </p:clrMapOvr>
+</p:sld>
+</file>
+
+<file path=ppt/slides/slide16.xml><?xml version="1.0" encoding="utf-8"?>
+<p:sld xmlns:a="http://schemas.openxmlformats.org/drawingml/2006/main" xmlns:r="http://schemas.openxmlformats.org/officeDocument/2006/relationships" xmlns:p="http://schemas.openxmlformats.org/presentationml/2006/main">
+  <p:cSld>
+    <p:spTree>
+      <p:nvGrpSpPr>
+        <p:cNvPr id="1" name=""/>
+        <p:cNvGrpSpPr/>
+        <p:nvPr/>
+      </p:nvGrpSpPr>
+      <p:grpSpPr>
+        <a:xfrm>
+          <a:off x="0" y="0"/>
+          <a:ext cx="0" cy="0"/>
+          <a:chOff x="0" y="0"/>
+          <a:chExt cx="0" cy="0"/>
+        </a:xfrm>
+      </p:grpSpPr>
+      <p:sp>
+        <p:nvSpPr>
+          <p:cNvPr id="4" name="Title 3"/>
+          <p:cNvSpPr>
+            <a:spLocks noGrp="1"/>
+          </p:cNvSpPr>
+          <p:nvPr>
+            <p:ph type="title"/>
+          </p:nvPr>
+        </p:nvSpPr>
+        <p:spPr/>
+        <p:txBody>
+          <a:bodyPr/>
+          <a:lstStyle/>
+          <a:p>
+            <a:endParaRPr lang="en-US"/>
+          </a:p>
+        </p:txBody>
+      </p:sp>
+      <p:sp>
+        <p:nvSpPr>
+          <p:cNvPr id="6" name="Text Placeholder 5"/>
+          <p:cNvSpPr>
+            <a:spLocks noGrp="1"/>
+          </p:cNvSpPr>
+          <p:nvPr>
+            <p:ph type="body" idx="1"/>
+          </p:nvPr>
+        </p:nvSpPr>
+        <p:spPr/>
+        <p:txBody>
+          <a:bodyPr/>
+          <a:lstStyle/>
+          <a:p>
+            <a:r>
+              <a:rPr lang="en-US" dirty="0" smtClean="0"/>
+              <a:t>Database Connections</a:t>
+            </a:r>
+            <a:endParaRPr lang="en-US" dirty="0"/>
+          </a:p>
+        </p:txBody>
+      </p:sp>
+      <p:sp>
+        <p:nvSpPr>
+          <p:cNvPr id="2" name="Slide Number Placeholder 1"/>
+          <p:cNvSpPr>
+            <a:spLocks noGrp="1"/>
+          </p:cNvSpPr>
+          <p:nvPr>
+            <p:ph type="sldNum" sz="quarter" idx="12"/>
+          </p:nvPr>
+        </p:nvSpPr>
+        <p:spPr/>
+        <p:txBody>
+          <a:bodyPr/>
+          <a:lstStyle/>
+          <a:p>
+            <a:fld id="{8848E627-D06A-4F0E-98E2-3D90458BE48C}" type="slidenum">
+              <a:rPr lang="en-US" smtClean="0"/>
+              <a:pPr/>
+              <a:t>16</a:t>
+            </a:fld>
+            <a:endParaRPr lang="en-US" dirty="0"/>
+          </a:p>
+        </p:txBody>
+      </p:sp>
+      <p:sp>
+        <p:nvSpPr>
+          <p:cNvPr id="5" name="Date Placeholder 4"/>
+          <p:cNvSpPr>
+            <a:spLocks noGrp="1"/>
+          </p:cNvSpPr>
+          <p:nvPr>
+            <p:ph type="dt" sz="half" idx="10"/>
+          </p:nvPr>
+        </p:nvSpPr>
+        <p:spPr/>
+        <p:txBody>
+          <a:bodyPr/>
+          <a:lstStyle/>
+          <a:p>
+            <a:fld id="{86768572-F13A-4AC8-B064-CDBF8DA91B73}" type="datetime4">
+              <a:rPr lang="en-US" smtClean="0"/>
+              <a:t>August 9, 2019</a:t>
+            </a:fld>
+            <a:endParaRPr lang="en-US" dirty="0"/>
+          </a:p>
+        </p:txBody>
+      </p:sp>
+      <p:sp>
+        <p:nvSpPr>
+          <p:cNvPr id="3" name="Footer Placeholder 2"/>
+          <p:cNvSpPr>
+            <a:spLocks noGrp="1"/>
+          </p:cNvSpPr>
+          <p:nvPr>
+            <p:ph type="ftr" sz="quarter" idx="4294967295"/>
+          </p:nvPr>
+        </p:nvSpPr>
+        <p:spPr>
+          <a:xfrm>
+            <a:off x="0" y="6477000"/>
+            <a:ext cx="2895600" cy="365125"/>
+          </a:xfrm>
+        </p:spPr>
+        <p:txBody>
+          <a:bodyPr/>
+          <a:lstStyle/>
+          <a:p>
+            <a:r>
+              <a:rPr lang="en-US" smtClean="0"/>
+              <a:t>CONFIDENTIAL &amp; PROPRIETARY</a:t>
+            </a:r>
+            <a:endParaRPr lang="en-US" dirty="0"/>
+          </a:p>
+        </p:txBody>
+      </p:sp>
+    </p:spTree>
+    <p:extLst>
+      <p:ext uri="{BB962C8B-B14F-4D97-AF65-F5344CB8AC3E}">
+        <p14:creationId xmlns:p14="http://schemas.microsoft.com/office/powerpoint/2010/main" val="3171441291"/>
+      </p:ext>
+    </p:extLst>
+  </p:cSld>
+  <p:clrMapOvr>
+    <a:masterClrMapping/>
+  </p:clrMapOvr>
+  <p:timing>
+    <p:tnLst>
+      <p:par>
+        <p:cTn id="1" dur="indefinite" restart="never" nodeType="tmRoot"/>
+      </p:par>
+    </p:tnLst>
+  </p:timing>
+</p:sld>
+</file>
+
+<file path=ppt/slides/slide17.xml><?xml version="1.0" encoding="utf-8"?>
+<p:sld xmlns:a="http://schemas.openxmlformats.org/drawingml/2006/main" xmlns:r="http://schemas.openxmlformats.org/officeDocument/2006/relationships" xmlns:p="http://schemas.openxmlformats.org/presentationml/2006/main">
+  <p:cSld>
+    <p:spTree>
+      <p:nvGrpSpPr>
+        <p:cNvPr id="1" name=""/>
+        <p:cNvGrpSpPr/>
+        <p:nvPr/>
+      </p:nvGrpSpPr>
+      <p:grpSpPr>
+        <a:xfrm>
+          <a:off x="0" y="0"/>
+          <a:ext cx="0" cy="0"/>
+          <a:chOff x="0" y="0"/>
+          <a:chExt cx="0" cy="0"/>
+        </a:xfrm>
+      </p:grpSpPr>
+      <p:sp>
+        <p:nvSpPr>
+          <p:cNvPr id="7" name="Title 6"/>
+          <p:cNvSpPr>
+            <a:spLocks noGrp="1"/>
+          </p:cNvSpPr>
+          <p:nvPr>
+            <p:ph type="title"/>
+          </p:nvPr>
+        </p:nvSpPr>
+        <p:spPr/>
+        <p:txBody>
+          <a:bodyPr/>
+          <a:lstStyle/>
+          <a:p>
+            <a:r>
+              <a:rPr lang="en-US" dirty="0" smtClean="0"/>
+              <a:t>Database connections</a:t>
+            </a:r>
+            <a:endParaRPr lang="en-US" dirty="0"/>
+          </a:p>
+        </p:txBody>
+      </p:sp>
+      <p:sp>
+        <p:nvSpPr>
+          <p:cNvPr id="8" name="Content Placeholder 7"/>
+          <p:cNvSpPr>
+            <a:spLocks noGrp="1"/>
+          </p:cNvSpPr>
+          <p:nvPr>
+            <p:ph idx="1"/>
+          </p:nvPr>
+        </p:nvSpPr>
+        <p:spPr>
+          <a:xfrm>
+            <a:off x="457200" y="1600200"/>
+            <a:ext cx="8229600" cy="4800600"/>
+          </a:xfrm>
+        </p:spPr>
+        <p:txBody>
+          <a:bodyPr>
+            <a:normAutofit fontScale="70000" lnSpcReduction="20000"/>
+          </a:bodyPr>
+          <a:lstStyle/>
+          <a:p>
+            <a:r>
+              <a:rPr lang="en-US" dirty="0" smtClean="0"/>
+              <a:t>Dev (Local)</a:t>
+            </a:r>
+          </a:p>
+          <a:p>
+            <a:pPr lvl="1"/>
+            <a:r>
+              <a:rPr lang="en-US" dirty="0" smtClean="0"/>
+              <a:t>No need to specify username/password in connection string. (Windows authentication used). </a:t>
+            </a:r>
+          </a:p>
+          <a:p>
+            <a:pPr lvl="1"/>
+            <a:r>
+              <a:rPr lang="en-US" dirty="0"/>
+              <a:t>"Driver={SQL Server}; Server=</a:t>
+            </a:r>
+            <a:r>
+              <a:rPr lang="en-US" dirty="0" err="1"/>
+              <a:t>SQLUAnalytics</a:t>
+            </a:r>
+            <a:r>
+              <a:rPr lang="en-US" dirty="0"/>
+              <a:t>; Database=</a:t>
+            </a:r>
+            <a:r>
+              <a:rPr lang="en-US" dirty="0" err="1"/>
+              <a:t>Ozette</a:t>
+            </a:r>
+            <a:r>
+              <a:rPr lang="en-US" dirty="0" smtClean="0"/>
+              <a:t>;“</a:t>
+            </a:r>
+          </a:p>
+          <a:p>
+            <a:pPr lvl="1"/>
+            <a:endParaRPr lang="en-US" dirty="0" smtClean="0"/>
+          </a:p>
+          <a:p>
+            <a:r>
+              <a:rPr lang="en-US" dirty="0" smtClean="0"/>
+              <a:t>Shiny servers (PROD or Staging)</a:t>
+            </a:r>
+          </a:p>
+          <a:p>
+            <a:pPr lvl="1"/>
+            <a:r>
+              <a:rPr lang="en-US" u="sng" dirty="0" smtClean="0"/>
+              <a:t>Need</a:t>
+            </a:r>
+            <a:r>
+              <a:rPr lang="en-US" dirty="0" smtClean="0"/>
+              <a:t> to specify username/password. (Ask DBA for a generic account). </a:t>
+            </a:r>
+          </a:p>
+          <a:p>
+            <a:pPr lvl="1"/>
+            <a:r>
+              <a:rPr lang="en-US" dirty="0"/>
+              <a:t>"Driver={ODBC Driver 17 for SQL Server}; Server=</a:t>
+            </a:r>
+            <a:r>
+              <a:rPr lang="en-US" dirty="0" err="1"/>
+              <a:t>SQLPAnalytics</a:t>
+            </a:r>
+            <a:r>
+              <a:rPr lang="en-US" dirty="0"/>
+              <a:t>; Database=</a:t>
+            </a:r>
+            <a:r>
+              <a:rPr lang="en-US" dirty="0" err="1"/>
+              <a:t>Ozette</a:t>
+            </a:r>
+            <a:r>
+              <a:rPr lang="en-US" dirty="0"/>
+              <a:t>; </a:t>
+            </a:r>
+            <a:r>
+              <a:rPr lang="en-US" dirty="0" err="1"/>
+              <a:t>Uid</a:t>
+            </a:r>
+            <a:r>
+              <a:rPr lang="en-US" dirty="0"/>
+              <a:t>=</a:t>
+            </a:r>
+            <a:r>
+              <a:rPr lang="en-US" dirty="0" err="1"/>
+              <a:t>shinyuser</a:t>
+            </a:r>
+            <a:r>
+              <a:rPr lang="en-US" dirty="0"/>
+              <a:t>; </a:t>
+            </a:r>
+            <a:r>
+              <a:rPr lang="en-US" dirty="0" err="1" smtClean="0"/>
+              <a:t>pwd</a:t>
+            </a:r>
+            <a:r>
+              <a:rPr lang="en-US" dirty="0" smtClean="0"/>
+              <a:t>=</a:t>
+            </a:r>
+            <a:r>
+              <a:rPr lang="en-US" dirty="0" err="1" smtClean="0"/>
+              <a:t>xxxxxxx</a:t>
+            </a:r>
+            <a:r>
+              <a:rPr lang="en-US" dirty="0" smtClean="0"/>
+              <a:t>;” </a:t>
+            </a:r>
+          </a:p>
+          <a:p>
+            <a:pPr lvl="2"/>
+            <a:r>
+              <a:rPr lang="en-US" dirty="0" smtClean="0"/>
+              <a:t>Can be used for ‘RODBC’ or ‘</a:t>
+            </a:r>
+            <a:r>
+              <a:rPr lang="en-US" dirty="0" err="1" smtClean="0"/>
+              <a:t>odbc</a:t>
+            </a:r>
+            <a:r>
+              <a:rPr lang="en-US" dirty="0" smtClean="0"/>
+              <a:t>’</a:t>
+            </a:r>
+          </a:p>
+          <a:p>
+            <a:pPr lvl="2"/>
+            <a:r>
+              <a:rPr lang="en-US" dirty="0" smtClean="0"/>
+              <a:t>Need to be updated when driver is updated. </a:t>
+            </a:r>
+            <a:endParaRPr lang="en-US" dirty="0"/>
+          </a:p>
+          <a:p>
+            <a:pPr lvl="1"/>
+            <a:r>
+              <a:rPr lang="en-US" dirty="0"/>
+              <a:t>"Driver</a:t>
+            </a:r>
+            <a:r>
+              <a:rPr lang="en-US" dirty="0" smtClean="0"/>
+              <a:t>={</a:t>
+            </a:r>
+            <a:r>
+              <a:rPr lang="en-US" dirty="0" err="1" smtClean="0"/>
+              <a:t>SQLServer</a:t>
+            </a:r>
+            <a:r>
+              <a:rPr lang="en-US" dirty="0"/>
+              <a:t>}; Server=</a:t>
+            </a:r>
+            <a:r>
+              <a:rPr lang="en-US" dirty="0" err="1"/>
+              <a:t>SQLPAnalytics</a:t>
+            </a:r>
+            <a:r>
+              <a:rPr lang="en-US" dirty="0"/>
+              <a:t>; Database=</a:t>
+            </a:r>
+            <a:r>
+              <a:rPr lang="en-US" dirty="0" err="1"/>
+              <a:t>Ozette</a:t>
+            </a:r>
+            <a:r>
+              <a:rPr lang="en-US" dirty="0"/>
+              <a:t>; </a:t>
+            </a:r>
+            <a:r>
+              <a:rPr lang="en-US" dirty="0" err="1"/>
+              <a:t>Uid</a:t>
+            </a:r>
+            <a:r>
+              <a:rPr lang="en-US" dirty="0"/>
+              <a:t>=</a:t>
+            </a:r>
+            <a:r>
+              <a:rPr lang="en-US" dirty="0" err="1"/>
+              <a:t>shinyuser</a:t>
+            </a:r>
+            <a:r>
+              <a:rPr lang="en-US" dirty="0"/>
+              <a:t>; </a:t>
+            </a:r>
+            <a:r>
+              <a:rPr lang="en-US" dirty="0" err="1"/>
+              <a:t>pwd</a:t>
+            </a:r>
+            <a:r>
+              <a:rPr lang="en-US" dirty="0"/>
+              <a:t>=</a:t>
+            </a:r>
+            <a:r>
+              <a:rPr lang="en-US" dirty="0" err="1"/>
+              <a:t>xxxxxxx</a:t>
+            </a:r>
+            <a:r>
+              <a:rPr lang="en-US" dirty="0"/>
+              <a:t>;” </a:t>
+            </a:r>
+            <a:endParaRPr lang="en-US" dirty="0" smtClean="0"/>
+          </a:p>
+          <a:p>
+            <a:pPr lvl="2"/>
+            <a:r>
+              <a:rPr lang="en-US" dirty="0" smtClean="0"/>
+              <a:t>Can be used for ‘</a:t>
+            </a:r>
+            <a:r>
+              <a:rPr lang="en-US" dirty="0" err="1" smtClean="0"/>
+              <a:t>odbc</a:t>
+            </a:r>
+            <a:r>
+              <a:rPr lang="en-US" dirty="0" smtClean="0"/>
+              <a:t>’ </a:t>
+            </a:r>
+          </a:p>
+          <a:p>
+            <a:pPr lvl="2"/>
+            <a:r>
+              <a:rPr lang="en-US" dirty="0" smtClean="0"/>
+              <a:t>Notice no space between SQL and Server. </a:t>
+            </a:r>
+          </a:p>
+          <a:p>
+            <a:pPr lvl="2"/>
+            <a:r>
+              <a:rPr lang="en-US" dirty="0" smtClean="0"/>
+              <a:t>No need to update when a driver is updated. </a:t>
+            </a:r>
+            <a:endParaRPr lang="en-US" dirty="0"/>
+          </a:p>
+        </p:txBody>
+      </p:sp>
+      <p:sp>
+        <p:nvSpPr>
+          <p:cNvPr id="4" name="Slide Number Placeholder 3"/>
+          <p:cNvSpPr>
+            <a:spLocks noGrp="1"/>
+          </p:cNvSpPr>
+          <p:nvPr>
+            <p:ph type="sldNum" sz="quarter" idx="12"/>
+          </p:nvPr>
+        </p:nvSpPr>
+        <p:spPr/>
+        <p:txBody>
+          <a:bodyPr/>
+          <a:lstStyle/>
+          <a:p>
+            <a:fld id="{8848E627-D06A-4F0E-98E2-3D90458BE48C}" type="slidenum">
+              <a:rPr lang="en-US" smtClean="0"/>
+              <a:t>17</a:t>
+            </a:fld>
+            <a:endParaRPr lang="en-US"/>
+          </a:p>
+        </p:txBody>
+      </p:sp>
+      <p:sp>
+        <p:nvSpPr>
+          <p:cNvPr id="5" name="Footer Placeholder 4"/>
+          <p:cNvSpPr>
+            <a:spLocks noGrp="1"/>
+          </p:cNvSpPr>
+          <p:nvPr>
+            <p:ph type="ftr" sz="quarter" idx="3"/>
+          </p:nvPr>
+        </p:nvSpPr>
+        <p:spPr/>
+        <p:txBody>
+          <a:bodyPr/>
+          <a:lstStyle/>
+          <a:p>
+            <a:r>
+              <a:rPr lang="en-US" smtClean="0"/>
+              <a:t>CONFIDENTIAL &amp; PROPRIETARY</a:t>
+            </a:r>
+            <a:endParaRPr lang="en-US" dirty="0"/>
+          </a:p>
+        </p:txBody>
+      </p:sp>
+      <p:sp>
+        <p:nvSpPr>
+          <p:cNvPr id="6" name="Date Placeholder 5"/>
+          <p:cNvSpPr>
+            <a:spLocks noGrp="1"/>
+          </p:cNvSpPr>
+          <p:nvPr>
+            <p:ph type="dt" sz="half" idx="10"/>
+          </p:nvPr>
+        </p:nvSpPr>
+        <p:spPr/>
+        <p:txBody>
+          <a:bodyPr/>
+          <a:lstStyle/>
+          <a:p>
+            <a:fld id="{58C37697-90A4-4007-8C23-BAAA588B27B3}" type="datetime4">
+              <a:rPr lang="en-US" smtClean="0"/>
+              <a:t>August 9, 2019</a:t>
+            </a:fld>
+            <a:endParaRPr lang="en-US" dirty="0"/>
+          </a:p>
+        </p:txBody>
+      </p:sp>
+      <p:sp>
+        <p:nvSpPr>
+          <p:cNvPr id="9" name="Rectangle 8"/>
+          <p:cNvSpPr/>
+          <p:nvPr/>
+        </p:nvSpPr>
+        <p:spPr>
+          <a:xfrm>
+            <a:off x="1295400" y="2514600"/>
+            <a:ext cx="6477000" cy="228600"/>
+          </a:xfrm>
+          <a:prstGeom prst="rect">
+            <a:avLst/>
+          </a:prstGeom>
+          <a:solidFill>
+            <a:srgbClr val="C0504D">
+              <a:alpha val="20000"/>
+            </a:srgbClr>
+          </a:solidFill>
+          <a:ln>
+            <a:noFill/>
+          </a:ln>
+        </p:spPr>
+        <p:style>
+          <a:lnRef idx="0">
+            <a:scrgbClr r="0" g="0" b="0"/>
+          </a:lnRef>
+          <a:fillRef idx="0">
+            <a:scrgbClr r="0" g="0" b="0"/>
+          </a:fillRef>
+          <a:effectRef idx="0">
+            <a:scrgbClr r="0" g="0" b="0"/>
+          </a:effectRef>
+          <a:fontRef idx="minor">
+            <a:schemeClr val="lt1"/>
+          </a:fontRef>
+        </p:style>
+        <p:txBody>
+          <a:bodyPr rtlCol="0" anchor="ctr"/>
+          <a:lstStyle/>
+          <a:p>
+            <a:pPr algn="ctr"/>
+            <a:endParaRPr lang="en-US"/>
+          </a:p>
+        </p:txBody>
+      </p:sp>
+      <p:sp>
+        <p:nvSpPr>
+          <p:cNvPr id="10" name="Rectangle 9"/>
+          <p:cNvSpPr/>
+          <p:nvPr/>
+        </p:nvSpPr>
+        <p:spPr>
+          <a:xfrm>
+            <a:off x="1295400" y="3771900"/>
+            <a:ext cx="6477000" cy="495300"/>
+          </a:xfrm>
+          <a:prstGeom prst="rect">
+            <a:avLst/>
+          </a:prstGeom>
+          <a:solidFill>
+            <a:srgbClr val="C0504D">
+              <a:alpha val="20000"/>
+            </a:srgbClr>
+          </a:solidFill>
+          <a:ln>
+            <a:noFill/>
+          </a:ln>
+        </p:spPr>
+        <p:style>
+          <a:lnRef idx="0">
+            <a:scrgbClr r="0" g="0" b="0"/>
+          </a:lnRef>
+          <a:fillRef idx="0">
+            <a:scrgbClr r="0" g="0" b="0"/>
+          </a:fillRef>
+          <a:effectRef idx="0">
+            <a:scrgbClr r="0" g="0" b="0"/>
+          </a:effectRef>
+          <a:fontRef idx="minor">
+            <a:schemeClr val="lt1"/>
+          </a:fontRef>
+        </p:style>
+        <p:txBody>
+          <a:bodyPr rtlCol="0" anchor="ctr"/>
+          <a:lstStyle/>
+          <a:p>
+            <a:pPr algn="ctr"/>
+            <a:endParaRPr lang="en-US"/>
+          </a:p>
+        </p:txBody>
+      </p:sp>
+      <p:sp>
+        <p:nvSpPr>
+          <p:cNvPr id="11" name="Rectangle 10"/>
+          <p:cNvSpPr/>
+          <p:nvPr/>
+        </p:nvSpPr>
+        <p:spPr>
+          <a:xfrm>
+            <a:off x="1295400" y="4800600"/>
+            <a:ext cx="6477000" cy="495300"/>
+          </a:xfrm>
+          <a:prstGeom prst="rect">
+            <a:avLst/>
+          </a:prstGeom>
+          <a:solidFill>
+            <a:srgbClr val="C0504D">
+              <a:alpha val="20000"/>
+            </a:srgbClr>
+          </a:solidFill>
+          <a:ln>
+            <a:noFill/>
+          </a:ln>
+        </p:spPr>
+        <p:style>
+          <a:lnRef idx="0">
+            <a:scrgbClr r="0" g="0" b="0"/>
+          </a:lnRef>
+          <a:fillRef idx="0">
+            <a:scrgbClr r="0" g="0" b="0"/>
+          </a:fillRef>
+          <a:effectRef idx="0">
+            <a:scrgbClr r="0" g="0" b="0"/>
+          </a:effectRef>
+          <a:fontRef idx="minor">
+            <a:schemeClr val="lt1"/>
+          </a:fontRef>
+        </p:style>
+        <p:txBody>
+          <a:bodyPr rtlCol="0" anchor="ctr"/>
+          <a:lstStyle/>
+          <a:p>
+            <a:pPr algn="ctr"/>
+            <a:endParaRPr lang="en-US"/>
+          </a:p>
+        </p:txBody>
+      </p:sp>
+    </p:spTree>
+    <p:extLst>
+      <p:ext uri="{BB962C8B-B14F-4D97-AF65-F5344CB8AC3E}">
+        <p14:creationId xmlns:p14="http://schemas.microsoft.com/office/powerpoint/2010/main" val="938644429"/>
+      </p:ext>
+    </p:extLst>
+  </p:cSld>
+  <p:clrMapOvr>
+    <a:masterClrMapping/>
+  </p:clrMapOvr>
+</p:sld>
+</file>
+
+<file path=ppt/slides/slide18.xml><?xml version="1.0" encoding="utf-8"?>
+<p:sld xmlns:a="http://schemas.openxmlformats.org/drawingml/2006/main" xmlns:r="http://schemas.openxmlformats.org/officeDocument/2006/relationships" xmlns:p="http://schemas.openxmlformats.org/presentationml/2006/main">
+  <p:cSld>
+    <p:spTree>
+      <p:nvGrpSpPr>
+        <p:cNvPr id="1" name=""/>
+        <p:cNvGrpSpPr/>
+        <p:nvPr/>
+      </p:nvGrpSpPr>
+      <p:grpSpPr>
+        <a:xfrm>
+          <a:off x="0" y="0"/>
+          <a:ext cx="0" cy="0"/>
+          <a:chOff x="0" y="0"/>
+          <a:chExt cx="0" cy="0"/>
+        </a:xfrm>
+      </p:grpSpPr>
+      <p:sp>
+        <p:nvSpPr>
+          <p:cNvPr id="2" name="Title 1"/>
+          <p:cNvSpPr>
+            <a:spLocks noGrp="1"/>
+          </p:cNvSpPr>
+          <p:nvPr>
+            <p:ph type="title"/>
+          </p:nvPr>
+        </p:nvSpPr>
+        <p:spPr/>
+        <p:txBody>
+          <a:bodyPr/>
+          <a:lstStyle/>
+          <a:p>
+            <a:r>
+              <a:rPr lang="en-US" dirty="0" smtClean="0"/>
+              <a:t>Managing connection strings</a:t>
+            </a:r>
+            <a:endParaRPr lang="en-US" dirty="0"/>
+          </a:p>
+        </p:txBody>
+      </p:sp>
+      <p:sp>
+        <p:nvSpPr>
+          <p:cNvPr id="3" name="Content Placeholder 2"/>
+          <p:cNvSpPr>
+            <a:spLocks noGrp="1"/>
+          </p:cNvSpPr>
+          <p:nvPr>
+            <p:ph idx="1"/>
+          </p:nvPr>
+        </p:nvSpPr>
+        <p:spPr>
+          <a:xfrm>
+            <a:off x="457200" y="1600200"/>
+            <a:ext cx="4160137" cy="4525963"/>
+          </a:xfrm>
+        </p:spPr>
+        <p:txBody>
+          <a:bodyPr/>
+          <a:lstStyle/>
+          <a:p>
+            <a:endParaRPr lang="en-US" dirty="0"/>
+          </a:p>
+        </p:txBody>
+      </p:sp>
+      <p:sp>
+        <p:nvSpPr>
+          <p:cNvPr id="4" name="Slide Number Placeholder 3"/>
+          <p:cNvSpPr>
+            <a:spLocks noGrp="1"/>
+          </p:cNvSpPr>
+          <p:nvPr>
+            <p:ph type="sldNum" sz="quarter" idx="12"/>
+          </p:nvPr>
+        </p:nvSpPr>
+        <p:spPr/>
+        <p:txBody>
+          <a:bodyPr/>
+          <a:lstStyle/>
+          <a:p>
+            <a:fld id="{8848E627-D06A-4F0E-98E2-3D90458BE48C}" type="slidenum">
+              <a:rPr lang="en-US" smtClean="0"/>
+              <a:t>18</a:t>
+            </a:fld>
+            <a:endParaRPr lang="en-US"/>
+          </a:p>
+        </p:txBody>
+      </p:sp>
+      <p:sp>
+        <p:nvSpPr>
+          <p:cNvPr id="5" name="Footer Placeholder 4"/>
+          <p:cNvSpPr>
+            <a:spLocks noGrp="1"/>
+          </p:cNvSpPr>
+          <p:nvPr>
+            <p:ph type="ftr" sz="quarter" idx="3"/>
+          </p:nvPr>
+        </p:nvSpPr>
+        <p:spPr/>
+        <p:txBody>
+          <a:bodyPr/>
+          <a:lstStyle/>
+          <a:p>
+            <a:r>
+              <a:rPr lang="en-US" smtClean="0"/>
+              <a:t>CONFIDENTIAL &amp; PROPRIETARY</a:t>
+            </a:r>
+            <a:endParaRPr lang="en-US" dirty="0"/>
+          </a:p>
+        </p:txBody>
+      </p:sp>
+      <p:sp>
+        <p:nvSpPr>
+          <p:cNvPr id="6" name="Date Placeholder 5"/>
+          <p:cNvSpPr>
+            <a:spLocks noGrp="1"/>
+          </p:cNvSpPr>
+          <p:nvPr>
+            <p:ph type="dt" sz="half" idx="10"/>
+          </p:nvPr>
+        </p:nvSpPr>
+        <p:spPr/>
+        <p:txBody>
+          <a:bodyPr/>
+          <a:lstStyle/>
+          <a:p>
+            <a:fld id="{CAEF89AF-97FF-41FD-A810-843DAB910B39}" type="datetime4">
+              <a:rPr lang="en-US" smtClean="0"/>
+              <a:t>August 9, 2019</a:t>
+            </a:fld>
+            <a:endParaRPr lang="en-US" dirty="0"/>
+          </a:p>
+        </p:txBody>
+      </p:sp>
+      <p:pic>
+        <p:nvPicPr>
+          <p:cNvPr id="8" name="Picture 7"/>
+          <p:cNvPicPr>
+            <a:picLocks noChangeAspect="1"/>
+          </p:cNvPicPr>
+          <p:nvPr/>
+        </p:nvPicPr>
+        <p:blipFill>
+          <a:blip r:embed="rId2"/>
+          <a:stretch>
+            <a:fillRect/>
+          </a:stretch>
+        </p:blipFill>
+        <p:spPr>
+          <a:xfrm>
+            <a:off x="4617337" y="1571074"/>
+            <a:ext cx="4238625" cy="2391326"/>
+          </a:xfrm>
+          <a:prstGeom prst="rect">
+            <a:avLst/>
+          </a:prstGeom>
+        </p:spPr>
+      </p:pic>
+      <p:pic>
+        <p:nvPicPr>
+          <p:cNvPr id="9" name="Picture 8"/>
+          <p:cNvPicPr>
+            <a:picLocks noChangeAspect="1"/>
+          </p:cNvPicPr>
+          <p:nvPr/>
+        </p:nvPicPr>
+        <p:blipFill>
+          <a:blip r:embed="rId3"/>
+          <a:stretch>
+            <a:fillRect/>
+          </a:stretch>
+        </p:blipFill>
+        <p:spPr>
+          <a:xfrm>
+            <a:off x="2743200" y="4038600"/>
+            <a:ext cx="6112762" cy="2158897"/>
+          </a:xfrm>
+          <a:prstGeom prst="rect">
+            <a:avLst/>
+          </a:prstGeom>
+        </p:spPr>
+      </p:pic>
+      <p:sp>
+        <p:nvSpPr>
+          <p:cNvPr id="10" name="Rectangle 9"/>
+          <p:cNvSpPr/>
+          <p:nvPr/>
+        </p:nvSpPr>
+        <p:spPr>
+          <a:xfrm>
+            <a:off x="3124200" y="4572000"/>
+            <a:ext cx="3779137" cy="152400"/>
+          </a:xfrm>
+          <a:prstGeom prst="rect">
+            <a:avLst/>
+          </a:prstGeom>
+          <a:solidFill>
+            <a:srgbClr val="C0504D">
+              <a:alpha val="20000"/>
+            </a:srgbClr>
+          </a:solidFill>
+          <a:ln>
+            <a:noFill/>
+          </a:ln>
+        </p:spPr>
+        <p:style>
+          <a:lnRef idx="0">
+            <a:scrgbClr r="0" g="0" b="0"/>
+          </a:lnRef>
+          <a:fillRef idx="0">
+            <a:scrgbClr r="0" g="0" b="0"/>
+          </a:fillRef>
+          <a:effectRef idx="0">
+            <a:scrgbClr r="0" g="0" b="0"/>
+          </a:effectRef>
+          <a:fontRef idx="minor">
+            <a:schemeClr val="lt1"/>
+          </a:fontRef>
+        </p:style>
+        <p:txBody>
+          <a:bodyPr rtlCol="0" anchor="ctr"/>
+          <a:lstStyle/>
+          <a:p>
+            <a:pPr algn="ctr"/>
+            <a:endParaRPr lang="en-US"/>
+          </a:p>
+        </p:txBody>
+      </p:sp>
+      <p:sp>
+        <p:nvSpPr>
+          <p:cNvPr id="11" name="Rectangle 10"/>
+          <p:cNvSpPr/>
+          <p:nvPr/>
+        </p:nvSpPr>
+        <p:spPr>
+          <a:xfrm>
+            <a:off x="3151909" y="5353237"/>
+            <a:ext cx="5839691" cy="133163"/>
+          </a:xfrm>
+          <a:prstGeom prst="rect">
+            <a:avLst/>
+          </a:prstGeom>
+          <a:solidFill>
+            <a:srgbClr val="C0504D">
+              <a:alpha val="20000"/>
+            </a:srgbClr>
+          </a:solidFill>
+          <a:ln>
+            <a:noFill/>
+          </a:ln>
+        </p:spPr>
+        <p:style>
+          <a:lnRef idx="0">
+            <a:scrgbClr r="0" g="0" b="0"/>
+          </a:lnRef>
+          <a:fillRef idx="0">
+            <a:scrgbClr r="0" g="0" b="0"/>
+          </a:fillRef>
+          <a:effectRef idx="0">
+            <a:scrgbClr r="0" g="0" b="0"/>
+          </a:effectRef>
+          <a:fontRef idx="minor">
+            <a:schemeClr val="lt1"/>
+          </a:fontRef>
+        </p:style>
+        <p:txBody>
+          <a:bodyPr rtlCol="0" anchor="ctr"/>
+          <a:lstStyle/>
+          <a:p>
+            <a:pPr algn="ctr"/>
+            <a:endParaRPr lang="en-US"/>
+          </a:p>
+        </p:txBody>
+      </p:sp>
+      <p:sp>
+        <p:nvSpPr>
+          <p:cNvPr id="13" name="Oval 12"/>
+          <p:cNvSpPr/>
+          <p:nvPr/>
+        </p:nvSpPr>
+        <p:spPr>
+          <a:xfrm>
+            <a:off x="6291348" y="5358939"/>
+            <a:ext cx="152400" cy="152400"/>
+          </a:xfrm>
+          <a:prstGeom prst="ellipse">
+            <a:avLst/>
+          </a:prstGeom>
+          <a:noFill/>
+          <a:ln w="9525" cap="flat" cmpd="sng" algn="ctr">
+            <a:solidFill>
+              <a:schemeClr val="accent2"/>
+            </a:solidFill>
+            <a:prstDash val="solid"/>
+            <a:round/>
+            <a:headEnd type="none" w="med" len="med"/>
+            <a:tailEnd type="none" w="med" len="med"/>
+          </a:ln>
+        </p:spPr>
+        <p:style>
+          <a:lnRef idx="0">
+            <a:scrgbClr r="0" g="0" b="0"/>
+          </a:lnRef>
+          <a:fillRef idx="0">
+            <a:scrgbClr r="0" g="0" b="0"/>
+          </a:fillRef>
+          <a:effectRef idx="0">
+            <a:scrgbClr r="0" g="0" b="0"/>
+          </a:effectRef>
+          <a:fontRef idx="minor">
+            <a:schemeClr val="accent2"/>
+          </a:fontRef>
+        </p:style>
+        <p:txBody>
+          <a:bodyPr rtlCol="0" anchor="ctr"/>
+          <a:lstStyle/>
+          <a:p>
+            <a:pPr algn="ctr"/>
+            <a:endParaRPr lang="en-US"/>
+          </a:p>
+        </p:txBody>
+      </p:sp>
+      <p:sp>
+        <p:nvSpPr>
+          <p:cNvPr id="14" name="Rectangle 13"/>
+          <p:cNvSpPr/>
+          <p:nvPr/>
+        </p:nvSpPr>
+        <p:spPr>
+          <a:xfrm>
+            <a:off x="3149139" y="6055663"/>
+            <a:ext cx="5839691" cy="133163"/>
+          </a:xfrm>
+          <a:prstGeom prst="rect">
+            <a:avLst/>
+          </a:prstGeom>
+          <a:solidFill>
+            <a:srgbClr val="C0504D">
+              <a:alpha val="20000"/>
+            </a:srgbClr>
+          </a:solidFill>
+          <a:ln>
+            <a:noFill/>
+          </a:ln>
+        </p:spPr>
+        <p:style>
+          <a:lnRef idx="0">
+            <a:scrgbClr r="0" g="0" b="0"/>
+          </a:lnRef>
+          <a:fillRef idx="0">
+            <a:scrgbClr r="0" g="0" b="0"/>
+          </a:fillRef>
+          <a:effectRef idx="0">
+            <a:scrgbClr r="0" g="0" b="0"/>
+          </a:effectRef>
+          <a:fontRef idx="minor">
+            <a:schemeClr val="lt1"/>
+          </a:fontRef>
+        </p:style>
+        <p:txBody>
+          <a:bodyPr rtlCol="0" anchor="ctr"/>
+          <a:lstStyle/>
+          <a:p>
+            <a:pPr algn="ctr"/>
+            <a:endParaRPr lang="en-US"/>
+          </a:p>
+        </p:txBody>
+      </p:sp>
+      <p:sp>
+        <p:nvSpPr>
+          <p:cNvPr id="15" name="Oval 14"/>
+          <p:cNvSpPr/>
+          <p:nvPr/>
+        </p:nvSpPr>
+        <p:spPr>
+          <a:xfrm>
+            <a:off x="6288578" y="6061365"/>
+            <a:ext cx="152400" cy="152400"/>
+          </a:xfrm>
+          <a:prstGeom prst="ellipse">
+            <a:avLst/>
+          </a:prstGeom>
+          <a:noFill/>
+          <a:ln w="9525" cap="flat" cmpd="sng" algn="ctr">
+            <a:solidFill>
+              <a:schemeClr val="accent2"/>
+            </a:solidFill>
+            <a:prstDash val="solid"/>
+            <a:round/>
+            <a:headEnd type="none" w="med" len="med"/>
+            <a:tailEnd type="none" w="med" len="med"/>
+          </a:ln>
+        </p:spPr>
+        <p:style>
+          <a:lnRef idx="0">
+            <a:scrgbClr r="0" g="0" b="0"/>
+          </a:lnRef>
+          <a:fillRef idx="0">
+            <a:scrgbClr r="0" g="0" b="0"/>
+          </a:fillRef>
+          <a:effectRef idx="0">
+            <a:scrgbClr r="0" g="0" b="0"/>
+          </a:effectRef>
+          <a:fontRef idx="minor">
+            <a:schemeClr val="accent2"/>
+          </a:fontRef>
+        </p:style>
+        <p:txBody>
+          <a:bodyPr rtlCol="0" anchor="ctr"/>
+          <a:lstStyle/>
+          <a:p>
+            <a:pPr algn="ctr"/>
+            <a:endParaRPr lang="en-US"/>
+          </a:p>
+        </p:txBody>
+      </p:sp>
+    </p:spTree>
+    <p:extLst>
+      <p:ext uri="{BB962C8B-B14F-4D97-AF65-F5344CB8AC3E}">
+        <p14:creationId xmlns:p14="http://schemas.microsoft.com/office/powerpoint/2010/main" val="2322579696"/>
+      </p:ext>
+    </p:extLst>
+  </p:cSld>
+  <p:clrMapOvr>
+    <a:masterClrMapping/>
+  </p:clrMapOvr>
+</p:sld>
+</file>
+
+<file path=ppt/slides/slide19.xml><?xml version="1.0" encoding="utf-8"?>
+<p:sld xmlns:a="http://schemas.openxmlformats.org/drawingml/2006/main" xmlns:r="http://schemas.openxmlformats.org/officeDocument/2006/relationships" xmlns:p="http://schemas.openxmlformats.org/presentationml/2006/main">
+  <p:cSld>
+    <p:spTree>
+      <p:nvGrpSpPr>
+        <p:cNvPr id="1" name=""/>
+        <p:cNvGrpSpPr/>
+        <p:nvPr/>
+      </p:nvGrpSpPr>
+      <p:grpSpPr>
+        <a:xfrm>
+          <a:off x="0" y="0"/>
+          <a:ext cx="0" cy="0"/>
+          <a:chOff x="0" y="0"/>
+          <a:chExt cx="0" cy="0"/>
+        </a:xfrm>
+      </p:grpSpPr>
+      <p:sp>
+        <p:nvSpPr>
+          <p:cNvPr id="2" name="Title 1"/>
+          <p:cNvSpPr>
+            <a:spLocks noGrp="1"/>
+          </p:cNvSpPr>
+          <p:nvPr>
+            <p:ph type="title"/>
+          </p:nvPr>
+        </p:nvSpPr>
+        <p:spPr/>
+        <p:txBody>
+          <a:bodyPr/>
+          <a:lstStyle/>
+          <a:p>
+            <a:r>
+              <a:rPr lang="en-US" dirty="0" err="1" smtClean="0"/>
+              <a:t>config</a:t>
+            </a:r>
+            <a:endParaRPr lang="en-US" dirty="0"/>
+          </a:p>
+        </p:txBody>
+      </p:sp>
+      <p:sp>
+        <p:nvSpPr>
+          <p:cNvPr id="3" name="Content Placeholder 2"/>
+          <p:cNvSpPr>
+            <a:spLocks noGrp="1"/>
+          </p:cNvSpPr>
+          <p:nvPr>
+            <p:ph idx="1"/>
+          </p:nvPr>
+        </p:nvSpPr>
+        <p:spPr/>
+        <p:txBody>
+          <a:bodyPr>
+            <a:normAutofit fontScale="85000" lnSpcReduction="10000"/>
+          </a:bodyPr>
+          <a:lstStyle/>
+          <a:p>
+            <a:r>
+              <a:rPr lang="en-US" dirty="0" smtClean="0"/>
+              <a:t>Use ‘</a:t>
+            </a:r>
+            <a:r>
+              <a:rPr lang="en-US" dirty="0" err="1" smtClean="0"/>
+              <a:t>config</a:t>
+            </a:r>
+            <a:r>
+              <a:rPr lang="en-US" dirty="0" smtClean="0"/>
+              <a:t>’ package for credential management. </a:t>
+            </a:r>
+          </a:p>
+          <a:p>
+            <a:pPr lvl="1"/>
+            <a:r>
+              <a:rPr lang="en-US" dirty="0" smtClean="0"/>
+              <a:t>Reason 1: directly typing in account info in the app code is not advised. </a:t>
+            </a:r>
+          </a:p>
+          <a:p>
+            <a:pPr lvl="1"/>
+            <a:r>
+              <a:rPr lang="en-US" dirty="0" smtClean="0"/>
+              <a:t>Reason 2: When </a:t>
+            </a:r>
+            <a:r>
+              <a:rPr lang="en-US" dirty="0" err="1" smtClean="0"/>
+              <a:t>config</a:t>
+            </a:r>
+            <a:r>
+              <a:rPr lang="en-US" dirty="0" smtClean="0"/>
+              <a:t> is stored somewhere other than in the code, deployment process is easier. </a:t>
+            </a:r>
+          </a:p>
+          <a:p>
+            <a:pPr lvl="1"/>
+            <a:r>
+              <a:rPr lang="en-US" dirty="0" smtClean="0"/>
+              <a:t>Reason 3: You can also manage file locations. (\</a:t>
+            </a:r>
+            <a:r>
+              <a:rPr lang="en-US" dirty="0" err="1" smtClean="0"/>
+              <a:t>mnt</a:t>
+            </a:r>
+            <a:r>
+              <a:rPr lang="en-US" dirty="0" smtClean="0"/>
+              <a:t>\...)</a:t>
+            </a:r>
+          </a:p>
+          <a:p>
+            <a:pPr lvl="1"/>
+            <a:endParaRPr lang="en-US" dirty="0"/>
+          </a:p>
+          <a:p>
+            <a:r>
+              <a:rPr lang="en-US" dirty="0" smtClean="0"/>
+              <a:t>You could use a generic account of a production server for development, but recommend against it. </a:t>
+            </a:r>
+          </a:p>
+          <a:p>
+            <a:pPr lvl="1"/>
+            <a:r>
+              <a:rPr lang="en-US" dirty="0" smtClean="0"/>
+              <a:t>PROD app ↔ PROD database server</a:t>
+            </a:r>
+          </a:p>
+          <a:p>
+            <a:pPr lvl="1"/>
+            <a:r>
+              <a:rPr lang="en-US" dirty="0" smtClean="0"/>
+              <a:t>Staging app ↔ UAT database server</a:t>
+            </a:r>
+          </a:p>
+          <a:p>
+            <a:pPr lvl="1"/>
+            <a:endParaRPr lang="en-US" dirty="0"/>
+          </a:p>
+        </p:txBody>
+      </p:sp>
+      <p:sp>
+        <p:nvSpPr>
+          <p:cNvPr id="4" name="Slide Number Placeholder 3"/>
+          <p:cNvSpPr>
+            <a:spLocks noGrp="1"/>
+          </p:cNvSpPr>
+          <p:nvPr>
+            <p:ph type="sldNum" sz="quarter" idx="12"/>
+          </p:nvPr>
+        </p:nvSpPr>
+        <p:spPr/>
+        <p:txBody>
+          <a:bodyPr/>
+          <a:lstStyle/>
+          <a:p>
+            <a:fld id="{8848E627-D06A-4F0E-98E2-3D90458BE48C}" type="slidenum">
+              <a:rPr lang="en-US" smtClean="0"/>
+              <a:t>19</a:t>
+            </a:fld>
+            <a:endParaRPr lang="en-US"/>
+          </a:p>
+        </p:txBody>
+      </p:sp>
+      <p:sp>
+        <p:nvSpPr>
+          <p:cNvPr id="5" name="Footer Placeholder 4"/>
+          <p:cNvSpPr>
+            <a:spLocks noGrp="1"/>
+          </p:cNvSpPr>
+          <p:nvPr>
+            <p:ph type="ftr" sz="quarter" idx="3"/>
+          </p:nvPr>
+        </p:nvSpPr>
+        <p:spPr/>
+        <p:txBody>
+          <a:bodyPr/>
+          <a:lstStyle/>
+          <a:p>
+            <a:r>
+              <a:rPr lang="en-US" smtClean="0"/>
+              <a:t>CONFIDENTIAL &amp; PROPRIETARY</a:t>
+            </a:r>
+            <a:endParaRPr lang="en-US" dirty="0"/>
+          </a:p>
+        </p:txBody>
+      </p:sp>
+      <p:sp>
+        <p:nvSpPr>
+          <p:cNvPr id="6" name="Date Placeholder 5"/>
+          <p:cNvSpPr>
+            <a:spLocks noGrp="1"/>
+          </p:cNvSpPr>
+          <p:nvPr>
+            <p:ph type="dt" sz="half" idx="10"/>
+          </p:nvPr>
+        </p:nvSpPr>
+        <p:spPr/>
+        <p:txBody>
+          <a:bodyPr/>
+          <a:lstStyle/>
+          <a:p>
+            <a:fld id="{CAEF89AF-97FF-41FD-A810-843DAB910B39}" type="datetime4">
+              <a:rPr lang="en-US" smtClean="0"/>
+              <a:t>August 9, 2019</a:t>
+            </a:fld>
+            <a:endParaRPr lang="en-US" dirty="0"/>
+          </a:p>
+        </p:txBody>
+      </p:sp>
+    </p:spTree>
+    <p:extLst>
+      <p:ext uri="{BB962C8B-B14F-4D97-AF65-F5344CB8AC3E}">
+        <p14:creationId xmlns:p14="http://schemas.microsoft.com/office/powerpoint/2010/main" val="959561766"/>
+      </p:ext>
+    </p:extLst>
+  </p:cSld>
+  <p:clrMapOvr>
+    <a:masterClrMapping/>
+  </p:clrMapOvr>
+</p:sld>
+</file>
+
+<file path=ppt/slides/slide2.xml><?xml version="1.0" encoding="utf-8"?>
+<p:sld xmlns:a="http://schemas.openxmlformats.org/drawingml/2006/main" xmlns:r="http://schemas.openxmlformats.org/officeDocument/2006/relationships" xmlns:p="http://schemas.openxmlformats.org/presentationml/2006/main">
+  <p:cSld>
+    <p:spTree>
+      <p:nvGrpSpPr>
+        <p:cNvPr id="1" name=""/>
+        <p:cNvGrpSpPr/>
+        <p:nvPr/>
+      </p:nvGrpSpPr>
+      <p:grpSpPr>
+        <a:xfrm>
+          <a:off x="0" y="0"/>
+          <a:ext cx="0" cy="0"/>
+          <a:chOff x="0" y="0"/>
+          <a:chExt cx="0" cy="0"/>
+        </a:xfrm>
+      </p:grpSpPr>
+      <p:sp>
+        <p:nvSpPr>
+          <p:cNvPr id="7" name="Title 6"/>
+          <p:cNvSpPr>
+            <a:spLocks noGrp="1"/>
+          </p:cNvSpPr>
+          <p:nvPr>
+            <p:ph type="title"/>
+          </p:nvPr>
+        </p:nvSpPr>
+        <p:spPr/>
+        <p:txBody>
+          <a:bodyPr/>
+          <a:lstStyle/>
+          <a:p>
+            <a:r>
+              <a:rPr lang="en-US" dirty="0" smtClean="0"/>
+              <a:t>To-Do List</a:t>
+            </a:r>
+            <a:endParaRPr lang="en-US" dirty="0"/>
+          </a:p>
+        </p:txBody>
+      </p:sp>
+      <p:sp>
+        <p:nvSpPr>
+          <p:cNvPr id="8" name="Content Placeholder 7"/>
+          <p:cNvSpPr>
+            <a:spLocks noGrp="1"/>
+          </p:cNvSpPr>
+          <p:nvPr>
+            <p:ph idx="1"/>
+          </p:nvPr>
+        </p:nvSpPr>
+        <p:spPr/>
+        <p:txBody>
+          <a:bodyPr>
+            <a:normAutofit/>
+          </a:bodyPr>
+          <a:lstStyle/>
+          <a:p>
+            <a:pPr marL="514350" indent="-514350">
+              <a:buFont typeface="+mj-lt"/>
+              <a:buAutoNum type="arabicPeriod"/>
+            </a:pPr>
+            <a:r>
+              <a:rPr lang="en-US" dirty="0" smtClean="0"/>
+              <a:t>Create a project that is synched up with GitHub “</a:t>
+            </a:r>
+            <a:r>
+              <a:rPr lang="en-US" dirty="0" err="1" smtClean="0"/>
+              <a:t>ShinyWorkshop</a:t>
+            </a:r>
+            <a:r>
+              <a:rPr lang="en-US" dirty="0" smtClean="0"/>
+              <a:t>” repo. </a:t>
+            </a:r>
+            <a:endParaRPr lang="en-US" dirty="0" smtClean="0"/>
+          </a:p>
+          <a:p>
+            <a:pPr marL="0" indent="0">
+              <a:buNone/>
+            </a:pPr>
+            <a:endParaRPr lang="en-US" dirty="0" smtClean="0"/>
+          </a:p>
+        </p:txBody>
+      </p:sp>
+      <p:sp>
+        <p:nvSpPr>
+          <p:cNvPr id="4" name="Slide Number Placeholder 3"/>
+          <p:cNvSpPr>
+            <a:spLocks noGrp="1"/>
+          </p:cNvSpPr>
+          <p:nvPr>
+            <p:ph type="sldNum" sz="quarter" idx="12"/>
+          </p:nvPr>
+        </p:nvSpPr>
+        <p:spPr/>
+        <p:txBody>
+          <a:bodyPr/>
+          <a:lstStyle/>
+          <a:p>
+            <a:fld id="{8848E627-D06A-4F0E-98E2-3D90458BE48C}" type="slidenum">
+              <a:rPr lang="en-US" smtClean="0"/>
+              <a:t>2</a:t>
+            </a:fld>
+            <a:endParaRPr lang="en-US"/>
+          </a:p>
+        </p:txBody>
+      </p:sp>
+      <p:sp>
+        <p:nvSpPr>
+          <p:cNvPr id="5" name="Footer Placeholder 4"/>
+          <p:cNvSpPr>
+            <a:spLocks noGrp="1"/>
+          </p:cNvSpPr>
+          <p:nvPr>
+            <p:ph type="ftr" sz="quarter" idx="3"/>
+          </p:nvPr>
+        </p:nvSpPr>
+        <p:spPr/>
+        <p:txBody>
+          <a:bodyPr/>
+          <a:lstStyle/>
+          <a:p>
+            <a:r>
+              <a:rPr lang="en-US" smtClean="0"/>
+              <a:t>CONFIDENTIAL &amp; PROPRIETARY</a:t>
+            </a:r>
+            <a:endParaRPr lang="en-US" dirty="0"/>
+          </a:p>
+        </p:txBody>
+      </p:sp>
+      <p:sp>
+        <p:nvSpPr>
+          <p:cNvPr id="6" name="Date Placeholder 5"/>
+          <p:cNvSpPr>
+            <a:spLocks noGrp="1"/>
+          </p:cNvSpPr>
+          <p:nvPr>
+            <p:ph type="dt" sz="half" idx="10"/>
+          </p:nvPr>
+        </p:nvSpPr>
+        <p:spPr/>
+        <p:txBody>
+          <a:bodyPr/>
+          <a:lstStyle/>
+          <a:p>
+            <a:fld id="{58C37697-90A4-4007-8C23-BAAA588B27B3}" type="datetime4">
+              <a:rPr lang="en-US" smtClean="0"/>
+              <a:t>August 9, 2019</a:t>
+            </a:fld>
+            <a:endParaRPr lang="en-US" dirty="0"/>
+          </a:p>
+        </p:txBody>
+      </p:sp>
+    </p:spTree>
+    <p:extLst>
+      <p:ext uri="{BB962C8B-B14F-4D97-AF65-F5344CB8AC3E}">
+        <p14:creationId xmlns:p14="http://schemas.microsoft.com/office/powerpoint/2010/main" val="941300768"/>
+      </p:ext>
+    </p:extLst>
+  </p:cSld>
+  <p:clrMapOvr>
+    <a:masterClrMapping/>
+  </p:clrMapOvr>
+  <p:timing>
+    <p:tnLst>
+      <p:par>
+        <p:cTn id="1" dur="indefinite" restart="never" nodeType="tmRoot"/>
+      </p:par>
+    </p:tnLst>
+  </p:timing>
+</p:sld>
+</file>
+
+<file path=ppt/slides/slide20.xml><?xml version="1.0" encoding="utf-8"?>
+<p:sld xmlns:a="http://schemas.openxmlformats.org/drawingml/2006/main" xmlns:r="http://schemas.openxmlformats.org/officeDocument/2006/relationships" xmlns:p="http://schemas.openxmlformats.org/presentationml/2006/main">
+  <p:cSld>
+    <p:spTree>
+      <p:nvGrpSpPr>
+        <p:cNvPr id="1" name=""/>
+        <p:cNvGrpSpPr/>
+        <p:nvPr/>
+      </p:nvGrpSpPr>
+      <p:grpSpPr>
+        <a:xfrm>
+          <a:off x="0" y="0"/>
+          <a:ext cx="0" cy="0"/>
+          <a:chOff x="0" y="0"/>
+          <a:chExt cx="0" cy="0"/>
+        </a:xfrm>
+      </p:grpSpPr>
+      <p:sp>
+        <p:nvSpPr>
+          <p:cNvPr id="7" name="Title 6"/>
+          <p:cNvSpPr>
+            <a:spLocks noGrp="1"/>
+          </p:cNvSpPr>
+          <p:nvPr>
+            <p:ph type="title"/>
+          </p:nvPr>
+        </p:nvSpPr>
+        <p:spPr/>
+        <p:txBody>
+          <a:bodyPr/>
+          <a:lstStyle/>
+          <a:p>
+            <a:endParaRPr lang="en-US"/>
+          </a:p>
+        </p:txBody>
+      </p:sp>
+      <p:sp>
+        <p:nvSpPr>
+          <p:cNvPr id="8" name="Text Placeholder 7"/>
+          <p:cNvSpPr>
+            <a:spLocks noGrp="1"/>
+          </p:cNvSpPr>
+          <p:nvPr>
+            <p:ph type="body" idx="1"/>
+          </p:nvPr>
+        </p:nvSpPr>
+        <p:spPr/>
+        <p:txBody>
+          <a:bodyPr/>
+          <a:lstStyle/>
+          <a:p>
+            <a:r>
+              <a:rPr lang="en-US" dirty="0" err="1" smtClean="0"/>
+              <a:t>Git</a:t>
+            </a:r>
+            <a:r>
+              <a:rPr lang="en-US" dirty="0" smtClean="0"/>
+              <a:t> &amp; GitHub</a:t>
+            </a:r>
+            <a:endParaRPr lang="en-US" dirty="0"/>
+          </a:p>
+        </p:txBody>
+      </p:sp>
+      <p:sp>
+        <p:nvSpPr>
+          <p:cNvPr id="4" name="Slide Number Placeholder 3"/>
+          <p:cNvSpPr>
+            <a:spLocks noGrp="1"/>
+          </p:cNvSpPr>
+          <p:nvPr>
+            <p:ph type="sldNum" sz="quarter" idx="12"/>
+          </p:nvPr>
+        </p:nvSpPr>
+        <p:spPr/>
+        <p:txBody>
+          <a:bodyPr/>
+          <a:lstStyle/>
+          <a:p>
+            <a:fld id="{8848E627-D06A-4F0E-98E2-3D90458BE48C}" type="slidenum">
+              <a:rPr lang="en-US" smtClean="0"/>
+              <a:t>20</a:t>
+            </a:fld>
+            <a:endParaRPr lang="en-US"/>
+          </a:p>
+        </p:txBody>
+      </p:sp>
+      <p:sp>
+        <p:nvSpPr>
+          <p:cNvPr id="5" name="Footer Placeholder 4"/>
+          <p:cNvSpPr>
+            <a:spLocks noGrp="1"/>
+          </p:cNvSpPr>
+          <p:nvPr>
+            <p:ph type="ftr" sz="quarter" idx="3"/>
+          </p:nvPr>
+        </p:nvSpPr>
+        <p:spPr/>
+        <p:txBody>
+          <a:bodyPr/>
+          <a:lstStyle/>
+          <a:p>
+            <a:r>
+              <a:rPr lang="en-US" smtClean="0"/>
+              <a:t>CONFIDENTIAL &amp; PROPRIETARY</a:t>
+            </a:r>
+            <a:endParaRPr lang="en-US" dirty="0"/>
+          </a:p>
+        </p:txBody>
+      </p:sp>
+      <p:sp>
+        <p:nvSpPr>
+          <p:cNvPr id="6" name="Date Placeholder 5"/>
+          <p:cNvSpPr>
+            <a:spLocks noGrp="1"/>
+          </p:cNvSpPr>
+          <p:nvPr>
+            <p:ph type="dt" sz="half" idx="10"/>
+          </p:nvPr>
+        </p:nvSpPr>
+        <p:spPr/>
+        <p:txBody>
+          <a:bodyPr/>
+          <a:lstStyle/>
+          <a:p>
+            <a:fld id="{CAEF89AF-97FF-41FD-A810-843DAB910B39}" type="datetime4">
+              <a:rPr lang="en-US" smtClean="0"/>
+              <a:t>August 9, 2019</a:t>
+            </a:fld>
+            <a:endParaRPr lang="en-US" dirty="0"/>
+          </a:p>
+        </p:txBody>
+      </p:sp>
+    </p:spTree>
+    <p:extLst>
+      <p:ext uri="{BB962C8B-B14F-4D97-AF65-F5344CB8AC3E}">
+        <p14:creationId xmlns:p14="http://schemas.microsoft.com/office/powerpoint/2010/main" val="3541054641"/>
+      </p:ext>
+    </p:extLst>
+  </p:cSld>
+  <p:clrMapOvr>
+    <a:masterClrMapping/>
+  </p:clrMapOvr>
+  <p:timing>
+    <p:tnLst>
+      <p:par>
+        <p:cTn id="1" dur="indefinite" restart="never" nodeType="tmRoot"/>
+      </p:par>
+    </p:tnLst>
+  </p:timing>
+</p:sld>
+</file>
+
+<file path=ppt/slides/slide21.xml><?xml version="1.0" encoding="utf-8"?>
+<p:sld xmlns:a="http://schemas.openxmlformats.org/drawingml/2006/main" xmlns:r="http://schemas.openxmlformats.org/officeDocument/2006/relationships" xmlns:p="http://schemas.openxmlformats.org/presentationml/2006/main">
+  <p:cSld>
+    <p:spTree>
+      <p:nvGrpSpPr>
+        <p:cNvPr id="1" name=""/>
+        <p:cNvGrpSpPr/>
+        <p:nvPr/>
+      </p:nvGrpSpPr>
+      <p:grpSpPr>
+        <a:xfrm>
+          <a:off x="0" y="0"/>
+          <a:ext cx="0" cy="0"/>
+          <a:chOff x="0" y="0"/>
+          <a:chExt cx="0" cy="0"/>
+        </a:xfrm>
+      </p:grpSpPr>
+      <p:sp>
+        <p:nvSpPr>
+          <p:cNvPr id="7" name="Title 6"/>
+          <p:cNvSpPr>
+            <a:spLocks noGrp="1"/>
+          </p:cNvSpPr>
+          <p:nvPr>
+            <p:ph type="title"/>
+          </p:nvPr>
+        </p:nvSpPr>
+        <p:spPr/>
+        <p:txBody>
+          <a:bodyPr/>
+          <a:lstStyle/>
+          <a:p>
+            <a:endParaRPr lang="en-US"/>
+          </a:p>
+        </p:txBody>
+      </p:sp>
+      <p:sp>
+        <p:nvSpPr>
+          <p:cNvPr id="8" name="Content Placeholder 7"/>
+          <p:cNvSpPr>
+            <a:spLocks noGrp="1"/>
+          </p:cNvSpPr>
+          <p:nvPr>
+            <p:ph idx="1"/>
+          </p:nvPr>
+        </p:nvSpPr>
+        <p:spPr/>
+        <p:txBody>
+          <a:bodyPr>
+            <a:normAutofit fontScale="62500" lnSpcReduction="20000"/>
+          </a:bodyPr>
+          <a:lstStyle/>
+          <a:p>
+            <a:pPr lvl="0"/>
+            <a:r>
+              <a:rPr lang="en-US" dirty="0"/>
+              <a:t>When it is a major changes to the code or anything important to note, please create an issue page first (</a:t>
+            </a:r>
+            <a:r>
+              <a:rPr lang="en-US" u="sng" dirty="0">
+                <a:hlinkClick r:id="rId2"/>
+              </a:rPr>
+              <a:t>https://github.com/TEA-Analytics/HedgeFox/issues</a:t>
+            </a:r>
+            <a:r>
+              <a:rPr lang="en-US" dirty="0"/>
+              <a:t>).  If it’s a very minor update, it’s not necessary. </a:t>
+            </a:r>
+          </a:p>
+          <a:p>
+            <a:r>
+              <a:rPr lang="en-US" dirty="0"/>
+              <a:t> </a:t>
+            </a:r>
+          </a:p>
+          <a:p>
+            <a:pPr lvl="0"/>
+            <a:r>
+              <a:rPr lang="en-US" dirty="0"/>
+              <a:t>Create a new branch off </a:t>
+            </a:r>
+            <a:r>
+              <a:rPr lang="en-US" u="sng" dirty="0"/>
+              <a:t>staging</a:t>
+            </a:r>
+            <a:r>
+              <a:rPr lang="en-US" dirty="0"/>
+              <a:t> branch. Make sure that the name of the branch is meaningful. </a:t>
+            </a:r>
+          </a:p>
+          <a:p>
+            <a:r>
+              <a:rPr lang="en-US" dirty="0"/>
+              <a:t> </a:t>
+            </a:r>
+          </a:p>
+          <a:p>
+            <a:pPr lvl="0"/>
+            <a:r>
+              <a:rPr lang="en-US" dirty="0"/>
+              <a:t>Commit your changes to the new branch. When doing so, please reference the issue number and some explanation. (See examples here: </a:t>
+            </a:r>
+            <a:r>
+              <a:rPr lang="en-US" u="sng" dirty="0">
+                <a:hlinkClick r:id="rId3"/>
+              </a:rPr>
+              <a:t>https://github.com/TEA-Analytics/HedgeFox/commits/master</a:t>
+            </a:r>
+            <a:r>
+              <a:rPr lang="en-US" dirty="0"/>
+              <a:t> Most of them starts from issue numbers.)</a:t>
+            </a:r>
+          </a:p>
+          <a:p>
+            <a:r>
+              <a:rPr lang="en-US" dirty="0"/>
+              <a:t> </a:t>
+            </a:r>
+          </a:p>
+          <a:p>
+            <a:pPr lvl="0"/>
+            <a:r>
+              <a:rPr lang="en-US" dirty="0"/>
+              <a:t>Then create a pull request for merging your changes to staging branch. </a:t>
+            </a:r>
+          </a:p>
+          <a:p>
+            <a:r>
+              <a:rPr lang="en-US" dirty="0"/>
+              <a:t> </a:t>
+            </a:r>
+          </a:p>
+          <a:p>
+            <a:pPr lvl="0"/>
+            <a:r>
+              <a:rPr lang="en-US" dirty="0"/>
+              <a:t>I’ll take it from there. </a:t>
+            </a:r>
+          </a:p>
+          <a:p>
+            <a:endParaRPr lang="en-US" dirty="0"/>
+          </a:p>
+        </p:txBody>
+      </p:sp>
+      <p:sp>
+        <p:nvSpPr>
+          <p:cNvPr id="4" name="Slide Number Placeholder 3"/>
+          <p:cNvSpPr>
+            <a:spLocks noGrp="1"/>
+          </p:cNvSpPr>
+          <p:nvPr>
+            <p:ph type="sldNum" sz="quarter" idx="12"/>
+          </p:nvPr>
+        </p:nvSpPr>
+        <p:spPr/>
+        <p:txBody>
+          <a:bodyPr/>
+          <a:lstStyle/>
+          <a:p>
+            <a:fld id="{8848E627-D06A-4F0E-98E2-3D90458BE48C}" type="slidenum">
+              <a:rPr lang="en-US" smtClean="0"/>
+              <a:t>21</a:t>
+            </a:fld>
+            <a:endParaRPr lang="en-US"/>
+          </a:p>
+        </p:txBody>
+      </p:sp>
+      <p:sp>
+        <p:nvSpPr>
+          <p:cNvPr id="5" name="Footer Placeholder 4"/>
+          <p:cNvSpPr>
+            <a:spLocks noGrp="1"/>
+          </p:cNvSpPr>
+          <p:nvPr>
+            <p:ph type="ftr" sz="quarter" idx="3"/>
+          </p:nvPr>
+        </p:nvSpPr>
+        <p:spPr/>
+        <p:txBody>
+          <a:bodyPr/>
+          <a:lstStyle/>
+          <a:p>
+            <a:r>
+              <a:rPr lang="en-US" smtClean="0"/>
+              <a:t>CONFIDENTIAL &amp; PROPRIETARY</a:t>
+            </a:r>
+            <a:endParaRPr lang="en-US" dirty="0"/>
+          </a:p>
+        </p:txBody>
+      </p:sp>
+      <p:sp>
+        <p:nvSpPr>
+          <p:cNvPr id="6" name="Date Placeholder 5"/>
+          <p:cNvSpPr>
+            <a:spLocks noGrp="1"/>
+          </p:cNvSpPr>
+          <p:nvPr>
+            <p:ph type="dt" sz="half" idx="10"/>
+          </p:nvPr>
+        </p:nvSpPr>
+        <p:spPr/>
+        <p:txBody>
+          <a:bodyPr/>
+          <a:lstStyle/>
+          <a:p>
+            <a:fld id="{58C37697-90A4-4007-8C23-BAAA588B27B3}" type="datetime4">
+              <a:rPr lang="en-US" smtClean="0"/>
+              <a:t>August 9, 2019</a:t>
+            </a:fld>
+            <a:endParaRPr lang="en-US" dirty="0"/>
+          </a:p>
+        </p:txBody>
+      </p:sp>
+    </p:spTree>
+    <p:extLst>
+      <p:ext uri="{BB962C8B-B14F-4D97-AF65-F5344CB8AC3E}">
+        <p14:creationId xmlns:p14="http://schemas.microsoft.com/office/powerpoint/2010/main" val="4225433575"/>
+      </p:ext>
+    </p:extLst>
+  </p:cSld>
+  <p:clrMapOvr>
+    <a:masterClrMapping/>
+  </p:clrMapOvr>
+</p:sld>
+</file>
+
+<file path=ppt/slides/slide22.xml><?xml version="1.0" encoding="utf-8"?>
+<p:sld xmlns:a="http://schemas.openxmlformats.org/drawingml/2006/main" xmlns:r="http://schemas.openxmlformats.org/officeDocument/2006/relationships" xmlns:p="http://schemas.openxmlformats.org/presentationml/2006/main">
+  <p:cSld>
+    <p:spTree>
+      <p:nvGrpSpPr>
+        <p:cNvPr id="1" name=""/>
+        <p:cNvGrpSpPr/>
+        <p:nvPr/>
+      </p:nvGrpSpPr>
+      <p:grpSpPr>
+        <a:xfrm>
+          <a:off x="0" y="0"/>
+          <a:ext cx="0" cy="0"/>
+          <a:chOff x="0" y="0"/>
+          <a:chExt cx="0" cy="0"/>
+        </a:xfrm>
+      </p:grpSpPr>
+      <p:sp>
+        <p:nvSpPr>
+          <p:cNvPr id="7" name="Title 6"/>
+          <p:cNvSpPr>
+            <a:spLocks noGrp="1"/>
+          </p:cNvSpPr>
+          <p:nvPr>
+            <p:ph type="title"/>
+          </p:nvPr>
+        </p:nvSpPr>
+        <p:spPr/>
+        <p:txBody>
+          <a:bodyPr/>
+          <a:lstStyle/>
+          <a:p>
+            <a:r>
+              <a:rPr lang="en-US" dirty="0" smtClean="0"/>
+              <a:t>Referencing Issue Number</a:t>
+            </a:r>
+            <a:endParaRPr lang="en-US" dirty="0"/>
+          </a:p>
+        </p:txBody>
+      </p:sp>
+      <p:sp>
+        <p:nvSpPr>
+          <p:cNvPr id="13" name="Content Placeholder 12"/>
+          <p:cNvSpPr>
+            <a:spLocks noGrp="1"/>
+          </p:cNvSpPr>
+          <p:nvPr>
+            <p:ph idx="1"/>
+          </p:nvPr>
+        </p:nvSpPr>
+        <p:spPr/>
+        <p:txBody>
+          <a:bodyPr/>
+          <a:lstStyle/>
+          <a:p>
+            <a:r>
+              <a:rPr lang="en-US" dirty="0"/>
+              <a:t>Any commits that references the issue number will automatically appear in the issue page so that it’s very easy to find commits that are related to particular issues. </a:t>
+            </a:r>
+            <a:endParaRPr lang="en-US" dirty="0" smtClean="0"/>
+          </a:p>
+          <a:p>
+            <a:r>
+              <a:rPr lang="en-US" dirty="0" smtClean="0"/>
+              <a:t>Or </a:t>
+            </a:r>
+            <a:r>
+              <a:rPr lang="en-US" dirty="0"/>
+              <a:t>vice versa, if you are looking at a history of commits, and want to know details, you can go to the actual code changes, or the issue page to find out more. </a:t>
+            </a:r>
+          </a:p>
+          <a:p>
+            <a:endParaRPr lang="en-US" dirty="0"/>
+          </a:p>
+          <a:p>
+            <a:endParaRPr lang="en-US" dirty="0"/>
+          </a:p>
+        </p:txBody>
+      </p:sp>
+      <p:sp>
+        <p:nvSpPr>
+          <p:cNvPr id="4" name="Slide Number Placeholder 3"/>
+          <p:cNvSpPr>
+            <a:spLocks noGrp="1"/>
+          </p:cNvSpPr>
+          <p:nvPr>
+            <p:ph type="sldNum" sz="quarter" idx="12"/>
+          </p:nvPr>
+        </p:nvSpPr>
+        <p:spPr/>
+        <p:txBody>
+          <a:bodyPr/>
+          <a:lstStyle/>
+          <a:p>
+            <a:fld id="{8848E627-D06A-4F0E-98E2-3D90458BE48C}" type="slidenum">
+              <a:rPr lang="en-US" smtClean="0"/>
+              <a:t>22</a:t>
+            </a:fld>
+            <a:endParaRPr lang="en-US"/>
+          </a:p>
+        </p:txBody>
+      </p:sp>
+      <p:sp>
+        <p:nvSpPr>
+          <p:cNvPr id="5" name="Footer Placeholder 4"/>
+          <p:cNvSpPr>
+            <a:spLocks noGrp="1"/>
+          </p:cNvSpPr>
+          <p:nvPr>
+            <p:ph type="ftr" sz="quarter" idx="3"/>
+          </p:nvPr>
+        </p:nvSpPr>
+        <p:spPr/>
+        <p:txBody>
+          <a:bodyPr/>
+          <a:lstStyle/>
+          <a:p>
+            <a:r>
+              <a:rPr lang="en-US" smtClean="0"/>
+              <a:t>CONFIDENTIAL &amp; PROPRIETARY</a:t>
+            </a:r>
+            <a:endParaRPr lang="en-US" dirty="0"/>
+          </a:p>
+        </p:txBody>
+      </p:sp>
+      <p:sp>
+        <p:nvSpPr>
+          <p:cNvPr id="6" name="Date Placeholder 5"/>
+          <p:cNvSpPr>
+            <a:spLocks noGrp="1"/>
+          </p:cNvSpPr>
+          <p:nvPr>
+            <p:ph type="dt" sz="half" idx="10"/>
+          </p:nvPr>
+        </p:nvSpPr>
+        <p:spPr/>
+        <p:txBody>
+          <a:bodyPr/>
+          <a:lstStyle/>
+          <a:p>
+            <a:fld id="{58C37697-90A4-4007-8C23-BAAA588B27B3}" type="datetime4">
+              <a:rPr lang="en-US" smtClean="0"/>
+              <a:t>August 9, 2019</a:t>
+            </a:fld>
+            <a:endParaRPr lang="en-US" dirty="0"/>
+          </a:p>
+        </p:txBody>
+      </p:sp>
+    </p:spTree>
+    <p:extLst>
+      <p:ext uri="{BB962C8B-B14F-4D97-AF65-F5344CB8AC3E}">
+        <p14:creationId xmlns:p14="http://schemas.microsoft.com/office/powerpoint/2010/main" val="1530425326"/>
+      </p:ext>
+    </p:extLst>
+  </p:cSld>
+  <p:clrMapOvr>
+    <a:masterClrMapping/>
+  </p:clrMapOvr>
+</p:sld>
+</file>
+
+<file path=ppt/slides/slide23.xml><?xml version="1.0" encoding="utf-8"?>
+<p:sld xmlns:a="http://schemas.openxmlformats.org/drawingml/2006/main" xmlns:r="http://schemas.openxmlformats.org/officeDocument/2006/relationships" xmlns:p="http://schemas.openxmlformats.org/presentationml/2006/main">
+  <p:cSld>
+    <p:spTree>
+      <p:nvGrpSpPr>
+        <p:cNvPr id="1" name=""/>
+        <p:cNvGrpSpPr/>
+        <p:nvPr/>
+      </p:nvGrpSpPr>
+      <p:grpSpPr>
+        <a:xfrm>
+          <a:off x="0" y="0"/>
+          <a:ext cx="0" cy="0"/>
+          <a:chOff x="0" y="0"/>
+          <a:chExt cx="0" cy="0"/>
+        </a:xfrm>
+      </p:grpSpPr>
+      <p:sp>
+        <p:nvSpPr>
+          <p:cNvPr id="6" name="Title 5"/>
+          <p:cNvSpPr>
+            <a:spLocks noGrp="1"/>
+          </p:cNvSpPr>
+          <p:nvPr>
+            <p:ph type="title"/>
+          </p:nvPr>
+        </p:nvSpPr>
+        <p:spPr/>
+        <p:txBody>
+          <a:bodyPr/>
+          <a:lstStyle/>
+          <a:p>
+            <a:endParaRPr lang="en-US"/>
+          </a:p>
+        </p:txBody>
+      </p:sp>
+      <p:sp>
+        <p:nvSpPr>
+          <p:cNvPr id="8" name="Text Placeholder 7"/>
+          <p:cNvSpPr>
+            <a:spLocks noGrp="1"/>
+          </p:cNvSpPr>
+          <p:nvPr>
+            <p:ph type="body" idx="1"/>
+          </p:nvPr>
+        </p:nvSpPr>
+        <p:spPr/>
+        <p:txBody>
+          <a:bodyPr/>
+          <a:lstStyle/>
+          <a:p>
+            <a:r>
+              <a:rPr lang="en-US" dirty="0" smtClean="0"/>
+              <a:t>Optimizing App Performance</a:t>
+            </a:r>
+            <a:endParaRPr lang="en-US" dirty="0"/>
+          </a:p>
+        </p:txBody>
+      </p:sp>
+      <p:sp>
+        <p:nvSpPr>
+          <p:cNvPr id="4" name="Slide Number Placeholder 3"/>
+          <p:cNvSpPr>
+            <a:spLocks noGrp="1"/>
+          </p:cNvSpPr>
+          <p:nvPr>
+            <p:ph type="sldNum" sz="quarter" idx="12"/>
+          </p:nvPr>
+        </p:nvSpPr>
+        <p:spPr/>
+        <p:txBody>
+          <a:bodyPr/>
+          <a:lstStyle/>
+          <a:p>
+            <a:fld id="{8848E627-D06A-4F0E-98E2-3D90458BE48C}" type="slidenum">
+              <a:rPr lang="en-US" smtClean="0"/>
+              <a:t>23</a:t>
+            </a:fld>
+            <a:endParaRPr lang="en-US"/>
+          </a:p>
+        </p:txBody>
+      </p:sp>
+      <p:sp>
+        <p:nvSpPr>
+          <p:cNvPr id="5" name="Footer Placeholder 4"/>
+          <p:cNvSpPr>
+            <a:spLocks noGrp="1"/>
+          </p:cNvSpPr>
+          <p:nvPr>
+            <p:ph type="ftr" sz="quarter" idx="3"/>
+          </p:nvPr>
+        </p:nvSpPr>
+        <p:spPr/>
+        <p:txBody>
+          <a:bodyPr/>
+          <a:lstStyle/>
+          <a:p>
+            <a:r>
+              <a:rPr lang="en-US" smtClean="0"/>
+              <a:t>CONFIDENTIAL &amp; PROPRIETARY</a:t>
+            </a:r>
+            <a:endParaRPr lang="en-US" dirty="0"/>
+          </a:p>
+        </p:txBody>
+      </p:sp>
+      <p:sp>
+        <p:nvSpPr>
+          <p:cNvPr id="7" name="Date Placeholder 6"/>
+          <p:cNvSpPr>
+            <a:spLocks noGrp="1"/>
+          </p:cNvSpPr>
+          <p:nvPr>
+            <p:ph type="dt" sz="half" idx="10"/>
+          </p:nvPr>
+        </p:nvSpPr>
+        <p:spPr/>
+        <p:txBody>
+          <a:bodyPr/>
+          <a:lstStyle/>
+          <a:p>
+            <a:fld id="{CDB6A48C-7D50-4342-AD40-34A91176B866}" type="datetime4">
+              <a:rPr lang="en-US" smtClean="0"/>
+              <a:t>August 9, 2019</a:t>
+            </a:fld>
+            <a:endParaRPr lang="en-US" dirty="0"/>
+          </a:p>
+        </p:txBody>
+      </p:sp>
+    </p:spTree>
+    <p:extLst>
+      <p:ext uri="{BB962C8B-B14F-4D97-AF65-F5344CB8AC3E}">
+        <p14:creationId xmlns:p14="http://schemas.microsoft.com/office/powerpoint/2010/main" val="1778901869"/>
+      </p:ext>
+    </p:extLst>
+  </p:cSld>
+  <p:clrMapOvr>
+    <a:masterClrMapping/>
+  </p:clrMapOvr>
+  <p:timing>
+    <p:tnLst>
+      <p:par>
+        <p:cTn id="1" dur="indefinite" restart="never" nodeType="tmRoot"/>
+      </p:par>
+    </p:tnLst>
+  </p:timing>
+</p:sld>
+</file>
+
+<file path=ppt/slides/slide24.xml><?xml version="1.0" encoding="utf-8"?>
+<p:sld xmlns:a="http://schemas.openxmlformats.org/drawingml/2006/main" xmlns:r="http://schemas.openxmlformats.org/officeDocument/2006/relationships" xmlns:p="http://schemas.openxmlformats.org/presentationml/2006/main">
+  <p:cSld>
+    <p:spTree>
+      <p:nvGrpSpPr>
+        <p:cNvPr id="1" name=""/>
+        <p:cNvGrpSpPr/>
+        <p:nvPr/>
+      </p:nvGrpSpPr>
+      <p:grpSpPr>
+        <a:xfrm>
+          <a:off x="0" y="0"/>
+          <a:ext cx="0" cy="0"/>
+          <a:chOff x="0" y="0"/>
+          <a:chExt cx="0" cy="0"/>
+        </a:xfrm>
+      </p:grpSpPr>
+      <p:sp>
+        <p:nvSpPr>
+          <p:cNvPr id="7" name="Title 6"/>
+          <p:cNvSpPr>
+            <a:spLocks noGrp="1"/>
+          </p:cNvSpPr>
+          <p:nvPr>
+            <p:ph type="title"/>
+          </p:nvPr>
+        </p:nvSpPr>
+        <p:spPr/>
+        <p:txBody>
+          <a:bodyPr/>
+          <a:lstStyle/>
+          <a:p>
+            <a:r>
+              <a:rPr lang="en-US" dirty="0" smtClean="0"/>
+              <a:t>User Psychology on Wait Time</a:t>
+            </a:r>
+            <a:endParaRPr lang="en-US" dirty="0"/>
+          </a:p>
+        </p:txBody>
+      </p:sp>
+      <p:sp>
+        <p:nvSpPr>
+          <p:cNvPr id="8" name="Content Placeholder 7"/>
+          <p:cNvSpPr>
+            <a:spLocks noGrp="1"/>
+          </p:cNvSpPr>
+          <p:nvPr>
+            <p:ph idx="1"/>
+          </p:nvPr>
+        </p:nvSpPr>
+        <p:spPr/>
+        <p:txBody>
+          <a:bodyPr/>
+          <a:lstStyle/>
+          <a:p>
+            <a:r>
+              <a:rPr lang="en-US" dirty="0" smtClean="0"/>
+              <a:t>Users are generally more tolerant to waiting for the app to load at the start than waiting intermittently. </a:t>
+            </a:r>
+          </a:p>
+          <a:p>
+            <a:r>
+              <a:rPr lang="en-US" dirty="0" smtClean="0"/>
+              <a:t>Getting information on the wait time helps users manage their expectations. </a:t>
+            </a:r>
+          </a:p>
+          <a:p>
+            <a:pPr lvl="1"/>
+            <a:r>
+              <a:rPr lang="en-US" dirty="0" smtClean="0"/>
+              <a:t>Use progress Bars</a:t>
+            </a:r>
+          </a:p>
+          <a:p>
+            <a:endParaRPr lang="en-US" dirty="0"/>
+          </a:p>
+        </p:txBody>
+      </p:sp>
+      <p:sp>
+        <p:nvSpPr>
+          <p:cNvPr id="4" name="Slide Number Placeholder 3"/>
+          <p:cNvSpPr>
+            <a:spLocks noGrp="1"/>
+          </p:cNvSpPr>
+          <p:nvPr>
+            <p:ph type="sldNum" sz="quarter" idx="12"/>
+          </p:nvPr>
+        </p:nvSpPr>
+        <p:spPr/>
+        <p:txBody>
+          <a:bodyPr/>
+          <a:lstStyle/>
+          <a:p>
+            <a:fld id="{8848E627-D06A-4F0E-98E2-3D90458BE48C}" type="slidenum">
+              <a:rPr lang="en-US" smtClean="0"/>
+              <a:t>24</a:t>
+            </a:fld>
+            <a:endParaRPr lang="en-US"/>
+          </a:p>
+        </p:txBody>
+      </p:sp>
+      <p:sp>
+        <p:nvSpPr>
+          <p:cNvPr id="5" name="Footer Placeholder 4"/>
+          <p:cNvSpPr>
+            <a:spLocks noGrp="1"/>
+          </p:cNvSpPr>
+          <p:nvPr>
+            <p:ph type="ftr" sz="quarter" idx="3"/>
+          </p:nvPr>
+        </p:nvSpPr>
+        <p:spPr/>
+        <p:txBody>
+          <a:bodyPr/>
+          <a:lstStyle/>
+          <a:p>
+            <a:r>
+              <a:rPr lang="en-US" smtClean="0"/>
+              <a:t>CONFIDENTIAL &amp; PROPRIETARY</a:t>
+            </a:r>
+            <a:endParaRPr lang="en-US" dirty="0"/>
+          </a:p>
+        </p:txBody>
+      </p:sp>
+      <p:sp>
+        <p:nvSpPr>
+          <p:cNvPr id="6" name="Date Placeholder 5"/>
+          <p:cNvSpPr>
+            <a:spLocks noGrp="1"/>
+          </p:cNvSpPr>
+          <p:nvPr>
+            <p:ph type="dt" sz="half" idx="10"/>
+          </p:nvPr>
+        </p:nvSpPr>
+        <p:spPr/>
+        <p:txBody>
+          <a:bodyPr/>
+          <a:lstStyle/>
+          <a:p>
+            <a:fld id="{58C37697-90A4-4007-8C23-BAAA588B27B3}" type="datetime4">
+              <a:rPr lang="en-US" smtClean="0"/>
+              <a:t>August 9, 2019</a:t>
+            </a:fld>
+            <a:endParaRPr lang="en-US" dirty="0"/>
+          </a:p>
+        </p:txBody>
+      </p:sp>
+    </p:spTree>
+    <p:extLst>
+      <p:ext uri="{BB962C8B-B14F-4D97-AF65-F5344CB8AC3E}">
+        <p14:creationId xmlns:p14="http://schemas.microsoft.com/office/powerpoint/2010/main" val="2675100727"/>
+      </p:ext>
+    </p:extLst>
+  </p:cSld>
+  <p:clrMapOvr>
+    <a:masterClrMapping/>
+  </p:clrMapOvr>
+</p:sld>
+</file>
+
+<file path=ppt/slides/slide25.xml><?xml version="1.0" encoding="utf-8"?>
+<p:sld xmlns:a="http://schemas.openxmlformats.org/drawingml/2006/main" xmlns:r="http://schemas.openxmlformats.org/officeDocument/2006/relationships" xmlns:p="http://schemas.openxmlformats.org/presentationml/2006/main">
+  <p:cSld>
+    <p:spTree>
+      <p:nvGrpSpPr>
+        <p:cNvPr id="1" name=""/>
+        <p:cNvGrpSpPr/>
+        <p:nvPr/>
+      </p:nvGrpSpPr>
+      <p:grpSpPr>
+        <a:xfrm>
+          <a:off x="0" y="0"/>
+          <a:ext cx="0" cy="0"/>
+          <a:chOff x="0" y="0"/>
+          <a:chExt cx="0" cy="0"/>
+        </a:xfrm>
+      </p:grpSpPr>
+      <p:sp>
+        <p:nvSpPr>
+          <p:cNvPr id="2" name="Title 1"/>
+          <p:cNvSpPr>
+            <a:spLocks noGrp="1"/>
+          </p:cNvSpPr>
+          <p:nvPr>
+            <p:ph type="title"/>
+          </p:nvPr>
+        </p:nvSpPr>
+        <p:spPr/>
+        <p:txBody>
+          <a:bodyPr/>
+          <a:lstStyle/>
+          <a:p>
+            <a:r>
+              <a:rPr lang="en-US" dirty="0" smtClean="0"/>
+              <a:t>When to load data? </a:t>
+            </a:r>
+            <a:endParaRPr lang="en-US" dirty="0"/>
+          </a:p>
+        </p:txBody>
+      </p:sp>
+      <p:sp>
+        <p:nvSpPr>
+          <p:cNvPr id="3" name="Content Placeholder 2"/>
+          <p:cNvSpPr>
+            <a:spLocks noGrp="1"/>
+          </p:cNvSpPr>
+          <p:nvPr>
+            <p:ph idx="1"/>
+          </p:nvPr>
+        </p:nvSpPr>
+        <p:spPr/>
+        <p:txBody>
+          <a:bodyPr/>
+          <a:lstStyle/>
+          <a:p>
+            <a:endParaRPr lang="en-US" dirty="0"/>
+          </a:p>
+        </p:txBody>
+      </p:sp>
+      <p:sp>
+        <p:nvSpPr>
+          <p:cNvPr id="4" name="Slide Number Placeholder 3"/>
+          <p:cNvSpPr>
+            <a:spLocks noGrp="1"/>
+          </p:cNvSpPr>
+          <p:nvPr>
+            <p:ph type="sldNum" sz="quarter" idx="12"/>
+          </p:nvPr>
+        </p:nvSpPr>
+        <p:spPr/>
+        <p:txBody>
+          <a:bodyPr/>
+          <a:lstStyle/>
+          <a:p>
+            <a:fld id="{8848E627-D06A-4F0E-98E2-3D90458BE48C}" type="slidenum">
+              <a:rPr lang="en-US" smtClean="0"/>
+              <a:t>25</a:t>
+            </a:fld>
+            <a:endParaRPr lang="en-US"/>
+          </a:p>
+        </p:txBody>
+      </p:sp>
+      <p:sp>
+        <p:nvSpPr>
+          <p:cNvPr id="5" name="Footer Placeholder 4"/>
+          <p:cNvSpPr>
+            <a:spLocks noGrp="1"/>
+          </p:cNvSpPr>
+          <p:nvPr>
+            <p:ph type="ftr" sz="quarter" idx="3"/>
+          </p:nvPr>
+        </p:nvSpPr>
+        <p:spPr/>
+        <p:txBody>
+          <a:bodyPr/>
+          <a:lstStyle/>
+          <a:p>
+            <a:r>
+              <a:rPr lang="en-US" smtClean="0"/>
+              <a:t>CONFIDENTIAL &amp; PROPRIETARY</a:t>
+            </a:r>
+            <a:endParaRPr lang="en-US" dirty="0"/>
+          </a:p>
+        </p:txBody>
+      </p:sp>
+      <p:sp>
+        <p:nvSpPr>
+          <p:cNvPr id="6" name="Date Placeholder 5"/>
+          <p:cNvSpPr>
+            <a:spLocks noGrp="1"/>
+          </p:cNvSpPr>
+          <p:nvPr>
+            <p:ph type="dt" sz="half" idx="10"/>
+          </p:nvPr>
+        </p:nvSpPr>
+        <p:spPr/>
+        <p:txBody>
+          <a:bodyPr/>
+          <a:lstStyle/>
+          <a:p>
+            <a:fld id="{CAEF89AF-97FF-41FD-A810-843DAB910B39}" type="datetime4">
+              <a:rPr lang="en-US" smtClean="0"/>
+              <a:t>August 9, 2019</a:t>
+            </a:fld>
+            <a:endParaRPr lang="en-US" dirty="0"/>
+          </a:p>
+        </p:txBody>
+      </p:sp>
+    </p:spTree>
+    <p:extLst>
+      <p:ext uri="{BB962C8B-B14F-4D97-AF65-F5344CB8AC3E}">
+        <p14:creationId xmlns:p14="http://schemas.microsoft.com/office/powerpoint/2010/main" val="1804491339"/>
+      </p:ext>
+    </p:extLst>
+  </p:cSld>
+  <p:clrMapOvr>
+    <a:masterClrMapping/>
+  </p:clrMapOvr>
+</p:sld>
+</file>
+
+<file path=ppt/slides/slide26.xml><?xml version="1.0" encoding="utf-8"?>
+<p:sld xmlns:a="http://schemas.openxmlformats.org/drawingml/2006/main" xmlns:r="http://schemas.openxmlformats.org/officeDocument/2006/relationships" xmlns:p="http://schemas.openxmlformats.org/presentationml/2006/main">
+  <p:cSld>
+    <p:spTree>
+      <p:nvGrpSpPr>
+        <p:cNvPr id="1" name=""/>
+        <p:cNvGrpSpPr/>
+        <p:nvPr/>
+      </p:nvGrpSpPr>
+      <p:grpSpPr>
+        <a:xfrm>
+          <a:off x="0" y="0"/>
+          <a:ext cx="0" cy="0"/>
+          <a:chOff x="0" y="0"/>
+          <a:chExt cx="0" cy="0"/>
+        </a:xfrm>
+      </p:grpSpPr>
+      <p:sp>
+        <p:nvSpPr>
+          <p:cNvPr id="7" name="Title 6"/>
+          <p:cNvSpPr>
+            <a:spLocks noGrp="1"/>
+          </p:cNvSpPr>
+          <p:nvPr>
+            <p:ph type="title"/>
+          </p:nvPr>
+        </p:nvSpPr>
+        <p:spPr/>
+        <p:txBody>
+          <a:bodyPr/>
+          <a:lstStyle/>
+          <a:p>
+            <a:r>
+              <a:rPr lang="en-US" dirty="0">
+                <a:hlinkClick r:id="rId2"/>
+              </a:rPr>
+              <a:t>https://resources.rstudio.com/shiny-developer-conference/shinydevcon-debugging-jonathanmcpherson-1080p</a:t>
+            </a:r>
+            <a:endParaRPr lang="en-US" dirty="0"/>
+          </a:p>
+        </p:txBody>
+      </p:sp>
+      <p:sp>
+        <p:nvSpPr>
+          <p:cNvPr id="9" name="Text Placeholder 8"/>
+          <p:cNvSpPr>
+            <a:spLocks noGrp="1"/>
+          </p:cNvSpPr>
+          <p:nvPr>
+            <p:ph type="body" idx="1"/>
+          </p:nvPr>
+        </p:nvSpPr>
+        <p:spPr/>
+        <p:txBody>
+          <a:bodyPr/>
+          <a:lstStyle/>
+          <a:p>
+            <a:r>
+              <a:rPr lang="en-US" dirty="0" smtClean="0"/>
+              <a:t>Debugging</a:t>
+            </a:r>
+            <a:endParaRPr lang="en-US" dirty="0"/>
+          </a:p>
+        </p:txBody>
+      </p:sp>
+      <p:sp>
+        <p:nvSpPr>
+          <p:cNvPr id="5" name="Slide Number Placeholder 4"/>
+          <p:cNvSpPr>
+            <a:spLocks noGrp="1"/>
+          </p:cNvSpPr>
+          <p:nvPr>
+            <p:ph type="sldNum" sz="quarter" idx="12"/>
+          </p:nvPr>
+        </p:nvSpPr>
+        <p:spPr/>
+        <p:txBody>
+          <a:bodyPr/>
+          <a:lstStyle/>
+          <a:p>
+            <a:fld id="{8848E627-D06A-4F0E-98E2-3D90458BE48C}" type="slidenum">
+              <a:rPr lang="en-US" smtClean="0"/>
+              <a:t>26</a:t>
+            </a:fld>
+            <a:endParaRPr lang="en-US"/>
+          </a:p>
+        </p:txBody>
+      </p:sp>
+      <p:sp>
+        <p:nvSpPr>
+          <p:cNvPr id="6" name="Footer Placeholder 5"/>
+          <p:cNvSpPr>
+            <a:spLocks noGrp="1"/>
+          </p:cNvSpPr>
+          <p:nvPr>
+            <p:ph type="ftr" sz="quarter" idx="3"/>
+          </p:nvPr>
+        </p:nvSpPr>
+        <p:spPr/>
+        <p:txBody>
+          <a:bodyPr/>
+          <a:lstStyle/>
+          <a:p>
+            <a:r>
+              <a:rPr lang="en-US" smtClean="0"/>
+              <a:t>CONFIDENTIAL &amp; PROPRIETARY</a:t>
+            </a:r>
+            <a:endParaRPr lang="en-US" dirty="0"/>
+          </a:p>
+        </p:txBody>
+      </p:sp>
+      <p:sp>
+        <p:nvSpPr>
+          <p:cNvPr id="8" name="Date Placeholder 7"/>
+          <p:cNvSpPr>
+            <a:spLocks noGrp="1"/>
+          </p:cNvSpPr>
+          <p:nvPr>
+            <p:ph type="dt" sz="half" idx="10"/>
+          </p:nvPr>
+        </p:nvSpPr>
+        <p:spPr/>
+        <p:txBody>
+          <a:bodyPr/>
+          <a:lstStyle/>
+          <a:p>
+            <a:fld id="{2AE9CD06-5419-4F67-A0F0-D9130AC4F9A9}" type="datetime4">
+              <a:rPr lang="en-US" smtClean="0"/>
+              <a:t>August 9, 2019</a:t>
+            </a:fld>
+            <a:endParaRPr lang="en-US" dirty="0"/>
+          </a:p>
+        </p:txBody>
+      </p:sp>
+    </p:spTree>
+    <p:extLst>
+      <p:ext uri="{BB962C8B-B14F-4D97-AF65-F5344CB8AC3E}">
+        <p14:creationId xmlns:p14="http://schemas.microsoft.com/office/powerpoint/2010/main" val="243809950"/>
+      </p:ext>
+    </p:extLst>
+  </p:cSld>
+  <p:clrMapOvr>
+    <a:masterClrMapping/>
+  </p:clrMapOvr>
+  <p:timing>
+    <p:tnLst>
+      <p:par>
+        <p:cTn id="1" dur="indefinite" restart="never" nodeType="tmRoot"/>
+      </p:par>
+    </p:tnLst>
+  </p:timing>
+</p:sld>
+</file>
+
+<file path=ppt/slides/slide27.xml><?xml version="1.0" encoding="utf-8"?>
+<p:sld xmlns:a="http://schemas.openxmlformats.org/drawingml/2006/main" xmlns:r="http://schemas.openxmlformats.org/officeDocument/2006/relationships" xmlns:p="http://schemas.openxmlformats.org/presentationml/2006/main">
+  <p:cSld>
+    <p:spTree>
+      <p:nvGrpSpPr>
+        <p:cNvPr id="1" name=""/>
+        <p:cNvGrpSpPr/>
+        <p:nvPr/>
+      </p:nvGrpSpPr>
+      <p:grpSpPr>
+        <a:xfrm>
+          <a:off x="0" y="0"/>
+          <a:ext cx="0" cy="0"/>
+          <a:chOff x="0" y="0"/>
+          <a:chExt cx="0" cy="0"/>
+        </a:xfrm>
+      </p:grpSpPr>
+      <p:sp>
+        <p:nvSpPr>
+          <p:cNvPr id="7" name="Title 6"/>
+          <p:cNvSpPr>
+            <a:spLocks noGrp="1"/>
+          </p:cNvSpPr>
+          <p:nvPr>
+            <p:ph type="title"/>
+          </p:nvPr>
+        </p:nvSpPr>
+        <p:spPr/>
+        <p:txBody>
+          <a:bodyPr/>
+          <a:lstStyle/>
+          <a:p>
+            <a:endParaRPr lang="en-US"/>
+          </a:p>
+        </p:txBody>
+      </p:sp>
+      <p:sp>
+        <p:nvSpPr>
+          <p:cNvPr id="8" name="Content Placeholder 7"/>
+          <p:cNvSpPr>
+            <a:spLocks noGrp="1"/>
+          </p:cNvSpPr>
+          <p:nvPr>
+            <p:ph idx="1"/>
+          </p:nvPr>
+        </p:nvSpPr>
+        <p:spPr/>
+        <p:txBody>
+          <a:bodyPr/>
+          <a:lstStyle/>
+          <a:p>
+            <a:r>
+              <a:rPr lang="en-US" dirty="0" err="1" smtClean="0"/>
+              <a:t>Brekpoints</a:t>
+            </a:r>
+            <a:r>
+              <a:rPr lang="en-US" dirty="0" smtClean="0"/>
+              <a:t> works only within server. </a:t>
+            </a:r>
+          </a:p>
+          <a:p>
+            <a:r>
+              <a:rPr lang="en-US" dirty="0" smtClean="0"/>
+              <a:t>Browser()</a:t>
+            </a:r>
+          </a:p>
+          <a:p>
+            <a:pPr lvl="1"/>
+            <a:r>
+              <a:rPr lang="en-US" dirty="0" smtClean="0"/>
+              <a:t>conditional </a:t>
+            </a:r>
+          </a:p>
+          <a:p>
+            <a:pPr lvl="1"/>
+            <a:endParaRPr lang="en-US" dirty="0"/>
+          </a:p>
+          <a:p>
+            <a:r>
+              <a:rPr lang="en-US" dirty="0" err="1" smtClean="0"/>
+              <a:t>Profvis</a:t>
+            </a:r>
+            <a:endParaRPr lang="en-US" dirty="0" smtClean="0"/>
+          </a:p>
+        </p:txBody>
+      </p:sp>
+      <p:sp>
+        <p:nvSpPr>
+          <p:cNvPr id="4" name="Slide Number Placeholder 3"/>
+          <p:cNvSpPr>
+            <a:spLocks noGrp="1"/>
+          </p:cNvSpPr>
+          <p:nvPr>
+            <p:ph type="sldNum" sz="quarter" idx="12"/>
+          </p:nvPr>
+        </p:nvSpPr>
+        <p:spPr/>
+        <p:txBody>
+          <a:bodyPr/>
+          <a:lstStyle/>
+          <a:p>
+            <a:fld id="{8848E627-D06A-4F0E-98E2-3D90458BE48C}" type="slidenum">
+              <a:rPr lang="en-US" smtClean="0"/>
+              <a:t>27</a:t>
+            </a:fld>
+            <a:endParaRPr lang="en-US"/>
+          </a:p>
+        </p:txBody>
+      </p:sp>
+      <p:sp>
+        <p:nvSpPr>
+          <p:cNvPr id="5" name="Footer Placeholder 4"/>
+          <p:cNvSpPr>
+            <a:spLocks noGrp="1"/>
+          </p:cNvSpPr>
+          <p:nvPr>
+            <p:ph type="ftr" sz="quarter" idx="3"/>
+          </p:nvPr>
+        </p:nvSpPr>
+        <p:spPr/>
+        <p:txBody>
+          <a:bodyPr/>
+          <a:lstStyle/>
+          <a:p>
+            <a:r>
+              <a:rPr lang="en-US" smtClean="0"/>
+              <a:t>CONFIDENTIAL &amp; PROPRIETARY</a:t>
+            </a:r>
+            <a:endParaRPr lang="en-US" dirty="0"/>
+          </a:p>
+        </p:txBody>
+      </p:sp>
+      <p:sp>
+        <p:nvSpPr>
+          <p:cNvPr id="6" name="Date Placeholder 5"/>
+          <p:cNvSpPr>
+            <a:spLocks noGrp="1"/>
+          </p:cNvSpPr>
+          <p:nvPr>
+            <p:ph type="dt" sz="half" idx="10"/>
+          </p:nvPr>
+        </p:nvSpPr>
+        <p:spPr/>
+        <p:txBody>
+          <a:bodyPr/>
+          <a:lstStyle/>
+          <a:p>
+            <a:fld id="{58C37697-90A4-4007-8C23-BAAA588B27B3}" type="datetime4">
+              <a:rPr lang="en-US" smtClean="0"/>
+              <a:t>August 9, 2019</a:t>
             </a:fld>
             <a:endParaRPr lang="en-US" dirty="0"/>
           </a:p>
@@ -3187,7 +7820,7 @@
 </p:sld>
 </file>
 
-<file path=ppt/slides/slide2.xml><?xml version="1.0" encoding="utf-8"?>
+<file path=ppt/slides/slide28.xml><?xml version="1.0" encoding="utf-8"?>
 <p:sld xmlns:a="http://schemas.openxmlformats.org/drawingml/2006/main" xmlns:r="http://schemas.openxmlformats.org/officeDocument/2006/relationships" xmlns:p="http://schemas.openxmlformats.org/presentationml/2006/main">
   <p:cSld>
     <p:spTree>
@@ -3206,7 +7839,7 @@
       </p:grpSpPr>
       <p:sp>
         <p:nvSpPr>
-          <p:cNvPr id="2" name="Title 1"/>
+          <p:cNvPr id="7" name="Title 6"/>
           <p:cNvSpPr>
             <a:spLocks noGrp="1"/>
           </p:cNvSpPr>
@@ -3219,13 +7852,13 @@
           <a:bodyPr/>
           <a:lstStyle/>
           <a:p>
-            <a:endParaRPr lang="en-US" dirty="0"/>
-          </a:p>
-        </p:txBody>
-      </p:sp>
-      <p:sp>
-        <p:nvSpPr>
-          <p:cNvPr id="7" name="Text Placeholder 6"/>
+            <a:endParaRPr lang="en-US"/>
+          </a:p>
+        </p:txBody>
+      </p:sp>
+      <p:sp>
+        <p:nvSpPr>
+          <p:cNvPr id="8" name="Text Placeholder 7"/>
           <p:cNvSpPr>
             <a:spLocks noGrp="1"/>
           </p:cNvSpPr>
@@ -3240,7 +7873,7 @@
           <a:p>
             <a:r>
               <a:rPr lang="en-US" dirty="0" smtClean="0"/>
-              <a:t>Environment Settings</a:t>
+              <a:t>Advanced Topics</a:t>
             </a:r>
             <a:endParaRPr lang="en-US" dirty="0"/>
           </a:p>
@@ -3263,7 +7896,7 @@
           <a:p>
             <a:fld id="{8848E627-D06A-4F0E-98E2-3D90458BE48C}" type="slidenum">
               <a:rPr lang="en-US" smtClean="0"/>
-              <a:t>2</a:t>
+              <a:t>28</a:t>
             </a:fld>
             <a:endParaRPr lang="en-US"/>
           </a:p>
@@ -3309,7 +7942,7 @@
           <a:p>
             <a:fld id="{CAEF89AF-97FF-41FD-A810-843DAB910B39}" type="datetime4">
               <a:rPr lang="en-US" smtClean="0"/>
-              <a:t>August 6, 2019</a:t>
+              <a:t>August 9, 2019</a:t>
             </a:fld>
             <a:endParaRPr lang="en-US" dirty="0"/>
           </a:p>
@@ -3318,20 +7951,154 @@
     </p:spTree>
     <p:extLst>
       <p:ext uri="{BB962C8B-B14F-4D97-AF65-F5344CB8AC3E}">
-        <p14:creationId xmlns:p14="http://schemas.microsoft.com/office/powerpoint/2010/main" val="2810210153"/>
+        <p14:creationId xmlns:p14="http://schemas.microsoft.com/office/powerpoint/2010/main" val="2659594775"/>
       </p:ext>
     </p:extLst>
   </p:cSld>
   <p:clrMapOvr>
     <a:masterClrMapping/>
   </p:clrMapOvr>
-  <p:timing>
-    <p:tnLst>
-      <p:par>
-        <p:cTn id="1" dur="indefinite" restart="never" nodeType="tmRoot"/>
-      </p:par>
-    </p:tnLst>
-  </p:timing>
+</p:sld>
+</file>
+
+<file path=ppt/slides/slide29.xml><?xml version="1.0" encoding="utf-8"?>
+<p:sld xmlns:a="http://schemas.openxmlformats.org/drawingml/2006/main" xmlns:r="http://schemas.openxmlformats.org/officeDocument/2006/relationships" xmlns:p="http://schemas.openxmlformats.org/presentationml/2006/main">
+  <p:cSld>
+    <p:spTree>
+      <p:nvGrpSpPr>
+        <p:cNvPr id="1" name=""/>
+        <p:cNvGrpSpPr/>
+        <p:nvPr/>
+      </p:nvGrpSpPr>
+      <p:grpSpPr>
+        <a:xfrm>
+          <a:off x="0" y="0"/>
+          <a:ext cx="0" cy="0"/>
+          <a:chOff x="0" y="0"/>
+          <a:chExt cx="0" cy="0"/>
+        </a:xfrm>
+      </p:grpSpPr>
+      <p:sp>
+        <p:nvSpPr>
+          <p:cNvPr id="7" name="Title 6"/>
+          <p:cNvSpPr>
+            <a:spLocks noGrp="1"/>
+          </p:cNvSpPr>
+          <p:nvPr>
+            <p:ph type="title"/>
+          </p:nvPr>
+        </p:nvSpPr>
+        <p:spPr/>
+        <p:txBody>
+          <a:bodyPr/>
+          <a:lstStyle/>
+          <a:p>
+            <a:r>
+              <a:rPr lang="en-US" dirty="0" smtClean="0"/>
+              <a:t>Futures &amp; Promises</a:t>
+            </a:r>
+            <a:endParaRPr lang="en-US" dirty="0"/>
+          </a:p>
+        </p:txBody>
+      </p:sp>
+      <p:sp>
+        <p:nvSpPr>
+          <p:cNvPr id="8" name="Content Placeholder 7"/>
+          <p:cNvSpPr>
+            <a:spLocks noGrp="1"/>
+          </p:cNvSpPr>
+          <p:nvPr>
+            <p:ph idx="1"/>
+          </p:nvPr>
+        </p:nvSpPr>
+        <p:spPr/>
+        <p:txBody>
+          <a:bodyPr/>
+          <a:lstStyle/>
+          <a:p>
+            <a:endParaRPr lang="en-US"/>
+          </a:p>
+        </p:txBody>
+      </p:sp>
+      <p:sp>
+        <p:nvSpPr>
+          <p:cNvPr id="4" name="Slide Number Placeholder 3"/>
+          <p:cNvSpPr>
+            <a:spLocks noGrp="1"/>
+          </p:cNvSpPr>
+          <p:nvPr>
+            <p:ph type="sldNum" sz="quarter" idx="12"/>
+          </p:nvPr>
+        </p:nvSpPr>
+        <p:spPr/>
+        <p:txBody>
+          <a:bodyPr/>
+          <a:lstStyle/>
+          <a:p>
+            <a:fld id="{8848E627-D06A-4F0E-98E2-3D90458BE48C}" type="slidenum">
+              <a:rPr lang="en-US" smtClean="0"/>
+              <a:t>29</a:t>
+            </a:fld>
+            <a:endParaRPr lang="en-US"/>
+          </a:p>
+        </p:txBody>
+      </p:sp>
+      <p:sp>
+        <p:nvSpPr>
+          <p:cNvPr id="5" name="Footer Placeholder 4"/>
+          <p:cNvSpPr>
+            <a:spLocks noGrp="1"/>
+          </p:cNvSpPr>
+          <p:nvPr>
+            <p:ph type="ftr" sz="quarter" idx="3"/>
+          </p:nvPr>
+        </p:nvSpPr>
+        <p:spPr/>
+        <p:txBody>
+          <a:bodyPr/>
+          <a:lstStyle/>
+          <a:p>
+            <a:r>
+              <a:rPr lang="en-US" smtClean="0"/>
+              <a:t>CONFIDENTIAL &amp; PROPRIETARY</a:t>
+            </a:r>
+            <a:endParaRPr lang="en-US" dirty="0"/>
+          </a:p>
+        </p:txBody>
+      </p:sp>
+      <p:sp>
+        <p:nvSpPr>
+          <p:cNvPr id="6" name="Date Placeholder 5"/>
+          <p:cNvSpPr>
+            <a:spLocks noGrp="1"/>
+          </p:cNvSpPr>
+          <p:nvPr>
+            <p:ph type="dt" sz="half" idx="10"/>
+          </p:nvPr>
+        </p:nvSpPr>
+        <p:spPr/>
+        <p:txBody>
+          <a:bodyPr/>
+          <a:lstStyle/>
+          <a:p>
+            <a:fld id="{58C37697-90A4-4007-8C23-BAAA588B27B3}" type="datetime4">
+              <a:rPr lang="en-US" smtClean="0"/>
+              <a:t>August 9, 2019</a:t>
+            </a:fld>
+            <a:endParaRPr lang="en-US" dirty="0"/>
+          </a:p>
+        </p:txBody>
+      </p:sp>
+    </p:spTree>
+    <p:extLst>
+      <p:ext uri="{BB962C8B-B14F-4D97-AF65-F5344CB8AC3E}">
+        <p14:creationId xmlns:p14="http://schemas.microsoft.com/office/powerpoint/2010/main" val="3939692368"/>
+      </p:ext>
+    </p:extLst>
+  </p:cSld>
+  <p:clrMapOvr>
+    <a:masterClrMapping/>
+  </p:clrMapOvr>
 </p:sld>
 </file>
 
@@ -3367,46 +8134,28 @@
           <a:bodyPr/>
           <a:lstStyle/>
           <a:p>
-            <a:r>
-              <a:rPr lang="en-US" dirty="0" smtClean="0"/>
-              <a:t>To-Do List</a:t>
-            </a:r>
-            <a:endParaRPr lang="en-US" dirty="0"/>
-          </a:p>
-        </p:txBody>
-      </p:sp>
-      <p:sp>
-        <p:nvSpPr>
-          <p:cNvPr id="8" name="Content Placeholder 7"/>
-          <p:cNvSpPr>
-            <a:spLocks noGrp="1"/>
-          </p:cNvSpPr>
-          <p:nvPr>
-            <p:ph idx="1"/>
-          </p:nvPr>
-        </p:nvSpPr>
-        <p:spPr/>
-        <p:txBody>
-          <a:bodyPr>
-            <a:normAutofit/>
-          </a:bodyPr>
-          <a:lstStyle/>
-          <a:p>
-            <a:pPr marL="514350" indent="-514350">
-              <a:buFont typeface="+mj-lt"/>
-              <a:buAutoNum type="arabicPeriod"/>
-            </a:pPr>
-            <a:r>
-              <a:rPr lang="en-US" dirty="0" smtClean="0"/>
-              <a:t>Create a project that is synched up with GitHub “</a:t>
-            </a:r>
-            <a:r>
-              <a:rPr lang="en-US" dirty="0" err="1" smtClean="0"/>
-              <a:t>ShinyWorkshop</a:t>
-            </a:r>
-            <a:r>
-              <a:rPr lang="en-US" dirty="0" smtClean="0"/>
-              <a:t>” repo. </a:t>
+            <a:endParaRPr lang="en-US"/>
+          </a:p>
+        </p:txBody>
+      </p:sp>
+      <p:sp>
+        <p:nvSpPr>
+          <p:cNvPr id="8" name="Text Placeholder 7"/>
+          <p:cNvSpPr>
+            <a:spLocks noGrp="1"/>
+          </p:cNvSpPr>
+          <p:nvPr>
+            <p:ph type="body" idx="1"/>
+          </p:nvPr>
+        </p:nvSpPr>
+        <p:spPr/>
+        <p:txBody>
+          <a:bodyPr/>
+          <a:lstStyle/>
+          <a:p>
+            <a:r>
+              <a:rPr lang="en-US" dirty="0" smtClean="0"/>
+              <a:t>TEA Shiny Server &amp; Deployment</a:t>
             </a:r>
             <a:endParaRPr lang="en-US" dirty="0"/>
           </a:p>
@@ -3473,9 +8222,9 @@
           <a:bodyPr/>
           <a:lstStyle/>
           <a:p>
-            <a:fld id="{58C37697-90A4-4007-8C23-BAAA588B27B3}" type="datetime4">
-              <a:rPr lang="en-US" smtClean="0"/>
-              <a:t>August 6, 2019</a:t>
+            <a:fld id="{CAEF89AF-97FF-41FD-A810-843DAB910B39}" type="datetime4">
+              <a:rPr lang="en-US" smtClean="0"/>
+              <a:t>August 9, 2019</a:t>
             </a:fld>
             <a:endParaRPr lang="en-US" dirty="0"/>
           </a:p>
@@ -3484,20 +8233,295 @@
     </p:spTree>
     <p:extLst>
       <p:ext uri="{BB962C8B-B14F-4D97-AF65-F5344CB8AC3E}">
-        <p14:creationId xmlns:p14="http://schemas.microsoft.com/office/powerpoint/2010/main" val="941300768"/>
+        <p14:creationId xmlns:p14="http://schemas.microsoft.com/office/powerpoint/2010/main" val="4124504774"/>
       </p:ext>
     </p:extLst>
   </p:cSld>
   <p:clrMapOvr>
     <a:masterClrMapping/>
   </p:clrMapOvr>
-  <p:timing>
-    <p:tnLst>
-      <p:par>
-        <p:cTn id="1" dur="indefinite" restart="never" nodeType="tmRoot"/>
-      </p:par>
-    </p:tnLst>
-  </p:timing>
+</p:sld>
+</file>
+
+<file path=ppt/slides/slide30.xml><?xml version="1.0" encoding="utf-8"?>
+<p:sld xmlns:a="http://schemas.openxmlformats.org/drawingml/2006/main" xmlns:r="http://schemas.openxmlformats.org/officeDocument/2006/relationships" xmlns:p="http://schemas.openxmlformats.org/presentationml/2006/main">
+  <p:cSld>
+    <p:spTree>
+      <p:nvGrpSpPr>
+        <p:cNvPr id="1" name=""/>
+        <p:cNvGrpSpPr/>
+        <p:nvPr/>
+      </p:nvGrpSpPr>
+      <p:grpSpPr>
+        <a:xfrm>
+          <a:off x="0" y="0"/>
+          <a:ext cx="0" cy="0"/>
+          <a:chOff x="0" y="0"/>
+          <a:chExt cx="0" cy="0"/>
+        </a:xfrm>
+      </p:grpSpPr>
+      <p:sp>
+        <p:nvSpPr>
+          <p:cNvPr id="2" name="Title 1"/>
+          <p:cNvSpPr>
+            <a:spLocks noGrp="1"/>
+          </p:cNvSpPr>
+          <p:nvPr>
+            <p:ph type="title"/>
+          </p:nvPr>
+        </p:nvSpPr>
+        <p:spPr/>
+        <p:txBody>
+          <a:bodyPr/>
+          <a:lstStyle/>
+          <a:p>
+            <a:r>
+              <a:rPr lang="en-US" dirty="0" smtClean="0"/>
+              <a:t>Use of Module</a:t>
+            </a:r>
+            <a:endParaRPr lang="en-US" dirty="0"/>
+          </a:p>
+        </p:txBody>
+      </p:sp>
+      <p:sp>
+        <p:nvSpPr>
+          <p:cNvPr id="3" name="Content Placeholder 2"/>
+          <p:cNvSpPr>
+            <a:spLocks noGrp="1"/>
+          </p:cNvSpPr>
+          <p:nvPr>
+            <p:ph idx="1"/>
+          </p:nvPr>
+        </p:nvSpPr>
+        <p:spPr/>
+        <p:txBody>
+          <a:bodyPr/>
+          <a:lstStyle/>
+          <a:p>
+            <a:endParaRPr lang="en-US"/>
+          </a:p>
+        </p:txBody>
+      </p:sp>
+      <p:sp>
+        <p:nvSpPr>
+          <p:cNvPr id="4" name="Slide Number Placeholder 3"/>
+          <p:cNvSpPr>
+            <a:spLocks noGrp="1"/>
+          </p:cNvSpPr>
+          <p:nvPr>
+            <p:ph type="sldNum" sz="quarter" idx="12"/>
+          </p:nvPr>
+        </p:nvSpPr>
+        <p:spPr/>
+        <p:txBody>
+          <a:bodyPr/>
+          <a:lstStyle/>
+          <a:p>
+            <a:fld id="{8848E627-D06A-4F0E-98E2-3D90458BE48C}" type="slidenum">
+              <a:rPr lang="en-US" smtClean="0"/>
+              <a:t>30</a:t>
+            </a:fld>
+            <a:endParaRPr lang="en-US"/>
+          </a:p>
+        </p:txBody>
+      </p:sp>
+      <p:sp>
+        <p:nvSpPr>
+          <p:cNvPr id="5" name="Footer Placeholder 4"/>
+          <p:cNvSpPr>
+            <a:spLocks noGrp="1"/>
+          </p:cNvSpPr>
+          <p:nvPr>
+            <p:ph type="ftr" sz="quarter" idx="3"/>
+          </p:nvPr>
+        </p:nvSpPr>
+        <p:spPr/>
+        <p:txBody>
+          <a:bodyPr/>
+          <a:lstStyle/>
+          <a:p>
+            <a:r>
+              <a:rPr lang="en-US" smtClean="0"/>
+              <a:t>CONFIDENTIAL &amp; PROPRIETARY</a:t>
+            </a:r>
+            <a:endParaRPr lang="en-US" dirty="0"/>
+          </a:p>
+        </p:txBody>
+      </p:sp>
+      <p:sp>
+        <p:nvSpPr>
+          <p:cNvPr id="6" name="Date Placeholder 5"/>
+          <p:cNvSpPr>
+            <a:spLocks noGrp="1"/>
+          </p:cNvSpPr>
+          <p:nvPr>
+            <p:ph type="dt" sz="half" idx="10"/>
+          </p:nvPr>
+        </p:nvSpPr>
+        <p:spPr/>
+        <p:txBody>
+          <a:bodyPr/>
+          <a:lstStyle/>
+          <a:p>
+            <a:fld id="{CAEF89AF-97FF-41FD-A810-843DAB910B39}" type="datetime4">
+              <a:rPr lang="en-US" smtClean="0"/>
+              <a:t>August 9, 2019</a:t>
+            </a:fld>
+            <a:endParaRPr lang="en-US" dirty="0"/>
+          </a:p>
+        </p:txBody>
+      </p:sp>
+    </p:spTree>
+    <p:extLst>
+      <p:ext uri="{BB962C8B-B14F-4D97-AF65-F5344CB8AC3E}">
+        <p14:creationId xmlns:p14="http://schemas.microsoft.com/office/powerpoint/2010/main" val="2266987079"/>
+      </p:ext>
+    </p:extLst>
+  </p:cSld>
+  <p:clrMapOvr>
+    <a:masterClrMapping/>
+  </p:clrMapOvr>
+</p:sld>
+</file>
+
+<file path=ppt/slides/slide31.xml><?xml version="1.0" encoding="utf-8"?>
+<p:sld xmlns:a="http://schemas.openxmlformats.org/drawingml/2006/main" xmlns:r="http://schemas.openxmlformats.org/officeDocument/2006/relationships" xmlns:p="http://schemas.openxmlformats.org/presentationml/2006/main">
+  <p:cSld>
+    <p:spTree>
+      <p:nvGrpSpPr>
+        <p:cNvPr id="1" name=""/>
+        <p:cNvGrpSpPr/>
+        <p:nvPr/>
+      </p:nvGrpSpPr>
+      <p:grpSpPr>
+        <a:xfrm>
+          <a:off x="0" y="0"/>
+          <a:ext cx="0" cy="0"/>
+          <a:chOff x="0" y="0"/>
+          <a:chExt cx="0" cy="0"/>
+        </a:xfrm>
+      </p:grpSpPr>
+      <p:sp>
+        <p:nvSpPr>
+          <p:cNvPr id="2" name="Title 1"/>
+          <p:cNvSpPr>
+            <a:spLocks noGrp="1"/>
+          </p:cNvSpPr>
+          <p:nvPr>
+            <p:ph type="title"/>
+          </p:nvPr>
+        </p:nvSpPr>
+        <p:spPr/>
+        <p:txBody>
+          <a:bodyPr/>
+          <a:lstStyle/>
+          <a:p>
+            <a:r>
+              <a:rPr lang="en-US" dirty="0" smtClean="0"/>
+              <a:t>Shiny App As Package</a:t>
+            </a:r>
+            <a:endParaRPr lang="en-US" dirty="0"/>
+          </a:p>
+        </p:txBody>
+      </p:sp>
+      <p:sp>
+        <p:nvSpPr>
+          <p:cNvPr id="3" name="Content Placeholder 2"/>
+          <p:cNvSpPr>
+            <a:spLocks noGrp="1"/>
+          </p:cNvSpPr>
+          <p:nvPr>
+            <p:ph idx="1"/>
+          </p:nvPr>
+        </p:nvSpPr>
+        <p:spPr/>
+        <p:txBody>
+          <a:bodyPr/>
+          <a:lstStyle/>
+          <a:p>
+            <a:endParaRPr lang="en-US"/>
+          </a:p>
+        </p:txBody>
+      </p:sp>
+      <p:sp>
+        <p:nvSpPr>
+          <p:cNvPr id="4" name="Slide Number Placeholder 3"/>
+          <p:cNvSpPr>
+            <a:spLocks noGrp="1"/>
+          </p:cNvSpPr>
+          <p:nvPr>
+            <p:ph type="sldNum" sz="quarter" idx="12"/>
+          </p:nvPr>
+        </p:nvSpPr>
+        <p:spPr/>
+        <p:txBody>
+          <a:bodyPr/>
+          <a:lstStyle/>
+          <a:p>
+            <a:fld id="{8848E627-D06A-4F0E-98E2-3D90458BE48C}" type="slidenum">
+              <a:rPr lang="en-US" smtClean="0"/>
+              <a:t>31</a:t>
+            </a:fld>
+            <a:endParaRPr lang="en-US"/>
+          </a:p>
+        </p:txBody>
+      </p:sp>
+      <p:sp>
+        <p:nvSpPr>
+          <p:cNvPr id="5" name="Footer Placeholder 4"/>
+          <p:cNvSpPr>
+            <a:spLocks noGrp="1"/>
+          </p:cNvSpPr>
+          <p:nvPr>
+            <p:ph type="ftr" sz="quarter" idx="3"/>
+          </p:nvPr>
+        </p:nvSpPr>
+        <p:spPr/>
+        <p:txBody>
+          <a:bodyPr/>
+          <a:lstStyle/>
+          <a:p>
+            <a:r>
+              <a:rPr lang="en-US" smtClean="0"/>
+              <a:t>CONFIDENTIAL &amp; PROPRIETARY</a:t>
+            </a:r>
+            <a:endParaRPr lang="en-US" dirty="0"/>
+          </a:p>
+        </p:txBody>
+      </p:sp>
+      <p:sp>
+        <p:nvSpPr>
+          <p:cNvPr id="6" name="Date Placeholder 5"/>
+          <p:cNvSpPr>
+            <a:spLocks noGrp="1"/>
+          </p:cNvSpPr>
+          <p:nvPr>
+            <p:ph type="dt" sz="half" idx="10"/>
+          </p:nvPr>
+        </p:nvSpPr>
+        <p:spPr/>
+        <p:txBody>
+          <a:bodyPr/>
+          <a:lstStyle/>
+          <a:p>
+            <a:fld id="{CAEF89AF-97FF-41FD-A810-843DAB910B39}" type="datetime4">
+              <a:rPr lang="en-US" smtClean="0"/>
+              <a:t>August 9, 2019</a:t>
+            </a:fld>
+            <a:endParaRPr lang="en-US" dirty="0"/>
+          </a:p>
+        </p:txBody>
+      </p:sp>
+    </p:spTree>
+    <p:extLst>
+      <p:ext uri="{BB962C8B-B14F-4D97-AF65-F5344CB8AC3E}">
+        <p14:creationId xmlns:p14="http://schemas.microsoft.com/office/powerpoint/2010/main" val="3898009327"/>
+      </p:ext>
+    </p:extLst>
+  </p:cSld>
+  <p:clrMapOvr>
+    <a:masterClrMapping/>
+  </p:clrMapOvr>
 </p:sld>
 </file>
 
@@ -3520,7 +8544,7 @@
       </p:grpSpPr>
       <p:sp>
         <p:nvSpPr>
-          <p:cNvPr id="2" name="Title 1"/>
+          <p:cNvPr id="7" name="Title 6"/>
           <p:cNvSpPr>
             <a:spLocks noGrp="1"/>
           </p:cNvSpPr>
@@ -3535,15 +8559,15 @@
           <a:p>
             <a:r>
               <a:rPr lang="en-US" dirty="0" smtClean="0"/>
-              <a:t>Deployment</a:t>
-            </a:r>
-            <a:endParaRPr lang="en-US" dirty="0"/>
-          </a:p>
-        </p:txBody>
-      </p:sp>
-      <p:sp>
-        <p:nvSpPr>
-          <p:cNvPr id="3" name="Content Placeholder 2"/>
+              <a:t>Shiny Server</a:t>
+            </a:r>
+            <a:endParaRPr lang="en-US" dirty="0"/>
+          </a:p>
+        </p:txBody>
+      </p:sp>
+      <p:sp>
+        <p:nvSpPr>
+          <p:cNvPr id="8" name="Content Placeholder 7"/>
           <p:cNvSpPr>
             <a:spLocks noGrp="1"/>
           </p:cNvSpPr>
@@ -3553,49 +8577,96 @@
         </p:nvSpPr>
         <p:spPr/>
         <p:txBody>
-          <a:bodyPr/>
-          <a:lstStyle/>
-          <a:p>
-            <a:r>
-              <a:rPr lang="en-US" dirty="0" smtClean="0"/>
-              <a:t>Access</a:t>
-            </a:r>
-          </a:p>
-          <a:p>
-            <a:r>
-              <a:rPr lang="en-US" dirty="0" smtClean="0"/>
-              <a:t>Timeout</a:t>
+          <a:bodyPr>
+            <a:normAutofit fontScale="77500" lnSpcReduction="20000"/>
+          </a:bodyPr>
+          <a:lstStyle/>
+          <a:p>
+            <a:r>
+              <a:rPr lang="en-US" dirty="0" smtClean="0"/>
+              <a:t>It’s a web server that makes shiny apps available over the web. </a:t>
+            </a:r>
+          </a:p>
+          <a:p>
+            <a:r>
+              <a:rPr lang="en-US" dirty="0" smtClean="0"/>
+              <a:t>PROD server</a:t>
             </a:r>
           </a:p>
           <a:p>
             <a:pPr lvl="1"/>
             <a:r>
-              <a:rPr lang="en-US" dirty="0" smtClean="0"/>
-              <a:t>Default</a:t>
-            </a:r>
-          </a:p>
-          <a:p>
-            <a:r>
-              <a:rPr lang="en-US" dirty="0" smtClean="0"/>
-              <a:t>Making it accessible for external client</a:t>
-            </a:r>
+              <a:rPr lang="en-US" dirty="0">
+                <a:hlinkClick r:id="rId2"/>
+              </a:rPr>
+              <a:t>https://</a:t>
+            </a:r>
+            <a:r>
+              <a:rPr lang="en-US" dirty="0" smtClean="0">
+                <a:hlinkClick r:id="rId2"/>
+              </a:rPr>
+              <a:t>analyze.teainc.org</a:t>
+            </a:r>
+            <a:endParaRPr lang="en-US" dirty="0" smtClean="0"/>
           </a:p>
           <a:p>
             <a:pPr lvl="1"/>
             <a:r>
               <a:rPr lang="en-US" dirty="0" smtClean="0"/>
-              <a:t>Technically how</a:t>
+              <a:t>Apps are accessible from anywhere</a:t>
+            </a:r>
+          </a:p>
+          <a:p>
+            <a:r>
+              <a:rPr lang="en-US" dirty="0" smtClean="0"/>
+              <a:t>Staging server</a:t>
             </a:r>
           </a:p>
           <a:p>
             <a:pPr lvl="1"/>
             <a:r>
-              <a:rPr lang="en-US" dirty="0" smtClean="0"/>
-              <a:t>Concerns/disclaimer. </a:t>
-            </a:r>
+              <a:rPr lang="en-US" dirty="0">
+                <a:hlinkClick r:id="rId3"/>
+              </a:rPr>
+              <a:t>http://rshinydev001:3838</a:t>
+            </a:r>
+            <a:r>
+              <a:rPr lang="en-US" dirty="0" smtClean="0">
+                <a:hlinkClick r:id="rId3"/>
+              </a:rPr>
+              <a:t>/</a:t>
+            </a:r>
+            <a:endParaRPr lang="en-US" dirty="0" smtClean="0"/>
           </a:p>
           <a:p>
             <a:pPr lvl="1"/>
+            <a:r>
+              <a:rPr lang="en-US" dirty="0" smtClean="0"/>
+              <a:t>Apps are available only within TEA network. </a:t>
+            </a:r>
+          </a:p>
+          <a:p>
+            <a:endParaRPr lang="en-US" dirty="0" smtClean="0"/>
+          </a:p>
+          <a:p>
+            <a:r>
+              <a:rPr lang="en-US" dirty="0" smtClean="0"/>
+              <a:t>FYI: </a:t>
+            </a:r>
+          </a:p>
+          <a:p>
+            <a:pPr lvl="1"/>
+            <a:r>
+              <a:rPr lang="en-US" dirty="0" smtClean="0"/>
+              <a:t>Operating System: Linux </a:t>
+            </a:r>
+          </a:p>
+          <a:p>
+            <a:pPr lvl="1"/>
+            <a:r>
+              <a:rPr lang="en-US" dirty="0" smtClean="0"/>
+              <a:t>Maintainer: Brandon Clayton</a:t>
+            </a:r>
             <a:endParaRPr lang="en-US" dirty="0"/>
           </a:p>
         </p:txBody>
@@ -3661,9 +8732,9 @@
           <a:bodyPr/>
           <a:lstStyle/>
           <a:p>
-            <a:fld id="{CAEF89AF-97FF-41FD-A810-843DAB910B39}" type="datetime4">
-              <a:rPr lang="en-US" smtClean="0"/>
-              <a:t>August 7, 2019</a:t>
+            <a:fld id="{58C37697-90A4-4007-8C23-BAAA588B27B3}" type="datetime4">
+              <a:rPr lang="en-US" smtClean="0"/>
+              <a:t>August 9, 2019</a:t>
             </a:fld>
             <a:endParaRPr lang="en-US" dirty="0"/>
           </a:p>
@@ -3672,20 +8743,13 @@
     </p:spTree>
     <p:extLst>
       <p:ext uri="{BB962C8B-B14F-4D97-AF65-F5344CB8AC3E}">
-        <p14:creationId xmlns:p14="http://schemas.microsoft.com/office/powerpoint/2010/main" val="3736307437"/>
+        <p14:creationId xmlns:p14="http://schemas.microsoft.com/office/powerpoint/2010/main" val="765488673"/>
       </p:ext>
     </p:extLst>
   </p:cSld>
   <p:clrMapOvr>
     <a:masterClrMapping/>
   </p:clrMapOvr>
-  <p:timing>
-    <p:tnLst>
-      <p:par>
-        <p:cTn id="1" dur="indefinite" restart="never" nodeType="tmRoot"/>
-      </p:par>
-    </p:tnLst>
-  </p:timing>
 </p:sld>
 </file>
 
@@ -3708,7 +8772,7 @@
       </p:grpSpPr>
       <p:sp>
         <p:nvSpPr>
-          <p:cNvPr id="4" name="Title 3"/>
+          <p:cNvPr id="2" name="Title 1"/>
           <p:cNvSpPr>
             <a:spLocks noGrp="1"/>
           </p:cNvSpPr>
@@ -3721,36 +8785,272 @@
           <a:bodyPr/>
           <a:lstStyle/>
           <a:p>
-            <a:endParaRPr lang="en-US"/>
-          </a:p>
-        </p:txBody>
-      </p:sp>
-      <p:sp>
-        <p:nvSpPr>
-          <p:cNvPr id="6" name="Text Placeholder 5"/>
-          <p:cNvSpPr>
-            <a:spLocks noGrp="1"/>
-          </p:cNvSpPr>
-          <p:nvPr>
-            <p:ph type="body" idx="1"/>
-          </p:nvPr>
-        </p:nvSpPr>
-        <p:spPr/>
-        <p:txBody>
-          <a:bodyPr/>
-          <a:lstStyle/>
-          <a:p>
-            <a:r>
-              <a:rPr lang="en-US" dirty="0" smtClean="0"/>
-              <a:t>Database Connections</a:t>
-            </a:r>
-            <a:endParaRPr lang="en-US" dirty="0"/>
-          </a:p>
-        </p:txBody>
-      </p:sp>
-      <p:sp>
-        <p:nvSpPr>
-          <p:cNvPr id="2" name="Slide Number Placeholder 1"/>
+            <a:r>
+              <a:rPr lang="en-US" dirty="0" smtClean="0"/>
+              <a:t>Deployment Steps</a:t>
+            </a:r>
+            <a:endParaRPr lang="en-US" dirty="0"/>
+          </a:p>
+        </p:txBody>
+      </p:sp>
+      <p:sp>
+        <p:nvSpPr>
+          <p:cNvPr id="3" name="Content Placeholder 2"/>
+          <p:cNvSpPr>
+            <a:spLocks noGrp="1"/>
+          </p:cNvSpPr>
+          <p:nvPr>
+            <p:ph idx="1"/>
+          </p:nvPr>
+        </p:nvSpPr>
+        <p:spPr/>
+        <p:txBody>
+          <a:bodyPr>
+            <a:normAutofit fontScale="47500" lnSpcReduction="20000"/>
+          </a:bodyPr>
+          <a:lstStyle/>
+          <a:p>
+            <a:pPr marL="0" indent="0">
+              <a:buNone/>
+            </a:pPr>
+            <a:r>
+              <a:rPr lang="en-US" u="sng" dirty="0" smtClean="0"/>
+              <a:t>Dev</a:t>
+            </a:r>
+          </a:p>
+          <a:p>
+            <a:pPr marL="514350" indent="-514350">
+              <a:buFont typeface="+mj-lt"/>
+              <a:buAutoNum type="arabicPeriod"/>
+            </a:pPr>
+            <a:r>
+              <a:rPr lang="en-US" dirty="0" smtClean="0"/>
+              <a:t>Develop an app locally. </a:t>
+            </a:r>
+          </a:p>
+          <a:p>
+            <a:pPr marL="0" indent="0">
+              <a:buNone/>
+            </a:pPr>
+            <a:endParaRPr lang="en-US" dirty="0" smtClean="0"/>
+          </a:p>
+          <a:p>
+            <a:pPr marL="0" indent="0">
+              <a:buNone/>
+            </a:pPr>
+            <a:r>
+              <a:rPr lang="en-US" u="sng" dirty="0" smtClean="0"/>
+              <a:t>Staging</a:t>
+            </a:r>
+          </a:p>
+          <a:p>
+            <a:pPr marL="514350" indent="-514350">
+              <a:buFont typeface="+mj-lt"/>
+              <a:buAutoNum type="arabicPeriod" startAt="2"/>
+            </a:pPr>
+            <a:r>
+              <a:rPr lang="en-US" dirty="0" smtClean="0"/>
+              <a:t>Place the app folder in Staging location: </a:t>
+            </a:r>
+            <a:r>
+              <a:rPr lang="en-US" dirty="0" smtClean="0">
+                <a:hlinkClick r:id="rId2" action="ppaction://hlinkfile"/>
+              </a:rPr>
+              <a:t>\\analystfs\westcoastdata\Shiny\Staging</a:t>
+            </a:r>
+            <a:endParaRPr lang="en-US" dirty="0" smtClean="0"/>
+          </a:p>
+          <a:p>
+            <a:pPr marL="514350" indent="-514350">
+              <a:buFont typeface="+mj-lt"/>
+              <a:buAutoNum type="arabicPeriod" startAt="2"/>
+            </a:pPr>
+            <a:endParaRPr lang="en-US" dirty="0" smtClean="0"/>
+          </a:p>
+          <a:p>
+            <a:pPr marL="514350" indent="-514350">
+              <a:buFont typeface="+mj-lt"/>
+              <a:buAutoNum type="arabicPeriod" startAt="2"/>
+            </a:pPr>
+            <a:r>
+              <a:rPr lang="en-US" dirty="0" smtClean="0"/>
+              <a:t>Check your app on </a:t>
+            </a:r>
+            <a:r>
+              <a:rPr lang="en-US" dirty="0">
+                <a:hlinkClick r:id="rId3"/>
+              </a:rPr>
+              <a:t>http://rshinydev001:3838</a:t>
+            </a:r>
+            <a:r>
+              <a:rPr lang="en-US" dirty="0" smtClean="0">
+                <a:hlinkClick r:id="rId3"/>
+              </a:rPr>
+              <a:t>/</a:t>
+            </a:r>
+            <a:endParaRPr lang="en-US" dirty="0" smtClean="0"/>
+          </a:p>
+          <a:p>
+            <a:pPr marL="514350" indent="-514350">
+              <a:buFont typeface="+mj-lt"/>
+              <a:buAutoNum type="arabicPeriod" startAt="2"/>
+            </a:pPr>
+            <a:endParaRPr lang="en-US" dirty="0" smtClean="0"/>
+          </a:p>
+          <a:p>
+            <a:pPr marL="514350" indent="-514350">
+              <a:buFont typeface="+mj-lt"/>
+              <a:buAutoNum type="arabicPeriod" startAt="2"/>
+            </a:pPr>
+            <a:r>
+              <a:rPr lang="en-US" dirty="0" smtClean="0"/>
+              <a:t>If debugging is needed, do so here: </a:t>
+            </a:r>
+            <a:r>
+              <a:rPr lang="en-US" dirty="0">
+                <a:hlinkClick r:id="rId4"/>
+              </a:rPr>
+              <a:t>http://rshinydev001:8787</a:t>
+            </a:r>
+            <a:r>
+              <a:rPr lang="en-US" dirty="0" smtClean="0">
+                <a:hlinkClick r:id="rId4"/>
+              </a:rPr>
+              <a:t>/</a:t>
+            </a:r>
+            <a:endParaRPr lang="en-US" dirty="0" smtClean="0"/>
+          </a:p>
+          <a:p>
+            <a:pPr marL="0" indent="0">
+              <a:buNone/>
+            </a:pPr>
+            <a:endParaRPr lang="en-US" dirty="0" smtClean="0"/>
+          </a:p>
+          <a:p>
+            <a:pPr marL="0" indent="0">
+              <a:buNone/>
+            </a:pPr>
+            <a:r>
+              <a:rPr lang="en-US" u="sng" dirty="0" smtClean="0"/>
+              <a:t>PROD</a:t>
+            </a:r>
+          </a:p>
+          <a:p>
+            <a:pPr marL="514350" indent="-514350">
+              <a:buFont typeface="+mj-lt"/>
+              <a:buAutoNum type="arabicPeriod" startAt="5"/>
+            </a:pPr>
+            <a:r>
+              <a:rPr lang="en-US" dirty="0" smtClean="0"/>
+              <a:t>Once all working, place </a:t>
+            </a:r>
+            <a:r>
+              <a:rPr lang="en-US" dirty="0"/>
+              <a:t>the folder here: </a:t>
+            </a:r>
+            <a:r>
+              <a:rPr lang="en-US" dirty="0">
+                <a:hlinkClick r:id="rId5" action="ppaction://hlinkfile"/>
+              </a:rPr>
+              <a:t>\\</a:t>
+            </a:r>
+            <a:r>
+              <a:rPr lang="en-US" dirty="0" smtClean="0">
+                <a:hlinkClick r:id="rId5" action="ppaction://hlinkfile"/>
+              </a:rPr>
+              <a:t>analystfs\westcoastdata\Shiny\Prod</a:t>
+            </a:r>
+            <a:endParaRPr lang="en-US" dirty="0" smtClean="0"/>
+          </a:p>
+          <a:p>
+            <a:pPr marL="514350" indent="-514350">
+              <a:buFont typeface="+mj-lt"/>
+              <a:buAutoNum type="arabicPeriod" startAt="5"/>
+            </a:pPr>
+            <a:endParaRPr lang="en-US" dirty="0" smtClean="0"/>
+          </a:p>
+          <a:p>
+            <a:pPr marL="514350" indent="-514350">
+              <a:buFont typeface="+mj-lt"/>
+              <a:buAutoNum type="arabicPeriod" startAt="5"/>
+            </a:pPr>
+            <a:r>
+              <a:rPr lang="en-US" dirty="0" smtClean="0"/>
+              <a:t>Check your app on </a:t>
+            </a:r>
+            <a:r>
+              <a:rPr lang="en-US" dirty="0">
+                <a:hlinkClick r:id="rId6"/>
+              </a:rPr>
+              <a:t>https://analyze.teainc.org</a:t>
+            </a:r>
+            <a:r>
+              <a:rPr lang="en-US" dirty="0" smtClean="0">
+                <a:hlinkClick r:id="rId6"/>
+              </a:rPr>
+              <a:t>/</a:t>
+            </a:r>
+            <a:endParaRPr lang="en-US" dirty="0" smtClean="0"/>
+          </a:p>
+          <a:p>
+            <a:pPr marL="514350" indent="-514350">
+              <a:buFont typeface="+mj-lt"/>
+              <a:buAutoNum type="arabicPeriod" startAt="5"/>
+            </a:pPr>
+            <a:endParaRPr lang="en-US" dirty="0" smtClean="0"/>
+          </a:p>
+          <a:p>
+            <a:pPr marL="514350" indent="-514350">
+              <a:buFont typeface="+mj-lt"/>
+              <a:buAutoNum type="arabicPeriod" startAt="5"/>
+            </a:pPr>
+            <a:r>
+              <a:rPr lang="en-US" dirty="0" smtClean="0"/>
+              <a:t>Debug if necessary: </a:t>
+            </a:r>
+            <a:r>
+              <a:rPr lang="en-US" dirty="0">
+                <a:hlinkClick r:id="rId7"/>
+              </a:rPr>
+              <a:t>http://</a:t>
+            </a:r>
+            <a:r>
+              <a:rPr lang="en-US" dirty="0" smtClean="0">
+                <a:hlinkClick r:id="rId7"/>
+              </a:rPr>
+              <a:t>rshiny001:8787</a:t>
+            </a:r>
+            <a:endParaRPr lang="en-US" dirty="0" smtClean="0"/>
+          </a:p>
+          <a:p>
+            <a:pPr marL="514350" indent="-514350">
+              <a:buFont typeface="+mj-lt"/>
+              <a:buAutoNum type="arabicPeriod" startAt="5"/>
+            </a:pPr>
+            <a:endParaRPr lang="en-US" dirty="0" smtClean="0"/>
+          </a:p>
+          <a:p>
+            <a:pPr marL="514350" indent="-514350">
+              <a:buFont typeface="+mj-lt"/>
+              <a:buAutoNum type="arabicPeriod" startAt="5"/>
+            </a:pPr>
+            <a:r>
+              <a:rPr lang="en-US" dirty="0" smtClean="0"/>
+              <a:t>Check configurations with Brandon. </a:t>
+            </a:r>
+          </a:p>
+          <a:p>
+            <a:pPr marL="514350" indent="-514350">
+              <a:buFont typeface="+mj-lt"/>
+              <a:buAutoNum type="arabicPeriod" startAt="5"/>
+            </a:pPr>
+            <a:endParaRPr lang="en-US" dirty="0"/>
+          </a:p>
+        </p:txBody>
+      </p:sp>
+      <p:sp>
+        <p:nvSpPr>
+          <p:cNvPr id="4" name="Slide Number Placeholder 3"/>
           <p:cNvSpPr>
             <a:spLocks noGrp="1"/>
           </p:cNvSpPr>
@@ -3765,16 +9065,38 @@
           <a:p>
             <a:fld id="{8848E627-D06A-4F0E-98E2-3D90458BE48C}" type="slidenum">
               <a:rPr lang="en-US" smtClean="0"/>
-              <a:pPr/>
               <a:t>5</a:t>
             </a:fld>
-            <a:endParaRPr lang="en-US" dirty="0"/>
-          </a:p>
-        </p:txBody>
-      </p:sp>
-      <p:sp>
-        <p:nvSpPr>
-          <p:cNvPr id="5" name="Date Placeholder 4"/>
+            <a:endParaRPr lang="en-US"/>
+          </a:p>
+        </p:txBody>
+      </p:sp>
+      <p:sp>
+        <p:nvSpPr>
+          <p:cNvPr id="5" name="Footer Placeholder 4"/>
+          <p:cNvSpPr>
+            <a:spLocks noGrp="1"/>
+          </p:cNvSpPr>
+          <p:nvPr>
+            <p:ph type="ftr" sz="quarter" idx="3"/>
+          </p:nvPr>
+        </p:nvSpPr>
+        <p:spPr/>
+        <p:txBody>
+          <a:bodyPr/>
+          <a:lstStyle/>
+          <a:p>
+            <a:r>
+              <a:rPr lang="en-US" smtClean="0"/>
+              <a:t>CONFIDENTIAL &amp; PROPRIETARY</a:t>
+            </a:r>
+            <a:endParaRPr lang="en-US" dirty="0"/>
+          </a:p>
+        </p:txBody>
+      </p:sp>
+      <p:sp>
+        <p:nvSpPr>
+          <p:cNvPr id="6" name="Date Placeholder 5"/>
           <p:cNvSpPr>
             <a:spLocks noGrp="1"/>
           </p:cNvSpPr>
@@ -3787,38 +9109,10 @@
           <a:bodyPr/>
           <a:lstStyle/>
           <a:p>
-            <a:fld id="{86768572-F13A-4AC8-B064-CDBF8DA91B73}" type="datetime4">
-              <a:rPr lang="en-US" smtClean="0"/>
-              <a:t>August 6, 2019</a:t>
+            <a:fld id="{CAEF89AF-97FF-41FD-A810-843DAB910B39}" type="datetime4">
+              <a:rPr lang="en-US" smtClean="0"/>
+              <a:t>August 9, 2019</a:t>
             </a:fld>
-            <a:endParaRPr lang="en-US" dirty="0"/>
-          </a:p>
-        </p:txBody>
-      </p:sp>
-      <p:sp>
-        <p:nvSpPr>
-          <p:cNvPr id="3" name="Footer Placeholder 2"/>
-          <p:cNvSpPr>
-            <a:spLocks noGrp="1"/>
-          </p:cNvSpPr>
-          <p:nvPr>
-            <p:ph type="ftr" sz="quarter" idx="4294967295"/>
-          </p:nvPr>
-        </p:nvSpPr>
-        <p:spPr>
-          <a:xfrm>
-            <a:off x="0" y="6477000"/>
-            <a:ext cx="2895600" cy="365125"/>
-          </a:xfrm>
-        </p:spPr>
-        <p:txBody>
-          <a:bodyPr/>
-          <a:lstStyle/>
-          <a:p>
-            <a:r>
-              <a:rPr lang="en-US" smtClean="0"/>
-              <a:t>CONFIDENTIAL &amp; PROPRIETARY</a:t>
-            </a:r>
             <a:endParaRPr lang="en-US" dirty="0"/>
           </a:p>
         </p:txBody>
@@ -3826,20 +9120,13 @@
     </p:spTree>
     <p:extLst>
       <p:ext uri="{BB962C8B-B14F-4D97-AF65-F5344CB8AC3E}">
-        <p14:creationId xmlns:p14="http://schemas.microsoft.com/office/powerpoint/2010/main" val="3171441291"/>
+        <p14:creationId xmlns:p14="http://schemas.microsoft.com/office/powerpoint/2010/main" val="992238374"/>
       </p:ext>
     </p:extLst>
   </p:cSld>
   <p:clrMapOvr>
     <a:masterClrMapping/>
   </p:clrMapOvr>
-  <p:timing>
-    <p:tnLst>
-      <p:par>
-        <p:cTn id="1" dur="indefinite" restart="never" nodeType="tmRoot"/>
-      </p:par>
-    </p:tnLst>
-  </p:timing>
 </p:sld>
 </file>
 
@@ -3862,7 +9149,7 @@
       </p:grpSpPr>
       <p:sp>
         <p:nvSpPr>
-          <p:cNvPr id="2" name="Title 1"/>
+          <p:cNvPr id="9" name="Title 8"/>
           <p:cNvSpPr>
             <a:spLocks noGrp="1"/>
           </p:cNvSpPr>
@@ -3875,13 +9162,17 @@
           <a:bodyPr/>
           <a:lstStyle/>
           <a:p>
-            <a:endParaRPr lang="en-US"/>
-          </a:p>
-        </p:txBody>
-      </p:sp>
-      <p:sp>
-        <p:nvSpPr>
-          <p:cNvPr id="3" name="Content Placeholder 2"/>
+            <a:r>
+              <a:rPr lang="en-US" dirty="0" smtClean="0"/>
+              <a:t>Demo</a:t>
+            </a:r>
+            <a:endParaRPr lang="en-US" dirty="0"/>
+          </a:p>
+        </p:txBody>
+      </p:sp>
+      <p:sp>
+        <p:nvSpPr>
+          <p:cNvPr id="8" name="Text Placeholder 7"/>
           <p:cNvSpPr>
             <a:spLocks noGrp="1"/>
           </p:cNvSpPr>
@@ -3896,7 +9187,7 @@
           <a:p>
             <a:r>
               <a:rPr lang="en-US" dirty="0" smtClean="0"/>
-              <a:t>Log in info. </a:t>
+              <a:t>Deployment to Staging</a:t>
             </a:r>
             <a:endParaRPr lang="en-US" dirty="0"/>
           </a:p>
@@ -3965,53 +9256,22 @@
           <a:p>
             <a:fld id="{CAEF89AF-97FF-41FD-A810-843DAB910B39}" type="datetime4">
               <a:rPr lang="en-US" smtClean="0"/>
-              <a:t>August 6, 2019</a:t>
+              <a:t>August 9, 2019</a:t>
             </a:fld>
             <a:endParaRPr lang="en-US" dirty="0"/>
           </a:p>
         </p:txBody>
       </p:sp>
-      <p:pic>
-        <p:nvPicPr>
-          <p:cNvPr id="7" name="Picture 6"/>
-          <p:cNvPicPr>
-            <a:picLocks noChangeAspect="1"/>
-          </p:cNvPicPr>
-          <p:nvPr/>
-        </p:nvPicPr>
-        <p:blipFill>
-          <a:blip r:embed="rId2"/>
-          <a:stretch>
-            <a:fillRect/>
-          </a:stretch>
-        </p:blipFill>
-        <p:spPr>
-          <a:xfrm>
-            <a:off x="3581400" y="5105400"/>
-            <a:ext cx="4676775" cy="866775"/>
-          </a:xfrm>
-          <a:prstGeom prst="rect">
-            <a:avLst/>
-          </a:prstGeom>
-        </p:spPr>
-      </p:pic>
     </p:spTree>
     <p:extLst>
       <p:ext uri="{BB962C8B-B14F-4D97-AF65-F5344CB8AC3E}">
-        <p14:creationId xmlns:p14="http://schemas.microsoft.com/office/powerpoint/2010/main" val="4152999470"/>
+        <p14:creationId xmlns:p14="http://schemas.microsoft.com/office/powerpoint/2010/main" val="3727578142"/>
       </p:ext>
     </p:extLst>
   </p:cSld>
   <p:clrMapOvr>
     <a:masterClrMapping/>
   </p:clrMapOvr>
-  <p:timing>
-    <p:tnLst>
-      <p:par>
-        <p:cTn id="1" dur="indefinite" restart="never" nodeType="tmRoot"/>
-      </p:par>
-    </p:tnLst>
-  </p:timing>
 </p:sld>
 </file>
 
@@ -4044,10 +9304,31 @@
         </p:nvSpPr>
         <p:spPr/>
         <p:txBody>
-          <a:bodyPr/>
-          <a:lstStyle/>
-          <a:p>
-            <a:endParaRPr lang="en-US"/>
+          <a:bodyPr>
+            <a:normAutofit fontScale="90000"/>
+          </a:bodyPr>
+          <a:lstStyle/>
+          <a:p>
+            <a:r>
+              <a:rPr lang="en-US" dirty="0" smtClean="0"/>
+              <a:t>Deployment Steps</a:t>
+            </a:r>
+            <a:br>
+              <a:rPr lang="en-US" dirty="0" smtClean="0"/>
+            </a:br>
+            <a:r>
+              <a:rPr lang="en-US" sz="3100" dirty="0" smtClean="0">
+                <a:solidFill>
+                  <a:schemeClr val="accent3"/>
+                </a:solidFill>
+              </a:rPr>
+              <a:t>with optional steps</a:t>
+            </a:r>
+            <a:endParaRPr lang="en-US" dirty="0">
+              <a:solidFill>
+                <a:schemeClr val="accent3"/>
+              </a:solidFill>
+            </a:endParaRPr>
           </a:p>
         </p:txBody>
       </p:sp>
@@ -4063,18 +9344,246 @@
         </p:nvSpPr>
         <p:spPr/>
         <p:txBody>
-          <a:bodyPr/>
-          <a:lstStyle/>
-          <a:p>
-            <a:r>
-              <a:rPr lang="en-US" dirty="0" smtClean="0"/>
-              <a:t>Conversation on external (</a:t>
-            </a:r>
-            <a:r>
-              <a:rPr lang="en-US" smtClean="0"/>
-              <a:t>client facing) vs internal. </a:t>
-            </a:r>
-            <a:endParaRPr lang="en-US"/>
+          <a:bodyPr>
+            <a:normAutofit fontScale="47500" lnSpcReduction="20000"/>
+          </a:bodyPr>
+          <a:lstStyle/>
+          <a:p>
+            <a:pPr marL="0" indent="0">
+              <a:buNone/>
+            </a:pPr>
+            <a:r>
+              <a:rPr lang="en-US" u="sng" dirty="0" smtClean="0"/>
+              <a:t>Dev</a:t>
+            </a:r>
+          </a:p>
+          <a:p>
+            <a:pPr marL="514350" indent="-514350">
+              <a:buFont typeface="+mj-lt"/>
+              <a:buAutoNum type="arabicPeriod"/>
+            </a:pPr>
+            <a:r>
+              <a:rPr lang="en-US" dirty="0" smtClean="0"/>
+              <a:t>Develop an app locally. </a:t>
+            </a:r>
+          </a:p>
+          <a:p>
+            <a:pPr marL="0" indent="0">
+              <a:buNone/>
+            </a:pPr>
+            <a:endParaRPr lang="en-US" dirty="0" smtClean="0"/>
+          </a:p>
+          <a:p>
+            <a:pPr marL="0" indent="0">
+              <a:buNone/>
+            </a:pPr>
+            <a:r>
+              <a:rPr lang="en-US" u="sng" dirty="0" smtClean="0"/>
+              <a:t>Staging</a:t>
+            </a:r>
+          </a:p>
+          <a:p>
+            <a:pPr marL="514350" indent="-514350">
+              <a:buFont typeface="+mj-lt"/>
+              <a:buAutoNum type="arabicPeriod" startAt="2"/>
+            </a:pPr>
+            <a:r>
+              <a:rPr lang="en-US" dirty="0" smtClean="0"/>
+              <a:t>Place the app folder in Staging location: </a:t>
+            </a:r>
+            <a:r>
+              <a:rPr lang="en-US" dirty="0" smtClean="0">
+                <a:hlinkClick r:id="rId2" action="ppaction://hlinkfile"/>
+              </a:rPr>
+              <a:t>\\analystfs\westcoastdata\Shiny\Staging</a:t>
+            </a:r>
+            <a:endParaRPr lang="en-US" dirty="0" smtClean="0"/>
+          </a:p>
+          <a:p>
+            <a:pPr marL="514350" indent="-514350">
+              <a:buFont typeface="+mj-lt"/>
+              <a:buAutoNum type="arabicPeriod" startAt="2"/>
+            </a:pPr>
+            <a:endParaRPr lang="en-US" dirty="0" smtClean="0"/>
+          </a:p>
+          <a:p>
+            <a:pPr marL="514350" indent="-514350">
+              <a:buFont typeface="+mj-lt"/>
+              <a:buAutoNum type="arabicPeriod" startAt="2"/>
+            </a:pPr>
+            <a:r>
+              <a:rPr lang="en-US" dirty="0" smtClean="0"/>
+              <a:t>Check your app on </a:t>
+            </a:r>
+            <a:r>
+              <a:rPr lang="en-US" dirty="0">
+                <a:hlinkClick r:id="rId3"/>
+              </a:rPr>
+              <a:t>http://rshinydev001:3838</a:t>
+            </a:r>
+            <a:r>
+              <a:rPr lang="en-US" dirty="0" smtClean="0">
+                <a:hlinkClick r:id="rId3"/>
+              </a:rPr>
+              <a:t>/</a:t>
+            </a:r>
+            <a:endParaRPr lang="en-US" dirty="0" smtClean="0"/>
+          </a:p>
+          <a:p>
+            <a:pPr marL="514350" indent="-514350">
+              <a:buFont typeface="+mj-lt"/>
+              <a:buAutoNum type="arabicPeriod" startAt="2"/>
+            </a:pPr>
+            <a:endParaRPr lang="en-US" dirty="0" smtClean="0"/>
+          </a:p>
+          <a:p>
+            <a:pPr marL="514350" indent="-514350">
+              <a:buFont typeface="+mj-lt"/>
+              <a:buAutoNum type="arabicPeriod" startAt="2"/>
+            </a:pPr>
+            <a:r>
+              <a:rPr lang="en-US" dirty="0" smtClean="0"/>
+              <a:t>If debugging is needed, do so here: </a:t>
+            </a:r>
+            <a:r>
+              <a:rPr lang="en-US" dirty="0">
+                <a:hlinkClick r:id="rId4"/>
+              </a:rPr>
+              <a:t>http://rshinydev001:8787</a:t>
+            </a:r>
+            <a:r>
+              <a:rPr lang="en-US" dirty="0" smtClean="0">
+                <a:hlinkClick r:id="rId4"/>
+              </a:rPr>
+              <a:t>/</a:t>
+            </a:r>
+            <a:endParaRPr lang="en-US" dirty="0" smtClean="0"/>
+          </a:p>
+          <a:p>
+            <a:pPr marL="0" indent="0">
+              <a:buNone/>
+            </a:pPr>
+            <a:endParaRPr lang="en-US" dirty="0" smtClean="0"/>
+          </a:p>
+          <a:p>
+            <a:pPr marL="0" indent="0">
+              <a:buNone/>
+            </a:pPr>
+            <a:r>
+              <a:rPr lang="en-US" u="sng" dirty="0" smtClean="0"/>
+              <a:t>PROD</a:t>
+            </a:r>
+          </a:p>
+          <a:p>
+            <a:pPr marL="514350" indent="-514350">
+              <a:buFont typeface="+mj-lt"/>
+              <a:buAutoNum type="arabicPeriod" startAt="5"/>
+            </a:pPr>
+            <a:r>
+              <a:rPr lang="en-US" dirty="0" smtClean="0"/>
+              <a:t>Once all working, place </a:t>
+            </a:r>
+            <a:r>
+              <a:rPr lang="en-US" dirty="0"/>
+              <a:t>the folder here: </a:t>
+            </a:r>
+            <a:r>
+              <a:rPr lang="en-US" dirty="0">
+                <a:hlinkClick r:id="rId5" action="ppaction://hlinkfile"/>
+              </a:rPr>
+              <a:t>\\</a:t>
+            </a:r>
+            <a:r>
+              <a:rPr lang="en-US" dirty="0" smtClean="0">
+                <a:hlinkClick r:id="rId5" action="ppaction://hlinkfile"/>
+              </a:rPr>
+              <a:t>analystfs\westcoastdata\Shiny\Prod</a:t>
+            </a:r>
+            <a:endParaRPr lang="en-US" dirty="0" smtClean="0"/>
+          </a:p>
+          <a:p>
+            <a:pPr marL="514350" indent="-514350">
+              <a:buFont typeface="+mj-lt"/>
+              <a:buAutoNum type="arabicPeriod" startAt="5"/>
+            </a:pPr>
+            <a:endParaRPr lang="en-US" dirty="0" smtClean="0"/>
+          </a:p>
+          <a:p>
+            <a:pPr marL="514350" indent="-514350">
+              <a:buFont typeface="+mj-lt"/>
+              <a:buAutoNum type="arabicPeriod" startAt="5"/>
+            </a:pPr>
+            <a:r>
+              <a:rPr lang="en-US" dirty="0" smtClean="0"/>
+              <a:t>Check your app on </a:t>
+            </a:r>
+            <a:r>
+              <a:rPr lang="en-US" dirty="0">
+                <a:hlinkClick r:id="rId6"/>
+              </a:rPr>
+              <a:t>https://analyze.teainc.org</a:t>
+            </a:r>
+            <a:r>
+              <a:rPr lang="en-US" dirty="0" smtClean="0">
+                <a:hlinkClick r:id="rId6"/>
+              </a:rPr>
+              <a:t>/</a:t>
+            </a:r>
+            <a:endParaRPr lang="en-US" dirty="0" smtClean="0"/>
+          </a:p>
+          <a:p>
+            <a:pPr marL="514350" indent="-514350">
+              <a:buFont typeface="+mj-lt"/>
+              <a:buAutoNum type="arabicPeriod" startAt="5"/>
+            </a:pPr>
+            <a:endParaRPr lang="en-US" dirty="0" smtClean="0"/>
+          </a:p>
+          <a:p>
+            <a:pPr marL="514350" indent="-514350">
+              <a:buFont typeface="+mj-lt"/>
+              <a:buAutoNum type="arabicPeriod" startAt="5"/>
+            </a:pPr>
+            <a:r>
+              <a:rPr lang="en-US" dirty="0" smtClean="0"/>
+              <a:t>Debug if necessary: </a:t>
+            </a:r>
+            <a:r>
+              <a:rPr lang="en-US" dirty="0">
+                <a:hlinkClick r:id="rId7"/>
+              </a:rPr>
+              <a:t>http://</a:t>
+            </a:r>
+            <a:r>
+              <a:rPr lang="en-US" dirty="0" smtClean="0">
+                <a:hlinkClick r:id="rId7"/>
+              </a:rPr>
+              <a:t>rshiny001:8787</a:t>
+            </a:r>
+            <a:endParaRPr lang="en-US" dirty="0" smtClean="0"/>
+          </a:p>
+          <a:p>
+            <a:pPr marL="514350" indent="-514350">
+              <a:buFont typeface="+mj-lt"/>
+              <a:buAutoNum type="arabicPeriod" startAt="5"/>
+            </a:pPr>
+            <a:endParaRPr lang="en-US" dirty="0" smtClean="0"/>
+          </a:p>
+          <a:p>
+            <a:pPr marL="514350" indent="-514350">
+              <a:buFont typeface="+mj-lt"/>
+              <a:buAutoNum type="arabicPeriod" startAt="5"/>
+            </a:pPr>
+            <a:r>
+              <a:rPr lang="en-US" dirty="0" smtClean="0"/>
+              <a:t>Check configurations with Brandon. </a:t>
+            </a:r>
+          </a:p>
+          <a:p>
+            <a:pPr marL="514350" indent="-514350">
+              <a:buFont typeface="+mj-lt"/>
+              <a:buAutoNum type="arabicPeriod" startAt="5"/>
+            </a:pPr>
+            <a:endParaRPr lang="en-US" dirty="0"/>
           </a:p>
         </p:txBody>
       </p:sp>
@@ -4141,29 +9650,381 @@
           <a:p>
             <a:fld id="{CAEF89AF-97FF-41FD-A810-843DAB910B39}" type="datetime4">
               <a:rPr lang="en-US" smtClean="0"/>
-              <a:t>August 6, 2019</a:t>
+              <a:t>August 9, 2019</a:t>
             </a:fld>
             <a:endParaRPr lang="en-US" dirty="0"/>
+          </a:p>
+        </p:txBody>
+      </p:sp>
+      <p:sp>
+        <p:nvSpPr>
+          <p:cNvPr id="7" name="Content Placeholder 2"/>
+          <p:cNvSpPr txBox="1">
+            <a:spLocks/>
+          </p:cNvSpPr>
+          <p:nvPr/>
+        </p:nvSpPr>
+        <p:spPr>
+          <a:xfrm>
+            <a:off x="4800600" y="1705062"/>
+            <a:ext cx="3886200" cy="4356303"/>
+          </a:xfrm>
+          <a:prstGeom prst="rect">
+            <a:avLst/>
+          </a:prstGeom>
+        </p:spPr>
+        <p:txBody>
+          <a:bodyPr vert="horz" lIns="91440" tIns="45720" rIns="91440" bIns="45720" rtlCol="0">
+            <a:normAutofit/>
+          </a:bodyPr>
+          <a:lstStyle>
+            <a:lvl1pPr marL="342900" indent="-342900" algn="l" defTabSz="914400" rtl="0" eaLnBrk="1" latinLnBrk="0" hangingPunct="1">
+              <a:spcBef>
+                <a:spcPct val="20000"/>
+              </a:spcBef>
+              <a:buFont typeface="Arial" panose="020B0604020202020204" pitchFamily="34" charset="0"/>
+              <a:buChar char="•"/>
+              <a:defRPr sz="3200" kern="1200">
+                <a:solidFill>
+                  <a:schemeClr val="tx1"/>
+                </a:solidFill>
+                <a:latin typeface="Calibri Light" panose="020F0302020204030204" pitchFamily="34" charset="0"/>
+                <a:ea typeface="+mn-ea"/>
+                <a:cs typeface="+mn-cs"/>
+              </a:defRPr>
+            </a:lvl1pPr>
+            <a:lvl2pPr marL="742950" indent="-285750" algn="l" defTabSz="914400" rtl="0" eaLnBrk="1" latinLnBrk="0" hangingPunct="1">
+              <a:spcBef>
+                <a:spcPct val="20000"/>
+              </a:spcBef>
+              <a:buFont typeface="Arial" panose="020B0604020202020204" pitchFamily="34" charset="0"/>
+              <a:buChar char="–"/>
+              <a:defRPr sz="2800" kern="1200">
+                <a:solidFill>
+                  <a:schemeClr val="tx1"/>
+                </a:solidFill>
+                <a:latin typeface="Calibri Light" panose="020F0302020204030204" pitchFamily="34" charset="0"/>
+                <a:ea typeface="+mn-ea"/>
+                <a:cs typeface="+mn-cs"/>
+              </a:defRPr>
+            </a:lvl2pPr>
+            <a:lvl3pPr marL="1143000" indent="-228600" algn="l" defTabSz="914400" rtl="0" eaLnBrk="1" latinLnBrk="0" hangingPunct="1">
+              <a:spcBef>
+                <a:spcPct val="20000"/>
+              </a:spcBef>
+              <a:buFont typeface="Arial" panose="020B0604020202020204" pitchFamily="34" charset="0"/>
+              <a:buChar char="•"/>
+              <a:defRPr sz="2400" kern="1200">
+                <a:solidFill>
+                  <a:schemeClr val="tx1"/>
+                </a:solidFill>
+                <a:latin typeface="Calibri Light" panose="020F0302020204030204" pitchFamily="34" charset="0"/>
+                <a:ea typeface="+mn-ea"/>
+                <a:cs typeface="+mn-cs"/>
+              </a:defRPr>
+            </a:lvl3pPr>
+            <a:lvl4pPr marL="1600200" indent="-228600" algn="l" defTabSz="914400" rtl="0" eaLnBrk="1" latinLnBrk="0" hangingPunct="1">
+              <a:spcBef>
+                <a:spcPct val="20000"/>
+              </a:spcBef>
+              <a:buFont typeface="Arial" panose="020B0604020202020204" pitchFamily="34" charset="0"/>
+              <a:buChar char="–"/>
+              <a:defRPr sz="2000" kern="1200">
+                <a:solidFill>
+                  <a:schemeClr val="tx1"/>
+                </a:solidFill>
+                <a:latin typeface="Calibri Light" panose="020F0302020204030204" pitchFamily="34" charset="0"/>
+                <a:ea typeface="+mn-ea"/>
+                <a:cs typeface="+mn-cs"/>
+              </a:defRPr>
+            </a:lvl4pPr>
+            <a:lvl5pPr marL="2057400" indent="-228600" algn="l" defTabSz="914400" rtl="0" eaLnBrk="1" latinLnBrk="0" hangingPunct="1">
+              <a:spcBef>
+                <a:spcPct val="20000"/>
+              </a:spcBef>
+              <a:buFont typeface="Arial" panose="020B0604020202020204" pitchFamily="34" charset="0"/>
+              <a:buChar char="»"/>
+              <a:defRPr sz="2000" kern="1200">
+                <a:solidFill>
+                  <a:schemeClr val="tx1"/>
+                </a:solidFill>
+                <a:latin typeface="Calibri Light" panose="020F0302020204030204" pitchFamily="34" charset="0"/>
+                <a:ea typeface="+mn-ea"/>
+                <a:cs typeface="+mn-cs"/>
+              </a:defRPr>
+            </a:lvl5pPr>
+            <a:lvl6pPr marL="2514600" indent="-228600" algn="l" defTabSz="914400" rtl="0" eaLnBrk="1" latinLnBrk="0" hangingPunct="1">
+              <a:spcBef>
+                <a:spcPct val="20000"/>
+              </a:spcBef>
+              <a:buFont typeface="Arial" panose="020B0604020202020204" pitchFamily="34" charset="0"/>
+              <a:buChar char="•"/>
+              <a:defRPr sz="2000" kern="1200">
+                <a:solidFill>
+                  <a:schemeClr val="tx1"/>
+                </a:solidFill>
+                <a:latin typeface="+mn-lt"/>
+                <a:ea typeface="+mn-ea"/>
+                <a:cs typeface="+mn-cs"/>
+              </a:defRPr>
+            </a:lvl6pPr>
+            <a:lvl7pPr marL="2971800" indent="-228600" algn="l" defTabSz="914400" rtl="0" eaLnBrk="1" latinLnBrk="0" hangingPunct="1">
+              <a:spcBef>
+                <a:spcPct val="20000"/>
+              </a:spcBef>
+              <a:buFont typeface="Arial" panose="020B0604020202020204" pitchFamily="34" charset="0"/>
+              <a:buChar char="•"/>
+              <a:defRPr sz="2000" kern="1200">
+                <a:solidFill>
+                  <a:schemeClr val="tx1"/>
+                </a:solidFill>
+                <a:latin typeface="+mn-lt"/>
+                <a:ea typeface="+mn-ea"/>
+                <a:cs typeface="+mn-cs"/>
+              </a:defRPr>
+            </a:lvl7pPr>
+            <a:lvl8pPr marL="3429000" indent="-228600" algn="l" defTabSz="914400" rtl="0" eaLnBrk="1" latinLnBrk="0" hangingPunct="1">
+              <a:spcBef>
+                <a:spcPct val="20000"/>
+              </a:spcBef>
+              <a:buFont typeface="Arial" panose="020B0604020202020204" pitchFamily="34" charset="0"/>
+              <a:buChar char="•"/>
+              <a:defRPr sz="2000" kern="1200">
+                <a:solidFill>
+                  <a:schemeClr val="tx1"/>
+                </a:solidFill>
+                <a:latin typeface="+mn-lt"/>
+                <a:ea typeface="+mn-ea"/>
+                <a:cs typeface="+mn-cs"/>
+              </a:defRPr>
+            </a:lvl8pPr>
+            <a:lvl9pPr marL="3886200" indent="-228600" algn="l" defTabSz="914400" rtl="0" eaLnBrk="1" latinLnBrk="0" hangingPunct="1">
+              <a:spcBef>
+                <a:spcPct val="20000"/>
+              </a:spcBef>
+              <a:buFont typeface="Arial" panose="020B0604020202020204" pitchFamily="34" charset="0"/>
+              <a:buChar char="•"/>
+              <a:defRPr sz="2000" kern="1200">
+                <a:solidFill>
+                  <a:schemeClr val="tx1"/>
+                </a:solidFill>
+                <a:latin typeface="+mn-lt"/>
+                <a:ea typeface="+mn-ea"/>
+                <a:cs typeface="+mn-cs"/>
+              </a:defRPr>
+            </a:lvl9pPr>
+          </a:lstStyle>
+          <a:p>
+            <a:pPr marL="0" indent="0" algn="r">
+              <a:buNone/>
+            </a:pPr>
+            <a:r>
+              <a:rPr lang="en-US" sz="1500" dirty="0" smtClean="0">
+                <a:solidFill>
+                  <a:schemeClr val="accent3"/>
+                </a:solidFill>
+              </a:rPr>
+              <a:t>Track code changes in </a:t>
+            </a:r>
+            <a:r>
+              <a:rPr lang="en-US" sz="1500" dirty="0" err="1" smtClean="0">
+                <a:solidFill>
+                  <a:schemeClr val="accent3"/>
+                </a:solidFill>
+              </a:rPr>
+              <a:t>github</a:t>
+            </a:r>
+            <a:r>
+              <a:rPr lang="en-US" sz="1500" dirty="0" smtClean="0">
+                <a:solidFill>
+                  <a:schemeClr val="accent3"/>
+                </a:solidFill>
+              </a:rPr>
+              <a:t>. </a:t>
+            </a:r>
+          </a:p>
+          <a:p>
+            <a:pPr marL="514350" indent="-514350" algn="r">
+              <a:buFont typeface="+mj-lt"/>
+              <a:buAutoNum type="arabicPeriod" startAt="5"/>
+            </a:pPr>
+            <a:endParaRPr lang="en-US" sz="1500" dirty="0">
+              <a:solidFill>
+                <a:schemeClr val="accent3"/>
+              </a:solidFill>
+            </a:endParaRPr>
+          </a:p>
+          <a:p>
+            <a:pPr marL="0" indent="0" algn="r">
+              <a:buNone/>
+            </a:pPr>
+            <a:r>
+              <a:rPr lang="en-US" sz="1500" dirty="0" smtClean="0">
+                <a:solidFill>
+                  <a:schemeClr val="accent3"/>
+                </a:solidFill>
+              </a:rPr>
+              <a:t>Push local changes to remote staging branch. </a:t>
+            </a:r>
+          </a:p>
+          <a:p>
+            <a:pPr marL="514350" indent="-514350" algn="r">
+              <a:buFont typeface="+mj-lt"/>
+              <a:buAutoNum type="arabicPeriod" startAt="5"/>
+            </a:pPr>
+            <a:endParaRPr lang="en-US" sz="1500" dirty="0" smtClean="0">
+              <a:solidFill>
+                <a:schemeClr val="accent3"/>
+              </a:solidFill>
+            </a:endParaRPr>
+          </a:p>
+          <a:p>
+            <a:pPr marL="514350" indent="-514350" algn="r">
+              <a:buFont typeface="+mj-lt"/>
+              <a:buAutoNum type="arabicPeriod" startAt="5"/>
+            </a:pPr>
+            <a:endParaRPr lang="en-US" sz="1500" dirty="0">
+              <a:solidFill>
+                <a:schemeClr val="accent3"/>
+              </a:solidFill>
+            </a:endParaRPr>
+          </a:p>
+          <a:p>
+            <a:pPr marL="0" indent="0" algn="r">
+              <a:buNone/>
+            </a:pPr>
+            <a:r>
+              <a:rPr lang="en-US" sz="1500" dirty="0" smtClean="0">
+                <a:solidFill>
+                  <a:schemeClr val="accent3"/>
+                </a:solidFill>
+              </a:rPr>
+              <a:t>Have users check the app.  </a:t>
+            </a:r>
+          </a:p>
+          <a:p>
+            <a:pPr marL="514350" indent="-514350" algn="r">
+              <a:buFont typeface="+mj-lt"/>
+              <a:buAutoNum type="arabicPeriod" startAt="5"/>
+            </a:pPr>
+            <a:endParaRPr lang="en-US" sz="1500" dirty="0" smtClean="0">
+              <a:solidFill>
+                <a:schemeClr val="accent3"/>
+              </a:solidFill>
+            </a:endParaRPr>
+          </a:p>
+          <a:p>
+            <a:pPr marL="514350" indent="-514350" algn="r">
+              <a:buFont typeface="+mj-lt"/>
+              <a:buAutoNum type="arabicPeriod" startAt="5"/>
+            </a:pPr>
+            <a:endParaRPr lang="en-US" sz="1500" dirty="0">
+              <a:solidFill>
+                <a:schemeClr val="accent3"/>
+              </a:solidFill>
+            </a:endParaRPr>
+          </a:p>
+          <a:p>
+            <a:pPr marL="0" indent="0" algn="r">
+              <a:buNone/>
+            </a:pPr>
+            <a:r>
+              <a:rPr lang="en-US" sz="1500" dirty="0" smtClean="0">
+                <a:solidFill>
+                  <a:schemeClr val="accent3"/>
+                </a:solidFill>
+              </a:rPr>
+              <a:t>Merge staging branch into master.</a:t>
+            </a:r>
+          </a:p>
+          <a:p>
+            <a:pPr marL="0" indent="0" algn="r">
+              <a:buNone/>
+            </a:pPr>
+            <a:endParaRPr lang="en-US" sz="1500" dirty="0">
+              <a:solidFill>
+                <a:schemeClr val="accent3"/>
+              </a:solidFill>
+            </a:endParaRPr>
+          </a:p>
+          <a:p>
+            <a:pPr marL="0" indent="0" algn="r">
+              <a:buNone/>
+            </a:pPr>
+            <a:endParaRPr lang="en-US" sz="1500" dirty="0" smtClean="0">
+              <a:solidFill>
+                <a:schemeClr val="accent3"/>
+              </a:solidFill>
+            </a:endParaRPr>
+          </a:p>
+          <a:p>
+            <a:pPr marL="0" indent="0" algn="r">
+              <a:buNone/>
+            </a:pPr>
+            <a:endParaRPr lang="en-US" sz="1500" dirty="0">
+              <a:solidFill>
+                <a:schemeClr val="accent3"/>
+              </a:solidFill>
+            </a:endParaRPr>
+          </a:p>
+          <a:p>
+            <a:pPr marL="0" indent="0" algn="r">
+              <a:buNone/>
+            </a:pPr>
+            <a:endParaRPr lang="en-US" sz="1500" dirty="0" smtClean="0">
+              <a:solidFill>
+                <a:schemeClr val="accent3"/>
+              </a:solidFill>
+            </a:endParaRPr>
+          </a:p>
+          <a:p>
+            <a:pPr marL="0" indent="0" algn="r">
+              <a:buNone/>
+            </a:pPr>
+            <a:r>
+              <a:rPr lang="en-US" sz="1500" dirty="0" smtClean="0">
+                <a:solidFill>
+                  <a:schemeClr val="accent3"/>
+                </a:solidFill>
+              </a:rPr>
+              <a:t>Release with a version number. </a:t>
+            </a:r>
+            <a:endParaRPr lang="en-US" sz="1500" dirty="0">
+              <a:solidFill>
+                <a:schemeClr val="accent3"/>
+              </a:solidFill>
+            </a:endParaRPr>
+          </a:p>
+          <a:p>
+            <a:pPr marL="0" indent="0" algn="r">
+              <a:buNone/>
+            </a:pPr>
+            <a:r>
+              <a:rPr lang="en-US" sz="1500" dirty="0" smtClean="0">
+                <a:solidFill>
+                  <a:schemeClr val="accent3"/>
+                </a:solidFill>
+              </a:rPr>
+              <a:t>Announcement to users.  </a:t>
+            </a:r>
+            <a:endParaRPr lang="en-US" sz="1500" dirty="0">
+              <a:solidFill>
+                <a:schemeClr val="accent3"/>
+              </a:solidFill>
+            </a:endParaRPr>
           </a:p>
         </p:txBody>
       </p:sp>
     </p:spTree>
     <p:extLst>
       <p:ext uri="{BB962C8B-B14F-4D97-AF65-F5344CB8AC3E}">
-        <p14:creationId xmlns:p14="http://schemas.microsoft.com/office/powerpoint/2010/main" val="735614070"/>
+        <p14:creationId xmlns:p14="http://schemas.microsoft.com/office/powerpoint/2010/main" val="2655857704"/>
       </p:ext>
     </p:extLst>
   </p:cSld>
   <p:clrMapOvr>
     <a:masterClrMapping/>
   </p:clrMapOvr>
-  <p:timing>
-    <p:tnLst>
-      <p:par>
-        <p:cTn id="1" dur="indefinite" restart="never" nodeType="tmRoot"/>
-      </p:par>
-    </p:tnLst>
-  </p:timing>
 </p:sld>
 </file>
 
@@ -4186,7 +10047,7 @@
       </p:grpSpPr>
       <p:sp>
         <p:nvSpPr>
-          <p:cNvPr id="7" name="Title 6"/>
+          <p:cNvPr id="2" name="Title 1"/>
           <p:cNvSpPr>
             <a:spLocks noGrp="1"/>
           </p:cNvSpPr>
@@ -4199,33 +10060,51 @@
           <a:bodyPr/>
           <a:lstStyle/>
           <a:p>
-            <a:endParaRPr lang="en-US"/>
-          </a:p>
-        </p:txBody>
-      </p:sp>
-      <p:sp>
-        <p:nvSpPr>
-          <p:cNvPr id="8" name="Text Placeholder 7"/>
-          <p:cNvSpPr>
-            <a:spLocks noGrp="1"/>
-          </p:cNvSpPr>
-          <p:nvPr>
-            <p:ph type="body" idx="1"/>
-          </p:nvPr>
-        </p:nvSpPr>
-        <p:spPr/>
-        <p:txBody>
-          <a:bodyPr/>
-          <a:lstStyle/>
-          <a:p>
-            <a:r>
-              <a:rPr lang="en-US" dirty="0" err="1" smtClean="0"/>
-              <a:t>Git</a:t>
-            </a:r>
-            <a:r>
-              <a:rPr lang="en-US" dirty="0" smtClean="0"/>
-              <a:t> &amp; GitHub</a:t>
-            </a:r>
+            <a:r>
+              <a:rPr lang="en-US" dirty="0" smtClean="0"/>
+              <a:t>App Configurations</a:t>
+            </a:r>
+            <a:endParaRPr lang="en-US" dirty="0"/>
+          </a:p>
+        </p:txBody>
+      </p:sp>
+      <p:sp>
+        <p:nvSpPr>
+          <p:cNvPr id="3" name="Content Placeholder 2"/>
+          <p:cNvSpPr>
+            <a:spLocks noGrp="1"/>
+          </p:cNvSpPr>
+          <p:nvPr>
+            <p:ph idx="1"/>
+          </p:nvPr>
+        </p:nvSpPr>
+        <p:spPr/>
+        <p:txBody>
+          <a:bodyPr/>
+          <a:lstStyle/>
+          <a:p>
+            <a:r>
+              <a:rPr lang="en-US" dirty="0" smtClean="0"/>
+              <a:t>User Groups</a:t>
+            </a:r>
+          </a:p>
+          <a:p>
+            <a:r>
+              <a:rPr lang="en-US" dirty="0" smtClean="0"/>
+              <a:t>Timeout</a:t>
+            </a:r>
+            <a:endParaRPr lang="en-US" dirty="0" smtClean="0"/>
+          </a:p>
+          <a:p>
+            <a:pPr lvl="1"/>
+            <a:r>
+              <a:rPr lang="en-US" dirty="0" smtClean="0"/>
+              <a:t>Default: 30 min</a:t>
+            </a:r>
+            <a:endParaRPr lang="en-US" dirty="0" smtClean="0"/>
+          </a:p>
+          <a:p>
+            <a:pPr lvl="1"/>
             <a:endParaRPr lang="en-US" dirty="0"/>
           </a:p>
         </p:txBody>
@@ -4293,7 +10172,7 @@
           <a:p>
             <a:fld id="{CAEF89AF-97FF-41FD-A810-843DAB910B39}" type="datetime4">
               <a:rPr lang="en-US" smtClean="0"/>
-              <a:t>August 8, 2019</a:t>
+              <a:t>August 9, 2019</a:t>
             </a:fld>
             <a:endParaRPr lang="en-US" dirty="0"/>
           </a:p>
@@ -4302,7 +10181,7 @@
     </p:spTree>
     <p:extLst>
       <p:ext uri="{BB962C8B-B14F-4D97-AF65-F5344CB8AC3E}">
-        <p14:creationId xmlns:p14="http://schemas.microsoft.com/office/powerpoint/2010/main" val="3541054641"/>
+        <p14:creationId xmlns:p14="http://schemas.microsoft.com/office/powerpoint/2010/main" val="3736307437"/>
       </p:ext>
     </p:extLst>
   </p:cSld>
@@ -4338,7 +10217,7 @@
       </p:grpSpPr>
       <p:sp>
         <p:nvSpPr>
-          <p:cNvPr id="7" name="Title 6"/>
+          <p:cNvPr id="2" name="Title 1"/>
           <p:cNvSpPr>
             <a:spLocks noGrp="1"/>
           </p:cNvSpPr>
@@ -4352,41 +10231,169 @@
           <a:lstStyle/>
           <a:p>
             <a:r>
+              <a:rPr lang="en-US" dirty="0" smtClean="0"/>
+              <a:t>Accessing Network Files</a:t>
+            </a:r>
+            <a:endParaRPr lang="en-US" dirty="0"/>
+          </a:p>
+        </p:txBody>
+      </p:sp>
+      <p:sp>
+        <p:nvSpPr>
+          <p:cNvPr id="3" name="Content Placeholder 2"/>
+          <p:cNvSpPr>
+            <a:spLocks noGrp="1"/>
+          </p:cNvSpPr>
+          <p:nvPr>
+            <p:ph idx="1"/>
+          </p:nvPr>
+        </p:nvSpPr>
+        <p:spPr/>
+        <p:txBody>
+          <a:bodyPr>
+            <a:normAutofit fontScale="85000" lnSpcReduction="20000"/>
+          </a:bodyPr>
+          <a:lstStyle/>
+          <a:p>
+            <a:r>
+              <a:rPr lang="en-US" dirty="0" smtClean="0"/>
+              <a:t>Certain network locations are visible from Shiny Server. </a:t>
+            </a:r>
+          </a:p>
+          <a:p>
+            <a:pPr lvl="1"/>
+            <a:r>
+              <a:rPr lang="en-US" dirty="0" smtClean="0">
+                <a:hlinkClick r:id="rId2" action="ppaction://hlinkfile"/>
+              </a:rPr>
+              <a:t>\\Analystfs\westcoastdata</a:t>
+            </a:r>
+            <a:r>
+              <a:rPr lang="en-US" dirty="0" smtClean="0"/>
+              <a:t> </a:t>
+            </a:r>
+          </a:p>
+          <a:p>
+            <a:pPr marL="457200" lvl="1" indent="0">
+              <a:buNone/>
+            </a:pPr>
+            <a:r>
+              <a:rPr lang="en-US" dirty="0" smtClean="0">
+                <a:sym typeface="Wingdings" panose="05000000000000000000" pitchFamily="2" charset="2"/>
+              </a:rPr>
+              <a:t>     </a:t>
+            </a:r>
+            <a:r>
+              <a:rPr lang="en-US" dirty="0" smtClean="0"/>
+              <a:t>   /</a:t>
+            </a:r>
+            <a:r>
+              <a:rPr lang="en-US" dirty="0" err="1" smtClean="0"/>
+              <a:t>mnt</a:t>
+            </a:r>
+            <a:r>
+              <a:rPr lang="en-US" dirty="0" smtClean="0"/>
+              <a:t>/</a:t>
+            </a:r>
+            <a:r>
+              <a:rPr lang="en-US" dirty="0" err="1" smtClean="0"/>
+              <a:t>analystfs</a:t>
+            </a:r>
+            <a:r>
+              <a:rPr lang="en-US" dirty="0" smtClean="0"/>
+              <a:t>/</a:t>
+            </a:r>
+            <a:r>
+              <a:rPr lang="en-US" dirty="0" err="1" smtClean="0"/>
+              <a:t>westcoastdata</a:t>
+            </a:r>
+            <a:endParaRPr lang="en-US" dirty="0" smtClean="0"/>
+          </a:p>
+          <a:p>
+            <a:pPr lvl="1"/>
+            <a:r>
               <a:rPr lang="en-US" dirty="0">
-                <a:hlinkClick r:id="rId2"/>
+                <a:hlinkClick r:id="rId3" action="ppaction://hlinkfile"/>
               </a:rPr>
-              <a:t>https://resources.rstudio.com/shiny-developer-conference/shinydevcon-debugging-jonathanmcpherson-1080p</a:t>
-            </a:r>
-            <a:endParaRPr lang="en-US" dirty="0"/>
-          </a:p>
-        </p:txBody>
-      </p:sp>
-      <p:sp>
-        <p:nvSpPr>
-          <p:cNvPr id="9" name="Text Placeholder 8"/>
-          <p:cNvSpPr>
-            <a:spLocks noGrp="1"/>
-          </p:cNvSpPr>
-          <p:nvPr>
-            <p:ph type="body" idx="1"/>
-          </p:nvPr>
-        </p:nvSpPr>
-        <p:spPr/>
-        <p:txBody>
-          <a:bodyPr/>
-          <a:lstStyle/>
-          <a:p>
-            <a:r>
-              <a:rPr lang="en-US" dirty="0" smtClean="0"/>
-              <a:t>Debugging</a:t>
-            </a:r>
-            <a:endParaRPr lang="en-US" dirty="0"/>
-          </a:p>
-        </p:txBody>
-      </p:sp>
-      <p:sp>
-        <p:nvSpPr>
-          <p:cNvPr id="5" name="Slide Number Placeholder 4"/>
+              <a:t>\\</a:t>
+            </a:r>
+            <a:r>
+              <a:rPr lang="en-US" dirty="0" smtClean="0">
+                <a:hlinkClick r:id="rId3" action="ppaction://hlinkfile"/>
+              </a:rPr>
+              <a:t>seaanalystfs1\Data</a:t>
+            </a:r>
+            <a:r>
+              <a:rPr lang="en-US" dirty="0" smtClean="0"/>
+              <a:t> </a:t>
+            </a:r>
+          </a:p>
+          <a:p>
+            <a:pPr marL="457200" lvl="1" indent="0">
+              <a:buNone/>
+            </a:pPr>
+            <a:r>
+              <a:rPr lang="en-US" dirty="0">
+                <a:sym typeface="Wingdings" panose="05000000000000000000" pitchFamily="2" charset="2"/>
+              </a:rPr>
+              <a:t> </a:t>
+            </a:r>
+            <a:r>
+              <a:rPr lang="en-US" dirty="0" smtClean="0">
+                <a:sym typeface="Wingdings" panose="05000000000000000000" pitchFamily="2" charset="2"/>
+              </a:rPr>
+              <a:t>    /</a:t>
+            </a:r>
+            <a:r>
+              <a:rPr lang="en-US" dirty="0" err="1" smtClean="0">
+                <a:sym typeface="Wingdings" panose="05000000000000000000" pitchFamily="2" charset="2"/>
+              </a:rPr>
+              <a:t>mnt</a:t>
+            </a:r>
+            <a:r>
+              <a:rPr lang="en-US" dirty="0" smtClean="0">
+                <a:sym typeface="Wingdings" panose="05000000000000000000" pitchFamily="2" charset="2"/>
+              </a:rPr>
+              <a:t>/seaanalyst1/data</a:t>
+            </a:r>
+          </a:p>
+          <a:p>
+            <a:pPr lvl="1"/>
+            <a:endParaRPr lang="en-US" dirty="0" smtClean="0"/>
+          </a:p>
+          <a:p>
+            <a:r>
+              <a:rPr lang="en-US" dirty="0" smtClean="0"/>
+              <a:t>Watch out if you have a non-relative path to a file in the network. </a:t>
+            </a:r>
+          </a:p>
+          <a:p>
+            <a:pPr lvl="1"/>
+            <a:r>
+              <a:rPr lang="en-US" dirty="0" smtClean="0"/>
+              <a:t>Make a copy in an available location and use a mounted path. </a:t>
+            </a:r>
+          </a:p>
+          <a:p>
+            <a:pPr lvl="1"/>
+            <a:r>
+              <a:rPr lang="en-US" dirty="0" smtClean="0"/>
+              <a:t>Place it in the app folder. </a:t>
+            </a:r>
+          </a:p>
+          <a:p>
+            <a:pPr lvl="1"/>
+            <a:r>
+              <a:rPr lang="en-US" dirty="0" smtClean="0"/>
+              <a:t>Place the data in a database. </a:t>
+            </a:r>
+            <a:endParaRPr lang="en-US" dirty="0"/>
+          </a:p>
+        </p:txBody>
+      </p:sp>
+      <p:sp>
+        <p:nvSpPr>
+          <p:cNvPr id="4" name="Slide Number Placeholder 3"/>
           <p:cNvSpPr>
             <a:spLocks noGrp="1"/>
           </p:cNvSpPr>
@@ -4409,7 +10416,7 @@
       </p:sp>
       <p:sp>
         <p:nvSpPr>
-          <p:cNvPr id="6" name="Footer Placeholder 5"/>
+          <p:cNvPr id="5" name="Footer Placeholder 4"/>
           <p:cNvSpPr>
             <a:spLocks noGrp="1"/>
           </p:cNvSpPr>
@@ -4432,7 +10439,7 @@
       </p:sp>
       <p:sp>
         <p:nvSpPr>
-          <p:cNvPr id="8" name="Date Placeholder 7"/>
+          <p:cNvPr id="6" name="Date Placeholder 5"/>
           <p:cNvSpPr>
             <a:spLocks noGrp="1"/>
           </p:cNvSpPr>
@@ -4445,9 +10452,9 @@
           <a:bodyPr/>
           <a:lstStyle/>
           <a:p>
-            <a:fld id="{2AE9CD06-5419-4F67-A0F0-D9130AC4F9A9}" type="datetime4">
-              <a:rPr lang="en-US" smtClean="0"/>
-              <a:t>August 6, 2019</a:t>
+            <a:fld id="{CAEF89AF-97FF-41FD-A810-843DAB910B39}" type="datetime4">
+              <a:rPr lang="en-US" smtClean="0"/>
+              <a:t>August 9, 2019</a:t>
             </a:fld>
             <a:endParaRPr lang="en-US" dirty="0"/>
           </a:p>
@@ -4456,20 +10463,13 @@
     </p:spTree>
     <p:extLst>
       <p:ext uri="{BB962C8B-B14F-4D97-AF65-F5344CB8AC3E}">
-        <p14:creationId xmlns:p14="http://schemas.microsoft.com/office/powerpoint/2010/main" val="243809950"/>
+        <p14:creationId xmlns:p14="http://schemas.microsoft.com/office/powerpoint/2010/main" val="559705827"/>
       </p:ext>
     </p:extLst>
   </p:cSld>
   <p:clrMapOvr>
     <a:masterClrMapping/>
   </p:clrMapOvr>
-  <p:timing>
-    <p:tnLst>
-      <p:par>
-        <p:cTn id="1" dur="indefinite" restart="never" nodeType="tmRoot"/>
-      </p:par>
-    </p:tnLst>
-  </p:timing>
 </p:sld>
 </file>
 

--- a/Day 2.pptx
+++ b/Day 2.pptx
@@ -5,7 +5,7 @@
     <p:sldMasterId id="2147483648" r:id="rId1"/>
   </p:sldMasterIdLst>
   <p:notesMasterIdLst>
-    <p:notesMasterId r:id="rId33"/>
+    <p:notesMasterId r:id="rId35"/>
   </p:notesMasterIdLst>
   <p:sldIdLst>
     <p:sldId id="290" r:id="rId2"/>
@@ -20,25 +20,27 @@
     <p:sldId id="319" r:id="rId11"/>
     <p:sldId id="333" r:id="rId12"/>
     <p:sldId id="334" r:id="rId13"/>
-    <p:sldId id="337" r:id="rId14"/>
-    <p:sldId id="338" r:id="rId15"/>
-    <p:sldId id="339" r:id="rId16"/>
-    <p:sldId id="292" r:id="rId17"/>
-    <p:sldId id="320" r:id="rId18"/>
-    <p:sldId id="324" r:id="rId19"/>
-    <p:sldId id="321" r:id="rId20"/>
-    <p:sldId id="314" r:id="rId21"/>
-    <p:sldId id="341" r:id="rId22"/>
-    <p:sldId id="328" r:id="rId23"/>
-    <p:sldId id="325" r:id="rId24"/>
-    <p:sldId id="326" r:id="rId25"/>
-    <p:sldId id="327" r:id="rId26"/>
-    <p:sldId id="295" r:id="rId27"/>
-    <p:sldId id="296" r:id="rId28"/>
-    <p:sldId id="329" r:id="rId29"/>
-    <p:sldId id="330" r:id="rId30"/>
-    <p:sldId id="331" r:id="rId31"/>
-    <p:sldId id="332" r:id="rId32"/>
+    <p:sldId id="342" r:id="rId14"/>
+    <p:sldId id="337" r:id="rId15"/>
+    <p:sldId id="338" r:id="rId16"/>
+    <p:sldId id="339" r:id="rId17"/>
+    <p:sldId id="292" r:id="rId18"/>
+    <p:sldId id="320" r:id="rId19"/>
+    <p:sldId id="324" r:id="rId20"/>
+    <p:sldId id="321" r:id="rId21"/>
+    <p:sldId id="348" r:id="rId22"/>
+    <p:sldId id="349" r:id="rId23"/>
+    <p:sldId id="314" r:id="rId24"/>
+    <p:sldId id="343" r:id="rId25"/>
+    <p:sldId id="344" r:id="rId26"/>
+    <p:sldId id="346" r:id="rId27"/>
+    <p:sldId id="328" r:id="rId28"/>
+    <p:sldId id="295" r:id="rId29"/>
+    <p:sldId id="296" r:id="rId30"/>
+    <p:sldId id="329" r:id="rId31"/>
+    <p:sldId id="330" r:id="rId32"/>
+    <p:sldId id="331" r:id="rId33"/>
+    <p:sldId id="332" r:id="rId34"/>
   </p:sldIdLst>
   <p:sldSz cx="9144000" cy="6858000" type="screen4x3"/>
   <p:notesSz cx="6858000" cy="9144000"/>
@@ -3086,93 +3088,115 @@
         <p:spPr/>
         <p:txBody>
           <a:bodyPr>
-            <a:normAutofit fontScale="77500" lnSpcReduction="20000"/>
+            <a:normAutofit fontScale="70000" lnSpcReduction="20000"/>
           </a:bodyPr>
           <a:lstStyle/>
-          <a:p>
-            <a:r>
-              <a:rPr lang="en-US" dirty="0" smtClean="0"/>
-              <a:t>Do you have to limit the access? </a:t>
-            </a:r>
-          </a:p>
-          <a:p>
-            <a:pPr lvl="1"/>
-            <a:r>
-              <a:rPr lang="en-US" dirty="0" smtClean="0"/>
-              <a:t>Are there any sensitive data to hide? </a:t>
-            </a:r>
-          </a:p>
-          <a:p>
-            <a:pPr lvl="1"/>
-            <a:r>
-              <a:rPr lang="en-US" dirty="0" smtClean="0"/>
-              <a:t>Pre-set user inputs. </a:t>
-            </a:r>
-          </a:p>
-          <a:p>
-            <a:r>
-              <a:rPr lang="en-US" dirty="0" smtClean="0"/>
-              <a:t>Error handling</a:t>
-            </a:r>
-          </a:p>
-          <a:p>
-            <a:pPr lvl="1"/>
-            <a:r>
-              <a:rPr lang="en-US" dirty="0" smtClean="0"/>
-              <a:t>Meaningful messages. </a:t>
-            </a:r>
-          </a:p>
-          <a:p>
-            <a:pPr lvl="1"/>
-            <a:r>
-              <a:rPr lang="en-US" dirty="0" smtClean="0"/>
-              <a:t>Safe errors. </a:t>
-            </a:r>
-          </a:p>
-          <a:p>
-            <a:r>
-              <a:rPr lang="en-US" dirty="0" smtClean="0"/>
-              <a:t>Is it vulnerable to misinterpretation? </a:t>
-            </a:r>
-          </a:p>
-          <a:p>
-            <a:pPr lvl="1"/>
-            <a:r>
-              <a:rPr lang="en-US" dirty="0" smtClean="0"/>
-              <a:t>Disclaimer and signature page. </a:t>
-            </a:r>
-          </a:p>
-          <a:p>
-            <a:pPr lvl="1"/>
-            <a:r>
-              <a:rPr lang="en-US" dirty="0" smtClean="0"/>
-              <a:t>Who’s in charge for customer </a:t>
-            </a:r>
-            <a:r>
-              <a:rPr lang="en-US" dirty="0"/>
-              <a:t>s</a:t>
-            </a:r>
-            <a:r>
-              <a:rPr lang="en-US" dirty="0" smtClean="0"/>
-              <a:t>upport?</a:t>
-            </a:r>
-          </a:p>
-          <a:p>
-            <a:r>
-              <a:rPr lang="en-US" dirty="0" smtClean="0"/>
-              <a:t>Support plans </a:t>
-            </a:r>
-          </a:p>
-          <a:p>
-            <a:endParaRPr lang="en-US" dirty="0"/>
-          </a:p>
           <a:p>
             <a:pPr marL="0" indent="0">
               <a:buNone/>
             </a:pPr>
             <a:r>
-              <a:rPr lang="en-US" dirty="0" smtClean="0"/>
-              <a:t>Note: We are service providers, not app provider. </a:t>
+              <a:rPr lang="en-US" dirty="0"/>
+              <a:t>Q</a:t>
+            </a:r>
+            <a:r>
+              <a:rPr lang="en-US" dirty="0" smtClean="0"/>
+              <a:t>uestions to ask: </a:t>
+            </a:r>
+          </a:p>
+          <a:p>
+            <a:r>
+              <a:rPr lang="en-US" dirty="0" smtClean="0"/>
+              <a:t>Can we get away without giving access</a:t>
+            </a:r>
+            <a:r>
+              <a:rPr lang="en-US" dirty="0"/>
+              <a:t>? (We are service providers, not app provider</a:t>
+            </a:r>
+            <a:r>
+              <a:rPr lang="en-US" dirty="0" smtClean="0"/>
+              <a:t>).</a:t>
+            </a:r>
+          </a:p>
+          <a:p>
+            <a:r>
+              <a:rPr lang="en-US" dirty="0" smtClean="0"/>
+              <a:t>Do you have to limit the access? </a:t>
+            </a:r>
+          </a:p>
+          <a:p>
+            <a:pPr lvl="1"/>
+            <a:r>
+              <a:rPr lang="en-US" dirty="0" smtClean="0"/>
+              <a:t>Are there any sensitive data or tabs to hide? </a:t>
+            </a:r>
+          </a:p>
+          <a:p>
+            <a:pPr lvl="1"/>
+            <a:r>
+              <a:rPr lang="en-US" dirty="0" smtClean="0"/>
+              <a:t>Pre-set user inputs. </a:t>
+            </a:r>
+          </a:p>
+          <a:p>
+            <a:r>
+              <a:rPr lang="en-US" dirty="0" smtClean="0"/>
+              <a:t>Error handling</a:t>
+            </a:r>
+          </a:p>
+          <a:p>
+            <a:pPr lvl="1"/>
+            <a:r>
+              <a:rPr lang="en-US" dirty="0" smtClean="0"/>
+              <a:t>Meaningful messages. </a:t>
+            </a:r>
+          </a:p>
+          <a:p>
+            <a:pPr lvl="1"/>
+            <a:r>
+              <a:rPr lang="en-US" dirty="0" smtClean="0"/>
+              <a:t>Safe errors. </a:t>
+            </a:r>
+          </a:p>
+          <a:p>
+            <a:r>
+              <a:rPr lang="en-US" dirty="0" smtClean="0"/>
+              <a:t>Is it vulnerable to misinterpretation? </a:t>
+            </a:r>
+          </a:p>
+          <a:p>
+            <a:pPr lvl="1"/>
+            <a:r>
+              <a:rPr lang="en-US" dirty="0" smtClean="0"/>
+              <a:t>Disclaimer and signature page. </a:t>
+            </a:r>
+          </a:p>
+          <a:p>
+            <a:pPr lvl="1"/>
+            <a:r>
+              <a:rPr lang="en-US" dirty="0" smtClean="0"/>
+              <a:t>Who’s in charge for customer </a:t>
+            </a:r>
+            <a:r>
+              <a:rPr lang="en-US" dirty="0"/>
+              <a:t>s</a:t>
+            </a:r>
+            <a:r>
+              <a:rPr lang="en-US" dirty="0" smtClean="0"/>
+              <a:t>upport?</a:t>
+            </a:r>
+          </a:p>
+          <a:p>
+            <a:r>
+              <a:rPr lang="en-US" dirty="0" smtClean="0"/>
+              <a:t>Support plans </a:t>
+            </a:r>
+          </a:p>
+          <a:p>
+            <a:pPr lvl="1"/>
+            <a:r>
+              <a:rPr lang="en-US" dirty="0" smtClean="0"/>
+              <a:t>When it fails, what’s the procedure for support? </a:t>
             </a:r>
           </a:p>
           <a:p>
@@ -3243,7 +3267,7 @@
           <a:p>
             <a:fld id="{CAEF89AF-97FF-41FD-A810-843DAB910B39}" type="datetime4">
               <a:rPr lang="en-US" smtClean="0"/>
-              <a:t>August 9, 2019</a:t>
+              <a:t>August 12, 2019</a:t>
             </a:fld>
             <a:endParaRPr lang="en-US" dirty="0"/>
           </a:p>
@@ -3631,11 +3655,7 @@
           <a:bodyPr/>
           <a:lstStyle/>
           <a:p>
-            <a:r>
-              <a:rPr lang="en-US" dirty="0" smtClean="0"/>
-              <a:t>Version Management</a:t>
-            </a:r>
-            <a:endParaRPr lang="en-US" dirty="0"/>
+            <a:endParaRPr lang="en-US"/>
           </a:p>
         </p:txBody>
       </p:sp>
@@ -3649,153 +3669,10 @@
             <p:ph idx="1"/>
           </p:nvPr>
         </p:nvSpPr>
-        <p:spPr>
-          <a:xfrm>
-            <a:off x="457200" y="1600200"/>
-            <a:ext cx="8229600" cy="4724400"/>
-          </a:xfrm>
-        </p:spPr>
-        <p:txBody>
-          <a:bodyPr>
-            <a:normAutofit fontScale="55000" lnSpcReduction="20000"/>
-          </a:bodyPr>
-          <a:lstStyle/>
-          <a:p>
-            <a:r>
-              <a:rPr lang="en-US" dirty="0" smtClean="0"/>
-              <a:t>We all share the same Shiny Servers. </a:t>
-            </a:r>
-          </a:p>
-          <a:p>
-            <a:pPr lvl="1">
-              <a:buFont typeface="Wingdings" panose="05000000000000000000" pitchFamily="2" charset="2"/>
-              <a:buChar char="à"/>
-            </a:pPr>
-            <a:r>
-              <a:rPr lang="en-US" sz="3200" dirty="0" smtClean="0">
-                <a:sym typeface="Wingdings" panose="05000000000000000000" pitchFamily="2" charset="2"/>
-              </a:rPr>
-              <a:t>We share the same </a:t>
-            </a:r>
-            <a:r>
-              <a:rPr lang="en-US" sz="3200" dirty="0" smtClean="0"/>
-              <a:t>R version and package versions on the server regardless of what you use locally. </a:t>
-            </a:r>
-          </a:p>
-          <a:p>
-            <a:endParaRPr lang="en-US" dirty="0" smtClean="0"/>
-          </a:p>
-          <a:p>
-            <a:r>
-              <a:rPr lang="en-US" dirty="0"/>
-              <a:t>C</a:t>
-            </a:r>
-            <a:r>
-              <a:rPr lang="en-US" dirty="0" smtClean="0"/>
-              <a:t>urrent R</a:t>
-            </a:r>
-            <a:r>
-              <a:rPr lang="en-US" dirty="0"/>
-              <a:t>: V</a:t>
-            </a:r>
-            <a:r>
-              <a:rPr lang="en-US" dirty="0" smtClean="0"/>
-              <a:t>ersion </a:t>
-            </a:r>
-            <a:r>
-              <a:rPr lang="en-US" dirty="0"/>
-              <a:t>3.4.4 (2018-03-15) -- "Someone to Lean </a:t>
-            </a:r>
-            <a:r>
-              <a:rPr lang="en-US" dirty="0" smtClean="0"/>
-              <a:t>On”</a:t>
-            </a:r>
-          </a:p>
-          <a:p>
-            <a:r>
-              <a:rPr lang="en-US" dirty="0" smtClean="0"/>
-              <a:t>We plan to update it on XXXXXXX. </a:t>
-            </a:r>
-          </a:p>
-          <a:p>
-            <a:pPr marL="971550" lvl="1" indent="-514350">
-              <a:buFont typeface="+mj-lt"/>
-              <a:buAutoNum type="arabicPeriod"/>
-            </a:pPr>
-            <a:r>
-              <a:rPr lang="en-US" dirty="0" smtClean="0"/>
-              <a:t>Agree on a version to install. </a:t>
-            </a:r>
-          </a:p>
-          <a:p>
-            <a:pPr marL="971550" lvl="1" indent="-514350">
-              <a:buFont typeface="+mj-lt"/>
-              <a:buAutoNum type="arabicPeriod"/>
-            </a:pPr>
-            <a:r>
-              <a:rPr lang="en-US" dirty="0" smtClean="0"/>
-              <a:t>Update Staging server. </a:t>
-            </a:r>
-          </a:p>
-          <a:p>
-            <a:pPr marL="971550" lvl="1" indent="-514350">
-              <a:buFont typeface="+mj-lt"/>
-              <a:buAutoNum type="arabicPeriod"/>
-            </a:pPr>
-            <a:r>
-              <a:rPr lang="en-US" dirty="0" smtClean="0"/>
-              <a:t>Everyone check apps. </a:t>
-            </a:r>
-          </a:p>
-          <a:p>
-            <a:pPr marL="971550" lvl="1" indent="-514350">
-              <a:buFont typeface="+mj-lt"/>
-              <a:buAutoNum type="arabicPeriod"/>
-            </a:pPr>
-            <a:r>
-              <a:rPr lang="en-US" dirty="0" smtClean="0"/>
-              <a:t>Update PROD. </a:t>
-            </a:r>
-          </a:p>
-          <a:p>
-            <a:r>
-              <a:rPr lang="en-US" dirty="0" smtClean="0"/>
-              <a:t>When you need to update a package for some reason, announce it to the entire group before updating it on PROD. </a:t>
-            </a:r>
-          </a:p>
-          <a:p>
-            <a:r>
-              <a:rPr lang="en-US" dirty="0" smtClean="0"/>
-              <a:t>Potential Solution: Look into packrat: </a:t>
-            </a:r>
-            <a:r>
-              <a:rPr lang="en-US" dirty="0">
-                <a:hlinkClick r:id="rId2"/>
-              </a:rPr>
-              <a:t>https://support.rstudio.com/hc/en-us/articles/216528108-Deploying-packrat-projects-to-Shiny-Server-Pro</a:t>
-            </a:r>
-            <a:endParaRPr lang="en-US" dirty="0" smtClean="0"/>
-          </a:p>
-          <a:p>
-            <a:endParaRPr lang="en-US" dirty="0" smtClean="0"/>
-          </a:p>
-          <a:p>
-            <a:r>
-              <a:rPr lang="en-US" dirty="0" smtClean="0"/>
-              <a:t>Known versioning issue: </a:t>
-            </a:r>
-          </a:p>
-          <a:p>
-            <a:pPr lvl="1"/>
-            <a:r>
-              <a:rPr lang="en-US" dirty="0" err="1" smtClean="0"/>
-              <a:t>Rds</a:t>
-            </a:r>
-            <a:r>
-              <a:rPr lang="en-US" dirty="0" smtClean="0"/>
-              <a:t> files created in R version 3.5 or higher is not readable in R version 3.4 or earlier. </a:t>
-            </a:r>
-          </a:p>
+        <p:spPr/>
+        <p:txBody>
+          <a:bodyPr/>
+          <a:lstStyle/>
           <a:p>
             <a:endParaRPr lang="en-US" dirty="0"/>
           </a:p>
@@ -3864,16 +3741,70 @@
           <a:p>
             <a:fld id="{CAEF89AF-97FF-41FD-A810-843DAB910B39}" type="datetime4">
               <a:rPr lang="en-US" smtClean="0"/>
-              <a:t>August 9, 2019</a:t>
+              <a:t>August 12, 2019</a:t>
             </a:fld>
             <a:endParaRPr lang="en-US" dirty="0"/>
           </a:p>
         </p:txBody>
       </p:sp>
+      <p:pic>
+        <p:nvPicPr>
+          <p:cNvPr id="3076" name="Picture 1" descr="image001"/>
+          <p:cNvPicPr>
+            <a:picLocks noChangeAspect="1" noChangeArrowheads="1"/>
+          </p:cNvPicPr>
+          <p:nvPr/>
+        </p:nvPicPr>
+        <p:blipFill>
+          <a:blip r:embed="rId2">
+            <a:extLst>
+              <a:ext uri="{28A0092B-C50C-407E-A947-70E740481C1C}">
+                <a14:useLocalDpi xmlns:a14="http://schemas.microsoft.com/office/drawing/2010/main" val="0"/>
+              </a:ext>
+            </a:extLst>
+          </a:blip>
+          <a:srcRect/>
+          <a:stretch>
+            <a:fillRect/>
+          </a:stretch>
+        </p:blipFill>
+        <p:spPr bwMode="auto">
+          <a:xfrm>
+            <a:off x="436540" y="826150"/>
+            <a:ext cx="8270920" cy="5588095"/>
+          </a:xfrm>
+          <a:prstGeom prst="rect">
+            <a:avLst/>
+          </a:prstGeom>
+          <a:noFill/>
+          <a:ln>
+            <a:noFill/>
+          </a:ln>
+          <a:extLst>
+            <a:ext uri="{909E8E84-426E-40DD-AFC4-6F175D3DCCD1}">
+              <a14:hiddenFill xmlns:a14="http://schemas.microsoft.com/office/drawing/2010/main">
+                <a:solidFill>
+                  <a:srgbClr val="FFFFFF"/>
+                </a:solidFill>
+              </a14:hiddenFill>
+            </a:ext>
+            <a:ext uri="{91240B29-F687-4F45-9708-019B960494DF}">
+              <a14:hiddenLine xmlns:a14="http://schemas.microsoft.com/office/drawing/2010/main" w="9525">
+                <a:solidFill>
+                  <a:srgbClr val="000000"/>
+                </a:solidFill>
+                <a:miter lim="800000"/>
+                <a:headEnd/>
+                <a:tailEnd/>
+              </a14:hiddenLine>
+            </a:ext>
+          </a:extLst>
+        </p:spPr>
+      </p:pic>
     </p:spTree>
     <p:extLst>
       <p:ext uri="{BB962C8B-B14F-4D97-AF65-F5344CB8AC3E}">
-        <p14:creationId xmlns:p14="http://schemas.microsoft.com/office/powerpoint/2010/main" val="2873917718"/>
+        <p14:creationId xmlns:p14="http://schemas.microsoft.com/office/powerpoint/2010/main" val="1386989267"/>
       </p:ext>
     </p:extLst>
   </p:cSld>
@@ -3917,7 +3848,7 @@
           <a:p>
             <a:r>
               <a:rPr lang="en-US" dirty="0" smtClean="0"/>
-              <a:t>One R Studio Account to Share</a:t>
+              <a:t>Version Management</a:t>
             </a:r>
             <a:endParaRPr lang="en-US" dirty="0"/>
           </a:p>
@@ -3933,53 +3864,154 @@
             <p:ph idx="1"/>
           </p:nvPr>
         </p:nvSpPr>
-        <p:spPr/>
+        <p:spPr>
+          <a:xfrm>
+            <a:off x="457200" y="1600200"/>
+            <a:ext cx="8229600" cy="4724400"/>
+          </a:xfrm>
+        </p:spPr>
         <p:txBody>
           <a:bodyPr>
-            <a:normAutofit fontScale="92500" lnSpcReduction="20000"/>
+            <a:normAutofit fontScale="55000" lnSpcReduction="20000"/>
           </a:bodyPr>
           <a:lstStyle/>
           <a:p>
             <a:r>
               <a:rPr lang="en-US" dirty="0" smtClean="0"/>
-              <a:t>We currently use an open source R Studio Server on the Shiny Server. </a:t>
+              <a:t>We all share the same Shiny Servers. </a:t>
+            </a:r>
+          </a:p>
+          <a:p>
+            <a:pPr lvl="1">
+              <a:buFont typeface="Wingdings" panose="05000000000000000000" pitchFamily="2" charset="2"/>
+              <a:buChar char="à"/>
+            </a:pPr>
+            <a:r>
+              <a:rPr lang="en-US" sz="3200" dirty="0" smtClean="0">
+                <a:sym typeface="Wingdings" panose="05000000000000000000" pitchFamily="2" charset="2"/>
+              </a:rPr>
+              <a:t>We share the same </a:t>
+            </a:r>
+            <a:r>
+              <a:rPr lang="en-US" sz="3200" dirty="0" smtClean="0"/>
+              <a:t>R version and package versions on the server regardless of what you use locally. </a:t>
+            </a:r>
+          </a:p>
+          <a:p>
+            <a:endParaRPr lang="en-US" dirty="0" smtClean="0"/>
+          </a:p>
+          <a:p>
+            <a:r>
+              <a:rPr lang="en-US" dirty="0"/>
+              <a:t>C</a:t>
+            </a:r>
+            <a:r>
+              <a:rPr lang="en-US" dirty="0" smtClean="0"/>
+              <a:t>urrent R</a:t>
+            </a:r>
+            <a:r>
+              <a:rPr lang="en-US" dirty="0"/>
+              <a:t>: V</a:t>
+            </a:r>
+            <a:r>
+              <a:rPr lang="en-US" dirty="0" smtClean="0"/>
+              <a:t>ersion </a:t>
+            </a:r>
+            <a:r>
+              <a:rPr lang="en-US" dirty="0"/>
+              <a:t>3.4.4 (2018-03-15) -- "Someone to Lean </a:t>
+            </a:r>
+            <a:r>
+              <a:rPr lang="en-US" dirty="0" smtClean="0"/>
+              <a:t>On”</a:t>
+            </a:r>
+          </a:p>
+          <a:p>
+            <a:r>
+              <a:rPr lang="en-US" dirty="0" smtClean="0"/>
+              <a:t>We plan to update it on XXXXXXX. </a:t>
+            </a:r>
+          </a:p>
+          <a:p>
+            <a:pPr marL="971550" lvl="1" indent="-514350">
+              <a:buFont typeface="+mj-lt"/>
+              <a:buAutoNum type="arabicPeriod"/>
+            </a:pPr>
+            <a:r>
+              <a:rPr lang="en-US" dirty="0" smtClean="0"/>
+              <a:t>Agree on a version to install. </a:t>
+            </a:r>
+          </a:p>
+          <a:p>
+            <a:pPr marL="971550" lvl="1" indent="-514350">
+              <a:buFont typeface="+mj-lt"/>
+              <a:buAutoNum type="arabicPeriod"/>
+            </a:pPr>
+            <a:r>
+              <a:rPr lang="en-US" dirty="0" smtClean="0"/>
+              <a:t>Update Staging server. </a:t>
+            </a:r>
+          </a:p>
+          <a:p>
+            <a:pPr marL="971550" lvl="1" indent="-514350">
+              <a:buFont typeface="+mj-lt"/>
+              <a:buAutoNum type="arabicPeriod"/>
+            </a:pPr>
+            <a:r>
+              <a:rPr lang="en-US" dirty="0" smtClean="0"/>
+              <a:t>Everyone check apps. </a:t>
+            </a:r>
+          </a:p>
+          <a:p>
+            <a:pPr marL="971550" lvl="1" indent="-514350">
+              <a:buFont typeface="+mj-lt"/>
+              <a:buAutoNum type="arabicPeriod"/>
+            </a:pPr>
+            <a:r>
+              <a:rPr lang="en-US" dirty="0" smtClean="0"/>
+              <a:t>Update PROD. </a:t>
+            </a:r>
+          </a:p>
+          <a:p>
+            <a:r>
+              <a:rPr lang="en-US" dirty="0" smtClean="0"/>
+              <a:t>When you need to update a package for some reason, announce it to the entire group before updating it on PROD. </a:t>
+            </a:r>
+          </a:p>
+          <a:p>
+            <a:r>
+              <a:rPr lang="en-US" dirty="0" smtClean="0"/>
+              <a:t>Potential Solution: Look into packrat: </a:t>
+            </a:r>
+            <a:r>
+              <a:rPr lang="en-US" dirty="0">
+                <a:hlinkClick r:id="rId2"/>
+              </a:rPr>
+              <a:t>https://support.rstudio.com/hc/en-us/articles/216528108-Deploying-packrat-projects-to-Shiny-Server-Pro</a:t>
+            </a:r>
+            <a:endParaRPr lang="en-US" dirty="0" smtClean="0"/>
+          </a:p>
+          <a:p>
+            <a:endParaRPr lang="en-US" dirty="0" smtClean="0"/>
+          </a:p>
+          <a:p>
+            <a:r>
+              <a:rPr lang="en-US" dirty="0" smtClean="0"/>
+              <a:t>Known versioning issue: </a:t>
             </a:r>
           </a:p>
           <a:p>
             <a:pPr lvl="1"/>
             <a:r>
-              <a:rPr lang="en-US" dirty="0" smtClean="0"/>
-              <a:t>It’s set up so that we can debug apps in the same </a:t>
-            </a:r>
-            <a:r>
               <a:rPr lang="en-US" dirty="0" err="1" smtClean="0"/>
-              <a:t>linux</a:t>
-            </a:r>
-            <a:r>
-              <a:rPr lang="en-US" dirty="0" smtClean="0"/>
-              <a:t> environment. </a:t>
-            </a:r>
-          </a:p>
-          <a:p>
-            <a:r>
-              <a:rPr lang="en-US" dirty="0" smtClean="0"/>
-              <a:t>With the current settings, you may kick out someone when you login. Be aware. </a:t>
-            </a:r>
-          </a:p>
-          <a:p>
-            <a:r>
-              <a:rPr lang="en-US" dirty="0" smtClean="0"/>
-              <a:t>Please, please quite and close everything when you are done with what you are doing.</a:t>
-            </a:r>
-          </a:p>
-          <a:p>
-            <a:endParaRPr lang="en-US" dirty="0"/>
-          </a:p>
-          <a:p>
-            <a:r>
-              <a:rPr lang="en-US" dirty="0" smtClean="0"/>
-              <a:t>When this becomes an issue, we’ll discuss purchasing a license for Pro Studio Server. </a:t>
-            </a:r>
+              <a:t>Rds</a:t>
+            </a:r>
+            <a:r>
+              <a:rPr lang="en-US" dirty="0" smtClean="0"/>
+              <a:t> files created in R version 3.5 or higher is not readable in R version 3.4 or earlier. </a:t>
+            </a:r>
+          </a:p>
+          <a:p>
             <a:endParaRPr lang="en-US" dirty="0"/>
           </a:p>
         </p:txBody>
@@ -4056,7 +4088,7 @@
     </p:spTree>
     <p:extLst>
       <p:ext uri="{BB962C8B-B14F-4D97-AF65-F5344CB8AC3E}">
-        <p14:creationId xmlns:p14="http://schemas.microsoft.com/office/powerpoint/2010/main" val="273371483"/>
+        <p14:creationId xmlns:p14="http://schemas.microsoft.com/office/powerpoint/2010/main" val="2873917718"/>
       </p:ext>
     </p:extLst>
   </p:cSld>
@@ -4100,6 +4132,189 @@
           <a:p>
             <a:r>
               <a:rPr lang="en-US" dirty="0" smtClean="0"/>
+              <a:t>One R Studio Account to Share</a:t>
+            </a:r>
+            <a:endParaRPr lang="en-US" dirty="0"/>
+          </a:p>
+        </p:txBody>
+      </p:sp>
+      <p:sp>
+        <p:nvSpPr>
+          <p:cNvPr id="3" name="Content Placeholder 2"/>
+          <p:cNvSpPr>
+            <a:spLocks noGrp="1"/>
+          </p:cNvSpPr>
+          <p:nvPr>
+            <p:ph idx="1"/>
+          </p:nvPr>
+        </p:nvSpPr>
+        <p:spPr/>
+        <p:txBody>
+          <a:bodyPr>
+            <a:normAutofit fontScale="92500" lnSpcReduction="20000"/>
+          </a:bodyPr>
+          <a:lstStyle/>
+          <a:p>
+            <a:r>
+              <a:rPr lang="en-US" dirty="0" smtClean="0"/>
+              <a:t>We currently use an open source R Studio Server on the Shiny Server. </a:t>
+            </a:r>
+          </a:p>
+          <a:p>
+            <a:pPr lvl="1"/>
+            <a:r>
+              <a:rPr lang="en-US" dirty="0" smtClean="0"/>
+              <a:t>It’s set up so that we can debug apps in the same </a:t>
+            </a:r>
+            <a:r>
+              <a:rPr lang="en-US" dirty="0" err="1" smtClean="0"/>
+              <a:t>linux</a:t>
+            </a:r>
+            <a:r>
+              <a:rPr lang="en-US" dirty="0" smtClean="0"/>
+              <a:t> environment. </a:t>
+            </a:r>
+          </a:p>
+          <a:p>
+            <a:r>
+              <a:rPr lang="en-US" dirty="0" smtClean="0"/>
+              <a:t>With the current settings, you may kick out someone when you login. Be aware. </a:t>
+            </a:r>
+          </a:p>
+          <a:p>
+            <a:r>
+              <a:rPr lang="en-US" dirty="0" smtClean="0"/>
+              <a:t>Please, please quite and close everything when you are done with what you are doing.</a:t>
+            </a:r>
+          </a:p>
+          <a:p>
+            <a:endParaRPr lang="en-US" dirty="0"/>
+          </a:p>
+          <a:p>
+            <a:r>
+              <a:rPr lang="en-US" dirty="0" smtClean="0"/>
+              <a:t>When this becomes an issue, we’ll discuss purchasing a license for Pro Studio Server. </a:t>
+            </a:r>
+            <a:endParaRPr lang="en-US" dirty="0"/>
+          </a:p>
+        </p:txBody>
+      </p:sp>
+      <p:sp>
+        <p:nvSpPr>
+          <p:cNvPr id="4" name="Slide Number Placeholder 3"/>
+          <p:cNvSpPr>
+            <a:spLocks noGrp="1"/>
+          </p:cNvSpPr>
+          <p:nvPr>
+            <p:ph type="sldNum" sz="quarter" idx="12"/>
+          </p:nvPr>
+        </p:nvSpPr>
+        <p:spPr/>
+        <p:txBody>
+          <a:bodyPr/>
+          <a:lstStyle/>
+          <a:p>
+            <a:fld id="{8848E627-D06A-4F0E-98E2-3D90458BE48C}" type="slidenum">
+              <a:rPr lang="en-US" smtClean="0"/>
+              <a:t>15</a:t>
+            </a:fld>
+            <a:endParaRPr lang="en-US"/>
+          </a:p>
+        </p:txBody>
+      </p:sp>
+      <p:sp>
+        <p:nvSpPr>
+          <p:cNvPr id="5" name="Footer Placeholder 4"/>
+          <p:cNvSpPr>
+            <a:spLocks noGrp="1"/>
+          </p:cNvSpPr>
+          <p:nvPr>
+            <p:ph type="ftr" sz="quarter" idx="3"/>
+          </p:nvPr>
+        </p:nvSpPr>
+        <p:spPr/>
+        <p:txBody>
+          <a:bodyPr/>
+          <a:lstStyle/>
+          <a:p>
+            <a:r>
+              <a:rPr lang="en-US" smtClean="0"/>
+              <a:t>CONFIDENTIAL &amp; PROPRIETARY</a:t>
+            </a:r>
+            <a:endParaRPr lang="en-US" dirty="0"/>
+          </a:p>
+        </p:txBody>
+      </p:sp>
+      <p:sp>
+        <p:nvSpPr>
+          <p:cNvPr id="6" name="Date Placeholder 5"/>
+          <p:cNvSpPr>
+            <a:spLocks noGrp="1"/>
+          </p:cNvSpPr>
+          <p:nvPr>
+            <p:ph type="dt" sz="half" idx="10"/>
+          </p:nvPr>
+        </p:nvSpPr>
+        <p:spPr/>
+        <p:txBody>
+          <a:bodyPr/>
+          <a:lstStyle/>
+          <a:p>
+            <a:fld id="{CAEF89AF-97FF-41FD-A810-843DAB910B39}" type="datetime4">
+              <a:rPr lang="en-US" smtClean="0"/>
+              <a:t>August 9, 2019</a:t>
+            </a:fld>
+            <a:endParaRPr lang="en-US" dirty="0"/>
+          </a:p>
+        </p:txBody>
+      </p:sp>
+    </p:spTree>
+    <p:extLst>
+      <p:ext uri="{BB962C8B-B14F-4D97-AF65-F5344CB8AC3E}">
+        <p14:creationId xmlns:p14="http://schemas.microsoft.com/office/powerpoint/2010/main" val="273371483"/>
+      </p:ext>
+    </p:extLst>
+  </p:cSld>
+  <p:clrMapOvr>
+    <a:masterClrMapping/>
+  </p:clrMapOvr>
+</p:sld>
+</file>
+
+<file path=ppt/slides/slide16.xml><?xml version="1.0" encoding="utf-8"?>
+<p:sld xmlns:a="http://schemas.openxmlformats.org/drawingml/2006/main" xmlns:r="http://schemas.openxmlformats.org/officeDocument/2006/relationships" xmlns:p="http://schemas.openxmlformats.org/presentationml/2006/main">
+  <p:cSld>
+    <p:spTree>
+      <p:nvGrpSpPr>
+        <p:cNvPr id="1" name=""/>
+        <p:cNvGrpSpPr/>
+        <p:nvPr/>
+      </p:nvGrpSpPr>
+      <p:grpSpPr>
+        <a:xfrm>
+          <a:off x="0" y="0"/>
+          <a:ext cx="0" cy="0"/>
+          <a:chOff x="0" y="0"/>
+          <a:chExt cx="0" cy="0"/>
+        </a:xfrm>
+      </p:grpSpPr>
+      <p:sp>
+        <p:nvSpPr>
+          <p:cNvPr id="2" name="Title 1"/>
+          <p:cNvSpPr>
+            <a:spLocks noGrp="1"/>
+          </p:cNvSpPr>
+          <p:nvPr>
+            <p:ph type="title"/>
+          </p:nvPr>
+        </p:nvSpPr>
+        <p:spPr/>
+        <p:txBody>
+          <a:bodyPr/>
+          <a:lstStyle/>
+          <a:p>
+            <a:r>
+              <a:rPr lang="en-US" dirty="0" smtClean="0"/>
               <a:t>Concurrent Usages</a:t>
             </a:r>
             <a:endParaRPr lang="en-US" dirty="0"/>
@@ -4219,7 +4434,7 @@
           <a:p>
             <a:fld id="{8848E627-D06A-4F0E-98E2-3D90458BE48C}" type="slidenum">
               <a:rPr lang="en-US" smtClean="0"/>
-              <a:t>15</a:t>
+              <a:t>16</a:t>
             </a:fld>
             <a:endParaRPr lang="en-US"/>
           </a:p>
@@ -5014,7 +5229,7 @@
 </p:sld>
 </file>
 
-<file path=ppt/slides/slide16.xml><?xml version="1.0" encoding="utf-8"?>
+<file path=ppt/slides/slide17.xml><?xml version="1.0" encoding="utf-8"?>
 <p:sld xmlns:a="http://schemas.openxmlformats.org/drawingml/2006/main" xmlns:r="http://schemas.openxmlformats.org/officeDocument/2006/relationships" xmlns:p="http://schemas.openxmlformats.org/presentationml/2006/main">
   <p:cSld>
     <p:spTree>
@@ -5091,7 +5306,7 @@
             <a:fld id="{8848E627-D06A-4F0E-98E2-3D90458BE48C}" type="slidenum">
               <a:rPr lang="en-US" smtClean="0"/>
               <a:pPr/>
-              <a:t>16</a:t>
+              <a:t>17</a:t>
             </a:fld>
             <a:endParaRPr lang="en-US" dirty="0"/>
           </a:p>
@@ -5168,7 +5383,7 @@
 </p:sld>
 </file>
 
-<file path=ppt/slides/slide17.xml><?xml version="1.0" encoding="utf-8"?>
+<file path=ppt/slides/slide18.xml><?xml version="1.0" encoding="utf-8"?>
 <p:sld xmlns:a="http://schemas.openxmlformats.org/drawingml/2006/main" xmlns:r="http://schemas.openxmlformats.org/officeDocument/2006/relationships" xmlns:p="http://schemas.openxmlformats.org/presentationml/2006/main">
   <p:cSld>
     <p:spTree>
@@ -5481,7 +5696,7 @@
           <a:p>
             <a:fld id="{8848E627-D06A-4F0E-98E2-3D90458BE48C}" type="slidenum">
               <a:rPr lang="en-US" smtClean="0"/>
-              <a:t>17</a:t>
+              <a:t>18</a:t>
             </a:fld>
             <a:endParaRPr lang="en-US"/>
           </a:p>
@@ -5684,7 +5899,7 @@
 </p:sld>
 </file>
 
-<file path=ppt/slides/slide18.xml><?xml version="1.0" encoding="utf-8"?>
+<file path=ppt/slides/slide19.xml><?xml version="1.0" encoding="utf-8"?>
 <p:sld xmlns:a="http://schemas.openxmlformats.org/drawingml/2006/main" xmlns:r="http://schemas.openxmlformats.org/officeDocument/2006/relationships" xmlns:p="http://schemas.openxmlformats.org/presentationml/2006/main">
   <p:cSld>
     <p:spTree>
@@ -5765,7 +5980,7 @@
           <a:p>
             <a:fld id="{8848E627-D06A-4F0E-98E2-3D90458BE48C}" type="slidenum">
               <a:rPr lang="en-US" smtClean="0"/>
-              <a:t>18</a:t>
+              <a:t>19</a:t>
             </a:fld>
             <a:endParaRPr lang="en-US"/>
           </a:p>
@@ -6112,225 +6327,6 @@
 </p:sld>
 </file>
 
-<file path=ppt/slides/slide19.xml><?xml version="1.0" encoding="utf-8"?>
-<p:sld xmlns:a="http://schemas.openxmlformats.org/drawingml/2006/main" xmlns:r="http://schemas.openxmlformats.org/officeDocument/2006/relationships" xmlns:p="http://schemas.openxmlformats.org/presentationml/2006/main">
-  <p:cSld>
-    <p:spTree>
-      <p:nvGrpSpPr>
-        <p:cNvPr id="1" name=""/>
-        <p:cNvGrpSpPr/>
-        <p:nvPr/>
-      </p:nvGrpSpPr>
-      <p:grpSpPr>
-        <a:xfrm>
-          <a:off x="0" y="0"/>
-          <a:ext cx="0" cy="0"/>
-          <a:chOff x="0" y="0"/>
-          <a:chExt cx="0" cy="0"/>
-        </a:xfrm>
-      </p:grpSpPr>
-      <p:sp>
-        <p:nvSpPr>
-          <p:cNvPr id="2" name="Title 1"/>
-          <p:cNvSpPr>
-            <a:spLocks noGrp="1"/>
-          </p:cNvSpPr>
-          <p:nvPr>
-            <p:ph type="title"/>
-          </p:nvPr>
-        </p:nvSpPr>
-        <p:spPr/>
-        <p:txBody>
-          <a:bodyPr/>
-          <a:lstStyle/>
-          <a:p>
-            <a:r>
-              <a:rPr lang="en-US" dirty="0" err="1" smtClean="0"/>
-              <a:t>config</a:t>
-            </a:r>
-            <a:endParaRPr lang="en-US" dirty="0"/>
-          </a:p>
-        </p:txBody>
-      </p:sp>
-      <p:sp>
-        <p:nvSpPr>
-          <p:cNvPr id="3" name="Content Placeholder 2"/>
-          <p:cNvSpPr>
-            <a:spLocks noGrp="1"/>
-          </p:cNvSpPr>
-          <p:nvPr>
-            <p:ph idx="1"/>
-          </p:nvPr>
-        </p:nvSpPr>
-        <p:spPr/>
-        <p:txBody>
-          <a:bodyPr>
-            <a:normAutofit fontScale="85000" lnSpcReduction="10000"/>
-          </a:bodyPr>
-          <a:lstStyle/>
-          <a:p>
-            <a:r>
-              <a:rPr lang="en-US" dirty="0" smtClean="0"/>
-              <a:t>Use ‘</a:t>
-            </a:r>
-            <a:r>
-              <a:rPr lang="en-US" dirty="0" err="1" smtClean="0"/>
-              <a:t>config</a:t>
-            </a:r>
-            <a:r>
-              <a:rPr lang="en-US" dirty="0" smtClean="0"/>
-              <a:t>’ package for credential management. </a:t>
-            </a:r>
-          </a:p>
-          <a:p>
-            <a:pPr lvl="1"/>
-            <a:r>
-              <a:rPr lang="en-US" dirty="0" smtClean="0"/>
-              <a:t>Reason 1: directly typing in account info in the app code is not advised. </a:t>
-            </a:r>
-          </a:p>
-          <a:p>
-            <a:pPr lvl="1"/>
-            <a:r>
-              <a:rPr lang="en-US" dirty="0" smtClean="0"/>
-              <a:t>Reason 2: When </a:t>
-            </a:r>
-            <a:r>
-              <a:rPr lang="en-US" dirty="0" err="1" smtClean="0"/>
-              <a:t>config</a:t>
-            </a:r>
-            <a:r>
-              <a:rPr lang="en-US" dirty="0" smtClean="0"/>
-              <a:t> is stored somewhere other than in the code, deployment process is easier. </a:t>
-            </a:r>
-          </a:p>
-          <a:p>
-            <a:pPr lvl="1"/>
-            <a:r>
-              <a:rPr lang="en-US" dirty="0" smtClean="0"/>
-              <a:t>Reason 3: You can also manage file locations. (\</a:t>
-            </a:r>
-            <a:r>
-              <a:rPr lang="en-US" dirty="0" err="1" smtClean="0"/>
-              <a:t>mnt</a:t>
-            </a:r>
-            <a:r>
-              <a:rPr lang="en-US" dirty="0" smtClean="0"/>
-              <a:t>\...)</a:t>
-            </a:r>
-          </a:p>
-          <a:p>
-            <a:pPr lvl="1"/>
-            <a:endParaRPr lang="en-US" dirty="0"/>
-          </a:p>
-          <a:p>
-            <a:r>
-              <a:rPr lang="en-US" dirty="0" smtClean="0"/>
-              <a:t>You could use a generic account of a production server for development, but recommend against it. </a:t>
-            </a:r>
-          </a:p>
-          <a:p>
-            <a:pPr lvl="1"/>
-            <a:r>
-              <a:rPr lang="en-US" dirty="0" smtClean="0"/>
-              <a:t>PROD app ↔ PROD database server</a:t>
-            </a:r>
-          </a:p>
-          <a:p>
-            <a:pPr lvl="1"/>
-            <a:r>
-              <a:rPr lang="en-US" dirty="0" smtClean="0"/>
-              <a:t>Staging app ↔ UAT database server</a:t>
-            </a:r>
-          </a:p>
-          <a:p>
-            <a:pPr lvl="1"/>
-            <a:endParaRPr lang="en-US" dirty="0"/>
-          </a:p>
-        </p:txBody>
-      </p:sp>
-      <p:sp>
-        <p:nvSpPr>
-          <p:cNvPr id="4" name="Slide Number Placeholder 3"/>
-          <p:cNvSpPr>
-            <a:spLocks noGrp="1"/>
-          </p:cNvSpPr>
-          <p:nvPr>
-            <p:ph type="sldNum" sz="quarter" idx="12"/>
-          </p:nvPr>
-        </p:nvSpPr>
-        <p:spPr/>
-        <p:txBody>
-          <a:bodyPr/>
-          <a:lstStyle/>
-          <a:p>
-            <a:fld id="{8848E627-D06A-4F0E-98E2-3D90458BE48C}" type="slidenum">
-              <a:rPr lang="en-US" smtClean="0"/>
-              <a:t>19</a:t>
-            </a:fld>
-            <a:endParaRPr lang="en-US"/>
-          </a:p>
-        </p:txBody>
-      </p:sp>
-      <p:sp>
-        <p:nvSpPr>
-          <p:cNvPr id="5" name="Footer Placeholder 4"/>
-          <p:cNvSpPr>
-            <a:spLocks noGrp="1"/>
-          </p:cNvSpPr>
-          <p:nvPr>
-            <p:ph type="ftr" sz="quarter" idx="3"/>
-          </p:nvPr>
-        </p:nvSpPr>
-        <p:spPr/>
-        <p:txBody>
-          <a:bodyPr/>
-          <a:lstStyle/>
-          <a:p>
-            <a:r>
-              <a:rPr lang="en-US" smtClean="0"/>
-              <a:t>CONFIDENTIAL &amp; PROPRIETARY</a:t>
-            </a:r>
-            <a:endParaRPr lang="en-US" dirty="0"/>
-          </a:p>
-        </p:txBody>
-      </p:sp>
-      <p:sp>
-        <p:nvSpPr>
-          <p:cNvPr id="6" name="Date Placeholder 5"/>
-          <p:cNvSpPr>
-            <a:spLocks noGrp="1"/>
-          </p:cNvSpPr>
-          <p:nvPr>
-            <p:ph type="dt" sz="half" idx="10"/>
-          </p:nvPr>
-        </p:nvSpPr>
-        <p:spPr/>
-        <p:txBody>
-          <a:bodyPr/>
-          <a:lstStyle/>
-          <a:p>
-            <a:fld id="{CAEF89AF-97FF-41FD-A810-843DAB910B39}" type="datetime4">
-              <a:rPr lang="en-US" smtClean="0"/>
-              <a:t>August 9, 2019</a:t>
-            </a:fld>
-            <a:endParaRPr lang="en-US" dirty="0"/>
-          </a:p>
-        </p:txBody>
-      </p:sp>
-    </p:spTree>
-    <p:extLst>
-      <p:ext uri="{BB962C8B-B14F-4D97-AF65-F5344CB8AC3E}">
-        <p14:creationId xmlns:p14="http://schemas.microsoft.com/office/powerpoint/2010/main" val="959561766"/>
-      </p:ext>
-    </p:extLst>
-  </p:cSld>
-  <p:clrMapOvr>
-    <a:masterClrMapping/>
-  </p:clrMapOvr>
-</p:sld>
-</file>
-
 <file path=ppt/slides/slide2.xml><?xml version="1.0" encoding="utf-8"?>
 <p:sld xmlns:a="http://schemas.openxmlformats.org/drawingml/2006/main" xmlns:r="http://schemas.openxmlformats.org/officeDocument/2006/relationships" xmlns:p="http://schemas.openxmlformats.org/presentationml/2006/main">
   <p:cSld>
@@ -6365,7 +6361,11 @@
           <a:p>
             <a:r>
               <a:rPr lang="en-US" dirty="0" smtClean="0"/>
-              <a:t>To-Do List</a:t>
+              <a:t>Lunch Time To-Do </a:t>
+            </a:r>
+            <a:r>
+              <a:rPr lang="en-US" dirty="0" smtClean="0"/>
+              <a:t>List</a:t>
             </a:r>
             <a:endParaRPr lang="en-US" dirty="0"/>
           </a:p>
@@ -6393,16 +6393,22 @@
               <a:buAutoNum type="arabicPeriod"/>
             </a:pPr>
             <a:r>
-              <a:rPr lang="en-US" dirty="0" smtClean="0"/>
-              <a:t>Create a project that is synched up with GitHub “</a:t>
-            </a:r>
-            <a:r>
               <a:rPr lang="en-US" dirty="0" err="1" smtClean="0"/>
-              <a:t>ShinyWorkshop</a:t>
-            </a:r>
-            <a:r>
-              <a:rPr lang="en-US" dirty="0" smtClean="0"/>
-              <a:t>” repo. </a:t>
+              <a:t>Git</a:t>
+            </a:r>
+            <a:r>
+              <a:rPr lang="en-US" dirty="0" smtClean="0"/>
+              <a:t> setup. </a:t>
+            </a:r>
+          </a:p>
+          <a:p>
+            <a:pPr marL="514350" indent="-514350">
+              <a:buFont typeface="+mj-lt"/>
+              <a:buAutoNum type="arabicPeriod"/>
+            </a:pPr>
+            <a:r>
+              <a:rPr lang="en-US" dirty="0" smtClean="0"/>
+              <a:t>Connect to GitHub account. </a:t>
             </a:r>
             <a:endParaRPr lang="en-US" dirty="0" smtClean="0"/>
           </a:p>
@@ -6522,7 +6528,7 @@
       </p:grpSpPr>
       <p:sp>
         <p:nvSpPr>
-          <p:cNvPr id="7" name="Title 6"/>
+          <p:cNvPr id="2" name="Title 1"/>
           <p:cNvSpPr>
             <a:spLocks noGrp="1"/>
           </p:cNvSpPr>
@@ -6535,33 +6541,107 @@
           <a:bodyPr/>
           <a:lstStyle/>
           <a:p>
-            <a:endParaRPr lang="en-US"/>
-          </a:p>
-        </p:txBody>
-      </p:sp>
-      <p:sp>
-        <p:nvSpPr>
-          <p:cNvPr id="8" name="Text Placeholder 7"/>
-          <p:cNvSpPr>
-            <a:spLocks noGrp="1"/>
-          </p:cNvSpPr>
-          <p:nvPr>
-            <p:ph type="body" idx="1"/>
-          </p:nvPr>
-        </p:nvSpPr>
-        <p:spPr/>
-        <p:txBody>
-          <a:bodyPr/>
-          <a:lstStyle/>
-          <a:p>
             <a:r>
               <a:rPr lang="en-US" dirty="0" err="1" smtClean="0"/>
-              <a:t>Git</a:t>
-            </a:r>
-            <a:r>
-              <a:rPr lang="en-US" dirty="0" smtClean="0"/>
-              <a:t> &amp; GitHub</a:t>
-            </a:r>
+              <a:t>config</a:t>
+            </a:r>
+            <a:endParaRPr lang="en-US" dirty="0"/>
+          </a:p>
+        </p:txBody>
+      </p:sp>
+      <p:sp>
+        <p:nvSpPr>
+          <p:cNvPr id="3" name="Content Placeholder 2"/>
+          <p:cNvSpPr>
+            <a:spLocks noGrp="1"/>
+          </p:cNvSpPr>
+          <p:nvPr>
+            <p:ph idx="1"/>
+          </p:nvPr>
+        </p:nvSpPr>
+        <p:spPr/>
+        <p:txBody>
+          <a:bodyPr>
+            <a:normAutofit fontScale="85000" lnSpcReduction="10000"/>
+          </a:bodyPr>
+          <a:lstStyle/>
+          <a:p>
+            <a:r>
+              <a:rPr lang="en-US" dirty="0" smtClean="0"/>
+              <a:t>Use ‘</a:t>
+            </a:r>
+            <a:r>
+              <a:rPr lang="en-US" dirty="0" err="1" smtClean="0"/>
+              <a:t>config</a:t>
+            </a:r>
+            <a:r>
+              <a:rPr lang="en-US" dirty="0" smtClean="0"/>
+              <a:t>’ package for credential management. </a:t>
+            </a:r>
+          </a:p>
+          <a:p>
+            <a:pPr lvl="1"/>
+            <a:r>
+              <a:rPr lang="en-US" dirty="0" smtClean="0"/>
+              <a:t>Reason 1: directly typing in account info in the app code is not advised. </a:t>
+            </a:r>
+          </a:p>
+          <a:p>
+            <a:pPr lvl="1"/>
+            <a:r>
+              <a:rPr lang="en-US" dirty="0" smtClean="0"/>
+              <a:t>Reason 2: When </a:t>
+            </a:r>
+            <a:r>
+              <a:rPr lang="en-US" dirty="0" err="1" smtClean="0"/>
+              <a:t>config</a:t>
+            </a:r>
+            <a:r>
+              <a:rPr lang="en-US" dirty="0" smtClean="0"/>
+              <a:t> is stored somewhere other than in the code, deployment process is easier. </a:t>
+            </a:r>
+          </a:p>
+          <a:p>
+            <a:pPr lvl="1"/>
+            <a:r>
+              <a:rPr lang="en-US" dirty="0" smtClean="0"/>
+              <a:t>Reason 3: You can also manage file locations. (\</a:t>
+            </a:r>
+            <a:r>
+              <a:rPr lang="en-US" dirty="0" err="1" smtClean="0"/>
+              <a:t>mnt</a:t>
+            </a:r>
+            <a:r>
+              <a:rPr lang="en-US" dirty="0" smtClean="0"/>
+              <a:t>\...)</a:t>
+            </a:r>
+          </a:p>
+          <a:p>
+            <a:pPr lvl="1"/>
+            <a:endParaRPr lang="en-US" dirty="0"/>
+          </a:p>
+          <a:p>
+            <a:r>
+              <a:rPr lang="en-US" dirty="0" smtClean="0"/>
+              <a:t>You could use a generic account of a production server for development, but recommend against it. </a:t>
+            </a:r>
+          </a:p>
+          <a:p>
+            <a:pPr lvl="1"/>
+            <a:r>
+              <a:rPr lang="en-US" dirty="0" smtClean="0"/>
+              <a:t>PROD app ↔ PROD database server</a:t>
+            </a:r>
+          </a:p>
+          <a:p>
+            <a:pPr lvl="1"/>
+            <a:r>
+              <a:rPr lang="en-US" dirty="0" smtClean="0"/>
+              <a:t>Staging app ↔ UAT database server</a:t>
+            </a:r>
+          </a:p>
+          <a:p>
+            <a:pPr lvl="1"/>
             <a:endParaRPr lang="en-US" dirty="0"/>
           </a:p>
         </p:txBody>
@@ -6638,20 +6718,13 @@
     </p:spTree>
     <p:extLst>
       <p:ext uri="{BB962C8B-B14F-4D97-AF65-F5344CB8AC3E}">
-        <p14:creationId xmlns:p14="http://schemas.microsoft.com/office/powerpoint/2010/main" val="3541054641"/>
+        <p14:creationId xmlns:p14="http://schemas.microsoft.com/office/powerpoint/2010/main" val="959561766"/>
       </p:ext>
     </p:extLst>
   </p:cSld>
   <p:clrMapOvr>
     <a:masterClrMapping/>
   </p:clrMapOvr>
-  <p:timing>
-    <p:tnLst>
-      <p:par>
-        <p:cTn id="1" dur="indefinite" restart="never" nodeType="tmRoot"/>
-      </p:par>
-    </p:tnLst>
-  </p:timing>
 </p:sld>
 </file>
 
@@ -6687,7 +6760,11 @@
           <a:bodyPr/>
           <a:lstStyle/>
           <a:p>
-            <a:endParaRPr lang="en-US"/>
+            <a:r>
+              <a:rPr lang="en-US" dirty="0" smtClean="0"/>
+              <a:t>User Psychology on Wait Time</a:t>
+            </a:r>
+            <a:endParaRPr lang="en-US" dirty="0"/>
           </a:p>
         </p:txBody>
       </p:sp>
@@ -6703,95 +6780,25 @@
         </p:nvSpPr>
         <p:spPr/>
         <p:txBody>
-          <a:bodyPr>
-            <a:normAutofit fontScale="62500" lnSpcReduction="20000"/>
-          </a:bodyPr>
-          <a:lstStyle/>
-          <a:p>
-            <a:pPr lvl="0"/>
-            <a:r>
-              <a:rPr lang="en-US" dirty="0"/>
-              <a:t>When it is a major changes to the code or anything important to note, please create an issue page first (</a:t>
-            </a:r>
-            <a:r>
-              <a:rPr lang="en-US" u="sng" dirty="0">
-                <a:hlinkClick r:id="rId2"/>
-              </a:rPr>
-              <a:t>https://github.com/TEA-Analytics/HedgeFox/issues</a:t>
-            </a:r>
-            <a:r>
-              <a:rPr lang="en-US" dirty="0"/>
-              <a:t>).  If it’s a very minor update, it’s not necessary. </a:t>
-            </a:r>
-          </a:p>
-          <a:p>
-            <a:r>
-              <a:rPr lang="en-US" dirty="0"/>
-              <a:t> </a:t>
-            </a:r>
-          </a:p>
-          <a:p>
-            <a:pPr lvl="0"/>
-            <a:r>
-              <a:rPr lang="en-US" dirty="0"/>
-              <a:t>Create a new branch off </a:t>
-            </a:r>
-            <a:r>
-              <a:rPr lang="en-US" u="sng" dirty="0"/>
-              <a:t>staging</a:t>
-            </a:r>
-            <a:r>
-              <a:rPr lang="en-US" dirty="0"/>
-              <a:t> branch. Make sure that the name of the branch is meaningful. </a:t>
-            </a:r>
-          </a:p>
-          <a:p>
-            <a:r>
-              <a:rPr lang="en-US" dirty="0"/>
-              <a:t> </a:t>
-            </a:r>
-          </a:p>
-          <a:p>
-            <a:pPr lvl="0"/>
-            <a:r>
-              <a:rPr lang="en-US" dirty="0"/>
-              <a:t>Commit your changes to the new branch. When doing so, please reference the issue number and some explanation. (See examples here: </a:t>
-            </a:r>
-            <a:r>
-              <a:rPr lang="en-US" u="sng" dirty="0">
-                <a:hlinkClick r:id="rId3"/>
-              </a:rPr>
-              <a:t>https://github.com/TEA-Analytics/HedgeFox/commits/master</a:t>
-            </a:r>
-            <a:r>
-              <a:rPr lang="en-US" dirty="0"/>
-              <a:t> Most of them starts from issue numbers.)</a:t>
-            </a:r>
-          </a:p>
-          <a:p>
-            <a:r>
-              <a:rPr lang="en-US" dirty="0"/>
-              <a:t> </a:t>
-            </a:r>
-          </a:p>
-          <a:p>
-            <a:pPr lvl="0"/>
-            <a:r>
-              <a:rPr lang="en-US" dirty="0"/>
-              <a:t>Then create a pull request for merging your changes to staging branch. </a:t>
-            </a:r>
-          </a:p>
-          <a:p>
-            <a:r>
-              <a:rPr lang="en-US" dirty="0"/>
-              <a:t> </a:t>
-            </a:r>
-          </a:p>
-          <a:p>
-            <a:pPr lvl="0"/>
-            <a:r>
-              <a:rPr lang="en-US" dirty="0"/>
-              <a:t>I’ll take it from there. </a:t>
+          <a:bodyPr/>
+          <a:lstStyle/>
+          <a:p>
+            <a:r>
+              <a:rPr lang="en-US" dirty="0" smtClean="0"/>
+              <a:t>Users are generally more tolerant to waiting for the app to load at the start than waiting intermittently. </a:t>
+            </a:r>
+          </a:p>
+          <a:p>
+            <a:r>
+              <a:rPr lang="en-US" dirty="0" smtClean="0"/>
+              <a:t>Getting information on the wait time helps users manage their expectations. </a:t>
+            </a:r>
+          </a:p>
+          <a:p>
+            <a:pPr lvl="1"/>
+            <a:r>
+              <a:rPr lang="en-US" dirty="0" smtClean="0"/>
+              <a:t>Use progress Bars</a:t>
             </a:r>
           </a:p>
           <a:p>
@@ -6862,7 +6869,7 @@
           <a:p>
             <a:fld id="{58C37697-90A4-4007-8C23-BAAA588B27B3}" type="datetime4">
               <a:rPr lang="en-US" smtClean="0"/>
-              <a:t>August 9, 2019</a:t>
+              <a:t>August 13, 2019</a:t>
             </a:fld>
             <a:endParaRPr lang="en-US" dirty="0"/>
           </a:p>
@@ -6871,7 +6878,7 @@
     </p:spTree>
     <p:extLst>
       <p:ext uri="{BB962C8B-B14F-4D97-AF65-F5344CB8AC3E}">
-        <p14:creationId xmlns:p14="http://schemas.microsoft.com/office/powerpoint/2010/main" val="4225433575"/>
+        <p14:creationId xmlns:p14="http://schemas.microsoft.com/office/powerpoint/2010/main" val="444040802"/>
       </p:ext>
     </p:extLst>
   </p:cSld>
@@ -6900,7 +6907,7 @@
       </p:grpSpPr>
       <p:sp>
         <p:nvSpPr>
-          <p:cNvPr id="7" name="Title 6"/>
+          <p:cNvPr id="2" name="Title 1"/>
           <p:cNvSpPr>
             <a:spLocks noGrp="1"/>
           </p:cNvSpPr>
@@ -6915,15 +6922,15 @@
           <a:p>
             <a:r>
               <a:rPr lang="en-US" dirty="0" smtClean="0"/>
-              <a:t>Referencing Issue Number</a:t>
-            </a:r>
-            <a:endParaRPr lang="en-US" dirty="0"/>
-          </a:p>
-        </p:txBody>
-      </p:sp>
-      <p:sp>
-        <p:nvSpPr>
-          <p:cNvPr id="13" name="Content Placeholder 12"/>
+              <a:t>When to load data? </a:t>
+            </a:r>
+            <a:endParaRPr lang="en-US" dirty="0"/>
+          </a:p>
+        </p:txBody>
+      </p:sp>
+      <p:sp>
+        <p:nvSpPr>
+          <p:cNvPr id="3" name="Content Placeholder 2"/>
           <p:cNvSpPr>
             <a:spLocks noGrp="1"/>
           </p:cNvSpPr>
@@ -6935,26 +6942,6 @@
         <p:txBody>
           <a:bodyPr/>
           <a:lstStyle/>
-          <a:p>
-            <a:r>
-              <a:rPr lang="en-US" dirty="0"/>
-              <a:t>Any commits that references the issue number will automatically appear in the issue page so that it’s very easy to find commits that are related to particular issues. </a:t>
-            </a:r>
-            <a:endParaRPr lang="en-US" dirty="0" smtClean="0"/>
-          </a:p>
-          <a:p>
-            <a:r>
-              <a:rPr lang="en-US" dirty="0" smtClean="0"/>
-              <a:t>Or </a:t>
-            </a:r>
-            <a:r>
-              <a:rPr lang="en-US" dirty="0"/>
-              <a:t>vice versa, if you are looking at a history of commits, and want to know details, you can go to the actual code changes, or the issue page to find out more. </a:t>
-            </a:r>
-          </a:p>
-          <a:p>
-            <a:endParaRPr lang="en-US" dirty="0"/>
-          </a:p>
           <a:p>
             <a:endParaRPr lang="en-US" dirty="0"/>
           </a:p>
@@ -7021,9 +7008,9 @@
           <a:bodyPr/>
           <a:lstStyle/>
           <a:p>
-            <a:fld id="{58C37697-90A4-4007-8C23-BAAA588B27B3}" type="datetime4">
-              <a:rPr lang="en-US" smtClean="0"/>
-              <a:t>August 9, 2019</a:t>
+            <a:fld id="{CAEF89AF-97FF-41FD-A810-843DAB910B39}" type="datetime4">
+              <a:rPr lang="en-US" smtClean="0"/>
+              <a:t>August 13, 2019</a:t>
             </a:fld>
             <a:endParaRPr lang="en-US" dirty="0"/>
           </a:p>
@@ -7032,7 +7019,7 @@
     </p:spTree>
     <p:extLst>
       <p:ext uri="{BB962C8B-B14F-4D97-AF65-F5344CB8AC3E}">
-        <p14:creationId xmlns:p14="http://schemas.microsoft.com/office/powerpoint/2010/main" val="1530425326"/>
+        <p14:creationId xmlns:p14="http://schemas.microsoft.com/office/powerpoint/2010/main" val="1298567385"/>
       </p:ext>
     </p:extLst>
   </p:cSld>
@@ -7061,7 +7048,7 @@
       </p:grpSpPr>
       <p:sp>
         <p:nvSpPr>
-          <p:cNvPr id="6" name="Title 5"/>
+          <p:cNvPr id="7" name="Title 6"/>
           <p:cNvSpPr>
             <a:spLocks noGrp="1"/>
           </p:cNvSpPr>
@@ -7094,8 +7081,12 @@
           <a:lstStyle/>
           <a:p>
             <a:r>
-              <a:rPr lang="en-US" dirty="0" smtClean="0"/>
-              <a:t>Optimizing App Performance</a:t>
+              <a:rPr lang="en-US" dirty="0" err="1" smtClean="0"/>
+              <a:t>Git</a:t>
+            </a:r>
+            <a:r>
+              <a:rPr lang="en-US" dirty="0" smtClean="0"/>
+              <a:t> &amp; GitHub</a:t>
             </a:r>
             <a:endParaRPr lang="en-US" dirty="0"/>
           </a:p>
@@ -7149,7 +7140,7 @@
       </p:sp>
       <p:sp>
         <p:nvSpPr>
-          <p:cNvPr id="7" name="Date Placeholder 6"/>
+          <p:cNvPr id="6" name="Date Placeholder 5"/>
           <p:cNvSpPr>
             <a:spLocks noGrp="1"/>
           </p:cNvSpPr>
@@ -7162,7 +7153,7 @@
           <a:bodyPr/>
           <a:lstStyle/>
           <a:p>
-            <a:fld id="{CDB6A48C-7D50-4342-AD40-34A91176B866}" type="datetime4">
+            <a:fld id="{CAEF89AF-97FF-41FD-A810-843DAB910B39}" type="datetime4">
               <a:rPr lang="en-US" smtClean="0"/>
               <a:t>August 9, 2019</a:t>
             </a:fld>
@@ -7173,7 +7164,7 @@
     </p:spTree>
     <p:extLst>
       <p:ext uri="{BB962C8B-B14F-4D97-AF65-F5344CB8AC3E}">
-        <p14:creationId xmlns:p14="http://schemas.microsoft.com/office/powerpoint/2010/main" val="1778901869"/>
+        <p14:creationId xmlns:p14="http://schemas.microsoft.com/office/powerpoint/2010/main" val="3541054641"/>
       </p:ext>
     </p:extLst>
   </p:cSld>
@@ -7209,7 +7200,7 @@
       </p:grpSpPr>
       <p:sp>
         <p:nvSpPr>
-          <p:cNvPr id="7" name="Title 6"/>
+          <p:cNvPr id="2" name="Title 1"/>
           <p:cNvSpPr>
             <a:spLocks noGrp="1"/>
           </p:cNvSpPr>
@@ -7223,16 +7214,24 @@
           <a:lstStyle/>
           <a:p>
             <a:r>
-              <a:rPr lang="en-US" dirty="0" smtClean="0"/>
-              <a:t>User Psychology on Wait Time</a:t>
-            </a:r>
-            <a:endParaRPr lang="en-US" dirty="0"/>
-          </a:p>
-        </p:txBody>
-      </p:sp>
-      <p:sp>
-        <p:nvSpPr>
-          <p:cNvPr id="8" name="Content Placeholder 7"/>
+              <a:rPr lang="en-US" dirty="0" err="1" smtClean="0"/>
+              <a:t>Git</a:t>
+            </a:r>
+            <a:r>
+              <a:rPr lang="en-US" dirty="0" smtClean="0"/>
+              <a:t> &amp; </a:t>
+            </a:r>
+            <a:r>
+              <a:rPr lang="en-US" dirty="0" err="1" smtClean="0"/>
+              <a:t>GitHub</a:t>
+            </a:r>
+            <a:endParaRPr lang="en-US" dirty="0"/>
+          </a:p>
+        </p:txBody>
+      </p:sp>
+      <p:sp>
+        <p:nvSpPr>
+          <p:cNvPr id="3" name="Content Placeholder 2"/>
           <p:cNvSpPr>
             <a:spLocks noGrp="1"/>
           </p:cNvSpPr>
@@ -7242,97 +7241,121 @@
         </p:nvSpPr>
         <p:spPr/>
         <p:txBody>
-          <a:bodyPr/>
-          <a:lstStyle/>
-          <a:p>
-            <a:r>
-              <a:rPr lang="en-US" dirty="0" smtClean="0"/>
-              <a:t>Users are generally more tolerant to waiting for the app to load at the start than waiting intermittently. </a:t>
-            </a:r>
-          </a:p>
-          <a:p>
-            <a:r>
-              <a:rPr lang="en-US" dirty="0" smtClean="0"/>
-              <a:t>Getting information on the wait time helps users manage their expectations. </a:t>
+          <a:bodyPr>
+            <a:normAutofit fontScale="92500" lnSpcReduction="20000"/>
+          </a:bodyPr>
+          <a:lstStyle/>
+          <a:p>
+            <a:r>
+              <a:rPr lang="en-US" b="1" dirty="0" err="1"/>
+              <a:t>Git</a:t>
+            </a:r>
+            <a:r>
+              <a:rPr lang="en-US" dirty="0"/>
+              <a:t> is a distributed version control </a:t>
+            </a:r>
+            <a:r>
+              <a:rPr lang="en-US" dirty="0" smtClean="0"/>
+              <a:t>system</a:t>
+            </a:r>
+            <a:r>
+              <a:rPr lang="en-US" dirty="0"/>
+              <a:t> </a:t>
+            </a:r>
+            <a:r>
+              <a:rPr lang="en-US" dirty="0" smtClean="0"/>
+              <a:t>that runs on </a:t>
+            </a:r>
+            <a:r>
+              <a:rPr lang="en-US" dirty="0"/>
+              <a:t>your local machine. It keeps track of your files and modifications to those files in </a:t>
+            </a:r>
+            <a:r>
+              <a:rPr lang="en-US" dirty="0" smtClean="0"/>
+              <a:t>your local “repository.”</a:t>
             </a:r>
           </a:p>
           <a:p>
             <a:pPr lvl="1"/>
             <a:r>
-              <a:rPr lang="en-US" dirty="0" smtClean="0"/>
-              <a:t>Use progress Bars</a:t>
-            </a:r>
-          </a:p>
-          <a:p>
-            <a:endParaRPr lang="en-US" dirty="0"/>
-          </a:p>
-        </p:txBody>
-      </p:sp>
-      <p:sp>
-        <p:nvSpPr>
-          <p:cNvPr id="4" name="Slide Number Placeholder 3"/>
-          <p:cNvSpPr>
-            <a:spLocks noGrp="1"/>
-          </p:cNvSpPr>
-          <p:nvPr>
-            <p:ph type="sldNum" sz="quarter" idx="12"/>
-          </p:nvPr>
-        </p:nvSpPr>
-        <p:spPr/>
-        <p:txBody>
-          <a:bodyPr/>
-          <a:lstStyle/>
-          <a:p>
-            <a:fld id="{8848E627-D06A-4F0E-98E2-3D90458BE48C}" type="slidenum">
-              <a:rPr lang="en-US" smtClean="0"/>
-              <a:t>24</a:t>
-            </a:fld>
-            <a:endParaRPr lang="en-US"/>
-          </a:p>
-        </p:txBody>
-      </p:sp>
-      <p:sp>
-        <p:nvSpPr>
-          <p:cNvPr id="5" name="Footer Placeholder 4"/>
-          <p:cNvSpPr>
-            <a:spLocks noGrp="1"/>
-          </p:cNvSpPr>
-          <p:nvPr>
-            <p:ph type="ftr" sz="quarter" idx="3"/>
-          </p:nvPr>
-        </p:nvSpPr>
-        <p:spPr/>
-        <p:txBody>
-          <a:bodyPr/>
-          <a:lstStyle/>
-          <a:p>
-            <a:r>
-              <a:rPr lang="en-US" smtClean="0"/>
-              <a:t>CONFIDENTIAL &amp; PROPRIETARY</a:t>
-            </a:r>
-            <a:endParaRPr lang="en-US" dirty="0"/>
-          </a:p>
-        </p:txBody>
-      </p:sp>
-      <p:sp>
-        <p:nvSpPr>
-          <p:cNvPr id="6" name="Date Placeholder 5"/>
-          <p:cNvSpPr>
-            <a:spLocks noGrp="1"/>
-          </p:cNvSpPr>
-          <p:nvPr>
-            <p:ph type="dt" sz="half" idx="10"/>
-          </p:nvPr>
-        </p:nvSpPr>
-        <p:spPr/>
-        <p:txBody>
-          <a:bodyPr/>
-          <a:lstStyle/>
-          <a:p>
-            <a:fld id="{58C37697-90A4-4007-8C23-BAAA588B27B3}" type="datetime4">
-              <a:rPr lang="en-US" smtClean="0"/>
-              <a:t>August 9, 2019</a:t>
-            </a:fld>
+              <a:rPr lang="en-US" dirty="0">
+                <a:hlinkClick r:id="rId2"/>
+              </a:rPr>
+              <a:t>https://git-scm.com</a:t>
+            </a:r>
+            <a:r>
+              <a:rPr lang="en-US" dirty="0" smtClean="0">
+                <a:hlinkClick r:id="rId2"/>
+              </a:rPr>
+              <a:t>/</a:t>
+            </a:r>
+            <a:endParaRPr lang="en-US" dirty="0" smtClean="0"/>
+          </a:p>
+          <a:p>
+            <a:pPr lvl="1"/>
+            <a:endParaRPr lang="en-US" dirty="0" smtClean="0"/>
+          </a:p>
+          <a:p>
+            <a:r>
+              <a:rPr lang="en-US" b="1" dirty="0" smtClean="0"/>
+              <a:t>GitHub</a:t>
+            </a:r>
+            <a:r>
+              <a:rPr lang="en-US" dirty="0" smtClean="0"/>
+              <a:t> </a:t>
+            </a:r>
+            <a:r>
+              <a:rPr lang="en-US" dirty="0"/>
+              <a:t>is a website that allows you to publish your </a:t>
+            </a:r>
+            <a:r>
+              <a:rPr lang="en-US" dirty="0" err="1"/>
+              <a:t>Git</a:t>
+            </a:r>
+            <a:r>
+              <a:rPr lang="en-US" dirty="0"/>
+              <a:t> repositories </a:t>
+            </a:r>
+            <a:r>
+              <a:rPr lang="en-US" dirty="0" smtClean="0"/>
+              <a:t>online </a:t>
+            </a:r>
+            <a:r>
+              <a:rPr lang="en-US" dirty="0"/>
+              <a:t>and collaborate with other people</a:t>
+            </a:r>
+            <a:r>
+              <a:rPr lang="en-US" dirty="0" smtClean="0"/>
+              <a:t>.</a:t>
+            </a:r>
+            <a:endParaRPr lang="en-US" dirty="0" smtClean="0"/>
+          </a:p>
+          <a:p>
+            <a:pPr lvl="1"/>
+            <a:r>
+              <a:rPr lang="en-US" dirty="0">
+                <a:hlinkClick r:id="rId3"/>
+              </a:rPr>
+              <a:t>https://github.com</a:t>
+            </a:r>
+            <a:r>
+              <a:rPr lang="en-US" dirty="0" smtClean="0">
+                <a:hlinkClick r:id="rId3"/>
+              </a:rPr>
+              <a:t>/</a:t>
+            </a:r>
+            <a:endParaRPr lang="en-US" dirty="0" smtClean="0"/>
+          </a:p>
+          <a:p>
+            <a:pPr lvl="1"/>
+            <a:r>
+              <a:rPr lang="en-US" dirty="0" smtClean="0"/>
+              <a:t>We have a private account that is not open to public. </a:t>
+            </a:r>
+            <a:endParaRPr lang="en-US" dirty="0" smtClean="0"/>
+          </a:p>
+          <a:p>
+            <a:pPr lvl="1"/>
             <a:endParaRPr lang="en-US" dirty="0"/>
           </a:p>
         </p:txBody>
@@ -7340,7 +7363,7 @@
     </p:spTree>
     <p:extLst>
       <p:ext uri="{BB962C8B-B14F-4D97-AF65-F5344CB8AC3E}">
-        <p14:creationId xmlns:p14="http://schemas.microsoft.com/office/powerpoint/2010/main" val="2675100727"/>
+        <p14:creationId xmlns:p14="http://schemas.microsoft.com/office/powerpoint/2010/main" val="3847949880"/>
       </p:ext>
     </p:extLst>
   </p:cSld>
@@ -7384,7 +7407,7 @@
           <a:p>
             <a:r>
               <a:rPr lang="en-US" dirty="0" smtClean="0"/>
-              <a:t>When to load data? </a:t>
+              <a:t>Exercise</a:t>
             </a:r>
             <a:endParaRPr lang="en-US" dirty="0"/>
           </a:p>
@@ -7405,75 +7428,55 @@
           <a:bodyPr/>
           <a:lstStyle/>
           <a:p>
-            <a:endParaRPr lang="en-US" dirty="0"/>
-          </a:p>
-        </p:txBody>
-      </p:sp>
-      <p:sp>
-        <p:nvSpPr>
-          <p:cNvPr id="4" name="Slide Number Placeholder 3"/>
-          <p:cNvSpPr>
-            <a:spLocks noGrp="1"/>
-          </p:cNvSpPr>
-          <p:nvPr>
-            <p:ph type="sldNum" sz="quarter" idx="12"/>
-          </p:nvPr>
-        </p:nvSpPr>
-        <p:spPr/>
-        <p:txBody>
-          <a:bodyPr/>
-          <a:lstStyle/>
-          <a:p>
-            <a:fld id="{8848E627-D06A-4F0E-98E2-3D90458BE48C}" type="slidenum">
-              <a:rPr lang="en-US" smtClean="0"/>
-              <a:t>25</a:t>
-            </a:fld>
-            <a:endParaRPr lang="en-US"/>
-          </a:p>
-        </p:txBody>
-      </p:sp>
-      <p:sp>
-        <p:nvSpPr>
-          <p:cNvPr id="5" name="Footer Placeholder 4"/>
-          <p:cNvSpPr>
-            <a:spLocks noGrp="1"/>
-          </p:cNvSpPr>
-          <p:nvPr>
-            <p:ph type="ftr" sz="quarter" idx="3"/>
-          </p:nvPr>
-        </p:nvSpPr>
-        <p:spPr/>
-        <p:txBody>
-          <a:bodyPr/>
-          <a:lstStyle/>
-          <a:p>
-            <a:r>
-              <a:rPr lang="en-US" smtClean="0"/>
-              <a:t>CONFIDENTIAL &amp; PROPRIETARY</a:t>
-            </a:r>
-            <a:endParaRPr lang="en-US" dirty="0"/>
-          </a:p>
-        </p:txBody>
-      </p:sp>
-      <p:sp>
-        <p:nvSpPr>
-          <p:cNvPr id="6" name="Date Placeholder 5"/>
-          <p:cNvSpPr>
-            <a:spLocks noGrp="1"/>
-          </p:cNvSpPr>
-          <p:nvPr>
-            <p:ph type="dt" sz="half" idx="10"/>
-          </p:nvPr>
-        </p:nvSpPr>
-        <p:spPr/>
-        <p:txBody>
-          <a:bodyPr/>
-          <a:lstStyle/>
-          <a:p>
-            <a:fld id="{CAEF89AF-97FF-41FD-A810-843DAB910B39}" type="datetime4">
-              <a:rPr lang="en-US" smtClean="0"/>
-              <a:t>August 9, 2019</a:t>
-            </a:fld>
+            <a:r>
+              <a:rPr lang="en-US" dirty="0" smtClean="0"/>
+              <a:t>Create </a:t>
+            </a:r>
+            <a:r>
+              <a:rPr lang="en-US" dirty="0" smtClean="0"/>
+              <a:t>a new </a:t>
+            </a:r>
+            <a:r>
+              <a:rPr lang="en-US" dirty="0" smtClean="0"/>
+              <a:t>repo. </a:t>
+            </a:r>
+            <a:endParaRPr lang="en-US" dirty="0" smtClean="0"/>
+          </a:p>
+          <a:p>
+            <a:r>
+              <a:rPr lang="en-US" dirty="0" smtClean="0"/>
+              <a:t>Pull to the local machine. </a:t>
+            </a:r>
+            <a:endParaRPr lang="en-US" dirty="0" smtClean="0"/>
+          </a:p>
+          <a:p>
+            <a:r>
+              <a:rPr lang="en-US" dirty="0" smtClean="0"/>
+              <a:t>Create a new branch. </a:t>
+            </a:r>
+            <a:endParaRPr lang="en-US" dirty="0" smtClean="0"/>
+          </a:p>
+          <a:p>
+            <a:r>
+              <a:rPr lang="en-US" dirty="0" smtClean="0"/>
+              <a:t>Edit, save, stage, commit &amp; push.</a:t>
+            </a:r>
+          </a:p>
+          <a:p>
+            <a:pPr lvl="1"/>
+            <a:r>
+              <a:rPr lang="en-US" dirty="0" smtClean="0"/>
+              <a:t>Make sure to mention the issue number. </a:t>
+            </a:r>
+          </a:p>
+          <a:p>
+            <a:r>
+              <a:rPr lang="en-US" dirty="0" smtClean="0"/>
+              <a:t>Add comments on the issue page. </a:t>
+            </a:r>
+            <a:endParaRPr lang="en-US" dirty="0" smtClean="0"/>
+          </a:p>
+          <a:p>
             <a:endParaRPr lang="en-US" dirty="0"/>
           </a:p>
         </p:txBody>
@@ -7481,7 +7484,7 @@
     </p:spTree>
     <p:extLst>
       <p:ext uri="{BB962C8B-B14F-4D97-AF65-F5344CB8AC3E}">
-        <p14:creationId xmlns:p14="http://schemas.microsoft.com/office/powerpoint/2010/main" val="1804491339"/>
+        <p14:creationId xmlns:p14="http://schemas.microsoft.com/office/powerpoint/2010/main" val="989107967"/>
       </p:ext>
     </p:extLst>
   </p:cSld>
@@ -7510,6 +7513,367 @@
       </p:grpSpPr>
       <p:sp>
         <p:nvSpPr>
+          <p:cNvPr id="2" name="Title 1"/>
+          <p:cNvSpPr>
+            <a:spLocks noGrp="1"/>
+          </p:cNvSpPr>
+          <p:nvPr>
+            <p:ph type="title"/>
+          </p:nvPr>
+        </p:nvSpPr>
+        <p:spPr/>
+        <p:txBody>
+          <a:bodyPr/>
+          <a:lstStyle/>
+          <a:p>
+            <a:r>
+              <a:rPr lang="en-US" dirty="0" smtClean="0"/>
+              <a:t>Understanding the </a:t>
+            </a:r>
+            <a:r>
+              <a:rPr lang="en-US" dirty="0" err="1" smtClean="0"/>
+              <a:t>GitHub</a:t>
+            </a:r>
+            <a:r>
+              <a:rPr lang="en-US" dirty="0" smtClean="0"/>
+              <a:t> Flow</a:t>
+            </a:r>
+            <a:endParaRPr lang="en-US" dirty="0"/>
+          </a:p>
+        </p:txBody>
+      </p:sp>
+      <p:sp>
+        <p:nvSpPr>
+          <p:cNvPr id="3" name="Content Placeholder 2"/>
+          <p:cNvSpPr>
+            <a:spLocks noGrp="1"/>
+          </p:cNvSpPr>
+          <p:nvPr>
+            <p:ph idx="1"/>
+          </p:nvPr>
+        </p:nvSpPr>
+        <p:spPr/>
+        <p:txBody>
+          <a:bodyPr/>
+          <a:lstStyle/>
+          <a:p>
+            <a:pPr marL="0" indent="0">
+              <a:buNone/>
+            </a:pPr>
+            <a:r>
+              <a:rPr lang="en-US" dirty="0">
+                <a:hlinkClick r:id="rId2"/>
+              </a:rPr>
+              <a:t>https://guides.github.com/introduction/flow</a:t>
+            </a:r>
+            <a:r>
+              <a:rPr lang="en-US" dirty="0" smtClean="0">
+                <a:hlinkClick r:id="rId2"/>
+              </a:rPr>
+              <a:t>/</a:t>
+            </a:r>
+            <a:endParaRPr lang="en-US" dirty="0" smtClean="0"/>
+          </a:p>
+          <a:p>
+            <a:pPr marL="514350" indent="-514350">
+              <a:buFont typeface="+mj-lt"/>
+              <a:buAutoNum type="arabicPeriod"/>
+            </a:pPr>
+            <a:r>
+              <a:rPr lang="en-US" dirty="0" smtClean="0"/>
+              <a:t>Create a brunch</a:t>
+            </a:r>
+          </a:p>
+          <a:p>
+            <a:pPr marL="514350" indent="-514350">
+              <a:buFont typeface="+mj-lt"/>
+              <a:buAutoNum type="arabicPeriod"/>
+            </a:pPr>
+            <a:r>
+              <a:rPr lang="en-US" dirty="0" smtClean="0"/>
+              <a:t>Add commits</a:t>
+            </a:r>
+          </a:p>
+          <a:p>
+            <a:pPr marL="514350" indent="-514350">
+              <a:buFont typeface="+mj-lt"/>
+              <a:buAutoNum type="arabicPeriod"/>
+            </a:pPr>
+            <a:r>
+              <a:rPr lang="en-US" dirty="0" smtClean="0"/>
+              <a:t>Open Pull Request</a:t>
+            </a:r>
+          </a:p>
+          <a:p>
+            <a:pPr marL="514350" indent="-514350">
+              <a:buFont typeface="+mj-lt"/>
+              <a:buAutoNum type="arabicPeriod"/>
+            </a:pPr>
+            <a:r>
+              <a:rPr lang="en-US" dirty="0" smtClean="0"/>
+              <a:t>Discuss and review your code</a:t>
+            </a:r>
+          </a:p>
+          <a:p>
+            <a:pPr marL="514350" indent="-514350">
+              <a:buFont typeface="+mj-lt"/>
+              <a:buAutoNum type="arabicPeriod"/>
+            </a:pPr>
+            <a:r>
+              <a:rPr lang="en-US" dirty="0" smtClean="0"/>
+              <a:t>Merge</a:t>
+            </a:r>
+            <a:endParaRPr lang="en-US" dirty="0"/>
+          </a:p>
+        </p:txBody>
+      </p:sp>
+      <p:pic>
+        <p:nvPicPr>
+          <p:cNvPr id="5122" name="Picture 2"/>
+          <p:cNvPicPr>
+            <a:picLocks noChangeAspect="1" noChangeArrowheads="1"/>
+          </p:cNvPicPr>
+          <p:nvPr/>
+        </p:nvPicPr>
+        <p:blipFill>
+          <a:blip r:embed="rId3">
+            <a:extLst>
+              <a:ext uri="{28A0092B-C50C-407E-A947-70E740481C1C}">
+                <a14:useLocalDpi xmlns:a14="http://schemas.microsoft.com/office/drawing/2010/main" val="0"/>
+              </a:ext>
+            </a:extLst>
+          </a:blip>
+          <a:srcRect/>
+          <a:stretch>
+            <a:fillRect/>
+          </a:stretch>
+        </p:blipFill>
+        <p:spPr bwMode="auto">
+          <a:xfrm>
+            <a:off x="4038599" y="4648200"/>
+            <a:ext cx="4724401" cy="1751332"/>
+          </a:xfrm>
+          <a:prstGeom prst="rect">
+            <a:avLst/>
+          </a:prstGeom>
+          <a:noFill/>
+          <a:ln>
+            <a:noFill/>
+          </a:ln>
+          <a:extLst>
+            <a:ext uri="{909E8E84-426E-40DD-AFC4-6F175D3DCCD1}">
+              <a14:hiddenFill xmlns:a14="http://schemas.microsoft.com/office/drawing/2010/main">
+                <a:solidFill>
+                  <a:schemeClr val="accent1"/>
+                </a:solidFill>
+              </a14:hiddenFill>
+            </a:ext>
+            <a:ext uri="{91240B29-F687-4F45-9708-019B960494DF}">
+              <a14:hiddenLine xmlns:a14="http://schemas.microsoft.com/office/drawing/2010/main" w="9525">
+                <a:solidFill>
+                  <a:schemeClr val="tx1"/>
+                </a:solidFill>
+                <a:miter lim="800000"/>
+                <a:headEnd/>
+                <a:tailEnd/>
+              </a14:hiddenLine>
+            </a:ext>
+          </a:extLst>
+        </p:spPr>
+      </p:pic>
+    </p:spTree>
+    <p:extLst>
+      <p:ext uri="{BB962C8B-B14F-4D97-AF65-F5344CB8AC3E}">
+        <p14:creationId xmlns:p14="http://schemas.microsoft.com/office/powerpoint/2010/main" val="1809905760"/>
+      </p:ext>
+    </p:extLst>
+  </p:cSld>
+  <p:clrMapOvr>
+    <a:masterClrMapping/>
+  </p:clrMapOvr>
+</p:sld>
+</file>
+
+<file path=ppt/slides/slide27.xml><?xml version="1.0" encoding="utf-8"?>
+<p:sld xmlns:a="http://schemas.openxmlformats.org/drawingml/2006/main" xmlns:r="http://schemas.openxmlformats.org/officeDocument/2006/relationships" xmlns:p="http://schemas.openxmlformats.org/presentationml/2006/main">
+  <p:cSld>
+    <p:spTree>
+      <p:nvGrpSpPr>
+        <p:cNvPr id="1" name=""/>
+        <p:cNvGrpSpPr/>
+        <p:nvPr/>
+      </p:nvGrpSpPr>
+      <p:grpSpPr>
+        <a:xfrm>
+          <a:off x="0" y="0"/>
+          <a:ext cx="0" cy="0"/>
+          <a:chOff x="0" y="0"/>
+          <a:chExt cx="0" cy="0"/>
+        </a:xfrm>
+      </p:grpSpPr>
+      <p:sp>
+        <p:nvSpPr>
+          <p:cNvPr id="7" name="Title 6"/>
+          <p:cNvSpPr>
+            <a:spLocks noGrp="1"/>
+          </p:cNvSpPr>
+          <p:nvPr>
+            <p:ph type="title"/>
+          </p:nvPr>
+        </p:nvSpPr>
+        <p:spPr/>
+        <p:txBody>
+          <a:bodyPr/>
+          <a:lstStyle/>
+          <a:p>
+            <a:r>
+              <a:rPr lang="en-US" dirty="0" smtClean="0"/>
+              <a:t>Referencing Issue Number</a:t>
+            </a:r>
+            <a:endParaRPr lang="en-US" dirty="0"/>
+          </a:p>
+        </p:txBody>
+      </p:sp>
+      <p:sp>
+        <p:nvSpPr>
+          <p:cNvPr id="13" name="Content Placeholder 12"/>
+          <p:cNvSpPr>
+            <a:spLocks noGrp="1"/>
+          </p:cNvSpPr>
+          <p:nvPr>
+            <p:ph idx="1"/>
+          </p:nvPr>
+        </p:nvSpPr>
+        <p:spPr/>
+        <p:txBody>
+          <a:bodyPr/>
+          <a:lstStyle/>
+          <a:p>
+            <a:r>
+              <a:rPr lang="en-US" dirty="0"/>
+              <a:t>Any commits that references the issue number will automatically appear in the issue page so that it’s very easy to find commits that are related to particular issues. </a:t>
+            </a:r>
+            <a:endParaRPr lang="en-US" dirty="0" smtClean="0"/>
+          </a:p>
+          <a:p>
+            <a:r>
+              <a:rPr lang="en-US" dirty="0" smtClean="0"/>
+              <a:t>Or </a:t>
+            </a:r>
+            <a:r>
+              <a:rPr lang="en-US" dirty="0"/>
+              <a:t>vice versa, if you are looking at a history of commits, and want to know details, you can go to the actual code changes, or the issue page to find out more. </a:t>
+            </a:r>
+          </a:p>
+          <a:p>
+            <a:endParaRPr lang="en-US" dirty="0"/>
+          </a:p>
+          <a:p>
+            <a:endParaRPr lang="en-US" dirty="0"/>
+          </a:p>
+        </p:txBody>
+      </p:sp>
+      <p:sp>
+        <p:nvSpPr>
+          <p:cNvPr id="4" name="Slide Number Placeholder 3"/>
+          <p:cNvSpPr>
+            <a:spLocks noGrp="1"/>
+          </p:cNvSpPr>
+          <p:nvPr>
+            <p:ph type="sldNum" sz="quarter" idx="12"/>
+          </p:nvPr>
+        </p:nvSpPr>
+        <p:spPr/>
+        <p:txBody>
+          <a:bodyPr/>
+          <a:lstStyle/>
+          <a:p>
+            <a:fld id="{8848E627-D06A-4F0E-98E2-3D90458BE48C}" type="slidenum">
+              <a:rPr lang="en-US" smtClean="0"/>
+              <a:t>27</a:t>
+            </a:fld>
+            <a:endParaRPr lang="en-US"/>
+          </a:p>
+        </p:txBody>
+      </p:sp>
+      <p:sp>
+        <p:nvSpPr>
+          <p:cNvPr id="5" name="Footer Placeholder 4"/>
+          <p:cNvSpPr>
+            <a:spLocks noGrp="1"/>
+          </p:cNvSpPr>
+          <p:nvPr>
+            <p:ph type="ftr" sz="quarter" idx="3"/>
+          </p:nvPr>
+        </p:nvSpPr>
+        <p:spPr/>
+        <p:txBody>
+          <a:bodyPr/>
+          <a:lstStyle/>
+          <a:p>
+            <a:r>
+              <a:rPr lang="en-US" smtClean="0"/>
+              <a:t>CONFIDENTIAL &amp; PROPRIETARY</a:t>
+            </a:r>
+            <a:endParaRPr lang="en-US" dirty="0"/>
+          </a:p>
+        </p:txBody>
+      </p:sp>
+      <p:sp>
+        <p:nvSpPr>
+          <p:cNvPr id="6" name="Date Placeholder 5"/>
+          <p:cNvSpPr>
+            <a:spLocks noGrp="1"/>
+          </p:cNvSpPr>
+          <p:nvPr>
+            <p:ph type="dt" sz="half" idx="10"/>
+          </p:nvPr>
+        </p:nvSpPr>
+        <p:spPr/>
+        <p:txBody>
+          <a:bodyPr/>
+          <a:lstStyle/>
+          <a:p>
+            <a:fld id="{58C37697-90A4-4007-8C23-BAAA588B27B3}" type="datetime4">
+              <a:rPr lang="en-US" smtClean="0"/>
+              <a:t>August 9, 2019</a:t>
+            </a:fld>
+            <a:endParaRPr lang="en-US" dirty="0"/>
+          </a:p>
+        </p:txBody>
+      </p:sp>
+    </p:spTree>
+    <p:extLst>
+      <p:ext uri="{BB962C8B-B14F-4D97-AF65-F5344CB8AC3E}">
+        <p14:creationId xmlns:p14="http://schemas.microsoft.com/office/powerpoint/2010/main" val="1530425326"/>
+      </p:ext>
+    </p:extLst>
+  </p:cSld>
+  <p:clrMapOvr>
+    <a:masterClrMapping/>
+  </p:clrMapOvr>
+</p:sld>
+</file>
+
+<file path=ppt/slides/slide28.xml><?xml version="1.0" encoding="utf-8"?>
+<p:sld xmlns:a="http://schemas.openxmlformats.org/drawingml/2006/main" xmlns:r="http://schemas.openxmlformats.org/officeDocument/2006/relationships" xmlns:p="http://schemas.openxmlformats.org/presentationml/2006/main">
+  <p:cSld>
+    <p:spTree>
+      <p:nvGrpSpPr>
+        <p:cNvPr id="1" name=""/>
+        <p:cNvGrpSpPr/>
+        <p:nvPr/>
+      </p:nvGrpSpPr>
+      <p:grpSpPr>
+        <a:xfrm>
+          <a:off x="0" y="0"/>
+          <a:ext cx="0" cy="0"/>
+          <a:chOff x="0" y="0"/>
+          <a:chExt cx="0" cy="0"/>
+        </a:xfrm>
+      </p:grpSpPr>
+      <p:sp>
+        <p:nvSpPr>
           <p:cNvPr id="7" name="Title 6"/>
           <p:cNvSpPr>
             <a:spLocks noGrp="1"/>
@@ -7573,7 +7937,7 @@
           <a:p>
             <a:fld id="{8848E627-D06A-4F0E-98E2-3D90458BE48C}" type="slidenum">
               <a:rPr lang="en-US" smtClean="0"/>
-              <a:t>26</a:t>
+              <a:t>28</a:t>
             </a:fld>
             <a:endParaRPr lang="en-US"/>
           </a:p>
@@ -7645,7 +8009,7 @@
 </p:sld>
 </file>
 
-<file path=ppt/slides/slide27.xml><?xml version="1.0" encoding="utf-8"?>
+<file path=ppt/slides/slide29.xml><?xml version="1.0" encoding="utf-8"?>
 <p:sld xmlns:a="http://schemas.openxmlformats.org/drawingml/2006/main" xmlns:r="http://schemas.openxmlformats.org/officeDocument/2006/relationships" xmlns:p="http://schemas.openxmlformats.org/presentationml/2006/main">
   <p:cSld>
     <p:spTree>
@@ -7748,7 +8112,7 @@
           <a:p>
             <a:fld id="{8848E627-D06A-4F0E-98E2-3D90458BE48C}" type="slidenum">
               <a:rPr lang="en-US" smtClean="0"/>
-              <a:t>27</a:t>
+              <a:t>29</a:t>
             </a:fld>
             <a:endParaRPr lang="en-US"/>
           </a:p>
@@ -7817,288 +8181,6 @@
       </p:par>
     </p:tnLst>
   </p:timing>
-</p:sld>
-</file>
-
-<file path=ppt/slides/slide28.xml><?xml version="1.0" encoding="utf-8"?>
-<p:sld xmlns:a="http://schemas.openxmlformats.org/drawingml/2006/main" xmlns:r="http://schemas.openxmlformats.org/officeDocument/2006/relationships" xmlns:p="http://schemas.openxmlformats.org/presentationml/2006/main">
-  <p:cSld>
-    <p:spTree>
-      <p:nvGrpSpPr>
-        <p:cNvPr id="1" name=""/>
-        <p:cNvGrpSpPr/>
-        <p:nvPr/>
-      </p:nvGrpSpPr>
-      <p:grpSpPr>
-        <a:xfrm>
-          <a:off x="0" y="0"/>
-          <a:ext cx="0" cy="0"/>
-          <a:chOff x="0" y="0"/>
-          <a:chExt cx="0" cy="0"/>
-        </a:xfrm>
-      </p:grpSpPr>
-      <p:sp>
-        <p:nvSpPr>
-          <p:cNvPr id="7" name="Title 6"/>
-          <p:cNvSpPr>
-            <a:spLocks noGrp="1"/>
-          </p:cNvSpPr>
-          <p:nvPr>
-            <p:ph type="title"/>
-          </p:nvPr>
-        </p:nvSpPr>
-        <p:spPr/>
-        <p:txBody>
-          <a:bodyPr/>
-          <a:lstStyle/>
-          <a:p>
-            <a:endParaRPr lang="en-US"/>
-          </a:p>
-        </p:txBody>
-      </p:sp>
-      <p:sp>
-        <p:nvSpPr>
-          <p:cNvPr id="8" name="Text Placeholder 7"/>
-          <p:cNvSpPr>
-            <a:spLocks noGrp="1"/>
-          </p:cNvSpPr>
-          <p:nvPr>
-            <p:ph type="body" idx="1"/>
-          </p:nvPr>
-        </p:nvSpPr>
-        <p:spPr/>
-        <p:txBody>
-          <a:bodyPr/>
-          <a:lstStyle/>
-          <a:p>
-            <a:r>
-              <a:rPr lang="en-US" dirty="0" smtClean="0"/>
-              <a:t>Advanced Topics</a:t>
-            </a:r>
-            <a:endParaRPr lang="en-US" dirty="0"/>
-          </a:p>
-        </p:txBody>
-      </p:sp>
-      <p:sp>
-        <p:nvSpPr>
-          <p:cNvPr id="4" name="Slide Number Placeholder 3"/>
-          <p:cNvSpPr>
-            <a:spLocks noGrp="1"/>
-          </p:cNvSpPr>
-          <p:nvPr>
-            <p:ph type="sldNum" sz="quarter" idx="12"/>
-          </p:nvPr>
-        </p:nvSpPr>
-        <p:spPr/>
-        <p:txBody>
-          <a:bodyPr/>
-          <a:lstStyle/>
-          <a:p>
-            <a:fld id="{8848E627-D06A-4F0E-98E2-3D90458BE48C}" type="slidenum">
-              <a:rPr lang="en-US" smtClean="0"/>
-              <a:t>28</a:t>
-            </a:fld>
-            <a:endParaRPr lang="en-US"/>
-          </a:p>
-        </p:txBody>
-      </p:sp>
-      <p:sp>
-        <p:nvSpPr>
-          <p:cNvPr id="5" name="Footer Placeholder 4"/>
-          <p:cNvSpPr>
-            <a:spLocks noGrp="1"/>
-          </p:cNvSpPr>
-          <p:nvPr>
-            <p:ph type="ftr" sz="quarter" idx="3"/>
-          </p:nvPr>
-        </p:nvSpPr>
-        <p:spPr/>
-        <p:txBody>
-          <a:bodyPr/>
-          <a:lstStyle/>
-          <a:p>
-            <a:r>
-              <a:rPr lang="en-US" smtClean="0"/>
-              <a:t>CONFIDENTIAL &amp; PROPRIETARY</a:t>
-            </a:r>
-            <a:endParaRPr lang="en-US" dirty="0"/>
-          </a:p>
-        </p:txBody>
-      </p:sp>
-      <p:sp>
-        <p:nvSpPr>
-          <p:cNvPr id="6" name="Date Placeholder 5"/>
-          <p:cNvSpPr>
-            <a:spLocks noGrp="1"/>
-          </p:cNvSpPr>
-          <p:nvPr>
-            <p:ph type="dt" sz="half" idx="10"/>
-          </p:nvPr>
-        </p:nvSpPr>
-        <p:spPr/>
-        <p:txBody>
-          <a:bodyPr/>
-          <a:lstStyle/>
-          <a:p>
-            <a:fld id="{CAEF89AF-97FF-41FD-A810-843DAB910B39}" type="datetime4">
-              <a:rPr lang="en-US" smtClean="0"/>
-              <a:t>August 9, 2019</a:t>
-            </a:fld>
-            <a:endParaRPr lang="en-US" dirty="0"/>
-          </a:p>
-        </p:txBody>
-      </p:sp>
-    </p:spTree>
-    <p:extLst>
-      <p:ext uri="{BB962C8B-B14F-4D97-AF65-F5344CB8AC3E}">
-        <p14:creationId xmlns:p14="http://schemas.microsoft.com/office/powerpoint/2010/main" val="2659594775"/>
-      </p:ext>
-    </p:extLst>
-  </p:cSld>
-  <p:clrMapOvr>
-    <a:masterClrMapping/>
-  </p:clrMapOvr>
-</p:sld>
-</file>
-
-<file path=ppt/slides/slide29.xml><?xml version="1.0" encoding="utf-8"?>
-<p:sld xmlns:a="http://schemas.openxmlformats.org/drawingml/2006/main" xmlns:r="http://schemas.openxmlformats.org/officeDocument/2006/relationships" xmlns:p="http://schemas.openxmlformats.org/presentationml/2006/main">
-  <p:cSld>
-    <p:spTree>
-      <p:nvGrpSpPr>
-        <p:cNvPr id="1" name=""/>
-        <p:cNvGrpSpPr/>
-        <p:nvPr/>
-      </p:nvGrpSpPr>
-      <p:grpSpPr>
-        <a:xfrm>
-          <a:off x="0" y="0"/>
-          <a:ext cx="0" cy="0"/>
-          <a:chOff x="0" y="0"/>
-          <a:chExt cx="0" cy="0"/>
-        </a:xfrm>
-      </p:grpSpPr>
-      <p:sp>
-        <p:nvSpPr>
-          <p:cNvPr id="7" name="Title 6"/>
-          <p:cNvSpPr>
-            <a:spLocks noGrp="1"/>
-          </p:cNvSpPr>
-          <p:nvPr>
-            <p:ph type="title"/>
-          </p:nvPr>
-        </p:nvSpPr>
-        <p:spPr/>
-        <p:txBody>
-          <a:bodyPr/>
-          <a:lstStyle/>
-          <a:p>
-            <a:r>
-              <a:rPr lang="en-US" dirty="0" smtClean="0"/>
-              <a:t>Futures &amp; Promises</a:t>
-            </a:r>
-            <a:endParaRPr lang="en-US" dirty="0"/>
-          </a:p>
-        </p:txBody>
-      </p:sp>
-      <p:sp>
-        <p:nvSpPr>
-          <p:cNvPr id="8" name="Content Placeholder 7"/>
-          <p:cNvSpPr>
-            <a:spLocks noGrp="1"/>
-          </p:cNvSpPr>
-          <p:nvPr>
-            <p:ph idx="1"/>
-          </p:nvPr>
-        </p:nvSpPr>
-        <p:spPr/>
-        <p:txBody>
-          <a:bodyPr/>
-          <a:lstStyle/>
-          <a:p>
-            <a:endParaRPr lang="en-US"/>
-          </a:p>
-        </p:txBody>
-      </p:sp>
-      <p:sp>
-        <p:nvSpPr>
-          <p:cNvPr id="4" name="Slide Number Placeholder 3"/>
-          <p:cNvSpPr>
-            <a:spLocks noGrp="1"/>
-          </p:cNvSpPr>
-          <p:nvPr>
-            <p:ph type="sldNum" sz="quarter" idx="12"/>
-          </p:nvPr>
-        </p:nvSpPr>
-        <p:spPr/>
-        <p:txBody>
-          <a:bodyPr/>
-          <a:lstStyle/>
-          <a:p>
-            <a:fld id="{8848E627-D06A-4F0E-98E2-3D90458BE48C}" type="slidenum">
-              <a:rPr lang="en-US" smtClean="0"/>
-              <a:t>29</a:t>
-            </a:fld>
-            <a:endParaRPr lang="en-US"/>
-          </a:p>
-        </p:txBody>
-      </p:sp>
-      <p:sp>
-        <p:nvSpPr>
-          <p:cNvPr id="5" name="Footer Placeholder 4"/>
-          <p:cNvSpPr>
-            <a:spLocks noGrp="1"/>
-          </p:cNvSpPr>
-          <p:nvPr>
-            <p:ph type="ftr" sz="quarter" idx="3"/>
-          </p:nvPr>
-        </p:nvSpPr>
-        <p:spPr/>
-        <p:txBody>
-          <a:bodyPr/>
-          <a:lstStyle/>
-          <a:p>
-            <a:r>
-              <a:rPr lang="en-US" smtClean="0"/>
-              <a:t>CONFIDENTIAL &amp; PROPRIETARY</a:t>
-            </a:r>
-            <a:endParaRPr lang="en-US" dirty="0"/>
-          </a:p>
-        </p:txBody>
-      </p:sp>
-      <p:sp>
-        <p:nvSpPr>
-          <p:cNvPr id="6" name="Date Placeholder 5"/>
-          <p:cNvSpPr>
-            <a:spLocks noGrp="1"/>
-          </p:cNvSpPr>
-          <p:nvPr>
-            <p:ph type="dt" sz="half" idx="10"/>
-          </p:nvPr>
-        </p:nvSpPr>
-        <p:spPr/>
-        <p:txBody>
-          <a:bodyPr/>
-          <a:lstStyle/>
-          <a:p>
-            <a:fld id="{58C37697-90A4-4007-8C23-BAAA588B27B3}" type="datetime4">
-              <a:rPr lang="en-US" smtClean="0"/>
-              <a:t>August 9, 2019</a:t>
-            </a:fld>
-            <a:endParaRPr lang="en-US" dirty="0"/>
-          </a:p>
-        </p:txBody>
-      </p:sp>
-    </p:spTree>
-    <p:extLst>
-      <p:ext uri="{BB962C8B-B14F-4D97-AF65-F5344CB8AC3E}">
-        <p14:creationId xmlns:p14="http://schemas.microsoft.com/office/powerpoint/2010/main" val="3939692368"/>
-      </p:ext>
-    </p:extLst>
-  </p:cSld>
-  <p:clrMapOvr>
-    <a:masterClrMapping/>
-  </p:clrMapOvr>
 </p:sld>
 </file>
 
@@ -8262,7 +8344,7 @@
       </p:grpSpPr>
       <p:sp>
         <p:nvSpPr>
-          <p:cNvPr id="2" name="Title 1"/>
+          <p:cNvPr id="7" name="Title 6"/>
           <p:cNvSpPr>
             <a:spLocks noGrp="1"/>
           </p:cNvSpPr>
@@ -8275,30 +8357,30 @@
           <a:bodyPr/>
           <a:lstStyle/>
           <a:p>
-            <a:r>
-              <a:rPr lang="en-US" dirty="0" smtClean="0"/>
-              <a:t>Use of Module</a:t>
-            </a:r>
-            <a:endParaRPr lang="en-US" dirty="0"/>
-          </a:p>
-        </p:txBody>
-      </p:sp>
-      <p:sp>
-        <p:nvSpPr>
-          <p:cNvPr id="3" name="Content Placeholder 2"/>
-          <p:cNvSpPr>
-            <a:spLocks noGrp="1"/>
-          </p:cNvSpPr>
-          <p:nvPr>
-            <p:ph idx="1"/>
-          </p:nvPr>
-        </p:nvSpPr>
-        <p:spPr/>
-        <p:txBody>
-          <a:bodyPr/>
-          <a:lstStyle/>
-          <a:p>
             <a:endParaRPr lang="en-US"/>
+          </a:p>
+        </p:txBody>
+      </p:sp>
+      <p:sp>
+        <p:nvSpPr>
+          <p:cNvPr id="8" name="Text Placeholder 7"/>
+          <p:cNvSpPr>
+            <a:spLocks noGrp="1"/>
+          </p:cNvSpPr>
+          <p:nvPr>
+            <p:ph type="body" idx="1"/>
+          </p:nvPr>
+        </p:nvSpPr>
+        <p:spPr/>
+        <p:txBody>
+          <a:bodyPr/>
+          <a:lstStyle/>
+          <a:p>
+            <a:r>
+              <a:rPr lang="en-US" dirty="0" smtClean="0"/>
+              <a:t>Advanced Topics</a:t>
+            </a:r>
+            <a:endParaRPr lang="en-US" dirty="0"/>
           </a:p>
         </p:txBody>
       </p:sp>
@@ -8374,7 +8456,7 @@
     </p:spTree>
     <p:extLst>
       <p:ext uri="{BB962C8B-B14F-4D97-AF65-F5344CB8AC3E}">
-        <p14:creationId xmlns:p14="http://schemas.microsoft.com/office/powerpoint/2010/main" val="2266987079"/>
+        <p14:creationId xmlns:p14="http://schemas.microsoft.com/office/powerpoint/2010/main" val="2659594775"/>
       </p:ext>
     </p:extLst>
   </p:cSld>
@@ -8403,6 +8485,147 @@
       </p:grpSpPr>
       <p:sp>
         <p:nvSpPr>
+          <p:cNvPr id="7" name="Title 6"/>
+          <p:cNvSpPr>
+            <a:spLocks noGrp="1"/>
+          </p:cNvSpPr>
+          <p:nvPr>
+            <p:ph type="title"/>
+          </p:nvPr>
+        </p:nvSpPr>
+        <p:spPr/>
+        <p:txBody>
+          <a:bodyPr/>
+          <a:lstStyle/>
+          <a:p>
+            <a:r>
+              <a:rPr lang="en-US" dirty="0" smtClean="0"/>
+              <a:t>Futures &amp; Promises</a:t>
+            </a:r>
+            <a:endParaRPr lang="en-US" dirty="0"/>
+          </a:p>
+        </p:txBody>
+      </p:sp>
+      <p:sp>
+        <p:nvSpPr>
+          <p:cNvPr id="8" name="Content Placeholder 7"/>
+          <p:cNvSpPr>
+            <a:spLocks noGrp="1"/>
+          </p:cNvSpPr>
+          <p:nvPr>
+            <p:ph idx="1"/>
+          </p:nvPr>
+        </p:nvSpPr>
+        <p:spPr/>
+        <p:txBody>
+          <a:bodyPr/>
+          <a:lstStyle/>
+          <a:p>
+            <a:endParaRPr lang="en-US"/>
+          </a:p>
+        </p:txBody>
+      </p:sp>
+      <p:sp>
+        <p:nvSpPr>
+          <p:cNvPr id="4" name="Slide Number Placeholder 3"/>
+          <p:cNvSpPr>
+            <a:spLocks noGrp="1"/>
+          </p:cNvSpPr>
+          <p:nvPr>
+            <p:ph type="sldNum" sz="quarter" idx="12"/>
+          </p:nvPr>
+        </p:nvSpPr>
+        <p:spPr/>
+        <p:txBody>
+          <a:bodyPr/>
+          <a:lstStyle/>
+          <a:p>
+            <a:fld id="{8848E627-D06A-4F0E-98E2-3D90458BE48C}" type="slidenum">
+              <a:rPr lang="en-US" smtClean="0"/>
+              <a:t>31</a:t>
+            </a:fld>
+            <a:endParaRPr lang="en-US"/>
+          </a:p>
+        </p:txBody>
+      </p:sp>
+      <p:sp>
+        <p:nvSpPr>
+          <p:cNvPr id="5" name="Footer Placeholder 4"/>
+          <p:cNvSpPr>
+            <a:spLocks noGrp="1"/>
+          </p:cNvSpPr>
+          <p:nvPr>
+            <p:ph type="ftr" sz="quarter" idx="3"/>
+          </p:nvPr>
+        </p:nvSpPr>
+        <p:spPr/>
+        <p:txBody>
+          <a:bodyPr/>
+          <a:lstStyle/>
+          <a:p>
+            <a:r>
+              <a:rPr lang="en-US" smtClean="0"/>
+              <a:t>CONFIDENTIAL &amp; PROPRIETARY</a:t>
+            </a:r>
+            <a:endParaRPr lang="en-US" dirty="0"/>
+          </a:p>
+        </p:txBody>
+      </p:sp>
+      <p:sp>
+        <p:nvSpPr>
+          <p:cNvPr id="6" name="Date Placeholder 5"/>
+          <p:cNvSpPr>
+            <a:spLocks noGrp="1"/>
+          </p:cNvSpPr>
+          <p:nvPr>
+            <p:ph type="dt" sz="half" idx="10"/>
+          </p:nvPr>
+        </p:nvSpPr>
+        <p:spPr/>
+        <p:txBody>
+          <a:bodyPr/>
+          <a:lstStyle/>
+          <a:p>
+            <a:fld id="{58C37697-90A4-4007-8C23-BAAA588B27B3}" type="datetime4">
+              <a:rPr lang="en-US" smtClean="0"/>
+              <a:t>August 9, 2019</a:t>
+            </a:fld>
+            <a:endParaRPr lang="en-US" dirty="0"/>
+          </a:p>
+        </p:txBody>
+      </p:sp>
+    </p:spTree>
+    <p:extLst>
+      <p:ext uri="{BB962C8B-B14F-4D97-AF65-F5344CB8AC3E}">
+        <p14:creationId xmlns:p14="http://schemas.microsoft.com/office/powerpoint/2010/main" val="3939692368"/>
+      </p:ext>
+    </p:extLst>
+  </p:cSld>
+  <p:clrMapOvr>
+    <a:masterClrMapping/>
+  </p:clrMapOvr>
+</p:sld>
+</file>
+
+<file path=ppt/slides/slide32.xml><?xml version="1.0" encoding="utf-8"?>
+<p:sld xmlns:a="http://schemas.openxmlformats.org/drawingml/2006/main" xmlns:r="http://schemas.openxmlformats.org/officeDocument/2006/relationships" xmlns:p="http://schemas.openxmlformats.org/presentationml/2006/main">
+  <p:cSld>
+    <p:spTree>
+      <p:nvGrpSpPr>
+        <p:cNvPr id="1" name=""/>
+        <p:cNvGrpSpPr/>
+        <p:nvPr/>
+      </p:nvGrpSpPr>
+      <p:grpSpPr>
+        <a:xfrm>
+          <a:off x="0" y="0"/>
+          <a:ext cx="0" cy="0"/>
+          <a:chOff x="0" y="0"/>
+          <a:chExt cx="0" cy="0"/>
+        </a:xfrm>
+      </p:grpSpPr>
+      <p:sp>
+        <p:nvSpPr>
           <p:cNvPr id="2" name="Title 1"/>
           <p:cNvSpPr>
             <a:spLocks noGrp="1"/>
@@ -8418,6 +8641,147 @@
           <a:p>
             <a:r>
               <a:rPr lang="en-US" dirty="0" smtClean="0"/>
+              <a:t>Use of Module</a:t>
+            </a:r>
+            <a:endParaRPr lang="en-US" dirty="0"/>
+          </a:p>
+        </p:txBody>
+      </p:sp>
+      <p:sp>
+        <p:nvSpPr>
+          <p:cNvPr id="3" name="Content Placeholder 2"/>
+          <p:cNvSpPr>
+            <a:spLocks noGrp="1"/>
+          </p:cNvSpPr>
+          <p:nvPr>
+            <p:ph idx="1"/>
+          </p:nvPr>
+        </p:nvSpPr>
+        <p:spPr/>
+        <p:txBody>
+          <a:bodyPr/>
+          <a:lstStyle/>
+          <a:p>
+            <a:endParaRPr lang="en-US"/>
+          </a:p>
+        </p:txBody>
+      </p:sp>
+      <p:sp>
+        <p:nvSpPr>
+          <p:cNvPr id="4" name="Slide Number Placeholder 3"/>
+          <p:cNvSpPr>
+            <a:spLocks noGrp="1"/>
+          </p:cNvSpPr>
+          <p:nvPr>
+            <p:ph type="sldNum" sz="quarter" idx="12"/>
+          </p:nvPr>
+        </p:nvSpPr>
+        <p:spPr/>
+        <p:txBody>
+          <a:bodyPr/>
+          <a:lstStyle/>
+          <a:p>
+            <a:fld id="{8848E627-D06A-4F0E-98E2-3D90458BE48C}" type="slidenum">
+              <a:rPr lang="en-US" smtClean="0"/>
+              <a:t>32</a:t>
+            </a:fld>
+            <a:endParaRPr lang="en-US"/>
+          </a:p>
+        </p:txBody>
+      </p:sp>
+      <p:sp>
+        <p:nvSpPr>
+          <p:cNvPr id="5" name="Footer Placeholder 4"/>
+          <p:cNvSpPr>
+            <a:spLocks noGrp="1"/>
+          </p:cNvSpPr>
+          <p:nvPr>
+            <p:ph type="ftr" sz="quarter" idx="3"/>
+          </p:nvPr>
+        </p:nvSpPr>
+        <p:spPr/>
+        <p:txBody>
+          <a:bodyPr/>
+          <a:lstStyle/>
+          <a:p>
+            <a:r>
+              <a:rPr lang="en-US" smtClean="0"/>
+              <a:t>CONFIDENTIAL &amp; PROPRIETARY</a:t>
+            </a:r>
+            <a:endParaRPr lang="en-US" dirty="0"/>
+          </a:p>
+        </p:txBody>
+      </p:sp>
+      <p:sp>
+        <p:nvSpPr>
+          <p:cNvPr id="6" name="Date Placeholder 5"/>
+          <p:cNvSpPr>
+            <a:spLocks noGrp="1"/>
+          </p:cNvSpPr>
+          <p:nvPr>
+            <p:ph type="dt" sz="half" idx="10"/>
+          </p:nvPr>
+        </p:nvSpPr>
+        <p:spPr/>
+        <p:txBody>
+          <a:bodyPr/>
+          <a:lstStyle/>
+          <a:p>
+            <a:fld id="{CAEF89AF-97FF-41FD-A810-843DAB910B39}" type="datetime4">
+              <a:rPr lang="en-US" smtClean="0"/>
+              <a:t>August 9, 2019</a:t>
+            </a:fld>
+            <a:endParaRPr lang="en-US" dirty="0"/>
+          </a:p>
+        </p:txBody>
+      </p:sp>
+    </p:spTree>
+    <p:extLst>
+      <p:ext uri="{BB962C8B-B14F-4D97-AF65-F5344CB8AC3E}">
+        <p14:creationId xmlns:p14="http://schemas.microsoft.com/office/powerpoint/2010/main" val="2266987079"/>
+      </p:ext>
+    </p:extLst>
+  </p:cSld>
+  <p:clrMapOvr>
+    <a:masterClrMapping/>
+  </p:clrMapOvr>
+</p:sld>
+</file>
+
+<file path=ppt/slides/slide33.xml><?xml version="1.0" encoding="utf-8"?>
+<p:sld xmlns:a="http://schemas.openxmlformats.org/drawingml/2006/main" xmlns:r="http://schemas.openxmlformats.org/officeDocument/2006/relationships" xmlns:p="http://schemas.openxmlformats.org/presentationml/2006/main">
+  <p:cSld>
+    <p:spTree>
+      <p:nvGrpSpPr>
+        <p:cNvPr id="1" name=""/>
+        <p:cNvGrpSpPr/>
+        <p:nvPr/>
+      </p:nvGrpSpPr>
+      <p:grpSpPr>
+        <a:xfrm>
+          <a:off x="0" y="0"/>
+          <a:ext cx="0" cy="0"/>
+          <a:chOff x="0" y="0"/>
+          <a:chExt cx="0" cy="0"/>
+        </a:xfrm>
+      </p:grpSpPr>
+      <p:sp>
+        <p:nvSpPr>
+          <p:cNvPr id="2" name="Title 1"/>
+          <p:cNvSpPr>
+            <a:spLocks noGrp="1"/>
+          </p:cNvSpPr>
+          <p:nvPr>
+            <p:ph type="title"/>
+          </p:nvPr>
+        </p:nvSpPr>
+        <p:spPr/>
+        <p:txBody>
+          <a:bodyPr/>
+          <a:lstStyle/>
+          <a:p>
+            <a:r>
+              <a:rPr lang="en-US" dirty="0" smtClean="0"/>
               <a:t>Shiny App As Package</a:t>
             </a:r>
             <a:endParaRPr lang="en-US" dirty="0"/>
@@ -8460,7 +8824,7 @@
           <a:p>
             <a:fld id="{8848E627-D06A-4F0E-98E2-3D90458BE48C}" type="slidenum">
               <a:rPr lang="en-US" smtClean="0"/>
-              <a:t>31</a:t>
+              <a:t>33</a:t>
             </a:fld>
             <a:endParaRPr lang="en-US"/>
           </a:p>
@@ -10251,13 +10615,13 @@
         <p:spPr/>
         <p:txBody>
           <a:bodyPr>
-            <a:normAutofit fontScale="85000" lnSpcReduction="20000"/>
+            <a:normAutofit fontScale="77500" lnSpcReduction="20000"/>
           </a:bodyPr>
           <a:lstStyle/>
           <a:p>
             <a:r>
               <a:rPr lang="en-US" dirty="0" smtClean="0"/>
-              <a:t>Certain network locations are visible from Shiny Server. </a:t>
+              <a:t>Certain network locations are visible from Shiny Server. (Mounting).</a:t>
             </a:r>
           </a:p>
           <a:p>
@@ -10364,21 +10728,20 @@
           <a:p>
             <a:r>
               <a:rPr lang="en-US" dirty="0" smtClean="0"/>
-              <a:t>Watch out if you have a non-relative path to a file in the network. </a:t>
+              <a:t>Working directory is always the shiny app folder. If files are placed inside the app folder, use relative path. </a:t>
+            </a:r>
+          </a:p>
+          <a:p>
+            <a:r>
+              <a:rPr lang="en-US" dirty="0" smtClean="0"/>
+              <a:t>Watch out if you have a path to a file in the network. </a:t>
             </a:r>
           </a:p>
           <a:p>
             <a:pPr lvl="1"/>
             <a:r>
               <a:rPr lang="en-US" dirty="0" smtClean="0"/>
-              <a:t>Make a copy in an available location and use a mounted path. </a:t>
-            </a:r>
-          </a:p>
-          <a:p>
-            <a:pPr lvl="1"/>
-            <a:r>
-              <a:rPr lang="en-US" dirty="0" smtClean="0"/>
-              <a:t>Place it in the app folder. </a:t>
+              <a:t>Make a copy in an available location and use a mounted path. (different path names for Dev vs PROD).</a:t>
             </a:r>
           </a:p>
           <a:p>

--- a/Day 2.pptx
+++ b/Day 2.pptx
@@ -5,7 +5,7 @@
     <p:sldMasterId id="2147483648" r:id="rId1"/>
   </p:sldMasterIdLst>
   <p:notesMasterIdLst>
-    <p:notesMasterId r:id="rId35"/>
+    <p:notesMasterId r:id="rId43"/>
   </p:notesMasterIdLst>
   <p:sldIdLst>
     <p:sldId id="290" r:id="rId2"/>
@@ -28,19 +28,27 @@
     <p:sldId id="320" r:id="rId19"/>
     <p:sldId id="324" r:id="rId20"/>
     <p:sldId id="321" r:id="rId21"/>
-    <p:sldId id="348" r:id="rId22"/>
-    <p:sldId id="349" r:id="rId23"/>
+    <p:sldId id="349" r:id="rId22"/>
+    <p:sldId id="356" r:id="rId23"/>
     <p:sldId id="314" r:id="rId24"/>
     <p:sldId id="343" r:id="rId25"/>
     <p:sldId id="344" r:id="rId26"/>
     <p:sldId id="346" r:id="rId27"/>
-    <p:sldId id="328" r:id="rId28"/>
-    <p:sldId id="295" r:id="rId29"/>
-    <p:sldId id="296" r:id="rId30"/>
-    <p:sldId id="329" r:id="rId31"/>
-    <p:sldId id="330" r:id="rId32"/>
-    <p:sldId id="331" r:id="rId33"/>
-    <p:sldId id="332" r:id="rId34"/>
+    <p:sldId id="357" r:id="rId28"/>
+    <p:sldId id="328" r:id="rId29"/>
+    <p:sldId id="295" r:id="rId30"/>
+    <p:sldId id="296" r:id="rId31"/>
+    <p:sldId id="355" r:id="rId32"/>
+    <p:sldId id="358" r:id="rId33"/>
+    <p:sldId id="359" r:id="rId34"/>
+    <p:sldId id="350" r:id="rId35"/>
+    <p:sldId id="352" r:id="rId36"/>
+    <p:sldId id="331" r:id="rId37"/>
+    <p:sldId id="351" r:id="rId38"/>
+    <p:sldId id="362" r:id="rId39"/>
+    <p:sldId id="360" r:id="rId40"/>
+    <p:sldId id="361" r:id="rId41"/>
+    <p:sldId id="363" r:id="rId42"/>
   </p:sldIdLst>
   <p:sldSz cx="9144000" cy="6858000" type="screen4x3"/>
   <p:notesSz cx="6858000" cy="9144000"/>
@@ -240,7 +248,7 @@
           <a:p>
             <a:fld id="{909AFCF1-7F48-4D21-8D27-97E9804428B6}" type="datetimeFigureOut">
               <a:rPr lang="en-US" smtClean="0"/>
-              <a:t>8/9/2019</a:t>
+              <a:t>8/14/2019</a:t>
             </a:fld>
             <a:endParaRPr lang="en-US"/>
           </a:p>
@@ -689,7 +697,7 @@
           <a:p>
             <a:fld id="{A17B4B1F-9ADE-4FEE-88FC-832835B49A13}" type="datetime4">
               <a:rPr lang="en-US" smtClean="0"/>
-              <a:t>August 9, 2019</a:t>
+              <a:t>August 14, 2019</a:t>
             </a:fld>
             <a:endParaRPr lang="en-US" dirty="0"/>
           </a:p>
@@ -1087,7 +1095,7 @@
           <a:p>
             <a:fld id="{CAEF89AF-97FF-41FD-A810-843DAB910B39}" type="datetime4">
               <a:rPr lang="en-US" smtClean="0"/>
-              <a:t>August 9, 2019</a:t>
+              <a:t>August 14, 2019</a:t>
             </a:fld>
             <a:endParaRPr lang="en-US" dirty="0"/>
           </a:p>
@@ -1432,7 +1440,7 @@
           <a:p>
             <a:fld id="{58C37697-90A4-4007-8C23-BAAA588B27B3}" type="datetime4">
               <a:rPr lang="en-US" smtClean="0"/>
-              <a:t>August 9, 2019</a:t>
+              <a:t>August 14, 2019</a:t>
             </a:fld>
             <a:endParaRPr lang="en-US" dirty="0"/>
           </a:p>
@@ -1818,7 +1826,7 @@
           <a:p>
             <a:fld id="{C526132D-74A4-457B-9FB6-E79DB3FA6555}" type="datetime4">
               <a:rPr lang="en-US" smtClean="0"/>
-              <a:t>August 9, 2019</a:t>
+              <a:t>August 14, 2019</a:t>
             </a:fld>
             <a:endParaRPr lang="en-US" dirty="0"/>
           </a:p>
@@ -2161,7 +2169,7 @@
           <a:p>
             <a:fld id="{6A0291C7-F608-4246-89E2-5DBB54EDEF09}" type="datetime4">
               <a:rPr lang="en-US" smtClean="0"/>
-              <a:t>August 9, 2019</a:t>
+              <a:t>August 14, 2019</a:t>
             </a:fld>
             <a:endParaRPr lang="en-US" dirty="0"/>
           </a:p>
@@ -2339,7 +2347,7 @@
           <a:p>
             <a:fld id="{4D013C2E-F697-4ACF-9974-2B7ED63A336A}" type="datetime4">
               <a:rPr lang="en-US" smtClean="0"/>
-              <a:t>August 9, 2019</a:t>
+              <a:t>August 14, 2019</a:t>
             </a:fld>
             <a:endParaRPr lang="en-US" dirty="0"/>
           </a:p>
@@ -2584,7 +2592,7 @@
           <a:p>
             <a:fld id="{D4335327-653A-45BD-A8A4-D16B8D9BB63F}" type="datetime4">
               <a:rPr lang="en-US" smtClean="0"/>
-              <a:t>August 9, 2019</a:t>
+              <a:t>August 14, 2019</a:t>
             </a:fld>
             <a:endParaRPr lang="en-US" dirty="0"/>
           </a:p>
@@ -3267,7 +3275,7 @@
           <a:p>
             <a:fld id="{CAEF89AF-97FF-41FD-A810-843DAB910B39}" type="datetime4">
               <a:rPr lang="en-US" smtClean="0"/>
-              <a:t>August 12, 2019</a:t>
+              <a:t>August 14, 2019</a:t>
             </a:fld>
             <a:endParaRPr lang="en-US" dirty="0"/>
           </a:p>
@@ -3408,7 +3416,7 @@
           <a:p>
             <a:fld id="{CAEF89AF-97FF-41FD-A810-843DAB910B39}" type="datetime4">
               <a:rPr lang="en-US" smtClean="0"/>
-              <a:t>August 9, 2019</a:t>
+              <a:t>August 14, 2019</a:t>
             </a:fld>
             <a:endParaRPr lang="en-US" dirty="0"/>
           </a:p>
@@ -3604,7 +3612,7 @@
           <a:p>
             <a:fld id="{58C37697-90A4-4007-8C23-BAAA588B27B3}" type="datetime4">
               <a:rPr lang="en-US" smtClean="0"/>
-              <a:t>August 9, 2019</a:t>
+              <a:t>August 14, 2019</a:t>
             </a:fld>
             <a:endParaRPr lang="en-US" dirty="0"/>
           </a:p>
@@ -3741,7 +3749,7 @@
           <a:p>
             <a:fld id="{CAEF89AF-97FF-41FD-A810-843DAB910B39}" type="datetime4">
               <a:rPr lang="en-US" smtClean="0"/>
-              <a:t>August 12, 2019</a:t>
+              <a:t>August 14, 2019</a:t>
             </a:fld>
             <a:endParaRPr lang="en-US" dirty="0"/>
           </a:p>
@@ -4079,7 +4087,7 @@
           <a:p>
             <a:fld id="{CAEF89AF-97FF-41FD-A810-843DAB910B39}" type="datetime4">
               <a:rPr lang="en-US" smtClean="0"/>
-              <a:t>August 9, 2019</a:t>
+              <a:t>August 14, 2019</a:t>
             </a:fld>
             <a:endParaRPr lang="en-US" dirty="0"/>
           </a:p>
@@ -4262,7 +4270,7 @@
           <a:p>
             <a:fld id="{CAEF89AF-97FF-41FD-A810-843DAB910B39}" type="datetime4">
               <a:rPr lang="en-US" smtClean="0"/>
-              <a:t>August 9, 2019</a:t>
+              <a:t>August 14, 2019</a:t>
             </a:fld>
             <a:endParaRPr lang="en-US" dirty="0"/>
           </a:p>
@@ -4480,7 +4488,7 @@
           <a:p>
             <a:fld id="{CAEF89AF-97FF-41FD-A810-843DAB910B39}" type="datetime4">
               <a:rPr lang="en-US" smtClean="0"/>
-              <a:t>August 9, 2019</a:t>
+              <a:t>August 14, 2019</a:t>
             </a:fld>
             <a:endParaRPr lang="en-US" dirty="0"/>
           </a:p>
@@ -4727,7 +4735,6 @@
               <a:rPr lang="en-US" dirty="0"/>
               <a:t>B</a:t>
             </a:r>
-            <a:endParaRPr lang="en-US" dirty="0"/>
           </a:p>
         </p:txBody>
       </p:sp>
@@ -5329,7 +5336,7 @@
           <a:p>
             <a:fld id="{86768572-F13A-4AC8-B064-CDBF8DA91B73}" type="datetime4">
               <a:rPr lang="en-US" smtClean="0"/>
-              <a:t>August 9, 2019</a:t>
+              <a:t>August 14, 2019</a:t>
             </a:fld>
             <a:endParaRPr lang="en-US" dirty="0"/>
           </a:p>
@@ -5742,7 +5749,7 @@
           <a:p>
             <a:fld id="{58C37697-90A4-4007-8C23-BAAA588B27B3}" type="datetime4">
               <a:rPr lang="en-US" smtClean="0"/>
-              <a:t>August 9, 2019</a:t>
+              <a:t>August 14, 2019</a:t>
             </a:fld>
             <a:endParaRPr lang="en-US" dirty="0"/>
           </a:p>
@@ -6026,7 +6033,7 @@
           <a:p>
             <a:fld id="{CAEF89AF-97FF-41FD-A810-843DAB910B39}" type="datetime4">
               <a:rPr lang="en-US" smtClean="0"/>
-              <a:t>August 9, 2019</a:t>
+              <a:t>August 14, 2019</a:t>
             </a:fld>
             <a:endParaRPr lang="en-US" dirty="0"/>
           </a:p>
@@ -6361,11 +6368,7 @@
           <a:p>
             <a:r>
               <a:rPr lang="en-US" dirty="0" smtClean="0"/>
-              <a:t>Lunch Time To-Do </a:t>
-            </a:r>
-            <a:r>
-              <a:rPr lang="en-US" dirty="0" smtClean="0"/>
-              <a:t>List</a:t>
+              <a:t>Lunch Time To-Do List</a:t>
             </a:r>
             <a:endParaRPr lang="en-US" dirty="0"/>
           </a:p>
@@ -6410,7 +6413,6 @@
               <a:rPr lang="en-US" dirty="0" smtClean="0"/>
               <a:t>Connect to GitHub account. </a:t>
             </a:r>
-            <a:endParaRPr lang="en-US" dirty="0" smtClean="0"/>
           </a:p>
           <a:p>
             <a:pPr marL="0" indent="0">
@@ -6483,7 +6485,7 @@
           <a:p>
             <a:fld id="{58C37697-90A4-4007-8C23-BAAA588B27B3}" type="datetime4">
               <a:rPr lang="en-US" smtClean="0"/>
-              <a:t>August 9, 2019</a:t>
+              <a:t>August 14, 2019</a:t>
             </a:fld>
             <a:endParaRPr lang="en-US" dirty="0"/>
           </a:p>
@@ -6709,7 +6711,7 @@
           <a:p>
             <a:fld id="{CAEF89AF-97FF-41FD-A810-843DAB910B39}" type="datetime4">
               <a:rPr lang="en-US" smtClean="0"/>
-              <a:t>August 9, 2019</a:t>
+              <a:t>August 14, 2019</a:t>
             </a:fld>
             <a:endParaRPr lang="en-US" dirty="0"/>
           </a:p>
@@ -6745,9 +6747,48 @@
           <a:chExt cx="0" cy="0"/>
         </a:xfrm>
       </p:grpSpPr>
-      <p:sp>
-        <p:nvSpPr>
-          <p:cNvPr id="7" name="Title 6"/>
+      <p:pic>
+        <p:nvPicPr>
+          <p:cNvPr id="1028" name="Picture 4" descr="Image result for sticky note"/>
+          <p:cNvPicPr>
+            <a:picLocks noChangeAspect="1" noChangeArrowheads="1"/>
+          </p:cNvPicPr>
+          <p:nvPr/>
+        </p:nvPicPr>
+        <p:blipFill rotWithShape="1">
+          <a:blip r:embed="rId2">
+            <a:extLst>
+              <a:ext uri="{28A0092B-C50C-407E-A947-70E740481C1C}">
+                <a14:useLocalDpi xmlns:a14="http://schemas.microsoft.com/office/drawing/2010/main" val="0"/>
+              </a:ext>
+            </a:extLst>
+          </a:blip>
+          <a:srcRect r="7507"/>
+          <a:stretch/>
+        </p:blipFill>
+        <p:spPr bwMode="auto">
+          <a:xfrm rot="300000">
+            <a:off x="5530282" y="3289202"/>
+            <a:ext cx="4009566" cy="3018814"/>
+          </a:xfrm>
+          <a:prstGeom prst="rect">
+            <a:avLst/>
+          </a:prstGeom>
+          <a:noFill/>
+          <a:extLst>
+            <a:ext uri="{909E8E84-426E-40DD-AFC4-6F175D3DCCD1}">
+              <a14:hiddenFill xmlns:a14="http://schemas.microsoft.com/office/drawing/2010/main">
+                <a:solidFill>
+                  <a:srgbClr val="FFFFFF"/>
+                </a:solidFill>
+              </a14:hiddenFill>
+            </a:ext>
+          </a:extLst>
+        </p:spPr>
+      </p:pic>
+      <p:sp>
+        <p:nvSpPr>
+          <p:cNvPr id="2" name="Title 1"/>
           <p:cNvSpPr>
             <a:spLocks noGrp="1"/>
           </p:cNvSpPr>
@@ -6762,15 +6803,15 @@
           <a:p>
             <a:r>
               <a:rPr lang="en-US" dirty="0" smtClean="0"/>
-              <a:t>User Psychology on Wait Time</a:t>
-            </a:r>
-            <a:endParaRPr lang="en-US" dirty="0"/>
-          </a:p>
-        </p:txBody>
-      </p:sp>
-      <p:sp>
-        <p:nvSpPr>
-          <p:cNvPr id="8" name="Content Placeholder 7"/>
+              <a:t>When to load data? </a:t>
+            </a:r>
+            <a:endParaRPr lang="en-US" dirty="0"/>
+          </a:p>
+        </p:txBody>
+      </p:sp>
+      <p:sp>
+        <p:nvSpPr>
+          <p:cNvPr id="3" name="Content Placeholder 2"/>
           <p:cNvSpPr>
             <a:spLocks noGrp="1"/>
           </p:cNvSpPr>
@@ -6778,31 +6819,222 @@
             <p:ph idx="1"/>
           </p:nvPr>
         </p:nvSpPr>
-        <p:spPr/>
-        <p:txBody>
-          <a:bodyPr/>
-          <a:lstStyle/>
-          <a:p>
-            <a:r>
-              <a:rPr lang="en-US" dirty="0" smtClean="0"/>
-              <a:t>Users are generally more tolerant to waiting for the app to load at the start than waiting intermittently. </a:t>
-            </a:r>
-          </a:p>
-          <a:p>
-            <a:r>
-              <a:rPr lang="en-US" dirty="0" smtClean="0"/>
-              <a:t>Getting information on the wait time helps users manage their expectations. </a:t>
-            </a:r>
-          </a:p>
-          <a:p>
-            <a:pPr lvl="1"/>
-            <a:r>
-              <a:rPr lang="en-US" dirty="0" smtClean="0"/>
-              <a:t>Use progress Bars</a:t>
-            </a:r>
-          </a:p>
-          <a:p>
-            <a:endParaRPr lang="en-US" dirty="0"/>
+        <p:spPr>
+          <a:xfrm>
+            <a:off x="457200" y="1600200"/>
+            <a:ext cx="8229600" cy="4800600"/>
+          </a:xfrm>
+        </p:spPr>
+        <p:txBody>
+          <a:bodyPr>
+            <a:noAutofit/>
+          </a:bodyPr>
+          <a:lstStyle/>
+          <a:p>
+            <a:pPr marL="514350" indent="-514350">
+              <a:buFont typeface="+mj-lt"/>
+              <a:buAutoNum type="arabicPeriod"/>
+            </a:pPr>
+            <a:r>
+              <a:rPr lang="en-US" sz="1800" dirty="0" smtClean="0"/>
+              <a:t>In </a:t>
+            </a:r>
+            <a:r>
+              <a:rPr lang="en-US" sz="1800" dirty="0" err="1" smtClean="0"/>
+              <a:t>global.r</a:t>
+            </a:r>
+            <a:endParaRPr lang="en-US" sz="1800" dirty="0" smtClean="0"/>
+          </a:p>
+          <a:p>
+            <a:pPr lvl="1">
+              <a:buFont typeface="Arial" panose="020B0604020202020204" pitchFamily="34" charset="0"/>
+              <a:buChar char="•"/>
+            </a:pPr>
+            <a:r>
+              <a:rPr lang="en-US" sz="1400" dirty="0" smtClean="0"/>
+              <a:t>Loaded once for multiple “concurrent” users. </a:t>
+            </a:r>
+          </a:p>
+          <a:p>
+            <a:pPr lvl="2">
+              <a:buFont typeface="Wingdings" panose="05000000000000000000" pitchFamily="2" charset="2"/>
+              <a:buChar char="à"/>
+            </a:pPr>
+            <a:r>
+              <a:rPr lang="en-US" sz="1200" dirty="0" smtClean="0">
+                <a:sym typeface="Wingdings" panose="05000000000000000000" pitchFamily="2" charset="2"/>
+              </a:rPr>
+              <a:t>Different load times per session, but reloading an app is generally super fast. </a:t>
+            </a:r>
+          </a:p>
+          <a:p>
+            <a:pPr lvl="2">
+              <a:buFont typeface="Wingdings" panose="05000000000000000000" pitchFamily="2" charset="2"/>
+              <a:buChar char="à"/>
+            </a:pPr>
+            <a:r>
+              <a:rPr lang="en-US" sz="1200" dirty="0" smtClean="0">
+                <a:sym typeface="Wingdings" panose="05000000000000000000" pitchFamily="2" charset="2"/>
+              </a:rPr>
+              <a:t> When </a:t>
+            </a:r>
+            <a:r>
+              <a:rPr lang="en-US" sz="1200" dirty="0" err="1" smtClean="0">
+                <a:sym typeface="Wingdings" panose="05000000000000000000" pitchFamily="2" charset="2"/>
+              </a:rPr>
+              <a:t>global.r</a:t>
+            </a:r>
+            <a:r>
+              <a:rPr lang="en-US" sz="1200" dirty="0" smtClean="0">
+                <a:sym typeface="Wingdings" panose="05000000000000000000" pitchFamily="2" charset="2"/>
+              </a:rPr>
+              <a:t> needs to be re-run, opening the app (before anything appears) may take a while. </a:t>
+            </a:r>
+          </a:p>
+          <a:p>
+            <a:pPr lvl="2">
+              <a:buFont typeface="Wingdings" panose="05000000000000000000" pitchFamily="2" charset="2"/>
+              <a:buChar char="à"/>
+            </a:pPr>
+            <a:endParaRPr lang="en-US" sz="1200" dirty="0" smtClean="0"/>
+          </a:p>
+          <a:p>
+            <a:pPr marL="514350" indent="-514350">
+              <a:buFont typeface="+mj-lt"/>
+              <a:buAutoNum type="arabicPeriod"/>
+            </a:pPr>
+            <a:r>
+              <a:rPr lang="en-US" sz="1800" dirty="0" smtClean="0"/>
+              <a:t>Within server</a:t>
+            </a:r>
+          </a:p>
+          <a:p>
+            <a:pPr lvl="1">
+              <a:buFont typeface="Arial" panose="020B0604020202020204" pitchFamily="34" charset="0"/>
+              <a:buChar char="•"/>
+            </a:pPr>
+            <a:r>
+              <a:rPr lang="en-US" sz="1400" dirty="0" smtClean="0"/>
+              <a:t>Loaded once every time a session is opened. </a:t>
+            </a:r>
+          </a:p>
+          <a:p>
+            <a:pPr lvl="2">
+              <a:buFont typeface="Wingdings" panose="05000000000000000000" pitchFamily="2" charset="2"/>
+              <a:buChar char="à"/>
+            </a:pPr>
+            <a:r>
+              <a:rPr lang="en-US" sz="1200" dirty="0" smtClean="0">
+                <a:sym typeface="Wingdings" panose="05000000000000000000" pitchFamily="2" charset="2"/>
+              </a:rPr>
+              <a:t>Same load time for everyone every time. </a:t>
+            </a:r>
+          </a:p>
+          <a:p>
+            <a:pPr lvl="2">
+              <a:buFont typeface="Wingdings" panose="05000000000000000000" pitchFamily="2" charset="2"/>
+              <a:buChar char="à"/>
+            </a:pPr>
+            <a:r>
+              <a:rPr lang="en-US" sz="1200" dirty="0" smtClean="0">
+                <a:sym typeface="Wingdings" panose="05000000000000000000" pitchFamily="2" charset="2"/>
+              </a:rPr>
+              <a:t>Loading will happen at the beginning of the app, but UI will show up. </a:t>
+            </a:r>
+          </a:p>
+          <a:p>
+            <a:pPr lvl="2">
+              <a:buFont typeface="Wingdings" panose="05000000000000000000" pitchFamily="2" charset="2"/>
+              <a:buChar char="à"/>
+            </a:pPr>
+            <a:endParaRPr lang="en-US" sz="1200" dirty="0" smtClean="0"/>
+          </a:p>
+          <a:p>
+            <a:pPr marL="514350" indent="-514350">
+              <a:buFont typeface="+mj-lt"/>
+              <a:buAutoNum type="arabicPeriod"/>
+            </a:pPr>
+            <a:r>
+              <a:rPr lang="en-US" sz="1800" dirty="0" smtClean="0"/>
+              <a:t>Within reactive</a:t>
+            </a:r>
+          </a:p>
+          <a:p>
+            <a:pPr marL="914400" lvl="1" indent="-514350">
+              <a:buFont typeface="Arial" panose="020B0604020202020204" pitchFamily="34" charset="0"/>
+              <a:buChar char="•"/>
+            </a:pPr>
+            <a:r>
+              <a:rPr lang="en-US" sz="1400" dirty="0" smtClean="0"/>
+              <a:t>Loaded when needed. </a:t>
+            </a:r>
+          </a:p>
+          <a:p>
+            <a:pPr marL="914400" lvl="1" indent="-514350">
+              <a:buFont typeface="Arial" panose="020B0604020202020204" pitchFamily="34" charset="0"/>
+              <a:buChar char="•"/>
+            </a:pPr>
+            <a:r>
+              <a:rPr lang="en-US" sz="1400" dirty="0" smtClean="0"/>
+              <a:t>Loaded when the reactive object needs an update. </a:t>
+            </a:r>
+          </a:p>
+          <a:p>
+            <a:pPr marL="1257300" lvl="2" indent="-457200">
+              <a:buFont typeface="Wingdings" panose="05000000000000000000" pitchFamily="2" charset="2"/>
+              <a:buChar char="à"/>
+            </a:pPr>
+            <a:r>
+              <a:rPr lang="en-US" sz="1200" dirty="0" smtClean="0">
+                <a:sym typeface="Wingdings" panose="05000000000000000000" pitchFamily="2" charset="2"/>
+              </a:rPr>
+              <a:t>A good option if data is needed only for a particular optional section of the UI.</a:t>
+            </a:r>
+          </a:p>
+          <a:p>
+            <a:pPr marL="1257300" lvl="2" indent="-457200">
+              <a:buFont typeface="Wingdings" panose="05000000000000000000" pitchFamily="2" charset="2"/>
+              <a:buChar char="à"/>
+            </a:pPr>
+            <a:endParaRPr lang="en-US" sz="1200" dirty="0" smtClean="0"/>
+          </a:p>
+          <a:p>
+            <a:pPr marL="514350" indent="-514350">
+              <a:buFont typeface="+mj-lt"/>
+              <a:buAutoNum type="arabicPeriod"/>
+            </a:pPr>
+            <a:r>
+              <a:rPr lang="en-US" sz="1800" dirty="0" smtClean="0"/>
+              <a:t>Using </a:t>
+            </a:r>
+            <a:r>
+              <a:rPr lang="en-US" sz="1800" dirty="0" err="1" smtClean="0"/>
+              <a:t>reactiveValues</a:t>
+            </a:r>
+            <a:endParaRPr lang="en-US" sz="1800" dirty="0" smtClean="0"/>
+          </a:p>
+          <a:p>
+            <a:pPr marL="914400" lvl="1" indent="-514350">
+              <a:buFont typeface="Arial" panose="020B0604020202020204" pitchFamily="34" charset="0"/>
+              <a:buChar char="•"/>
+            </a:pPr>
+            <a:r>
+              <a:rPr lang="en-US" sz="1400" dirty="0" smtClean="0"/>
+              <a:t>You decide when it’s loaded. </a:t>
+            </a:r>
+          </a:p>
+          <a:p>
+            <a:pPr marL="1257300" lvl="2" indent="-457200">
+              <a:buFont typeface="Wingdings" panose="05000000000000000000" pitchFamily="2" charset="2"/>
+              <a:buChar char="à"/>
+            </a:pPr>
+            <a:r>
+              <a:rPr lang="en-US" sz="1200" dirty="0" smtClean="0">
+                <a:sym typeface="Wingdings" panose="05000000000000000000" pitchFamily="2" charset="2"/>
+              </a:rPr>
+              <a:t>Useful for partial load + appending. </a:t>
+            </a:r>
+            <a:endParaRPr lang="en-US" sz="1200" dirty="0" smtClean="0"/>
           </a:p>
         </p:txBody>
       </p:sp>
@@ -6867,18 +7099,72 @@
           <a:bodyPr/>
           <a:lstStyle/>
           <a:p>
-            <a:fld id="{58C37697-90A4-4007-8C23-BAAA588B27B3}" type="datetime4">
-              <a:rPr lang="en-US" smtClean="0"/>
-              <a:t>August 13, 2019</a:t>
+            <a:fld id="{CAEF89AF-97FF-41FD-A810-843DAB910B39}" type="datetime4">
+              <a:rPr lang="en-US" smtClean="0"/>
+              <a:t>August 14, 2019</a:t>
             </a:fld>
             <a:endParaRPr lang="en-US" dirty="0"/>
+          </a:p>
+        </p:txBody>
+      </p:sp>
+      <p:sp>
+        <p:nvSpPr>
+          <p:cNvPr id="7" name="TextBox 6"/>
+          <p:cNvSpPr txBox="1"/>
+          <p:nvPr/>
+        </p:nvSpPr>
+        <p:spPr>
+          <a:xfrm>
+            <a:off x="6629401" y="4038600"/>
+            <a:ext cx="2057400" cy="1600438"/>
+          </a:xfrm>
+          <a:prstGeom prst="rect">
+            <a:avLst/>
+          </a:prstGeom>
+          <a:noFill/>
+        </p:spPr>
+        <p:txBody>
+          <a:bodyPr wrap="square" rtlCol="0">
+            <a:spAutoFit/>
+          </a:bodyPr>
+          <a:lstStyle/>
+          <a:p>
+            <a:pPr marL="285750" indent="-285750">
+              <a:buFont typeface="Arial" panose="020B0604020202020204" pitchFamily="34" charset="0"/>
+              <a:buChar char="•"/>
+            </a:pPr>
+            <a:r>
+              <a:rPr lang="en-US" sz="1400" dirty="0" smtClean="0"/>
+              <a:t>Users likes to know if it’s loading or broken.</a:t>
+            </a:r>
+          </a:p>
+          <a:p>
+            <a:pPr marL="285750" indent="-285750">
+              <a:buFont typeface="Arial" panose="020B0604020202020204" pitchFamily="34" charset="0"/>
+              <a:buChar char="•"/>
+            </a:pPr>
+            <a:r>
+              <a:rPr lang="en-US" sz="1400" dirty="0" smtClean="0"/>
+              <a:t>Users like expected behaviors. </a:t>
+            </a:r>
+          </a:p>
+          <a:p>
+            <a:pPr marL="285750" indent="-285750">
+              <a:buFont typeface="Arial" panose="020B0604020202020204" pitchFamily="34" charset="0"/>
+              <a:buChar char="•"/>
+            </a:pPr>
+            <a:r>
+              <a:rPr lang="en-US" sz="1400" dirty="0" smtClean="0"/>
+              <a:t>Users prefer initial load wait then intermittent pauses.  </a:t>
+            </a:r>
+            <a:endParaRPr lang="en-US" sz="1400" dirty="0"/>
           </a:p>
         </p:txBody>
       </p:sp>
     </p:spTree>
     <p:extLst>
       <p:ext uri="{BB962C8B-B14F-4D97-AF65-F5344CB8AC3E}">
-        <p14:creationId xmlns:p14="http://schemas.microsoft.com/office/powerpoint/2010/main" val="444040802"/>
+        <p14:creationId xmlns:p14="http://schemas.microsoft.com/office/powerpoint/2010/main" val="1298567385"/>
       </p:ext>
     </p:extLst>
   </p:cSld>
@@ -6922,7 +7208,7 @@
           <a:p>
             <a:r>
               <a:rPr lang="en-US" dirty="0" smtClean="0"/>
-              <a:t>When to load data? </a:t>
+              <a:t>Controlling global data load</a:t>
             </a:r>
             <a:endParaRPr lang="en-US" dirty="0"/>
           </a:p>
@@ -6940,10 +7226,66 @@
         </p:nvSpPr>
         <p:spPr/>
         <p:txBody>
-          <a:bodyPr/>
-          <a:lstStyle/>
-          <a:p>
-            <a:endParaRPr lang="en-US" dirty="0"/>
+          <a:bodyPr>
+            <a:normAutofit/>
+          </a:bodyPr>
+          <a:lstStyle/>
+          <a:p>
+            <a:r>
+              <a:rPr lang="en-US" sz="2800" dirty="0" smtClean="0"/>
+              <a:t>Shiny server decide to rerun </a:t>
+            </a:r>
+            <a:r>
+              <a:rPr lang="en-US" sz="2800" dirty="0" err="1" smtClean="0"/>
+              <a:t>global.r</a:t>
+            </a:r>
+            <a:r>
+              <a:rPr lang="en-US" sz="2800" dirty="0" smtClean="0"/>
+              <a:t> when: </a:t>
+            </a:r>
+          </a:p>
+          <a:p>
+            <a:pPr lvl="1"/>
+            <a:r>
+              <a:rPr lang="en-US" sz="2400" dirty="0" smtClean="0"/>
+              <a:t>Server is rebooted. </a:t>
+            </a:r>
+          </a:p>
+          <a:p>
+            <a:pPr lvl="1"/>
+            <a:r>
+              <a:rPr lang="en-US" sz="2400" dirty="0" smtClean="0"/>
+              <a:t>Server detects changes in app files. </a:t>
+            </a:r>
+          </a:p>
+          <a:p>
+            <a:pPr lvl="1"/>
+            <a:r>
+              <a:rPr lang="en-US" sz="2400" dirty="0" smtClean="0"/>
+              <a:t>And who knows when else. </a:t>
+            </a:r>
+          </a:p>
+          <a:p>
+            <a:pPr lvl="1"/>
+            <a:endParaRPr lang="en-US" sz="2400" dirty="0" smtClean="0"/>
+          </a:p>
+          <a:p>
+            <a:r>
+              <a:rPr lang="en-US" sz="2800" dirty="0" smtClean="0"/>
+              <a:t>When a new data is available, it may not necessarily know to rerun global. </a:t>
+            </a:r>
+          </a:p>
+          <a:p>
+            <a:pPr marL="457200" lvl="1" indent="0">
+              <a:buNone/>
+            </a:pPr>
+            <a:r>
+              <a:rPr lang="en-US" sz="2400" dirty="0" smtClean="0">
+                <a:sym typeface="Wingdings" panose="05000000000000000000" pitchFamily="2" charset="2"/>
+              </a:rPr>
+              <a:t> </a:t>
+            </a:r>
+            <a:endParaRPr lang="en-US" sz="2400" dirty="0"/>
           </a:p>
         </p:txBody>
       </p:sp>
@@ -7010,16 +7352,40 @@
           <a:p>
             <a:fld id="{CAEF89AF-97FF-41FD-A810-843DAB910B39}" type="datetime4">
               <a:rPr lang="en-US" smtClean="0"/>
-              <a:t>August 13, 2019</a:t>
+              <a:t>August 14, 2019</a:t>
             </a:fld>
             <a:endParaRPr lang="en-US" dirty="0"/>
           </a:p>
         </p:txBody>
       </p:sp>
+      <p:pic>
+        <p:nvPicPr>
+          <p:cNvPr id="7" name="Picture 6"/>
+          <p:cNvPicPr>
+            <a:picLocks noChangeAspect="1"/>
+          </p:cNvPicPr>
+          <p:nvPr/>
+        </p:nvPicPr>
+        <p:blipFill>
+          <a:blip r:embed="rId2"/>
+          <a:stretch>
+            <a:fillRect/>
+          </a:stretch>
+        </p:blipFill>
+        <p:spPr>
+          <a:xfrm>
+            <a:off x="1312937" y="4876800"/>
+            <a:ext cx="7397416" cy="533400"/>
+          </a:xfrm>
+          <a:prstGeom prst="rect">
+            <a:avLst/>
+          </a:prstGeom>
+        </p:spPr>
+      </p:pic>
     </p:spTree>
     <p:extLst>
       <p:ext uri="{BB962C8B-B14F-4D97-AF65-F5344CB8AC3E}">
-        <p14:creationId xmlns:p14="http://schemas.microsoft.com/office/powerpoint/2010/main" val="1298567385"/>
+        <p14:creationId xmlns:p14="http://schemas.microsoft.com/office/powerpoint/2010/main" val="2993930985"/>
       </p:ext>
     </p:extLst>
   </p:cSld>
@@ -7155,7 +7521,7 @@
           <a:p>
             <a:fld id="{CAEF89AF-97FF-41FD-A810-843DAB910B39}" type="datetime4">
               <a:rPr lang="en-US" smtClean="0"/>
-              <a:t>August 9, 2019</a:t>
+              <a:t>August 14, 2019</a:t>
             </a:fld>
             <a:endParaRPr lang="en-US" dirty="0"/>
           </a:p>
@@ -7328,7 +7694,6 @@
               <a:rPr lang="en-US" dirty="0" smtClean="0"/>
               <a:t>.</a:t>
             </a:r>
-            <a:endParaRPr lang="en-US" dirty="0" smtClean="0"/>
           </a:p>
           <a:p>
             <a:pPr lvl="1"/>
@@ -7352,7 +7717,6 @@
               <a:rPr lang="en-US" dirty="0" smtClean="0"/>
               <a:t>We have a private account that is not open to public. </a:t>
             </a:r>
-            <a:endParaRPr lang="en-US" dirty="0" smtClean="0"/>
           </a:p>
           <a:p>
             <a:pPr lvl="1"/>
@@ -7428,53 +7792,113 @@
           <a:bodyPr/>
           <a:lstStyle/>
           <a:p>
-            <a:r>
-              <a:rPr lang="en-US" dirty="0" smtClean="0"/>
-              <a:t>Create </a:t>
-            </a:r>
-            <a:r>
-              <a:rPr lang="en-US" dirty="0" smtClean="0"/>
-              <a:t>a new </a:t>
-            </a:r>
-            <a:r>
-              <a:rPr lang="en-US" dirty="0" smtClean="0"/>
-              <a:t>repo. </a:t>
+            <a:pPr marL="514350" indent="-514350">
+              <a:buFont typeface="+mj-lt"/>
+              <a:buAutoNum type="arabicPeriod"/>
+            </a:pPr>
+            <a:r>
+              <a:rPr lang="en-US" dirty="0"/>
+              <a:t>Create a new </a:t>
+            </a:r>
+            <a:r>
+              <a:rPr lang="en-US" dirty="0" smtClean="0"/>
+              <a:t>branch in </a:t>
+            </a:r>
+            <a:r>
+              <a:rPr lang="en-US" dirty="0" err="1" smtClean="0"/>
+              <a:t>ShinyWorkshop</a:t>
+            </a:r>
+            <a:r>
+              <a:rPr lang="en-US" dirty="0" smtClean="0"/>
+              <a:t> repo. </a:t>
             </a:r>
             <a:endParaRPr lang="en-US" dirty="0" smtClean="0"/>
           </a:p>
           <a:p>
-            <a:r>
-              <a:rPr lang="en-US" dirty="0" smtClean="0"/>
-              <a:t>Pull to the local machine. </a:t>
+            <a:pPr marL="514350" indent="-514350">
+              <a:buFont typeface="+mj-lt"/>
+              <a:buAutoNum type="arabicPeriod"/>
+            </a:pPr>
+            <a:r>
+              <a:rPr lang="en-US" dirty="0" smtClean="0"/>
+              <a:t>Pull </a:t>
+            </a:r>
+            <a:r>
+              <a:rPr lang="en-US" dirty="0" smtClean="0"/>
+              <a:t>this</a:t>
+            </a:r>
+            <a:r>
+              <a:rPr lang="en-US" dirty="0" smtClean="0"/>
+              <a:t> repo to your </a:t>
+            </a:r>
+            <a:r>
+              <a:rPr lang="en-US" dirty="0" smtClean="0"/>
+              <a:t>local machine. </a:t>
             </a:r>
             <a:endParaRPr lang="en-US" dirty="0" smtClean="0"/>
           </a:p>
           <a:p>
-            <a:r>
-              <a:rPr lang="en-US" dirty="0" smtClean="0"/>
-              <a:t>Create a new branch. </a:t>
+            <a:pPr marL="514350" indent="-514350">
+              <a:buFont typeface="+mj-lt"/>
+              <a:buAutoNum type="arabicPeriod"/>
+            </a:pPr>
+            <a:r>
+              <a:rPr lang="en-US" dirty="0" smtClean="0"/>
+              <a:t>Activate your branch. </a:t>
             </a:r>
             <a:endParaRPr lang="en-US" dirty="0" smtClean="0"/>
           </a:p>
           <a:p>
-            <a:r>
-              <a:rPr lang="en-US" dirty="0" smtClean="0"/>
-              <a:t>Edit, save, stage, commit &amp; push.</a:t>
-            </a:r>
-          </a:p>
-          <a:p>
-            <a:pPr lvl="1"/>
-            <a:r>
-              <a:rPr lang="en-US" dirty="0" smtClean="0"/>
-              <a:t>Make sure to mention the issue number. </a:t>
-            </a:r>
-          </a:p>
-          <a:p>
+            <a:pPr marL="514350" indent="-514350">
+              <a:buFont typeface="+mj-lt"/>
+              <a:buAutoNum type="arabicPeriod"/>
+            </a:pPr>
+            <a:r>
+              <a:rPr lang="en-US" dirty="0" smtClean="0"/>
+              <a:t>Edit</a:t>
+            </a:r>
+            <a:r>
+              <a:rPr lang="en-US" dirty="0" smtClean="0"/>
+              <a:t>, save, stage, </a:t>
+            </a:r>
+            <a:r>
+              <a:rPr lang="en-US" dirty="0" smtClean="0"/>
+              <a:t>commit.</a:t>
+            </a:r>
+            <a:r>
+              <a:rPr lang="en-US" dirty="0"/>
+              <a:t> </a:t>
+            </a:r>
+            <a:r>
+              <a:rPr lang="en-US" dirty="0" smtClean="0"/>
+              <a:t>Make </a:t>
+            </a:r>
+            <a:r>
+              <a:rPr lang="en-US" dirty="0" smtClean="0"/>
+              <a:t>sure to mention the issue number. </a:t>
+            </a:r>
+            <a:endParaRPr lang="en-US" dirty="0" smtClean="0"/>
+          </a:p>
+          <a:p>
+            <a:pPr marL="514350" indent="-514350">
+              <a:buFont typeface="+mj-lt"/>
+              <a:buAutoNum type="arabicPeriod"/>
+            </a:pPr>
+            <a:r>
+              <a:rPr lang="en-US" dirty="0" smtClean="0"/>
+              <a:t>Push to remote repo. </a:t>
+            </a:r>
+            <a:endParaRPr lang="en-US" dirty="0" smtClean="0"/>
+          </a:p>
+          <a:p>
+            <a:pPr marL="514350" indent="-514350">
+              <a:buFont typeface="+mj-lt"/>
+              <a:buAutoNum type="arabicPeriod"/>
+            </a:pPr>
             <a:r>
               <a:rPr lang="en-US" dirty="0" smtClean="0"/>
               <a:t>Add comments on the issue page. </a:t>
             </a:r>
-            <a:endParaRPr lang="en-US" dirty="0" smtClean="0"/>
           </a:p>
           <a:p>
             <a:endParaRPr lang="en-US" dirty="0"/>
@@ -7713,7 +8137,7 @@
       </p:grpSpPr>
       <p:sp>
         <p:nvSpPr>
-          <p:cNvPr id="7" name="Title 6"/>
+          <p:cNvPr id="2" name="Title 1"/>
           <p:cNvSpPr>
             <a:spLocks noGrp="1"/>
           </p:cNvSpPr>
@@ -7728,15 +8152,15 @@
           <a:p>
             <a:r>
               <a:rPr lang="en-US" dirty="0" smtClean="0"/>
-              <a:t>Referencing Issue Number</a:t>
-            </a:r>
-            <a:endParaRPr lang="en-US" dirty="0"/>
-          </a:p>
-        </p:txBody>
-      </p:sp>
-      <p:sp>
-        <p:nvSpPr>
-          <p:cNvPr id="13" name="Content Placeholder 12"/>
+              <a:t>Demo</a:t>
+            </a:r>
+            <a:endParaRPr lang="en-US" dirty="0"/>
+          </a:p>
+        </p:txBody>
+      </p:sp>
+      <p:sp>
+        <p:nvSpPr>
+          <p:cNvPr id="3" name="Content Placeholder 2"/>
           <p:cNvSpPr>
             <a:spLocks noGrp="1"/>
           </p:cNvSpPr>
@@ -7750,25 +8174,9 @@
           <a:lstStyle/>
           <a:p>
             <a:r>
-              <a:rPr lang="en-US" dirty="0"/>
-              <a:t>Any commits that references the issue number will automatically appear in the issue page so that it’s very easy to find commits that are related to particular issues. </a:t>
-            </a:r>
-            <a:endParaRPr lang="en-US" dirty="0" smtClean="0"/>
-          </a:p>
-          <a:p>
-            <a:r>
-              <a:rPr lang="en-US" dirty="0" smtClean="0"/>
-              <a:t>Or </a:t>
-            </a:r>
-            <a:r>
-              <a:rPr lang="en-US" dirty="0"/>
-              <a:t>vice versa, if you are looking at a history of commits, and want to know details, you can go to the actual code changes, or the issue page to find out more. </a:t>
-            </a:r>
-          </a:p>
-          <a:p>
-            <a:endParaRPr lang="en-US" dirty="0"/>
-          </a:p>
-          <a:p>
+              <a:rPr lang="en-US" dirty="0" smtClean="0"/>
+              <a:t>Merge.</a:t>
+            </a:r>
             <a:endParaRPr lang="en-US" dirty="0"/>
           </a:p>
         </p:txBody>
@@ -7834,9 +8242,9 @@
           <a:bodyPr/>
           <a:lstStyle/>
           <a:p>
-            <a:fld id="{58C37697-90A4-4007-8C23-BAAA588B27B3}" type="datetime4">
-              <a:rPr lang="en-US" smtClean="0"/>
-              <a:t>August 9, 2019</a:t>
+            <a:fld id="{CAEF89AF-97FF-41FD-A810-843DAB910B39}" type="datetime4">
+              <a:rPr lang="en-US" smtClean="0"/>
+              <a:t>August 14, 2019</a:t>
             </a:fld>
             <a:endParaRPr lang="en-US" dirty="0"/>
           </a:p>
@@ -7845,7 +8253,7 @@
     </p:spTree>
     <p:extLst>
       <p:ext uri="{BB962C8B-B14F-4D97-AF65-F5344CB8AC3E}">
-        <p14:creationId xmlns:p14="http://schemas.microsoft.com/office/powerpoint/2010/main" val="1530425326"/>
+        <p14:creationId xmlns:p14="http://schemas.microsoft.com/office/powerpoint/2010/main" val="461115839"/>
       </p:ext>
     </p:extLst>
   </p:cSld>
@@ -7888,41 +8296,60 @@
           <a:lstStyle/>
           <a:p>
             <a:r>
-              <a:rPr lang="en-US" dirty="0">
-                <a:hlinkClick r:id="rId2"/>
-              </a:rPr>
-              <a:t>https://resources.rstudio.com/shiny-developer-conference/shinydevcon-debugging-jonathanmcpherson-1080p</a:t>
-            </a:r>
-            <a:endParaRPr lang="en-US" dirty="0"/>
-          </a:p>
-        </p:txBody>
-      </p:sp>
-      <p:sp>
-        <p:nvSpPr>
-          <p:cNvPr id="9" name="Text Placeholder 8"/>
-          <p:cNvSpPr>
-            <a:spLocks noGrp="1"/>
-          </p:cNvSpPr>
-          <p:nvPr>
-            <p:ph type="body" idx="1"/>
-          </p:nvPr>
-        </p:nvSpPr>
-        <p:spPr/>
-        <p:txBody>
-          <a:bodyPr/>
-          <a:lstStyle/>
-          <a:p>
-            <a:r>
-              <a:rPr lang="en-US" dirty="0" smtClean="0"/>
-              <a:t>Debugging</a:t>
-            </a:r>
-            <a:endParaRPr lang="en-US" dirty="0"/>
-          </a:p>
-        </p:txBody>
-      </p:sp>
-      <p:sp>
-        <p:nvSpPr>
-          <p:cNvPr id="5" name="Slide Number Placeholder 4"/>
+              <a:rPr lang="en-US" dirty="0" smtClean="0"/>
+              <a:t>Referencing Issue Number</a:t>
+            </a:r>
+            <a:endParaRPr lang="en-US" dirty="0"/>
+          </a:p>
+        </p:txBody>
+      </p:sp>
+      <p:sp>
+        <p:nvSpPr>
+          <p:cNvPr id="13" name="Content Placeholder 12"/>
+          <p:cNvSpPr>
+            <a:spLocks noGrp="1"/>
+          </p:cNvSpPr>
+          <p:nvPr>
+            <p:ph idx="1"/>
+          </p:nvPr>
+        </p:nvSpPr>
+        <p:spPr/>
+        <p:txBody>
+          <a:bodyPr>
+            <a:normAutofit lnSpcReduction="10000"/>
+          </a:bodyPr>
+          <a:lstStyle/>
+          <a:p>
+            <a:r>
+              <a:rPr lang="en-US" dirty="0"/>
+              <a:t>Any commits that references the issue number will automatically appear in the issue page so that it’s very easy to find commits that are related to particular issues. </a:t>
+            </a:r>
+            <a:endParaRPr lang="en-US" dirty="0" smtClean="0"/>
+          </a:p>
+          <a:p>
+            <a:endParaRPr lang="en-US" dirty="0" smtClean="0"/>
+          </a:p>
+          <a:p>
+            <a:r>
+              <a:rPr lang="en-US" dirty="0" smtClean="0"/>
+              <a:t>Or </a:t>
+            </a:r>
+            <a:r>
+              <a:rPr lang="en-US" dirty="0"/>
+              <a:t>vice versa, if you are looking at a history of commits, and want to know details, you can go to the actual code changes, or the issue page to find out more. </a:t>
+            </a:r>
+          </a:p>
+          <a:p>
+            <a:endParaRPr lang="en-US" dirty="0"/>
+          </a:p>
+          <a:p>
+            <a:endParaRPr lang="en-US" dirty="0"/>
+          </a:p>
+        </p:txBody>
+      </p:sp>
+      <p:sp>
+        <p:nvSpPr>
+          <p:cNvPr id="4" name="Slide Number Placeholder 3"/>
           <p:cNvSpPr>
             <a:spLocks noGrp="1"/>
           </p:cNvSpPr>
@@ -7945,7 +8372,7 @@
       </p:sp>
       <p:sp>
         <p:nvSpPr>
-          <p:cNvPr id="6" name="Footer Placeholder 5"/>
+          <p:cNvPr id="5" name="Footer Placeholder 4"/>
           <p:cNvSpPr>
             <a:spLocks noGrp="1"/>
           </p:cNvSpPr>
@@ -7968,7 +8395,7 @@
       </p:sp>
       <p:sp>
         <p:nvSpPr>
-          <p:cNvPr id="8" name="Date Placeholder 7"/>
+          <p:cNvPr id="6" name="Date Placeholder 5"/>
           <p:cNvSpPr>
             <a:spLocks noGrp="1"/>
           </p:cNvSpPr>
@@ -7981,9 +8408,9 @@
           <a:bodyPr/>
           <a:lstStyle/>
           <a:p>
-            <a:fld id="{2AE9CD06-5419-4F67-A0F0-D9130AC4F9A9}" type="datetime4">
-              <a:rPr lang="en-US" smtClean="0"/>
-              <a:t>August 9, 2019</a:t>
+            <a:fld id="{58C37697-90A4-4007-8C23-BAAA588B27B3}" type="datetime4">
+              <a:rPr lang="en-US" smtClean="0"/>
+              <a:t>August 14, 2019</a:t>
             </a:fld>
             <a:endParaRPr lang="en-US" dirty="0"/>
           </a:p>
@@ -7992,20 +8419,13 @@
     </p:spTree>
     <p:extLst>
       <p:ext uri="{BB962C8B-B14F-4D97-AF65-F5344CB8AC3E}">
-        <p14:creationId xmlns:p14="http://schemas.microsoft.com/office/powerpoint/2010/main" val="243809950"/>
+        <p14:creationId xmlns:p14="http://schemas.microsoft.com/office/powerpoint/2010/main" val="1530425326"/>
       </p:ext>
     </p:extLst>
   </p:cSld>
   <p:clrMapOvr>
     <a:masterClrMapping/>
   </p:clrMapOvr>
-  <p:timing>
-    <p:tnLst>
-      <p:par>
-        <p:cTn id="1" dur="indefinite" restart="never" nodeType="tmRoot"/>
-      </p:par>
-    </p:tnLst>
-  </p:timing>
 </p:sld>
 </file>
 
@@ -8041,63 +8461,36 @@
           <a:bodyPr/>
           <a:lstStyle/>
           <a:p>
-            <a:endParaRPr lang="en-US"/>
-          </a:p>
-        </p:txBody>
-      </p:sp>
-      <p:sp>
-        <p:nvSpPr>
-          <p:cNvPr id="8" name="Content Placeholder 7"/>
-          <p:cNvSpPr>
-            <a:spLocks noGrp="1"/>
-          </p:cNvSpPr>
-          <p:nvPr>
-            <p:ph idx="1"/>
-          </p:nvPr>
-        </p:nvSpPr>
-        <p:spPr/>
-        <p:txBody>
-          <a:bodyPr/>
-          <a:lstStyle/>
-          <a:p>
-            <a:r>
-              <a:rPr lang="en-US" dirty="0" err="1" smtClean="0"/>
-              <a:t>Brekpoints</a:t>
-            </a:r>
-            <a:r>
-              <a:rPr lang="en-US" dirty="0" smtClean="0"/>
-              <a:t> works only within server. </a:t>
-            </a:r>
-          </a:p>
-          <a:p>
-            <a:r>
-              <a:rPr lang="en-US" dirty="0" smtClean="0"/>
-              <a:t>Browser()</a:t>
-            </a:r>
-          </a:p>
-          <a:p>
-            <a:pPr lvl="1"/>
-            <a:r>
-              <a:rPr lang="en-US" dirty="0" smtClean="0"/>
-              <a:t>conditional </a:t>
-            </a:r>
-          </a:p>
-          <a:p>
-            <a:pPr lvl="1"/>
-            <a:endParaRPr lang="en-US" dirty="0"/>
-          </a:p>
-          <a:p>
-            <a:r>
-              <a:rPr lang="en-US" dirty="0" err="1" smtClean="0"/>
-              <a:t>Profvis</a:t>
-            </a:r>
-            <a:endParaRPr lang="en-US" dirty="0" smtClean="0"/>
-          </a:p>
-        </p:txBody>
-      </p:sp>
-      <p:sp>
-        <p:nvSpPr>
-          <p:cNvPr id="4" name="Slide Number Placeholder 3"/>
+            <a:endParaRPr lang="en-US" dirty="0"/>
+          </a:p>
+        </p:txBody>
+      </p:sp>
+      <p:sp>
+        <p:nvSpPr>
+          <p:cNvPr id="9" name="Text Placeholder 8"/>
+          <p:cNvSpPr>
+            <a:spLocks noGrp="1"/>
+          </p:cNvSpPr>
+          <p:nvPr>
+            <p:ph type="body" idx="1"/>
+          </p:nvPr>
+        </p:nvSpPr>
+        <p:spPr/>
+        <p:txBody>
+          <a:bodyPr/>
+          <a:lstStyle/>
+          <a:p>
+            <a:r>
+              <a:rPr lang="en-US" dirty="0" smtClean="0"/>
+              <a:t>Debugging</a:t>
+            </a:r>
+            <a:endParaRPr lang="en-US" dirty="0"/>
+          </a:p>
+        </p:txBody>
+      </p:sp>
+      <p:sp>
+        <p:nvSpPr>
+          <p:cNvPr id="5" name="Slide Number Placeholder 4"/>
           <p:cNvSpPr>
             <a:spLocks noGrp="1"/>
           </p:cNvSpPr>
@@ -8120,7 +8513,7 @@
       </p:sp>
       <p:sp>
         <p:nvSpPr>
-          <p:cNvPr id="5" name="Footer Placeholder 4"/>
+          <p:cNvPr id="6" name="Footer Placeholder 5"/>
           <p:cNvSpPr>
             <a:spLocks noGrp="1"/>
           </p:cNvSpPr>
@@ -8143,7 +8536,7 @@
       </p:sp>
       <p:sp>
         <p:nvSpPr>
-          <p:cNvPr id="6" name="Date Placeholder 5"/>
+          <p:cNvPr id="8" name="Date Placeholder 7"/>
           <p:cNvSpPr>
             <a:spLocks noGrp="1"/>
           </p:cNvSpPr>
@@ -8156,9 +8549,9 @@
           <a:bodyPr/>
           <a:lstStyle/>
           <a:p>
-            <a:fld id="{58C37697-90A4-4007-8C23-BAAA588B27B3}" type="datetime4">
-              <a:rPr lang="en-US" smtClean="0"/>
-              <a:t>August 9, 2019</a:t>
+            <a:fld id="{2AE9CD06-5419-4F67-A0F0-D9130AC4F9A9}" type="datetime4">
+              <a:rPr lang="en-US" smtClean="0"/>
+              <a:t>August 14, 2019</a:t>
             </a:fld>
             <a:endParaRPr lang="en-US" dirty="0"/>
           </a:p>
@@ -8167,7 +8560,7 @@
     </p:spTree>
     <p:extLst>
       <p:ext uri="{BB962C8B-B14F-4D97-AF65-F5344CB8AC3E}">
-        <p14:creationId xmlns:p14="http://schemas.microsoft.com/office/powerpoint/2010/main" val="3754282911"/>
+        <p14:creationId xmlns:p14="http://schemas.microsoft.com/office/powerpoint/2010/main" val="243809950"/>
       </p:ext>
     </p:extLst>
   </p:cSld>
@@ -8306,7 +8699,7 @@
           <a:p>
             <a:fld id="{CAEF89AF-97FF-41FD-A810-843DAB910B39}" type="datetime4">
               <a:rPr lang="en-US" smtClean="0"/>
-              <a:t>August 9, 2019</a:t>
+              <a:t>August 14, 2019</a:t>
             </a:fld>
             <a:endParaRPr lang="en-US" dirty="0"/>
           </a:p>
@@ -8357,30 +8750,214 @@
           <a:bodyPr/>
           <a:lstStyle/>
           <a:p>
-            <a:endParaRPr lang="en-US"/>
-          </a:p>
-        </p:txBody>
-      </p:sp>
-      <p:sp>
-        <p:nvSpPr>
-          <p:cNvPr id="8" name="Text Placeholder 7"/>
-          <p:cNvSpPr>
-            <a:spLocks noGrp="1"/>
-          </p:cNvSpPr>
-          <p:nvPr>
-            <p:ph type="body" idx="1"/>
-          </p:nvPr>
-        </p:nvSpPr>
-        <p:spPr/>
-        <p:txBody>
-          <a:bodyPr/>
-          <a:lstStyle/>
-          <a:p>
-            <a:r>
-              <a:rPr lang="en-US" dirty="0" smtClean="0"/>
-              <a:t>Advanced Topics</a:t>
-            </a:r>
-            <a:endParaRPr lang="en-US" dirty="0"/>
+            <a:r>
+              <a:rPr lang="en-US" dirty="0" smtClean="0"/>
+              <a:t>Debugging</a:t>
+            </a:r>
+            <a:endParaRPr lang="en-US" dirty="0"/>
+          </a:p>
+        </p:txBody>
+      </p:sp>
+      <p:sp>
+        <p:nvSpPr>
+          <p:cNvPr id="8" name="Content Placeholder 7"/>
+          <p:cNvSpPr>
+            <a:spLocks noGrp="1"/>
+          </p:cNvSpPr>
+          <p:nvPr>
+            <p:ph idx="1"/>
+          </p:nvPr>
+        </p:nvSpPr>
+        <p:spPr>
+          <a:xfrm>
+            <a:off x="457200" y="1600200"/>
+            <a:ext cx="8229600" cy="4648200"/>
+          </a:xfrm>
+        </p:spPr>
+        <p:txBody>
+          <a:bodyPr>
+            <a:noAutofit/>
+          </a:bodyPr>
+          <a:lstStyle/>
+          <a:p>
+            <a:r>
+              <a:rPr lang="en-US" sz="1800" dirty="0" smtClean="0"/>
+              <a:t>Debug</a:t>
+            </a:r>
+          </a:p>
+          <a:p>
+            <a:pPr lvl="1"/>
+            <a:r>
+              <a:rPr lang="en-US" sz="1400" dirty="0" smtClean="0"/>
+              <a:t>Breakpoints </a:t>
+            </a:r>
+          </a:p>
+          <a:p>
+            <a:pPr lvl="2"/>
+            <a:r>
+              <a:rPr lang="en-US" sz="1200" dirty="0" smtClean="0"/>
+              <a:t>Pros: No change in your code. </a:t>
+            </a:r>
+          </a:p>
+          <a:p>
+            <a:pPr lvl="2"/>
+            <a:r>
+              <a:rPr lang="en-US" sz="1200" dirty="0" smtClean="0"/>
+              <a:t>Cons: </a:t>
+            </a:r>
+            <a:r>
+              <a:rPr lang="en-US" sz="1200" dirty="0" smtClean="0"/>
+              <a:t>works </a:t>
+            </a:r>
+            <a:r>
+              <a:rPr lang="en-US" sz="1200" dirty="0" smtClean="0"/>
+              <a:t>only within server. </a:t>
+            </a:r>
+          </a:p>
+          <a:p>
+            <a:pPr lvl="1"/>
+            <a:r>
+              <a:rPr lang="en-US" sz="1400" dirty="0" smtClean="0">
+                <a:solidFill>
+                  <a:schemeClr val="accent2"/>
+                </a:solidFill>
+              </a:rPr>
+              <a:t>Browser</a:t>
+            </a:r>
+            <a:r>
+              <a:rPr lang="en-US" sz="1400" dirty="0" smtClean="0">
+                <a:solidFill>
+                  <a:schemeClr val="accent2"/>
+                </a:solidFill>
+              </a:rPr>
+              <a:t>()</a:t>
+            </a:r>
+          </a:p>
+          <a:p>
+            <a:pPr lvl="2"/>
+            <a:r>
+              <a:rPr lang="en-US" sz="1200" dirty="0" smtClean="0"/>
+              <a:t>Pros</a:t>
+            </a:r>
+            <a:r>
+              <a:rPr lang="en-US" sz="1200" dirty="0"/>
+              <a:t>: Like debugger but works everywhere. </a:t>
+            </a:r>
+          </a:p>
+          <a:p>
+            <a:pPr lvl="2"/>
+            <a:r>
+              <a:rPr lang="en-US" sz="1200" dirty="0" smtClean="0"/>
+              <a:t>Cons: Changes in code. </a:t>
+            </a:r>
+            <a:endParaRPr lang="en-US" sz="1200" dirty="0" smtClean="0"/>
+          </a:p>
+          <a:p>
+            <a:pPr lvl="1"/>
+            <a:r>
+              <a:rPr lang="en-US" sz="1400" dirty="0" smtClean="0"/>
+              <a:t>Print()</a:t>
+            </a:r>
+          </a:p>
+          <a:p>
+            <a:pPr lvl="2"/>
+            <a:r>
+              <a:rPr lang="en-US" sz="1200" dirty="0" smtClean="0"/>
+              <a:t>Add messages that are printed to the console. </a:t>
+            </a:r>
+          </a:p>
+          <a:p>
+            <a:pPr lvl="2"/>
+            <a:r>
+              <a:rPr lang="en-US" sz="1200" dirty="0" smtClean="0"/>
+              <a:t>Pros: You can keep it in the code for PROD. </a:t>
+            </a:r>
+          </a:p>
+          <a:p>
+            <a:pPr lvl="1"/>
+            <a:r>
+              <a:rPr lang="en-US" sz="1400" dirty="0" smtClean="0"/>
+              <a:t>Showcase Mode</a:t>
+            </a:r>
+          </a:p>
+          <a:p>
+            <a:pPr lvl="2"/>
+            <a:r>
+              <a:rPr lang="en-US" sz="1200" dirty="0">
+                <a:hlinkClick r:id="rId2"/>
+              </a:rPr>
+              <a:t>https://shiny.rstudio.com/gallery/kmeans-example.html</a:t>
+            </a:r>
+            <a:endParaRPr lang="en-US" sz="1200" dirty="0" smtClean="0"/>
+          </a:p>
+          <a:p>
+            <a:pPr lvl="2"/>
+            <a:r>
+              <a:rPr lang="en-US" sz="1200" dirty="0" err="1" smtClean="0"/>
+              <a:t>runApp</a:t>
+            </a:r>
+            <a:r>
+              <a:rPr lang="en-US" sz="1200" dirty="0" smtClean="0"/>
+              <a:t>(…, </a:t>
+            </a:r>
+            <a:r>
+              <a:rPr lang="en-US" sz="1200" dirty="0" err="1" smtClean="0"/>
+              <a:t>display.mode</a:t>
+            </a:r>
+            <a:r>
+              <a:rPr lang="en-US" sz="1200" dirty="0" smtClean="0"/>
+              <a:t> </a:t>
+            </a:r>
+            <a:r>
+              <a:rPr lang="en-US" sz="1200" dirty="0"/>
+              <a:t>= "</a:t>
+            </a:r>
+            <a:r>
+              <a:rPr lang="en-US" sz="1200" dirty="0" smtClean="0"/>
+              <a:t>showcase“)</a:t>
+            </a:r>
+          </a:p>
+          <a:p>
+            <a:pPr lvl="1"/>
+            <a:r>
+              <a:rPr lang="en-US" sz="1400" dirty="0" err="1" smtClean="0"/>
+              <a:t>shiny.reactlog</a:t>
+            </a:r>
+            <a:endParaRPr lang="en-US" sz="1400" dirty="0" smtClean="0"/>
+          </a:p>
+          <a:p>
+            <a:pPr lvl="2"/>
+            <a:r>
+              <a:rPr lang="en-US" sz="1200" dirty="0" smtClean="0"/>
+              <a:t>Detailed look at shiny reactivity.  </a:t>
+            </a:r>
+            <a:endParaRPr lang="en-US" sz="1400" dirty="0"/>
+          </a:p>
+          <a:p>
+            <a:r>
+              <a:rPr lang="en-US" sz="1800" dirty="0" smtClean="0"/>
+              <a:t>Performance </a:t>
+            </a:r>
+            <a:r>
+              <a:rPr lang="en-US" sz="1800" dirty="0" smtClean="0"/>
+              <a:t>Optimization</a:t>
+            </a:r>
+          </a:p>
+          <a:p>
+            <a:pPr lvl="1"/>
+            <a:r>
+              <a:rPr lang="en-US" sz="1400" dirty="0" err="1" smtClean="0"/>
+              <a:t>Profvis</a:t>
+            </a:r>
+            <a:endParaRPr lang="en-US" sz="1400" dirty="0" smtClean="0"/>
+          </a:p>
+          <a:p>
+            <a:pPr lvl="2"/>
+            <a:r>
+              <a:rPr lang="en-US" sz="1000" dirty="0" smtClean="0"/>
+              <a:t>Find which calculation is taking time. </a:t>
+            </a:r>
+            <a:endParaRPr lang="en-US" sz="1000" dirty="0" smtClean="0"/>
           </a:p>
         </p:txBody>
       </p:sp>
@@ -8445,24 +9022,132 @@
           <a:bodyPr/>
           <a:lstStyle/>
           <a:p>
-            <a:fld id="{CAEF89AF-97FF-41FD-A810-843DAB910B39}" type="datetime4">
-              <a:rPr lang="en-US" smtClean="0"/>
-              <a:t>August 9, 2019</a:t>
+            <a:fld id="{58C37697-90A4-4007-8C23-BAAA588B27B3}" type="datetime4">
+              <a:rPr lang="en-US" smtClean="0"/>
+              <a:t>August 14, 2019</a:t>
             </a:fld>
             <a:endParaRPr lang="en-US" dirty="0"/>
           </a:p>
         </p:txBody>
       </p:sp>
+      <p:sp>
+        <p:nvSpPr>
+          <p:cNvPr id="2" name="Right Bracket 1"/>
+          <p:cNvSpPr/>
+          <p:nvPr/>
+        </p:nvSpPr>
+        <p:spPr>
+          <a:xfrm>
+            <a:off x="4800600" y="1981200"/>
+            <a:ext cx="301752" cy="1295400"/>
+          </a:xfrm>
+          <a:prstGeom prst="rightBracket">
+            <a:avLst/>
+          </a:prstGeom>
+        </p:spPr>
+        <p:style>
+          <a:lnRef idx="3">
+            <a:schemeClr val="accent2"/>
+          </a:lnRef>
+          <a:fillRef idx="0">
+            <a:schemeClr val="accent2"/>
+          </a:fillRef>
+          <a:effectRef idx="2">
+            <a:schemeClr val="accent2"/>
+          </a:effectRef>
+          <a:fontRef idx="minor">
+            <a:schemeClr val="tx1"/>
+          </a:fontRef>
+        </p:style>
+        <p:txBody>
+          <a:bodyPr rtlCol="0" anchor="ctr"/>
+          <a:lstStyle/>
+          <a:p>
+            <a:pPr algn="ctr"/>
+            <a:endParaRPr lang="en-US"/>
+          </a:p>
+        </p:txBody>
+      </p:sp>
+      <p:sp>
+        <p:nvSpPr>
+          <p:cNvPr id="3" name="TextBox 2"/>
+          <p:cNvSpPr txBox="1"/>
+          <p:nvPr/>
+        </p:nvSpPr>
+        <p:spPr>
+          <a:xfrm>
+            <a:off x="5334000" y="2076271"/>
+            <a:ext cx="3505201" cy="1200329"/>
+          </a:xfrm>
+          <a:prstGeom prst="rect">
+            <a:avLst/>
+          </a:prstGeom>
+          <a:noFill/>
+        </p:spPr>
+        <p:txBody>
+          <a:bodyPr wrap="square" rtlCol="0">
+            <a:spAutoFit/>
+          </a:bodyPr>
+          <a:lstStyle/>
+          <a:p>
+            <a:r>
+              <a:rPr lang="en-US" dirty="0"/>
+              <a:t>Activate “debugger” where you can look around </a:t>
+            </a:r>
+            <a:r>
+              <a:rPr lang="en-US" dirty="0" smtClean="0"/>
+              <a:t>while </a:t>
+            </a:r>
+            <a:r>
+              <a:rPr lang="en-US" dirty="0"/>
+              <a:t>everything is suspended as is.  </a:t>
+            </a:r>
+          </a:p>
+          <a:p>
+            <a:endParaRPr lang="en-US" dirty="0"/>
+          </a:p>
+        </p:txBody>
+      </p:sp>
+      <p:pic>
+        <p:nvPicPr>
+          <p:cNvPr id="10" name="Picture 9"/>
+          <p:cNvPicPr>
+            <a:picLocks noChangeAspect="1"/>
+          </p:cNvPicPr>
+          <p:nvPr/>
+        </p:nvPicPr>
+        <p:blipFill rotWithShape="1">
+          <a:blip r:embed="rId3"/>
+          <a:srcRect r="14161"/>
+          <a:stretch/>
+        </p:blipFill>
+        <p:spPr>
+          <a:xfrm>
+            <a:off x="5503334" y="3132185"/>
+            <a:ext cx="3335867" cy="1240971"/>
+          </a:xfrm>
+          <a:prstGeom prst="rect">
+            <a:avLst/>
+          </a:prstGeom>
+        </p:spPr>
+      </p:pic>
     </p:spTree>
     <p:extLst>
       <p:ext uri="{BB962C8B-B14F-4D97-AF65-F5344CB8AC3E}">
-        <p14:creationId xmlns:p14="http://schemas.microsoft.com/office/powerpoint/2010/main" val="2659594775"/>
+        <p14:creationId xmlns:p14="http://schemas.microsoft.com/office/powerpoint/2010/main" val="3754282911"/>
       </p:ext>
     </p:extLst>
   </p:cSld>
   <p:clrMapOvr>
     <a:masterClrMapping/>
   </p:clrMapOvr>
+  <p:timing>
+    <p:tnLst>
+      <p:par>
+        <p:cTn id="1" dur="indefinite" restart="never" nodeType="tmRoot"/>
+      </p:par>
+    </p:tnLst>
+  </p:timing>
 </p:sld>
 </file>
 
@@ -8485,7 +9170,7 @@
       </p:grpSpPr>
       <p:sp>
         <p:nvSpPr>
-          <p:cNvPr id="7" name="Title 6"/>
+          <p:cNvPr id="2" name="Title 1"/>
           <p:cNvSpPr>
             <a:spLocks noGrp="1"/>
           </p:cNvSpPr>
@@ -8500,15 +9185,15 @@
           <a:p>
             <a:r>
               <a:rPr lang="en-US" dirty="0" smtClean="0"/>
-              <a:t>Futures &amp; Promises</a:t>
-            </a:r>
-            <a:endParaRPr lang="en-US" dirty="0"/>
-          </a:p>
-        </p:txBody>
-      </p:sp>
-      <p:sp>
-        <p:nvSpPr>
-          <p:cNvPr id="8" name="Content Placeholder 7"/>
+              <a:t>2.1 Exercise</a:t>
+            </a:r>
+            <a:endParaRPr lang="en-US" dirty="0"/>
+          </a:p>
+        </p:txBody>
+      </p:sp>
+      <p:sp>
+        <p:nvSpPr>
+          <p:cNvPr id="3" name="Content Placeholder 2"/>
           <p:cNvSpPr>
             <a:spLocks noGrp="1"/>
           </p:cNvSpPr>
@@ -8521,7 +9206,35 @@
           <a:bodyPr/>
           <a:lstStyle/>
           <a:p>
-            <a:endParaRPr lang="en-US"/>
+            <a:r>
+              <a:rPr lang="en-US" dirty="0" smtClean="0"/>
+              <a:t>Open App1.6_DynamicUI. </a:t>
+            </a:r>
+          </a:p>
+          <a:p>
+            <a:r>
+              <a:rPr lang="en-US" dirty="0" smtClean="0"/>
+              <a:t>Figure out why this error flashes using browser():</a:t>
+            </a:r>
+          </a:p>
+          <a:p>
+            <a:endParaRPr lang="en-US" dirty="0"/>
+          </a:p>
+          <a:p>
+            <a:endParaRPr lang="en-US" dirty="0" smtClean="0"/>
+          </a:p>
+          <a:p>
+            <a:r>
+              <a:rPr lang="en-US" dirty="0" smtClean="0"/>
+              <a:t>Find a solution for getting rid of it. </a:t>
+            </a:r>
+            <a:r>
+              <a:rPr lang="en-US" dirty="0" smtClean="0"/>
+              <a:t> </a:t>
+            </a:r>
+          </a:p>
+          <a:p>
+            <a:endParaRPr lang="en-US" dirty="0"/>
           </a:p>
         </p:txBody>
       </p:sp>
@@ -8586,18 +9299,42 @@
           <a:bodyPr/>
           <a:lstStyle/>
           <a:p>
-            <a:fld id="{58C37697-90A4-4007-8C23-BAAA588B27B3}" type="datetime4">
-              <a:rPr lang="en-US" smtClean="0"/>
-              <a:t>August 9, 2019</a:t>
+            <a:fld id="{CAEF89AF-97FF-41FD-A810-843DAB910B39}" type="datetime4">
+              <a:rPr lang="en-US" smtClean="0"/>
+              <a:t>August 14, 2019</a:t>
             </a:fld>
             <a:endParaRPr lang="en-US" dirty="0"/>
           </a:p>
         </p:txBody>
       </p:sp>
+      <p:pic>
+        <p:nvPicPr>
+          <p:cNvPr id="8" name="Picture 7"/>
+          <p:cNvPicPr>
+            <a:picLocks noChangeAspect="1"/>
+          </p:cNvPicPr>
+          <p:nvPr/>
+        </p:nvPicPr>
+        <p:blipFill>
+          <a:blip r:embed="rId2"/>
+          <a:stretch>
+            <a:fillRect/>
+          </a:stretch>
+        </p:blipFill>
+        <p:spPr>
+          <a:xfrm>
+            <a:off x="1219200" y="3352800"/>
+            <a:ext cx="7295444" cy="381000"/>
+          </a:xfrm>
+          <a:prstGeom prst="rect">
+            <a:avLst/>
+          </a:prstGeom>
+        </p:spPr>
+      </p:pic>
     </p:spTree>
     <p:extLst>
       <p:ext uri="{BB962C8B-B14F-4D97-AF65-F5344CB8AC3E}">
-        <p14:creationId xmlns:p14="http://schemas.microsoft.com/office/powerpoint/2010/main" val="3939692368"/>
+        <p14:creationId xmlns:p14="http://schemas.microsoft.com/office/powerpoint/2010/main" val="3966633738"/>
       </p:ext>
     </p:extLst>
   </p:cSld>
@@ -8641,7 +9378,7 @@
           <a:p>
             <a:r>
               <a:rPr lang="en-US" dirty="0" smtClean="0"/>
-              <a:t>Use of Module</a:t>
+              <a:t>Error Handling</a:t>
             </a:r>
             <a:endParaRPr lang="en-US" dirty="0"/>
           </a:p>
@@ -8662,7 +9399,78 @@
           <a:bodyPr/>
           <a:lstStyle/>
           <a:p>
-            <a:endParaRPr lang="en-US"/>
+            <a:r>
+              <a:rPr lang="en-US" dirty="0" smtClean="0"/>
+              <a:t>Base R</a:t>
+            </a:r>
+          </a:p>
+          <a:p>
+            <a:pPr lvl="1"/>
+            <a:r>
+              <a:rPr lang="en-US" dirty="0" err="1" smtClean="0"/>
+              <a:t>tryCatch</a:t>
+            </a:r>
+            <a:endParaRPr lang="en-US" dirty="0" smtClean="0"/>
+          </a:p>
+          <a:p>
+            <a:r>
+              <a:rPr lang="en-US" dirty="0" smtClean="0"/>
+              <a:t>Shiny</a:t>
+            </a:r>
+          </a:p>
+          <a:p>
+            <a:pPr lvl="1"/>
+            <a:r>
+              <a:rPr lang="en-US" dirty="0" smtClean="0"/>
+              <a:t>Validate(need(…, message = “”))</a:t>
+            </a:r>
+          </a:p>
+          <a:p>
+            <a:pPr lvl="1"/>
+            <a:r>
+              <a:rPr lang="en-US" dirty="0" smtClean="0">
+                <a:solidFill>
+                  <a:srgbClr val="C00000"/>
+                </a:solidFill>
+              </a:rPr>
+              <a:t>options(</a:t>
+            </a:r>
+            <a:r>
+              <a:rPr lang="en-US" dirty="0" err="1" smtClean="0">
+                <a:solidFill>
+                  <a:srgbClr val="C00000"/>
+                </a:solidFill>
+              </a:rPr>
+              <a:t>shiny.sanitize.errors</a:t>
+            </a:r>
+            <a:r>
+              <a:rPr lang="en-US" dirty="0" smtClean="0">
+                <a:solidFill>
+                  <a:srgbClr val="C00000"/>
+                </a:solidFill>
+              </a:rPr>
+              <a:t> = TRUE) for PROD</a:t>
+            </a:r>
+            <a:endParaRPr lang="en-US" dirty="0">
+              <a:solidFill>
+                <a:srgbClr val="C00000"/>
+              </a:solidFill>
+            </a:endParaRPr>
+          </a:p>
+          <a:p>
+            <a:pPr lvl="1"/>
+            <a:r>
+              <a:rPr lang="en-US" dirty="0" err="1" smtClean="0"/>
+              <a:t>safeError</a:t>
+            </a:r>
+            <a:r>
+              <a:rPr lang="en-US" dirty="0" smtClean="0"/>
+              <a:t>() for controlled error messages. </a:t>
+            </a:r>
+          </a:p>
+          <a:p>
+            <a:pPr lvl="1"/>
+            <a:endParaRPr lang="en-US" dirty="0"/>
           </a:p>
         </p:txBody>
       </p:sp>
@@ -8729,7 +9537,7 @@
           <a:p>
             <a:fld id="{CAEF89AF-97FF-41FD-A810-843DAB910B39}" type="datetime4">
               <a:rPr lang="en-US" smtClean="0"/>
-              <a:t>August 9, 2019</a:t>
+              <a:t>August 14, 2019</a:t>
             </a:fld>
             <a:endParaRPr lang="en-US" dirty="0"/>
           </a:p>
@@ -8738,7 +9546,7 @@
     </p:spTree>
     <p:extLst>
       <p:ext uri="{BB962C8B-B14F-4D97-AF65-F5344CB8AC3E}">
-        <p14:creationId xmlns:p14="http://schemas.microsoft.com/office/powerpoint/2010/main" val="2266987079"/>
+        <p14:creationId xmlns:p14="http://schemas.microsoft.com/office/powerpoint/2010/main" val="4068815668"/>
       </p:ext>
     </p:extLst>
   </p:cSld>
@@ -8782,7 +9590,7 @@
           <a:p>
             <a:r>
               <a:rPr lang="en-US" dirty="0" smtClean="0"/>
-              <a:t>Shiny App As Package</a:t>
+              <a:t>2.2 Exercise</a:t>
             </a:r>
             <a:endParaRPr lang="en-US" dirty="0"/>
           </a:p>
@@ -8803,7 +9611,35 @@
           <a:bodyPr/>
           <a:lstStyle/>
           <a:p>
-            <a:endParaRPr lang="en-US"/>
+            <a:r>
+              <a:rPr lang="en-US" dirty="0" smtClean="0"/>
+              <a:t>Rid of validate() for data imports. </a:t>
+            </a:r>
+          </a:p>
+          <a:p>
+            <a:r>
+              <a:rPr lang="en-US" dirty="0" smtClean="0"/>
+              <a:t>Add safe error. </a:t>
+            </a:r>
+          </a:p>
+          <a:p>
+            <a:r>
+              <a:rPr lang="en-US" dirty="0" smtClean="0"/>
+              <a:t>Set </a:t>
+            </a:r>
+            <a:r>
+              <a:rPr lang="en-US" dirty="0"/>
+              <a:t>global options for </a:t>
+            </a:r>
+            <a:r>
+              <a:rPr lang="en-US" dirty="0" err="1" smtClean="0"/>
+              <a:t>Sanitize.errors</a:t>
+            </a:r>
+            <a:r>
+              <a:rPr lang="en-US" dirty="0" smtClean="0"/>
+              <a:t>. </a:t>
+            </a:r>
+            <a:endParaRPr lang="en-US" dirty="0"/>
           </a:p>
         </p:txBody>
       </p:sp>
@@ -8870,7 +9706,7 @@
           <a:p>
             <a:fld id="{CAEF89AF-97FF-41FD-A810-843DAB910B39}" type="datetime4">
               <a:rPr lang="en-US" smtClean="0"/>
-              <a:t>August 9, 2019</a:t>
+              <a:t>August 14, 2019</a:t>
             </a:fld>
             <a:endParaRPr lang="en-US" dirty="0"/>
           </a:p>
@@ -8879,7 +9715,1295 @@
     </p:spTree>
     <p:extLst>
       <p:ext uri="{BB962C8B-B14F-4D97-AF65-F5344CB8AC3E}">
-        <p14:creationId xmlns:p14="http://schemas.microsoft.com/office/powerpoint/2010/main" val="3898009327"/>
+        <p14:creationId xmlns:p14="http://schemas.microsoft.com/office/powerpoint/2010/main" val="4028345403"/>
+      </p:ext>
+    </p:extLst>
+  </p:cSld>
+  <p:clrMapOvr>
+    <a:masterClrMapping/>
+  </p:clrMapOvr>
+</p:sld>
+</file>
+
+<file path=ppt/slides/slide34.xml><?xml version="1.0" encoding="utf-8"?>
+<p:sld xmlns:a="http://schemas.openxmlformats.org/drawingml/2006/main" xmlns:r="http://schemas.openxmlformats.org/officeDocument/2006/relationships" xmlns:p="http://schemas.openxmlformats.org/presentationml/2006/main">
+  <p:cSld>
+    <p:spTree>
+      <p:nvGrpSpPr>
+        <p:cNvPr id="1" name=""/>
+        <p:cNvGrpSpPr/>
+        <p:nvPr/>
+      </p:nvGrpSpPr>
+      <p:grpSpPr>
+        <a:xfrm>
+          <a:off x="0" y="0"/>
+          <a:ext cx="0" cy="0"/>
+          <a:chOff x="0" y="0"/>
+          <a:chExt cx="0" cy="0"/>
+        </a:xfrm>
+      </p:grpSpPr>
+      <p:sp>
+        <p:nvSpPr>
+          <p:cNvPr id="7" name="Title 6"/>
+          <p:cNvSpPr>
+            <a:spLocks noGrp="1"/>
+          </p:cNvSpPr>
+          <p:nvPr>
+            <p:ph type="title"/>
+          </p:nvPr>
+        </p:nvSpPr>
+        <p:spPr/>
+        <p:txBody>
+          <a:bodyPr/>
+          <a:lstStyle/>
+          <a:p>
+            <a:r>
+              <a:rPr lang="en-US" dirty="0"/>
+              <a:t>Advanced Topics</a:t>
+            </a:r>
+            <a:br>
+              <a:rPr lang="en-US" dirty="0"/>
+            </a:br>
+            <a:endParaRPr lang="en-US" dirty="0"/>
+          </a:p>
+        </p:txBody>
+      </p:sp>
+      <p:sp>
+        <p:nvSpPr>
+          <p:cNvPr id="8" name="Text Placeholder 7"/>
+          <p:cNvSpPr>
+            <a:spLocks noGrp="1"/>
+          </p:cNvSpPr>
+          <p:nvPr>
+            <p:ph type="body" idx="1"/>
+          </p:nvPr>
+        </p:nvSpPr>
+        <p:spPr/>
+        <p:txBody>
+          <a:bodyPr/>
+          <a:lstStyle/>
+          <a:p>
+            <a:r>
+              <a:rPr lang="en-US" dirty="0"/>
+              <a:t>Use of Module</a:t>
+            </a:r>
+          </a:p>
+        </p:txBody>
+      </p:sp>
+      <p:sp>
+        <p:nvSpPr>
+          <p:cNvPr id="4" name="Slide Number Placeholder 3"/>
+          <p:cNvSpPr>
+            <a:spLocks noGrp="1"/>
+          </p:cNvSpPr>
+          <p:nvPr>
+            <p:ph type="sldNum" sz="quarter" idx="12"/>
+          </p:nvPr>
+        </p:nvSpPr>
+        <p:spPr/>
+        <p:txBody>
+          <a:bodyPr/>
+          <a:lstStyle/>
+          <a:p>
+            <a:fld id="{8848E627-D06A-4F0E-98E2-3D90458BE48C}" type="slidenum">
+              <a:rPr lang="en-US" smtClean="0"/>
+              <a:t>34</a:t>
+            </a:fld>
+            <a:endParaRPr lang="en-US"/>
+          </a:p>
+        </p:txBody>
+      </p:sp>
+      <p:sp>
+        <p:nvSpPr>
+          <p:cNvPr id="5" name="Footer Placeholder 4"/>
+          <p:cNvSpPr>
+            <a:spLocks noGrp="1"/>
+          </p:cNvSpPr>
+          <p:nvPr>
+            <p:ph type="ftr" sz="quarter" idx="3"/>
+          </p:nvPr>
+        </p:nvSpPr>
+        <p:spPr/>
+        <p:txBody>
+          <a:bodyPr/>
+          <a:lstStyle/>
+          <a:p>
+            <a:r>
+              <a:rPr lang="en-US" smtClean="0"/>
+              <a:t>CONFIDENTIAL &amp; PROPRIETARY</a:t>
+            </a:r>
+            <a:endParaRPr lang="en-US" dirty="0"/>
+          </a:p>
+        </p:txBody>
+      </p:sp>
+      <p:sp>
+        <p:nvSpPr>
+          <p:cNvPr id="6" name="Date Placeholder 5"/>
+          <p:cNvSpPr>
+            <a:spLocks noGrp="1"/>
+          </p:cNvSpPr>
+          <p:nvPr>
+            <p:ph type="dt" sz="half" idx="10"/>
+          </p:nvPr>
+        </p:nvSpPr>
+        <p:spPr/>
+        <p:txBody>
+          <a:bodyPr/>
+          <a:lstStyle/>
+          <a:p>
+            <a:fld id="{CAEF89AF-97FF-41FD-A810-843DAB910B39}" type="datetime4">
+              <a:rPr lang="en-US" smtClean="0"/>
+              <a:t>August 14, 2019</a:t>
+            </a:fld>
+            <a:endParaRPr lang="en-US" dirty="0"/>
+          </a:p>
+        </p:txBody>
+      </p:sp>
+    </p:spTree>
+    <p:extLst>
+      <p:ext uri="{BB962C8B-B14F-4D97-AF65-F5344CB8AC3E}">
+        <p14:creationId xmlns:p14="http://schemas.microsoft.com/office/powerpoint/2010/main" val="1822175693"/>
+      </p:ext>
+    </p:extLst>
+  </p:cSld>
+  <p:clrMapOvr>
+    <a:masterClrMapping/>
+  </p:clrMapOvr>
+</p:sld>
+</file>
+
+<file path=ppt/slides/slide35.xml><?xml version="1.0" encoding="utf-8"?>
+<p:sld xmlns:a="http://schemas.openxmlformats.org/drawingml/2006/main" xmlns:r="http://schemas.openxmlformats.org/officeDocument/2006/relationships" xmlns:p="http://schemas.openxmlformats.org/presentationml/2006/main">
+  <p:cSld>
+    <p:spTree>
+      <p:nvGrpSpPr>
+        <p:cNvPr id="1" name=""/>
+        <p:cNvGrpSpPr/>
+        <p:nvPr/>
+      </p:nvGrpSpPr>
+      <p:grpSpPr>
+        <a:xfrm>
+          <a:off x="0" y="0"/>
+          <a:ext cx="0" cy="0"/>
+          <a:chOff x="0" y="0"/>
+          <a:chExt cx="0" cy="0"/>
+        </a:xfrm>
+      </p:grpSpPr>
+      <p:sp>
+        <p:nvSpPr>
+          <p:cNvPr id="7" name="Title 6"/>
+          <p:cNvSpPr>
+            <a:spLocks noGrp="1"/>
+          </p:cNvSpPr>
+          <p:nvPr>
+            <p:ph type="title"/>
+          </p:nvPr>
+        </p:nvSpPr>
+        <p:spPr/>
+        <p:txBody>
+          <a:bodyPr/>
+          <a:lstStyle/>
+          <a:p>
+            <a:r>
+              <a:rPr lang="en-US" dirty="0"/>
+              <a:t>software design technique</a:t>
+            </a:r>
+          </a:p>
+        </p:txBody>
+      </p:sp>
+      <p:sp>
+        <p:nvSpPr>
+          <p:cNvPr id="8" name="Content Placeholder 7"/>
+          <p:cNvSpPr>
+            <a:spLocks noGrp="1"/>
+          </p:cNvSpPr>
+          <p:nvPr>
+            <p:ph idx="1"/>
+          </p:nvPr>
+        </p:nvSpPr>
+        <p:spPr>
+          <a:xfrm>
+            <a:off x="457200" y="1600200"/>
+            <a:ext cx="8229600" cy="1524000"/>
+          </a:xfrm>
+        </p:spPr>
+        <p:txBody>
+          <a:bodyPr>
+            <a:normAutofit fontScale="77500" lnSpcReduction="20000"/>
+          </a:bodyPr>
+          <a:lstStyle/>
+          <a:p>
+            <a:r>
+              <a:rPr lang="en-US" dirty="0" smtClean="0"/>
+              <a:t>Fact: As we develop more shiny apps, we get closer to </a:t>
+            </a:r>
+            <a:r>
+              <a:rPr lang="en-US" dirty="0" smtClean="0"/>
+              <a:t>web programmers</a:t>
+            </a:r>
+            <a:r>
+              <a:rPr lang="en-US" dirty="0" smtClean="0"/>
+              <a:t>. Adopt some of their techniques to start with. </a:t>
+            </a:r>
+          </a:p>
+          <a:p>
+            <a:pPr lvl="1"/>
+            <a:r>
+              <a:rPr lang="en-US" dirty="0" smtClean="0"/>
+              <a:t>We already talked about separation of Dev/Staging/PROD environments. </a:t>
+            </a:r>
+          </a:p>
+        </p:txBody>
+      </p:sp>
+      <p:sp>
+        <p:nvSpPr>
+          <p:cNvPr id="4" name="Slide Number Placeholder 3"/>
+          <p:cNvSpPr>
+            <a:spLocks noGrp="1"/>
+          </p:cNvSpPr>
+          <p:nvPr>
+            <p:ph type="sldNum" sz="quarter" idx="12"/>
+          </p:nvPr>
+        </p:nvSpPr>
+        <p:spPr/>
+        <p:txBody>
+          <a:bodyPr/>
+          <a:lstStyle/>
+          <a:p>
+            <a:fld id="{8848E627-D06A-4F0E-98E2-3D90458BE48C}" type="slidenum">
+              <a:rPr lang="en-US" smtClean="0"/>
+              <a:t>35</a:t>
+            </a:fld>
+            <a:endParaRPr lang="en-US"/>
+          </a:p>
+        </p:txBody>
+      </p:sp>
+      <p:sp>
+        <p:nvSpPr>
+          <p:cNvPr id="5" name="Footer Placeholder 4"/>
+          <p:cNvSpPr>
+            <a:spLocks noGrp="1"/>
+          </p:cNvSpPr>
+          <p:nvPr>
+            <p:ph type="ftr" sz="quarter" idx="3"/>
+          </p:nvPr>
+        </p:nvSpPr>
+        <p:spPr/>
+        <p:txBody>
+          <a:bodyPr/>
+          <a:lstStyle/>
+          <a:p>
+            <a:r>
+              <a:rPr lang="en-US" smtClean="0"/>
+              <a:t>CONFIDENTIAL &amp; PROPRIETARY</a:t>
+            </a:r>
+            <a:endParaRPr lang="en-US" dirty="0"/>
+          </a:p>
+        </p:txBody>
+      </p:sp>
+      <p:sp>
+        <p:nvSpPr>
+          <p:cNvPr id="6" name="Date Placeholder 5"/>
+          <p:cNvSpPr>
+            <a:spLocks noGrp="1"/>
+          </p:cNvSpPr>
+          <p:nvPr>
+            <p:ph type="dt" sz="half" idx="10"/>
+          </p:nvPr>
+        </p:nvSpPr>
+        <p:spPr/>
+        <p:txBody>
+          <a:bodyPr/>
+          <a:lstStyle/>
+          <a:p>
+            <a:fld id="{58C37697-90A4-4007-8C23-BAAA588B27B3}" type="datetime4">
+              <a:rPr lang="en-US" smtClean="0"/>
+              <a:t>August 14, 2019</a:t>
+            </a:fld>
+            <a:endParaRPr lang="en-US" dirty="0"/>
+          </a:p>
+        </p:txBody>
+      </p:sp>
+      <p:pic>
+        <p:nvPicPr>
+          <p:cNvPr id="1026" name="Picture 2" descr="Image result for modularization programming"/>
+          <p:cNvPicPr>
+            <a:picLocks noChangeAspect="1" noChangeArrowheads="1"/>
+          </p:cNvPicPr>
+          <p:nvPr/>
+        </p:nvPicPr>
+        <p:blipFill>
+          <a:blip r:embed="rId2" cstate="print">
+            <a:extLst>
+              <a:ext uri="{28A0092B-C50C-407E-A947-70E740481C1C}">
+                <a14:useLocalDpi xmlns:a14="http://schemas.microsoft.com/office/drawing/2010/main" val="0"/>
+              </a:ext>
+            </a:extLst>
+          </a:blip>
+          <a:srcRect/>
+          <a:stretch>
+            <a:fillRect/>
+          </a:stretch>
+        </p:blipFill>
+        <p:spPr bwMode="auto">
+          <a:xfrm>
+            <a:off x="5867400" y="3818650"/>
+            <a:ext cx="3009900" cy="1979774"/>
+          </a:xfrm>
+          <a:prstGeom prst="rect">
+            <a:avLst/>
+          </a:prstGeom>
+          <a:noFill/>
+          <a:extLst>
+            <a:ext uri="{909E8E84-426E-40DD-AFC4-6F175D3DCCD1}">
+              <a14:hiddenFill xmlns:a14="http://schemas.microsoft.com/office/drawing/2010/main">
+                <a:solidFill>
+                  <a:srgbClr val="FFFFFF"/>
+                </a:solidFill>
+              </a14:hiddenFill>
+            </a:ext>
+          </a:extLst>
+        </p:spPr>
+      </p:pic>
+      <p:sp>
+        <p:nvSpPr>
+          <p:cNvPr id="10" name="Content Placeholder 7"/>
+          <p:cNvSpPr txBox="1">
+            <a:spLocks/>
+          </p:cNvSpPr>
+          <p:nvPr/>
+        </p:nvSpPr>
+        <p:spPr>
+          <a:xfrm>
+            <a:off x="457200" y="2971800"/>
+            <a:ext cx="5334000" cy="3234530"/>
+          </a:xfrm>
+          <a:prstGeom prst="rect">
+            <a:avLst/>
+          </a:prstGeom>
+        </p:spPr>
+        <p:txBody>
+          <a:bodyPr vert="horz" lIns="91440" tIns="45720" rIns="91440" bIns="45720" rtlCol="0">
+            <a:normAutofit fontScale="77500" lnSpcReduction="20000"/>
+          </a:bodyPr>
+          <a:lstStyle>
+            <a:lvl1pPr marL="342900" indent="-342900" algn="l" defTabSz="914400" rtl="0" eaLnBrk="1" latinLnBrk="0" hangingPunct="1">
+              <a:spcBef>
+                <a:spcPct val="20000"/>
+              </a:spcBef>
+              <a:buFont typeface="Arial" panose="020B0604020202020204" pitchFamily="34" charset="0"/>
+              <a:buChar char="•"/>
+              <a:defRPr sz="3200" kern="1200">
+                <a:solidFill>
+                  <a:schemeClr val="tx1"/>
+                </a:solidFill>
+                <a:latin typeface="Calibri Light" panose="020F0302020204030204" pitchFamily="34" charset="0"/>
+                <a:ea typeface="+mn-ea"/>
+                <a:cs typeface="+mn-cs"/>
+              </a:defRPr>
+            </a:lvl1pPr>
+            <a:lvl2pPr marL="742950" indent="-285750" algn="l" defTabSz="914400" rtl="0" eaLnBrk="1" latinLnBrk="0" hangingPunct="1">
+              <a:spcBef>
+                <a:spcPct val="20000"/>
+              </a:spcBef>
+              <a:buFont typeface="Arial" panose="020B0604020202020204" pitchFamily="34" charset="0"/>
+              <a:buChar char="–"/>
+              <a:defRPr sz="2800" kern="1200">
+                <a:solidFill>
+                  <a:schemeClr val="tx1"/>
+                </a:solidFill>
+                <a:latin typeface="Calibri Light" panose="020F0302020204030204" pitchFamily="34" charset="0"/>
+                <a:ea typeface="+mn-ea"/>
+                <a:cs typeface="+mn-cs"/>
+              </a:defRPr>
+            </a:lvl2pPr>
+            <a:lvl3pPr marL="1143000" indent="-228600" algn="l" defTabSz="914400" rtl="0" eaLnBrk="1" latinLnBrk="0" hangingPunct="1">
+              <a:spcBef>
+                <a:spcPct val="20000"/>
+              </a:spcBef>
+              <a:buFont typeface="Arial" panose="020B0604020202020204" pitchFamily="34" charset="0"/>
+              <a:buChar char="•"/>
+              <a:defRPr sz="2400" kern="1200">
+                <a:solidFill>
+                  <a:schemeClr val="tx1"/>
+                </a:solidFill>
+                <a:latin typeface="Calibri Light" panose="020F0302020204030204" pitchFamily="34" charset="0"/>
+                <a:ea typeface="+mn-ea"/>
+                <a:cs typeface="+mn-cs"/>
+              </a:defRPr>
+            </a:lvl3pPr>
+            <a:lvl4pPr marL="1600200" indent="-228600" algn="l" defTabSz="914400" rtl="0" eaLnBrk="1" latinLnBrk="0" hangingPunct="1">
+              <a:spcBef>
+                <a:spcPct val="20000"/>
+              </a:spcBef>
+              <a:buFont typeface="Arial" panose="020B0604020202020204" pitchFamily="34" charset="0"/>
+              <a:buChar char="–"/>
+              <a:defRPr sz="2000" kern="1200">
+                <a:solidFill>
+                  <a:schemeClr val="tx1"/>
+                </a:solidFill>
+                <a:latin typeface="Calibri Light" panose="020F0302020204030204" pitchFamily="34" charset="0"/>
+                <a:ea typeface="+mn-ea"/>
+                <a:cs typeface="+mn-cs"/>
+              </a:defRPr>
+            </a:lvl4pPr>
+            <a:lvl5pPr marL="2057400" indent="-228600" algn="l" defTabSz="914400" rtl="0" eaLnBrk="1" latinLnBrk="0" hangingPunct="1">
+              <a:spcBef>
+                <a:spcPct val="20000"/>
+              </a:spcBef>
+              <a:buFont typeface="Arial" panose="020B0604020202020204" pitchFamily="34" charset="0"/>
+              <a:buChar char="»"/>
+              <a:defRPr sz="2000" kern="1200">
+                <a:solidFill>
+                  <a:schemeClr val="tx1"/>
+                </a:solidFill>
+                <a:latin typeface="Calibri Light" panose="020F0302020204030204" pitchFamily="34" charset="0"/>
+                <a:ea typeface="+mn-ea"/>
+                <a:cs typeface="+mn-cs"/>
+              </a:defRPr>
+            </a:lvl5pPr>
+            <a:lvl6pPr marL="2514600" indent="-228600" algn="l" defTabSz="914400" rtl="0" eaLnBrk="1" latinLnBrk="0" hangingPunct="1">
+              <a:spcBef>
+                <a:spcPct val="20000"/>
+              </a:spcBef>
+              <a:buFont typeface="Arial" panose="020B0604020202020204" pitchFamily="34" charset="0"/>
+              <a:buChar char="•"/>
+              <a:defRPr sz="2000" kern="1200">
+                <a:solidFill>
+                  <a:schemeClr val="tx1"/>
+                </a:solidFill>
+                <a:latin typeface="+mn-lt"/>
+                <a:ea typeface="+mn-ea"/>
+                <a:cs typeface="+mn-cs"/>
+              </a:defRPr>
+            </a:lvl6pPr>
+            <a:lvl7pPr marL="2971800" indent="-228600" algn="l" defTabSz="914400" rtl="0" eaLnBrk="1" latinLnBrk="0" hangingPunct="1">
+              <a:spcBef>
+                <a:spcPct val="20000"/>
+              </a:spcBef>
+              <a:buFont typeface="Arial" panose="020B0604020202020204" pitchFamily="34" charset="0"/>
+              <a:buChar char="•"/>
+              <a:defRPr sz="2000" kern="1200">
+                <a:solidFill>
+                  <a:schemeClr val="tx1"/>
+                </a:solidFill>
+                <a:latin typeface="+mn-lt"/>
+                <a:ea typeface="+mn-ea"/>
+                <a:cs typeface="+mn-cs"/>
+              </a:defRPr>
+            </a:lvl7pPr>
+            <a:lvl8pPr marL="3429000" indent="-228600" algn="l" defTabSz="914400" rtl="0" eaLnBrk="1" latinLnBrk="0" hangingPunct="1">
+              <a:spcBef>
+                <a:spcPct val="20000"/>
+              </a:spcBef>
+              <a:buFont typeface="Arial" panose="020B0604020202020204" pitchFamily="34" charset="0"/>
+              <a:buChar char="•"/>
+              <a:defRPr sz="2000" kern="1200">
+                <a:solidFill>
+                  <a:schemeClr val="tx1"/>
+                </a:solidFill>
+                <a:latin typeface="+mn-lt"/>
+                <a:ea typeface="+mn-ea"/>
+                <a:cs typeface="+mn-cs"/>
+              </a:defRPr>
+            </a:lvl8pPr>
+            <a:lvl9pPr marL="3886200" indent="-228600" algn="l" defTabSz="914400" rtl="0" eaLnBrk="1" latinLnBrk="0" hangingPunct="1">
+              <a:spcBef>
+                <a:spcPct val="20000"/>
+              </a:spcBef>
+              <a:buFont typeface="Arial" panose="020B0604020202020204" pitchFamily="34" charset="0"/>
+              <a:buChar char="•"/>
+              <a:defRPr sz="2000" kern="1200">
+                <a:solidFill>
+                  <a:schemeClr val="tx1"/>
+                </a:solidFill>
+                <a:latin typeface="+mn-lt"/>
+                <a:ea typeface="+mn-ea"/>
+                <a:cs typeface="+mn-cs"/>
+              </a:defRPr>
+            </a:lvl9pPr>
+          </a:lstStyle>
+          <a:p>
+            <a:endParaRPr lang="en-US" dirty="0" smtClean="0"/>
+          </a:p>
+          <a:p>
+            <a:r>
+              <a:rPr lang="en-US" b="1" dirty="0" smtClean="0"/>
+              <a:t>Modular programming </a:t>
+            </a:r>
+            <a:r>
+              <a:rPr lang="en-US" dirty="0" smtClean="0"/>
+              <a:t>is a software design technique that emphasizes </a:t>
+            </a:r>
+            <a:r>
+              <a:rPr lang="en-US" dirty="0" smtClean="0">
+                <a:solidFill>
+                  <a:srgbClr val="C0504D"/>
+                </a:solidFill>
+              </a:rPr>
+              <a:t>separating the functionality of a program into independent, interchangeable modules</a:t>
+            </a:r>
+            <a:r>
+              <a:rPr lang="en-US" dirty="0" smtClean="0"/>
+              <a:t>, such that each contains everything necessary to execute only one aspect of the desired functionality.</a:t>
+            </a:r>
+            <a:endParaRPr lang="en-US" dirty="0"/>
+          </a:p>
+        </p:txBody>
+      </p:sp>
+    </p:spTree>
+    <p:extLst>
+      <p:ext uri="{BB962C8B-B14F-4D97-AF65-F5344CB8AC3E}">
+        <p14:creationId xmlns:p14="http://schemas.microsoft.com/office/powerpoint/2010/main" val="2281314740"/>
+      </p:ext>
+    </p:extLst>
+  </p:cSld>
+  <p:clrMapOvr>
+    <a:masterClrMapping/>
+  </p:clrMapOvr>
+</p:sld>
+</file>
+
+<file path=ppt/slides/slide36.xml><?xml version="1.0" encoding="utf-8"?>
+<p:sld xmlns:a="http://schemas.openxmlformats.org/drawingml/2006/main" xmlns:r="http://schemas.openxmlformats.org/officeDocument/2006/relationships" xmlns:p="http://schemas.openxmlformats.org/presentationml/2006/main">
+  <p:cSld>
+    <p:spTree>
+      <p:nvGrpSpPr>
+        <p:cNvPr id="1" name=""/>
+        <p:cNvGrpSpPr/>
+        <p:nvPr/>
+      </p:nvGrpSpPr>
+      <p:grpSpPr>
+        <a:xfrm>
+          <a:off x="0" y="0"/>
+          <a:ext cx="0" cy="0"/>
+          <a:chOff x="0" y="0"/>
+          <a:chExt cx="0" cy="0"/>
+        </a:xfrm>
+      </p:grpSpPr>
+      <p:sp>
+        <p:nvSpPr>
+          <p:cNvPr id="2" name="Title 1"/>
+          <p:cNvSpPr>
+            <a:spLocks noGrp="1"/>
+          </p:cNvSpPr>
+          <p:nvPr>
+            <p:ph type="title"/>
+          </p:nvPr>
+        </p:nvSpPr>
+        <p:spPr/>
+        <p:txBody>
+          <a:bodyPr/>
+          <a:lstStyle/>
+          <a:p>
+            <a:r>
+              <a:rPr lang="en-US" dirty="0" smtClean="0"/>
+              <a:t>Modularization for Shiny</a:t>
+            </a:r>
+            <a:endParaRPr lang="en-US" dirty="0"/>
+          </a:p>
+        </p:txBody>
+      </p:sp>
+      <p:sp>
+        <p:nvSpPr>
+          <p:cNvPr id="3" name="Content Placeholder 2"/>
+          <p:cNvSpPr>
+            <a:spLocks noGrp="1"/>
+          </p:cNvSpPr>
+          <p:nvPr>
+            <p:ph idx="1"/>
+          </p:nvPr>
+        </p:nvSpPr>
+        <p:spPr>
+          <a:xfrm>
+            <a:off x="457200" y="1600200"/>
+            <a:ext cx="4876800" cy="4724400"/>
+          </a:xfrm>
+        </p:spPr>
+        <p:txBody>
+          <a:bodyPr>
+            <a:normAutofit fontScale="62500" lnSpcReduction="20000"/>
+          </a:bodyPr>
+          <a:lstStyle/>
+          <a:p>
+            <a:r>
+              <a:rPr lang="en-US" dirty="0" smtClean="0"/>
+              <a:t>In R</a:t>
+            </a:r>
+          </a:p>
+          <a:p>
+            <a:pPr lvl="1">
+              <a:buFont typeface="Calibri Light" panose="020F0302020204030204" pitchFamily="34" charset="0"/>
+              <a:buChar char="→"/>
+            </a:pPr>
+            <a:r>
+              <a:rPr lang="en-US" dirty="0" smtClean="0"/>
+              <a:t> Functions</a:t>
+            </a:r>
+          </a:p>
+          <a:p>
+            <a:pPr lvl="2"/>
+            <a:r>
+              <a:rPr lang="en-US" dirty="0" smtClean="0"/>
+              <a:t>If you repeat yourself 3 times, write a function</a:t>
+            </a:r>
+          </a:p>
+          <a:p>
+            <a:pPr lvl="2"/>
+            <a:r>
+              <a:rPr lang="en-US" dirty="0" smtClean="0"/>
+              <a:t>Or once for modularization. </a:t>
+            </a:r>
+          </a:p>
+          <a:p>
+            <a:pPr lvl="1">
+              <a:buFont typeface="Calibri Light" panose="020F0302020204030204" pitchFamily="34" charset="0"/>
+              <a:buChar char="→"/>
+            </a:pPr>
+            <a:r>
+              <a:rPr lang="en-US" dirty="0" smtClean="0"/>
+              <a:t> Source</a:t>
+            </a:r>
+          </a:p>
+          <a:p>
+            <a:pPr lvl="2"/>
+            <a:r>
+              <a:rPr lang="en-US" dirty="0" smtClean="0"/>
+              <a:t>Technically not modular(?). But a technique to break up a program.  </a:t>
+            </a:r>
+          </a:p>
+          <a:p>
+            <a:r>
+              <a:rPr lang="en-US" b="1" dirty="0" smtClean="0"/>
+              <a:t>In Shiny </a:t>
+            </a:r>
+          </a:p>
+          <a:p>
+            <a:pPr lvl="1">
+              <a:buFont typeface="Calibri Light" panose="020F0302020204030204" pitchFamily="34" charset="0"/>
+              <a:buChar char="→"/>
+            </a:pPr>
+            <a:r>
+              <a:rPr lang="en-US" dirty="0" smtClean="0"/>
+              <a:t> Functions</a:t>
+            </a:r>
+          </a:p>
+          <a:p>
+            <a:pPr lvl="1">
+              <a:buFont typeface="Calibri Light" panose="020F0302020204030204" pitchFamily="34" charset="0"/>
+              <a:buChar char="→"/>
+            </a:pPr>
+            <a:r>
+              <a:rPr lang="en-US" b="1" dirty="0" smtClean="0">
+                <a:solidFill>
+                  <a:srgbClr val="C0504D"/>
+                </a:solidFill>
+              </a:rPr>
+              <a:t> Module</a:t>
+            </a:r>
+          </a:p>
+          <a:p>
+            <a:pPr lvl="2"/>
+            <a:r>
+              <a:rPr lang="en-US" dirty="0" smtClean="0"/>
+              <a:t>Originally introduced for reducing repetitions, but more and more people are using it to break the app into modular pieces. </a:t>
+            </a:r>
+          </a:p>
+          <a:p>
+            <a:pPr lvl="1">
+              <a:buFont typeface="Calibri Light" panose="020F0302020204030204" pitchFamily="34" charset="0"/>
+              <a:buChar char="→"/>
+            </a:pPr>
+            <a:endParaRPr lang="en-US" dirty="0"/>
+          </a:p>
+          <a:p>
+            <a:r>
+              <a:rPr lang="en-US" sz="2600" dirty="0" smtClean="0"/>
+              <a:t>Bad Example: HedgeFox app</a:t>
+            </a:r>
+          </a:p>
+          <a:p>
+            <a:pPr lvl="1"/>
+            <a:r>
+              <a:rPr lang="en-US" sz="1800" dirty="0" smtClean="0">
+                <a:hlinkClick r:id="rId2"/>
+              </a:rPr>
+              <a:t>https</a:t>
+            </a:r>
+            <a:r>
+              <a:rPr lang="en-US" sz="1800" dirty="0">
+                <a:hlinkClick r:id="rId2"/>
+              </a:rPr>
+              <a:t>://analyze.teainc.org/HedgeFox/PNW</a:t>
+            </a:r>
+            <a:r>
+              <a:rPr lang="en-US" sz="1800" dirty="0" smtClean="0">
+                <a:hlinkClick r:id="rId2"/>
+              </a:rPr>
+              <a:t>/</a:t>
+            </a:r>
+            <a:endParaRPr lang="en-US" sz="1800" dirty="0" smtClean="0"/>
+          </a:p>
+          <a:p>
+            <a:pPr lvl="1"/>
+            <a:r>
+              <a:rPr lang="en-US" sz="1900" dirty="0" smtClean="0">
+                <a:hlinkClick r:id="rId3"/>
+              </a:rPr>
+              <a:t>https</a:t>
+            </a:r>
+            <a:r>
+              <a:rPr lang="en-US" sz="1900" dirty="0">
+                <a:hlinkClick r:id="rId3"/>
+              </a:rPr>
+              <a:t>://</a:t>
+            </a:r>
+            <a:r>
+              <a:rPr lang="en-US" sz="1900" dirty="0" smtClean="0">
+                <a:hlinkClick r:id="rId3"/>
+              </a:rPr>
+              <a:t>github.com/TEA-Analytics/HedgeFox/blob/master/RCode/shiny-app/Common/server.r#L804</a:t>
+            </a:r>
+            <a:endParaRPr lang="en-US" sz="1900" dirty="0"/>
+          </a:p>
+          <a:p>
+            <a:pPr marL="0" indent="0">
+              <a:buNone/>
+            </a:pPr>
+            <a:endParaRPr lang="en-US" dirty="0" smtClean="0"/>
+          </a:p>
+          <a:p>
+            <a:pPr lvl="1"/>
+            <a:endParaRPr lang="en-US" dirty="0"/>
+          </a:p>
+        </p:txBody>
+      </p:sp>
+      <p:sp>
+        <p:nvSpPr>
+          <p:cNvPr id="4" name="Slide Number Placeholder 3"/>
+          <p:cNvSpPr>
+            <a:spLocks noGrp="1"/>
+          </p:cNvSpPr>
+          <p:nvPr>
+            <p:ph type="sldNum" sz="quarter" idx="12"/>
+          </p:nvPr>
+        </p:nvSpPr>
+        <p:spPr/>
+        <p:txBody>
+          <a:bodyPr/>
+          <a:lstStyle/>
+          <a:p>
+            <a:fld id="{8848E627-D06A-4F0E-98E2-3D90458BE48C}" type="slidenum">
+              <a:rPr lang="en-US" smtClean="0"/>
+              <a:t>36</a:t>
+            </a:fld>
+            <a:endParaRPr lang="en-US"/>
+          </a:p>
+        </p:txBody>
+      </p:sp>
+      <p:sp>
+        <p:nvSpPr>
+          <p:cNvPr id="5" name="Footer Placeholder 4"/>
+          <p:cNvSpPr>
+            <a:spLocks noGrp="1"/>
+          </p:cNvSpPr>
+          <p:nvPr>
+            <p:ph type="ftr" sz="quarter" idx="3"/>
+          </p:nvPr>
+        </p:nvSpPr>
+        <p:spPr/>
+        <p:txBody>
+          <a:bodyPr/>
+          <a:lstStyle/>
+          <a:p>
+            <a:r>
+              <a:rPr lang="en-US" smtClean="0"/>
+              <a:t>CONFIDENTIAL &amp; PROPRIETARY</a:t>
+            </a:r>
+            <a:endParaRPr lang="en-US" dirty="0"/>
+          </a:p>
+        </p:txBody>
+      </p:sp>
+      <p:sp>
+        <p:nvSpPr>
+          <p:cNvPr id="6" name="Date Placeholder 5"/>
+          <p:cNvSpPr>
+            <a:spLocks noGrp="1"/>
+          </p:cNvSpPr>
+          <p:nvPr>
+            <p:ph type="dt" sz="half" idx="10"/>
+          </p:nvPr>
+        </p:nvSpPr>
+        <p:spPr/>
+        <p:txBody>
+          <a:bodyPr/>
+          <a:lstStyle/>
+          <a:p>
+            <a:fld id="{CAEF89AF-97FF-41FD-A810-843DAB910B39}" type="datetime4">
+              <a:rPr lang="en-US" smtClean="0"/>
+              <a:t>August 14, 2019</a:t>
+            </a:fld>
+            <a:endParaRPr lang="en-US" dirty="0"/>
+          </a:p>
+        </p:txBody>
+      </p:sp>
+      <p:pic>
+        <p:nvPicPr>
+          <p:cNvPr id="7" name="Picture 6"/>
+          <p:cNvPicPr>
+            <a:picLocks noChangeAspect="1"/>
+          </p:cNvPicPr>
+          <p:nvPr/>
+        </p:nvPicPr>
+        <p:blipFill>
+          <a:blip r:embed="rId4"/>
+          <a:stretch>
+            <a:fillRect/>
+          </a:stretch>
+        </p:blipFill>
+        <p:spPr>
+          <a:xfrm>
+            <a:off x="5474820" y="1524000"/>
+            <a:ext cx="3233995" cy="4824866"/>
+          </a:xfrm>
+          <a:prstGeom prst="rect">
+            <a:avLst/>
+          </a:prstGeom>
+        </p:spPr>
+      </p:pic>
+    </p:spTree>
+    <p:extLst>
+      <p:ext uri="{BB962C8B-B14F-4D97-AF65-F5344CB8AC3E}">
+        <p14:creationId xmlns:p14="http://schemas.microsoft.com/office/powerpoint/2010/main" val="2266987079"/>
+      </p:ext>
+    </p:extLst>
+  </p:cSld>
+  <p:clrMapOvr>
+    <a:masterClrMapping/>
+  </p:clrMapOvr>
+</p:sld>
+</file>
+
+<file path=ppt/slides/slide37.xml><?xml version="1.0" encoding="utf-8"?>
+<p:sld xmlns:a="http://schemas.openxmlformats.org/drawingml/2006/main" xmlns:r="http://schemas.openxmlformats.org/officeDocument/2006/relationships" xmlns:p="http://schemas.openxmlformats.org/presentationml/2006/main">
+  <p:cSld>
+    <p:spTree>
+      <p:nvGrpSpPr>
+        <p:cNvPr id="1" name=""/>
+        <p:cNvGrpSpPr/>
+        <p:nvPr/>
+      </p:nvGrpSpPr>
+      <p:grpSpPr>
+        <a:xfrm>
+          <a:off x="0" y="0"/>
+          <a:ext cx="0" cy="0"/>
+          <a:chOff x="0" y="0"/>
+          <a:chExt cx="0" cy="0"/>
+        </a:xfrm>
+      </p:grpSpPr>
+      <p:sp>
+        <p:nvSpPr>
+          <p:cNvPr id="2" name="Title 1"/>
+          <p:cNvSpPr>
+            <a:spLocks noGrp="1"/>
+          </p:cNvSpPr>
+          <p:nvPr>
+            <p:ph type="title"/>
+          </p:nvPr>
+        </p:nvSpPr>
+        <p:spPr/>
+        <p:txBody>
+          <a:bodyPr/>
+          <a:lstStyle/>
+          <a:p>
+            <a:r>
+              <a:rPr lang="en-US" dirty="0" smtClean="0"/>
+              <a:t>Example</a:t>
+            </a:r>
+            <a:endParaRPr lang="en-US" dirty="0"/>
+          </a:p>
+        </p:txBody>
+      </p:sp>
+      <p:sp>
+        <p:nvSpPr>
+          <p:cNvPr id="3" name="Content Placeholder 2"/>
+          <p:cNvSpPr>
+            <a:spLocks noGrp="1"/>
+          </p:cNvSpPr>
+          <p:nvPr>
+            <p:ph idx="1"/>
+          </p:nvPr>
+        </p:nvSpPr>
+        <p:spPr/>
+        <p:txBody>
+          <a:bodyPr/>
+          <a:lstStyle/>
+          <a:p>
+            <a:endParaRPr lang="en-US" dirty="0"/>
+          </a:p>
+        </p:txBody>
+      </p:sp>
+      <p:sp>
+        <p:nvSpPr>
+          <p:cNvPr id="4" name="Slide Number Placeholder 3"/>
+          <p:cNvSpPr>
+            <a:spLocks noGrp="1"/>
+          </p:cNvSpPr>
+          <p:nvPr>
+            <p:ph type="sldNum" sz="quarter" idx="12"/>
+          </p:nvPr>
+        </p:nvSpPr>
+        <p:spPr/>
+        <p:txBody>
+          <a:bodyPr/>
+          <a:lstStyle/>
+          <a:p>
+            <a:fld id="{8848E627-D06A-4F0E-98E2-3D90458BE48C}" type="slidenum">
+              <a:rPr lang="en-US" smtClean="0"/>
+              <a:t>37</a:t>
+            </a:fld>
+            <a:endParaRPr lang="en-US"/>
+          </a:p>
+        </p:txBody>
+      </p:sp>
+      <p:sp>
+        <p:nvSpPr>
+          <p:cNvPr id="5" name="Footer Placeholder 4"/>
+          <p:cNvSpPr>
+            <a:spLocks noGrp="1"/>
+          </p:cNvSpPr>
+          <p:nvPr>
+            <p:ph type="ftr" sz="quarter" idx="3"/>
+          </p:nvPr>
+        </p:nvSpPr>
+        <p:spPr/>
+        <p:txBody>
+          <a:bodyPr/>
+          <a:lstStyle/>
+          <a:p>
+            <a:r>
+              <a:rPr lang="en-US" smtClean="0"/>
+              <a:t>CONFIDENTIAL &amp; PROPRIETARY</a:t>
+            </a:r>
+            <a:endParaRPr lang="en-US" dirty="0"/>
+          </a:p>
+        </p:txBody>
+      </p:sp>
+      <p:sp>
+        <p:nvSpPr>
+          <p:cNvPr id="6" name="Date Placeholder 5"/>
+          <p:cNvSpPr>
+            <a:spLocks noGrp="1"/>
+          </p:cNvSpPr>
+          <p:nvPr>
+            <p:ph type="dt" sz="half" idx="10"/>
+          </p:nvPr>
+        </p:nvSpPr>
+        <p:spPr/>
+        <p:txBody>
+          <a:bodyPr/>
+          <a:lstStyle/>
+          <a:p>
+            <a:fld id="{CAEF89AF-97FF-41FD-A810-843DAB910B39}" type="datetime4">
+              <a:rPr lang="en-US" smtClean="0"/>
+              <a:t>August 14, 2019</a:t>
+            </a:fld>
+            <a:endParaRPr lang="en-US" dirty="0"/>
+          </a:p>
+        </p:txBody>
+      </p:sp>
+    </p:spTree>
+    <p:extLst>
+      <p:ext uri="{BB962C8B-B14F-4D97-AF65-F5344CB8AC3E}">
+        <p14:creationId xmlns:p14="http://schemas.microsoft.com/office/powerpoint/2010/main" val="4221761977"/>
+      </p:ext>
+    </p:extLst>
+  </p:cSld>
+  <p:clrMapOvr>
+    <a:masterClrMapping/>
+  </p:clrMapOvr>
+</p:sld>
+</file>
+
+<file path=ppt/slides/slide38.xml><?xml version="1.0" encoding="utf-8"?>
+<p:sld xmlns:a="http://schemas.openxmlformats.org/drawingml/2006/main" xmlns:r="http://schemas.openxmlformats.org/officeDocument/2006/relationships" xmlns:p="http://schemas.openxmlformats.org/presentationml/2006/main">
+  <p:cSld>
+    <p:spTree>
+      <p:nvGrpSpPr>
+        <p:cNvPr id="1" name=""/>
+        <p:cNvGrpSpPr/>
+        <p:nvPr/>
+      </p:nvGrpSpPr>
+      <p:grpSpPr>
+        <a:xfrm>
+          <a:off x="0" y="0"/>
+          <a:ext cx="0" cy="0"/>
+          <a:chOff x="0" y="0"/>
+          <a:chExt cx="0" cy="0"/>
+        </a:xfrm>
+      </p:grpSpPr>
+      <p:sp>
+        <p:nvSpPr>
+          <p:cNvPr id="2" name="Title 1"/>
+          <p:cNvSpPr>
+            <a:spLocks noGrp="1"/>
+          </p:cNvSpPr>
+          <p:nvPr>
+            <p:ph type="title"/>
+          </p:nvPr>
+        </p:nvSpPr>
+        <p:spPr/>
+        <p:txBody>
+          <a:bodyPr/>
+          <a:lstStyle/>
+          <a:p>
+            <a:r>
+              <a:rPr lang="en-US" dirty="0" err="1" smtClean="0"/>
+              <a:t>Excercise</a:t>
+            </a:r>
+            <a:endParaRPr lang="en-US" dirty="0"/>
+          </a:p>
+        </p:txBody>
+      </p:sp>
+      <p:sp>
+        <p:nvSpPr>
+          <p:cNvPr id="3" name="Content Placeholder 2"/>
+          <p:cNvSpPr>
+            <a:spLocks noGrp="1"/>
+          </p:cNvSpPr>
+          <p:nvPr>
+            <p:ph idx="1"/>
+          </p:nvPr>
+        </p:nvSpPr>
+        <p:spPr/>
+        <p:txBody>
+          <a:bodyPr/>
+          <a:lstStyle/>
+          <a:p>
+            <a:endParaRPr lang="en-US"/>
+          </a:p>
+        </p:txBody>
+      </p:sp>
+      <p:sp>
+        <p:nvSpPr>
+          <p:cNvPr id="4" name="Slide Number Placeholder 3"/>
+          <p:cNvSpPr>
+            <a:spLocks noGrp="1"/>
+          </p:cNvSpPr>
+          <p:nvPr>
+            <p:ph type="sldNum" sz="quarter" idx="12"/>
+          </p:nvPr>
+        </p:nvSpPr>
+        <p:spPr/>
+        <p:txBody>
+          <a:bodyPr/>
+          <a:lstStyle/>
+          <a:p>
+            <a:fld id="{8848E627-D06A-4F0E-98E2-3D90458BE48C}" type="slidenum">
+              <a:rPr lang="en-US" smtClean="0"/>
+              <a:t>38</a:t>
+            </a:fld>
+            <a:endParaRPr lang="en-US"/>
+          </a:p>
+        </p:txBody>
+      </p:sp>
+      <p:sp>
+        <p:nvSpPr>
+          <p:cNvPr id="5" name="Footer Placeholder 4"/>
+          <p:cNvSpPr>
+            <a:spLocks noGrp="1"/>
+          </p:cNvSpPr>
+          <p:nvPr>
+            <p:ph type="ftr" sz="quarter" idx="3"/>
+          </p:nvPr>
+        </p:nvSpPr>
+        <p:spPr/>
+        <p:txBody>
+          <a:bodyPr/>
+          <a:lstStyle/>
+          <a:p>
+            <a:r>
+              <a:rPr lang="en-US" smtClean="0"/>
+              <a:t>CONFIDENTIAL &amp; PROPRIETARY</a:t>
+            </a:r>
+            <a:endParaRPr lang="en-US" dirty="0"/>
+          </a:p>
+        </p:txBody>
+      </p:sp>
+      <p:sp>
+        <p:nvSpPr>
+          <p:cNvPr id="6" name="Date Placeholder 5"/>
+          <p:cNvSpPr>
+            <a:spLocks noGrp="1"/>
+          </p:cNvSpPr>
+          <p:nvPr>
+            <p:ph type="dt" sz="half" idx="10"/>
+          </p:nvPr>
+        </p:nvSpPr>
+        <p:spPr/>
+        <p:txBody>
+          <a:bodyPr/>
+          <a:lstStyle/>
+          <a:p>
+            <a:fld id="{CAEF89AF-97FF-41FD-A810-843DAB910B39}" type="datetime4">
+              <a:rPr lang="en-US" smtClean="0"/>
+              <a:t>August 14, 2019</a:t>
+            </a:fld>
+            <a:endParaRPr lang="en-US" dirty="0"/>
+          </a:p>
+        </p:txBody>
+      </p:sp>
+    </p:spTree>
+    <p:extLst>
+      <p:ext uri="{BB962C8B-B14F-4D97-AF65-F5344CB8AC3E}">
+        <p14:creationId xmlns:p14="http://schemas.microsoft.com/office/powerpoint/2010/main" val="3892959641"/>
+      </p:ext>
+    </p:extLst>
+  </p:cSld>
+  <p:clrMapOvr>
+    <a:masterClrMapping/>
+  </p:clrMapOvr>
+</p:sld>
+</file>
+
+<file path=ppt/slides/slide39.xml><?xml version="1.0" encoding="utf-8"?>
+<p:sld xmlns:a="http://schemas.openxmlformats.org/drawingml/2006/main" xmlns:r="http://schemas.openxmlformats.org/officeDocument/2006/relationships" xmlns:p="http://schemas.openxmlformats.org/presentationml/2006/main">
+  <p:cSld>
+    <p:spTree>
+      <p:nvGrpSpPr>
+        <p:cNvPr id="1" name=""/>
+        <p:cNvGrpSpPr/>
+        <p:nvPr/>
+      </p:nvGrpSpPr>
+      <p:grpSpPr>
+        <a:xfrm>
+          <a:off x="0" y="0"/>
+          <a:ext cx="0" cy="0"/>
+          <a:chOff x="0" y="0"/>
+          <a:chExt cx="0" cy="0"/>
+        </a:xfrm>
+      </p:grpSpPr>
+      <p:sp>
+        <p:nvSpPr>
+          <p:cNvPr id="2" name="Title 1"/>
+          <p:cNvSpPr>
+            <a:spLocks noGrp="1"/>
+          </p:cNvSpPr>
+          <p:nvPr>
+            <p:ph type="title"/>
+          </p:nvPr>
+        </p:nvSpPr>
+        <p:spPr/>
+        <p:txBody>
+          <a:bodyPr/>
+          <a:lstStyle/>
+          <a:p>
+            <a:r>
+              <a:rPr lang="en-US" dirty="0"/>
+              <a:t>Advanced Topics</a:t>
+            </a:r>
+            <a:br>
+              <a:rPr lang="en-US" dirty="0"/>
+            </a:br>
+            <a:endParaRPr lang="en-US" dirty="0"/>
+          </a:p>
+        </p:txBody>
+      </p:sp>
+      <p:sp>
+        <p:nvSpPr>
+          <p:cNvPr id="3" name="Text Placeholder 2"/>
+          <p:cNvSpPr>
+            <a:spLocks noGrp="1"/>
+          </p:cNvSpPr>
+          <p:nvPr>
+            <p:ph type="body" idx="1"/>
+          </p:nvPr>
+        </p:nvSpPr>
+        <p:spPr/>
+        <p:txBody>
+          <a:bodyPr/>
+          <a:lstStyle/>
+          <a:p>
+            <a:r>
+              <a:rPr lang="en-US" dirty="0"/>
+              <a:t>Futures &amp; Promises</a:t>
+            </a:r>
+          </a:p>
+        </p:txBody>
+      </p:sp>
+      <p:sp>
+        <p:nvSpPr>
+          <p:cNvPr id="4" name="Slide Number Placeholder 3"/>
+          <p:cNvSpPr>
+            <a:spLocks noGrp="1"/>
+          </p:cNvSpPr>
+          <p:nvPr>
+            <p:ph type="sldNum" sz="quarter" idx="12"/>
+          </p:nvPr>
+        </p:nvSpPr>
+        <p:spPr/>
+        <p:txBody>
+          <a:bodyPr/>
+          <a:lstStyle/>
+          <a:p>
+            <a:fld id="{8848E627-D06A-4F0E-98E2-3D90458BE48C}" type="slidenum">
+              <a:rPr lang="en-US" smtClean="0"/>
+              <a:t>39</a:t>
+            </a:fld>
+            <a:endParaRPr lang="en-US"/>
+          </a:p>
+        </p:txBody>
+      </p:sp>
+      <p:sp>
+        <p:nvSpPr>
+          <p:cNvPr id="5" name="Footer Placeholder 4"/>
+          <p:cNvSpPr>
+            <a:spLocks noGrp="1"/>
+          </p:cNvSpPr>
+          <p:nvPr>
+            <p:ph type="ftr" sz="quarter" idx="3"/>
+          </p:nvPr>
+        </p:nvSpPr>
+        <p:spPr/>
+        <p:txBody>
+          <a:bodyPr/>
+          <a:lstStyle/>
+          <a:p>
+            <a:r>
+              <a:rPr lang="en-US" smtClean="0"/>
+              <a:t>CONFIDENTIAL &amp; PROPRIETARY</a:t>
+            </a:r>
+            <a:endParaRPr lang="en-US" dirty="0"/>
+          </a:p>
+        </p:txBody>
+      </p:sp>
+      <p:sp>
+        <p:nvSpPr>
+          <p:cNvPr id="6" name="Date Placeholder 5"/>
+          <p:cNvSpPr>
+            <a:spLocks noGrp="1"/>
+          </p:cNvSpPr>
+          <p:nvPr>
+            <p:ph type="dt" sz="half" idx="10"/>
+          </p:nvPr>
+        </p:nvSpPr>
+        <p:spPr/>
+        <p:txBody>
+          <a:bodyPr/>
+          <a:lstStyle/>
+          <a:p>
+            <a:fld id="{58C37697-90A4-4007-8C23-BAAA588B27B3}" type="datetime4">
+              <a:rPr lang="en-US" smtClean="0"/>
+              <a:t>August 14, 2019</a:t>
+            </a:fld>
+            <a:endParaRPr lang="en-US" dirty="0"/>
+          </a:p>
+        </p:txBody>
+      </p:sp>
+    </p:spTree>
+    <p:extLst>
+      <p:ext uri="{BB962C8B-B14F-4D97-AF65-F5344CB8AC3E}">
+        <p14:creationId xmlns:p14="http://schemas.microsoft.com/office/powerpoint/2010/main" val="1150082639"/>
       </p:ext>
     </p:extLst>
   </p:cSld>
@@ -9029,7 +11153,15 @@
             <a:pPr lvl="1"/>
             <a:r>
               <a:rPr lang="en-US" dirty="0" smtClean="0"/>
-              <a:t>Maintainer: Brandon Clayton</a:t>
+              <a:t>System Operator</a:t>
+            </a:r>
+            <a:r>
+              <a:rPr lang="en-US" dirty="0" smtClean="0"/>
+              <a:t>: </a:t>
+            </a:r>
+            <a:r>
+              <a:rPr lang="en-US" dirty="0" smtClean="0"/>
+              <a:t>Brandon Clayton</a:t>
             </a:r>
             <a:endParaRPr lang="en-US" dirty="0"/>
           </a:p>
@@ -9098,7 +11230,7 @@
           <a:p>
             <a:fld id="{58C37697-90A4-4007-8C23-BAAA588B27B3}" type="datetime4">
               <a:rPr lang="en-US" smtClean="0"/>
-              <a:t>August 9, 2019</a:t>
+              <a:t>August 14, 2019</a:t>
             </a:fld>
             <a:endParaRPr lang="en-US" dirty="0"/>
           </a:p>
@@ -9108,6 +11240,309 @@
     <p:extLst>
       <p:ext uri="{BB962C8B-B14F-4D97-AF65-F5344CB8AC3E}">
         <p14:creationId xmlns:p14="http://schemas.microsoft.com/office/powerpoint/2010/main" val="765488673"/>
+      </p:ext>
+    </p:extLst>
+  </p:cSld>
+  <p:clrMapOvr>
+    <a:masterClrMapping/>
+  </p:clrMapOvr>
+</p:sld>
+</file>
+
+<file path=ppt/slides/slide40.xml><?xml version="1.0" encoding="utf-8"?>
+<p:sld xmlns:a="http://schemas.openxmlformats.org/drawingml/2006/main" xmlns:r="http://schemas.openxmlformats.org/officeDocument/2006/relationships" xmlns:p="http://schemas.openxmlformats.org/presentationml/2006/main">
+  <p:cSld>
+    <p:spTree>
+      <p:nvGrpSpPr>
+        <p:cNvPr id="1" name=""/>
+        <p:cNvGrpSpPr/>
+        <p:nvPr/>
+      </p:nvGrpSpPr>
+      <p:grpSpPr>
+        <a:xfrm>
+          <a:off x="0" y="0"/>
+          <a:ext cx="0" cy="0"/>
+          <a:chOff x="0" y="0"/>
+          <a:chExt cx="0" cy="0"/>
+        </a:xfrm>
+      </p:grpSpPr>
+      <p:sp>
+        <p:nvSpPr>
+          <p:cNvPr id="7" name="Title 6"/>
+          <p:cNvSpPr>
+            <a:spLocks noGrp="1"/>
+          </p:cNvSpPr>
+          <p:nvPr>
+            <p:ph type="title"/>
+          </p:nvPr>
+        </p:nvSpPr>
+        <p:spPr/>
+        <p:txBody>
+          <a:bodyPr/>
+          <a:lstStyle/>
+          <a:p>
+            <a:r>
+              <a:rPr lang="en-US" dirty="0" smtClean="0"/>
+              <a:t>Futures &amp; Promises</a:t>
+            </a:r>
+            <a:endParaRPr lang="en-US" dirty="0"/>
+          </a:p>
+        </p:txBody>
+      </p:sp>
+      <p:sp>
+        <p:nvSpPr>
+          <p:cNvPr id="8" name="Content Placeholder 7"/>
+          <p:cNvSpPr>
+            <a:spLocks noGrp="1"/>
+          </p:cNvSpPr>
+          <p:nvPr>
+            <p:ph idx="1"/>
+          </p:nvPr>
+        </p:nvSpPr>
+        <p:spPr/>
+        <p:txBody>
+          <a:bodyPr/>
+          <a:lstStyle/>
+          <a:p>
+            <a:r>
+              <a:rPr lang="en-US" dirty="0" smtClean="0"/>
+              <a:t>Solution to slowness or pause due to concurrent users or long computation. </a:t>
+            </a:r>
+          </a:p>
+          <a:p>
+            <a:r>
+              <a:rPr lang="en-US" dirty="0" smtClean="0"/>
+              <a:t>Use multi-thread for long computations. </a:t>
+            </a:r>
+          </a:p>
+          <a:p>
+            <a:endParaRPr lang="en-US" dirty="0"/>
+          </a:p>
+          <a:p>
+            <a:r>
+              <a:rPr lang="en-US" dirty="0">
+                <a:hlinkClick r:id="rId2"/>
+              </a:rPr>
+              <a:t>https://rstudio.github.io/promises/articles/shiny.html</a:t>
+            </a:r>
+            <a:endParaRPr lang="en-US" dirty="0"/>
+          </a:p>
+        </p:txBody>
+      </p:sp>
+      <p:sp>
+        <p:nvSpPr>
+          <p:cNvPr id="4" name="Slide Number Placeholder 3"/>
+          <p:cNvSpPr>
+            <a:spLocks noGrp="1"/>
+          </p:cNvSpPr>
+          <p:nvPr>
+            <p:ph type="sldNum" sz="quarter" idx="12"/>
+          </p:nvPr>
+        </p:nvSpPr>
+        <p:spPr/>
+        <p:txBody>
+          <a:bodyPr/>
+          <a:lstStyle/>
+          <a:p>
+            <a:fld id="{8848E627-D06A-4F0E-98E2-3D90458BE48C}" type="slidenum">
+              <a:rPr lang="en-US" smtClean="0"/>
+              <a:t>40</a:t>
+            </a:fld>
+            <a:endParaRPr lang="en-US"/>
+          </a:p>
+        </p:txBody>
+      </p:sp>
+      <p:sp>
+        <p:nvSpPr>
+          <p:cNvPr id="5" name="Footer Placeholder 4"/>
+          <p:cNvSpPr>
+            <a:spLocks noGrp="1"/>
+          </p:cNvSpPr>
+          <p:nvPr>
+            <p:ph type="ftr" sz="quarter" idx="3"/>
+          </p:nvPr>
+        </p:nvSpPr>
+        <p:spPr/>
+        <p:txBody>
+          <a:bodyPr/>
+          <a:lstStyle/>
+          <a:p>
+            <a:r>
+              <a:rPr lang="en-US" smtClean="0"/>
+              <a:t>CONFIDENTIAL &amp; PROPRIETARY</a:t>
+            </a:r>
+            <a:endParaRPr lang="en-US" dirty="0"/>
+          </a:p>
+        </p:txBody>
+      </p:sp>
+      <p:sp>
+        <p:nvSpPr>
+          <p:cNvPr id="6" name="Date Placeholder 5"/>
+          <p:cNvSpPr>
+            <a:spLocks noGrp="1"/>
+          </p:cNvSpPr>
+          <p:nvPr>
+            <p:ph type="dt" sz="half" idx="10"/>
+          </p:nvPr>
+        </p:nvSpPr>
+        <p:spPr/>
+        <p:txBody>
+          <a:bodyPr/>
+          <a:lstStyle/>
+          <a:p>
+            <a:fld id="{58C37697-90A4-4007-8C23-BAAA588B27B3}" type="datetime4">
+              <a:rPr lang="en-US" smtClean="0"/>
+              <a:t>August 14, 2019</a:t>
+            </a:fld>
+            <a:endParaRPr lang="en-US" dirty="0"/>
+          </a:p>
+        </p:txBody>
+      </p:sp>
+    </p:spTree>
+    <p:extLst>
+      <p:ext uri="{BB962C8B-B14F-4D97-AF65-F5344CB8AC3E}">
+        <p14:creationId xmlns:p14="http://schemas.microsoft.com/office/powerpoint/2010/main" val="2302241533"/>
+      </p:ext>
+    </p:extLst>
+  </p:cSld>
+  <p:clrMapOvr>
+    <a:masterClrMapping/>
+  </p:clrMapOvr>
+</p:sld>
+</file>
+
+<file path=ppt/slides/slide41.xml><?xml version="1.0" encoding="utf-8"?>
+<p:sld xmlns:a="http://schemas.openxmlformats.org/drawingml/2006/main" xmlns:r="http://schemas.openxmlformats.org/officeDocument/2006/relationships" xmlns:p="http://schemas.openxmlformats.org/presentationml/2006/main">
+  <p:cSld>
+    <p:spTree>
+      <p:nvGrpSpPr>
+        <p:cNvPr id="1" name=""/>
+        <p:cNvGrpSpPr/>
+        <p:nvPr/>
+      </p:nvGrpSpPr>
+      <p:grpSpPr>
+        <a:xfrm>
+          <a:off x="0" y="0"/>
+          <a:ext cx="0" cy="0"/>
+          <a:chOff x="0" y="0"/>
+          <a:chExt cx="0" cy="0"/>
+        </a:xfrm>
+      </p:grpSpPr>
+      <p:sp>
+        <p:nvSpPr>
+          <p:cNvPr id="7" name="Title 6"/>
+          <p:cNvSpPr>
+            <a:spLocks noGrp="1"/>
+          </p:cNvSpPr>
+          <p:nvPr>
+            <p:ph type="title"/>
+          </p:nvPr>
+        </p:nvSpPr>
+        <p:spPr/>
+        <p:txBody>
+          <a:bodyPr/>
+          <a:lstStyle/>
+          <a:p>
+            <a:endParaRPr lang="en-US"/>
+          </a:p>
+        </p:txBody>
+      </p:sp>
+      <p:sp>
+        <p:nvSpPr>
+          <p:cNvPr id="8" name="Text Placeholder 7"/>
+          <p:cNvSpPr>
+            <a:spLocks noGrp="1"/>
+          </p:cNvSpPr>
+          <p:nvPr>
+            <p:ph type="body" idx="1"/>
+          </p:nvPr>
+        </p:nvSpPr>
+        <p:spPr/>
+        <p:txBody>
+          <a:bodyPr/>
+          <a:lstStyle/>
+          <a:p>
+            <a:r>
+              <a:rPr lang="en-US" dirty="0" smtClean="0"/>
+              <a:t>Q&amp;A</a:t>
+            </a:r>
+            <a:endParaRPr lang="en-US" dirty="0"/>
+          </a:p>
+        </p:txBody>
+      </p:sp>
+      <p:sp>
+        <p:nvSpPr>
+          <p:cNvPr id="4" name="Slide Number Placeholder 3"/>
+          <p:cNvSpPr>
+            <a:spLocks noGrp="1"/>
+          </p:cNvSpPr>
+          <p:nvPr>
+            <p:ph type="sldNum" sz="quarter" idx="12"/>
+          </p:nvPr>
+        </p:nvSpPr>
+        <p:spPr/>
+        <p:txBody>
+          <a:bodyPr/>
+          <a:lstStyle/>
+          <a:p>
+            <a:fld id="{8848E627-D06A-4F0E-98E2-3D90458BE48C}" type="slidenum">
+              <a:rPr lang="en-US" smtClean="0"/>
+              <a:t>41</a:t>
+            </a:fld>
+            <a:endParaRPr lang="en-US"/>
+          </a:p>
+        </p:txBody>
+      </p:sp>
+      <p:sp>
+        <p:nvSpPr>
+          <p:cNvPr id="5" name="Footer Placeholder 4"/>
+          <p:cNvSpPr>
+            <a:spLocks noGrp="1"/>
+          </p:cNvSpPr>
+          <p:nvPr>
+            <p:ph type="ftr" sz="quarter" idx="3"/>
+          </p:nvPr>
+        </p:nvSpPr>
+        <p:spPr/>
+        <p:txBody>
+          <a:bodyPr/>
+          <a:lstStyle/>
+          <a:p>
+            <a:r>
+              <a:rPr lang="en-US" smtClean="0"/>
+              <a:t>CONFIDENTIAL &amp; PROPRIETARY</a:t>
+            </a:r>
+            <a:endParaRPr lang="en-US" dirty="0"/>
+          </a:p>
+        </p:txBody>
+      </p:sp>
+      <p:sp>
+        <p:nvSpPr>
+          <p:cNvPr id="6" name="Date Placeholder 5"/>
+          <p:cNvSpPr>
+            <a:spLocks noGrp="1"/>
+          </p:cNvSpPr>
+          <p:nvPr>
+            <p:ph type="dt" sz="half" idx="10"/>
+          </p:nvPr>
+        </p:nvSpPr>
+        <p:spPr/>
+        <p:txBody>
+          <a:bodyPr/>
+          <a:lstStyle/>
+          <a:p>
+            <a:fld id="{CAEF89AF-97FF-41FD-A810-843DAB910B39}" type="datetime4">
+              <a:rPr lang="en-US" smtClean="0"/>
+              <a:t>August 14, 2019</a:t>
+            </a:fld>
+            <a:endParaRPr lang="en-US" dirty="0"/>
+          </a:p>
+        </p:txBody>
+      </p:sp>
+    </p:spTree>
+    <p:extLst>
+      <p:ext uri="{BB962C8B-B14F-4D97-AF65-F5344CB8AC3E}">
+        <p14:creationId xmlns:p14="http://schemas.microsoft.com/office/powerpoint/2010/main" val="2259677227"/>
       </p:ext>
     </p:extLst>
   </p:cSld>
@@ -9475,7 +11910,7 @@
           <a:p>
             <a:fld id="{CAEF89AF-97FF-41FD-A810-843DAB910B39}" type="datetime4">
               <a:rPr lang="en-US" smtClean="0"/>
-              <a:t>August 9, 2019</a:t>
+              <a:t>August 14, 2019</a:t>
             </a:fld>
             <a:endParaRPr lang="en-US" dirty="0"/>
           </a:p>
@@ -9620,7 +12055,7 @@
           <a:p>
             <a:fld id="{CAEF89AF-97FF-41FD-A810-843DAB910B39}" type="datetime4">
               <a:rPr lang="en-US" smtClean="0"/>
-              <a:t>August 9, 2019</a:t>
+              <a:t>August 14, 2019</a:t>
             </a:fld>
             <a:endParaRPr lang="en-US" dirty="0"/>
           </a:p>
@@ -10014,7 +12449,7 @@
           <a:p>
             <a:fld id="{CAEF89AF-97FF-41FD-A810-843DAB910B39}" type="datetime4">
               <a:rPr lang="en-US" smtClean="0"/>
-              <a:t>August 9, 2019</a:t>
+              <a:t>August 14, 2019</a:t>
             </a:fld>
             <a:endParaRPr lang="en-US" dirty="0"/>
           </a:p>
@@ -10457,13 +12892,37 @@
               <a:rPr lang="en-US" dirty="0" smtClean="0"/>
               <a:t>Timeout</a:t>
             </a:r>
+          </a:p>
+          <a:p>
+            <a:pPr lvl="1"/>
+            <a:r>
+              <a:rPr lang="en-US" dirty="0" smtClean="0"/>
+              <a:t>Default: 30 min</a:t>
+            </a:r>
+          </a:p>
+          <a:p>
+            <a:pPr lvl="1"/>
             <a:endParaRPr lang="en-US" dirty="0" smtClean="0"/>
           </a:p>
           <a:p>
+            <a:r>
+              <a:rPr lang="en-US" dirty="0" smtClean="0"/>
+              <a:t>Error Log</a:t>
+            </a:r>
+          </a:p>
+          <a:p>
             <a:pPr lvl="1"/>
             <a:r>
-              <a:rPr lang="en-US" dirty="0" smtClean="0"/>
-              <a:t>Default: 30 min</a:t>
+              <a:rPr lang="en-US" dirty="0">
+                <a:hlinkClick r:id="rId2" action="ppaction://hlinkfile"/>
+              </a:rPr>
+              <a:t>\\</a:t>
+            </a:r>
+            <a:r>
+              <a:rPr lang="en-US" dirty="0" smtClean="0">
+                <a:hlinkClick r:id="rId2" action="ppaction://hlinkfile"/>
+              </a:rPr>
+              <a:t>analystfs\westcoastdata\Shiny\Logs</a:t>
             </a:r>
             <a:endParaRPr lang="en-US" dirty="0" smtClean="0"/>
           </a:p>
@@ -10536,7 +12995,7 @@
           <a:p>
             <a:fld id="{CAEF89AF-97FF-41FD-A810-843DAB910B39}" type="datetime4">
               <a:rPr lang="en-US" smtClean="0"/>
-              <a:t>August 9, 2019</a:t>
+              <a:t>August 14, 2019</a:t>
             </a:fld>
             <a:endParaRPr lang="en-US" dirty="0"/>
           </a:p>
@@ -10817,7 +13276,7 @@
           <a:p>
             <a:fld id="{CAEF89AF-97FF-41FD-A810-843DAB910B39}" type="datetime4">
               <a:rPr lang="en-US" smtClean="0"/>
-              <a:t>August 9, 2019</a:t>
+              <a:t>August 14, 2019</a:t>
             </a:fld>
             <a:endParaRPr lang="en-US" dirty="0"/>
           </a:p>

--- a/Day 2.pptx
+++ b/Day 2.pptx
@@ -5,50 +5,55 @@
     <p:sldMasterId id="2147483648" r:id="rId1"/>
   </p:sldMasterIdLst>
   <p:notesMasterIdLst>
-    <p:notesMasterId r:id="rId43"/>
+    <p:notesMasterId r:id="rId48"/>
   </p:notesMasterIdLst>
   <p:sldIdLst>
     <p:sldId id="290" r:id="rId2"/>
     <p:sldId id="306" r:id="rId3"/>
     <p:sldId id="318" r:id="rId4"/>
     <p:sldId id="336" r:id="rId5"/>
-    <p:sldId id="322" r:id="rId6"/>
-    <p:sldId id="340" r:id="rId7"/>
-    <p:sldId id="323" r:id="rId8"/>
-    <p:sldId id="313" r:id="rId9"/>
-    <p:sldId id="335" r:id="rId10"/>
-    <p:sldId id="319" r:id="rId11"/>
-    <p:sldId id="333" r:id="rId12"/>
-    <p:sldId id="334" r:id="rId13"/>
-    <p:sldId id="342" r:id="rId14"/>
-    <p:sldId id="337" r:id="rId15"/>
-    <p:sldId id="338" r:id="rId16"/>
-    <p:sldId id="339" r:id="rId17"/>
-    <p:sldId id="292" r:id="rId18"/>
-    <p:sldId id="320" r:id="rId19"/>
-    <p:sldId id="324" r:id="rId20"/>
-    <p:sldId id="321" r:id="rId21"/>
-    <p:sldId id="349" r:id="rId22"/>
-    <p:sldId id="356" r:id="rId23"/>
-    <p:sldId id="314" r:id="rId24"/>
-    <p:sldId id="343" r:id="rId25"/>
-    <p:sldId id="344" r:id="rId26"/>
-    <p:sldId id="346" r:id="rId27"/>
-    <p:sldId id="357" r:id="rId28"/>
-    <p:sldId id="328" r:id="rId29"/>
-    <p:sldId id="295" r:id="rId30"/>
-    <p:sldId id="296" r:id="rId31"/>
-    <p:sldId id="355" r:id="rId32"/>
-    <p:sldId id="358" r:id="rId33"/>
-    <p:sldId id="359" r:id="rId34"/>
-    <p:sldId id="350" r:id="rId35"/>
-    <p:sldId id="352" r:id="rId36"/>
-    <p:sldId id="331" r:id="rId37"/>
-    <p:sldId id="351" r:id="rId38"/>
-    <p:sldId id="362" r:id="rId39"/>
-    <p:sldId id="360" r:id="rId40"/>
-    <p:sldId id="361" r:id="rId41"/>
-    <p:sldId id="363" r:id="rId42"/>
+    <p:sldId id="369" r:id="rId6"/>
+    <p:sldId id="322" r:id="rId7"/>
+    <p:sldId id="340" r:id="rId8"/>
+    <p:sldId id="323" r:id="rId9"/>
+    <p:sldId id="313" r:id="rId10"/>
+    <p:sldId id="335" r:id="rId11"/>
+    <p:sldId id="366" r:id="rId12"/>
+    <p:sldId id="319" r:id="rId13"/>
+    <p:sldId id="364" r:id="rId14"/>
+    <p:sldId id="333" r:id="rId15"/>
+    <p:sldId id="365" r:id="rId16"/>
+    <p:sldId id="334" r:id="rId17"/>
+    <p:sldId id="342" r:id="rId18"/>
+    <p:sldId id="337" r:id="rId19"/>
+    <p:sldId id="338" r:id="rId20"/>
+    <p:sldId id="339" r:id="rId21"/>
+    <p:sldId id="292" r:id="rId22"/>
+    <p:sldId id="320" r:id="rId23"/>
+    <p:sldId id="324" r:id="rId24"/>
+    <p:sldId id="321" r:id="rId25"/>
+    <p:sldId id="349" r:id="rId26"/>
+    <p:sldId id="356" r:id="rId27"/>
+    <p:sldId id="314" r:id="rId28"/>
+    <p:sldId id="343" r:id="rId29"/>
+    <p:sldId id="344" r:id="rId30"/>
+    <p:sldId id="346" r:id="rId31"/>
+    <p:sldId id="357" r:id="rId32"/>
+    <p:sldId id="328" r:id="rId33"/>
+    <p:sldId id="295" r:id="rId34"/>
+    <p:sldId id="296" r:id="rId35"/>
+    <p:sldId id="355" r:id="rId36"/>
+    <p:sldId id="358" r:id="rId37"/>
+    <p:sldId id="368" r:id="rId38"/>
+    <p:sldId id="359" r:id="rId39"/>
+    <p:sldId id="350" r:id="rId40"/>
+    <p:sldId id="352" r:id="rId41"/>
+    <p:sldId id="331" r:id="rId42"/>
+    <p:sldId id="351" r:id="rId43"/>
+    <p:sldId id="362" r:id="rId44"/>
+    <p:sldId id="360" r:id="rId45"/>
+    <p:sldId id="361" r:id="rId46"/>
+    <p:sldId id="363" r:id="rId47"/>
   </p:sldIdLst>
   <p:sldSz cx="9144000" cy="6858000" type="screen4x3"/>
   <p:notesSz cx="6858000" cy="9144000"/>
@@ -248,7 +253,7 @@
           <a:p>
             <a:fld id="{909AFCF1-7F48-4D21-8D27-97E9804428B6}" type="datetimeFigureOut">
               <a:rPr lang="en-US" smtClean="0"/>
-              <a:t>8/14/2019</a:t>
+              <a:t>8/16/2019</a:t>
             </a:fld>
             <a:endParaRPr lang="en-US"/>
           </a:p>
@@ -697,7 +702,7 @@
           <a:p>
             <a:fld id="{A17B4B1F-9ADE-4FEE-88FC-832835B49A13}" type="datetime4">
               <a:rPr lang="en-US" smtClean="0"/>
-              <a:t>August 14, 2019</a:t>
+              <a:t>August 16, 2019</a:t>
             </a:fld>
             <a:endParaRPr lang="en-US" dirty="0"/>
           </a:p>
@@ -1095,7 +1100,7 @@
           <a:p>
             <a:fld id="{CAEF89AF-97FF-41FD-A810-843DAB910B39}" type="datetime4">
               <a:rPr lang="en-US" smtClean="0"/>
-              <a:t>August 14, 2019</a:t>
+              <a:t>August 16, 2019</a:t>
             </a:fld>
             <a:endParaRPr lang="en-US" dirty="0"/>
           </a:p>
@@ -1440,7 +1445,7 @@
           <a:p>
             <a:fld id="{58C37697-90A4-4007-8C23-BAAA588B27B3}" type="datetime4">
               <a:rPr lang="en-US" smtClean="0"/>
-              <a:t>August 14, 2019</a:t>
+              <a:t>August 16, 2019</a:t>
             </a:fld>
             <a:endParaRPr lang="en-US" dirty="0"/>
           </a:p>
@@ -1826,7 +1831,7 @@
           <a:p>
             <a:fld id="{C526132D-74A4-457B-9FB6-E79DB3FA6555}" type="datetime4">
               <a:rPr lang="en-US" smtClean="0"/>
-              <a:t>August 14, 2019</a:t>
+              <a:t>August 16, 2019</a:t>
             </a:fld>
             <a:endParaRPr lang="en-US" dirty="0"/>
           </a:p>
@@ -2169,7 +2174,7 @@
           <a:p>
             <a:fld id="{6A0291C7-F608-4246-89E2-5DBB54EDEF09}" type="datetime4">
               <a:rPr lang="en-US" smtClean="0"/>
-              <a:t>August 14, 2019</a:t>
+              <a:t>August 16, 2019</a:t>
             </a:fld>
             <a:endParaRPr lang="en-US" dirty="0"/>
           </a:p>
@@ -2347,7 +2352,7 @@
           <a:p>
             <a:fld id="{4D013C2E-F697-4ACF-9974-2B7ED63A336A}" type="datetime4">
               <a:rPr lang="en-US" smtClean="0"/>
-              <a:t>August 14, 2019</a:t>
+              <a:t>August 16, 2019</a:t>
             </a:fld>
             <a:endParaRPr lang="en-US" dirty="0"/>
           </a:p>
@@ -2592,7 +2597,7 @@
           <a:p>
             <a:fld id="{D4335327-653A-45BD-A8A4-D16B8D9BB63F}" type="datetime4">
               <a:rPr lang="en-US" smtClean="0"/>
-              <a:t>August 14, 2019</a:t>
+              <a:t>August 16, 2019</a:t>
             </a:fld>
             <a:endParaRPr lang="en-US" dirty="0"/>
           </a:p>
@@ -3077,7 +3082,7 @@
           <a:p>
             <a:r>
               <a:rPr lang="en-US" dirty="0" smtClean="0"/>
-              <a:t>External Client Access</a:t>
+              <a:t>Accessing Network Files</a:t>
             </a:r>
             <a:endParaRPr lang="en-US" dirty="0"/>
           </a:p>
@@ -3096,118 +3101,141 @@
         <p:spPr/>
         <p:txBody>
           <a:bodyPr>
-            <a:normAutofit fontScale="70000" lnSpcReduction="20000"/>
+            <a:normAutofit fontScale="77500" lnSpcReduction="20000"/>
           </a:bodyPr>
           <a:lstStyle/>
           <a:p>
-            <a:pPr marL="0" indent="0">
+            <a:r>
+              <a:rPr lang="en-US" dirty="0" smtClean="0"/>
+              <a:t>Certain network locations are visible from Shiny Server. (Mounting).</a:t>
+            </a:r>
+          </a:p>
+          <a:p>
+            <a:pPr lvl="1"/>
+            <a:r>
+              <a:rPr lang="en-US" dirty="0" smtClean="0">
+                <a:hlinkClick r:id="rId2" action="ppaction://hlinkfile"/>
+              </a:rPr>
+              <a:t>\\Analystfs\westcoastdata</a:t>
+            </a:r>
+            <a:r>
+              <a:rPr lang="en-US" dirty="0" smtClean="0"/>
+              <a:t> </a:t>
+            </a:r>
+          </a:p>
+          <a:p>
+            <a:pPr marL="457200" lvl="1" indent="0">
               <a:buNone/>
             </a:pPr>
             <a:r>
-              <a:rPr lang="en-US" dirty="0"/>
-              <a:t>Q</a:t>
-            </a:r>
-            <a:r>
-              <a:rPr lang="en-US" dirty="0" smtClean="0"/>
-              <a:t>uestions to ask: </a:t>
-            </a:r>
-          </a:p>
-          <a:p>
-            <a:r>
-              <a:rPr lang="en-US" dirty="0" smtClean="0"/>
-              <a:t>Can we get away without giving access</a:t>
-            </a:r>
-            <a:r>
-              <a:rPr lang="en-US" dirty="0"/>
-              <a:t>? (We are service providers, not app provider</a:t>
-            </a:r>
-            <a:r>
-              <a:rPr lang="en-US" dirty="0" smtClean="0"/>
-              <a:t>).</a:t>
-            </a:r>
-          </a:p>
-          <a:p>
-            <a:r>
-              <a:rPr lang="en-US" dirty="0" smtClean="0"/>
-              <a:t>Do you have to limit the access? </a:t>
-            </a:r>
+              <a:rPr lang="en-US" dirty="0" smtClean="0">
+                <a:sym typeface="Wingdings" panose="05000000000000000000" pitchFamily="2" charset="2"/>
+              </a:rPr>
+              <a:t>     </a:t>
+            </a:r>
+            <a:r>
+              <a:rPr lang="en-US" dirty="0" smtClean="0"/>
+              <a:t>   /</a:t>
+            </a:r>
+            <a:r>
+              <a:rPr lang="en-US" dirty="0" err="1" smtClean="0"/>
+              <a:t>mnt</a:t>
+            </a:r>
+            <a:r>
+              <a:rPr lang="en-US" dirty="0" smtClean="0"/>
+              <a:t>/</a:t>
+            </a:r>
+            <a:r>
+              <a:rPr lang="en-US" dirty="0" err="1" smtClean="0"/>
+              <a:t>analystfs</a:t>
+            </a:r>
+            <a:r>
+              <a:rPr lang="en-US" dirty="0" smtClean="0"/>
+              <a:t>/</a:t>
+            </a:r>
+            <a:r>
+              <a:rPr lang="en-US" dirty="0" err="1" smtClean="0"/>
+              <a:t>westcoastdata</a:t>
+            </a:r>
+            <a:endParaRPr lang="en-US" dirty="0" smtClean="0"/>
           </a:p>
           <a:p>
             <a:pPr lvl="1"/>
             <a:r>
-              <a:rPr lang="en-US" dirty="0" smtClean="0"/>
-              <a:t>Are there any sensitive data or tabs to hide? </a:t>
+              <a:rPr lang="en-US" dirty="0">
+                <a:hlinkClick r:id="rId3" action="ppaction://hlinkfile"/>
+              </a:rPr>
+              <a:t>\\</a:t>
+            </a:r>
+            <a:r>
+              <a:rPr lang="en-US" dirty="0" smtClean="0">
+                <a:hlinkClick r:id="rId3" action="ppaction://hlinkfile"/>
+              </a:rPr>
+              <a:t>seaanalystfs1\Data</a:t>
+            </a:r>
+            <a:r>
+              <a:rPr lang="en-US" dirty="0" smtClean="0"/>
+              <a:t> </a:t>
+            </a:r>
+          </a:p>
+          <a:p>
+            <a:pPr marL="457200" lvl="1" indent="0">
+              <a:buNone/>
+            </a:pPr>
+            <a:r>
+              <a:rPr lang="en-US" dirty="0">
+                <a:sym typeface="Wingdings" panose="05000000000000000000" pitchFamily="2" charset="2"/>
+              </a:rPr>
+              <a:t> </a:t>
+            </a:r>
+            <a:r>
+              <a:rPr lang="en-US" dirty="0" smtClean="0">
+                <a:sym typeface="Wingdings" panose="05000000000000000000" pitchFamily="2" charset="2"/>
+              </a:rPr>
+              <a:t>    /</a:t>
+            </a:r>
+            <a:r>
+              <a:rPr lang="en-US" dirty="0" err="1" smtClean="0">
+                <a:sym typeface="Wingdings" panose="05000000000000000000" pitchFamily="2" charset="2"/>
+              </a:rPr>
+              <a:t>mnt</a:t>
+            </a:r>
+            <a:r>
+              <a:rPr lang="en-US" dirty="0" smtClean="0">
+                <a:sym typeface="Wingdings" panose="05000000000000000000" pitchFamily="2" charset="2"/>
+              </a:rPr>
+              <a:t>/seaanalyst1/data</a:t>
             </a:r>
           </a:p>
           <a:p>
             <a:pPr lvl="1"/>
-            <a:r>
-              <a:rPr lang="en-US" dirty="0" smtClean="0"/>
-              <a:t>Pre-set user inputs. </a:t>
-            </a:r>
-          </a:p>
-          <a:p>
-            <a:r>
-              <a:rPr lang="en-US" dirty="0" smtClean="0"/>
-              <a:t>Error handling</a:t>
+            <a:endParaRPr lang="en-US" dirty="0" smtClean="0"/>
+          </a:p>
+          <a:p>
+            <a:r>
+              <a:rPr lang="en-US" dirty="0" smtClean="0"/>
+              <a:t>Working directory is always the shiny app folder. If files are placed inside the app folder, use relative path. </a:t>
+            </a:r>
+          </a:p>
+          <a:p>
+            <a:r>
+              <a:rPr lang="en-US" dirty="0" smtClean="0"/>
+              <a:t>Watch out if you have a path to a file in the network. </a:t>
             </a:r>
           </a:p>
           <a:p>
             <a:pPr lvl="1"/>
             <a:r>
               <a:rPr lang="en-US" dirty="0" smtClean="0"/>
-              <a:t>Meaningful messages. </a:t>
+              <a:t>Make a copy in an available location and use a mounted path. (different path names for Dev vs PROD).</a:t>
             </a:r>
           </a:p>
           <a:p>
             <a:pPr lvl="1"/>
             <a:r>
               <a:rPr lang="en-US" dirty="0" smtClean="0"/>
-              <a:t>Safe errors. </a:t>
-            </a:r>
-          </a:p>
-          <a:p>
-            <a:r>
-              <a:rPr lang="en-US" dirty="0" smtClean="0"/>
-              <a:t>Is it vulnerable to misinterpretation? </a:t>
-            </a:r>
-          </a:p>
-          <a:p>
-            <a:pPr lvl="1"/>
-            <a:r>
-              <a:rPr lang="en-US" dirty="0" smtClean="0"/>
-              <a:t>Disclaimer and signature page. </a:t>
-            </a:r>
-          </a:p>
-          <a:p>
-            <a:pPr lvl="1"/>
-            <a:r>
-              <a:rPr lang="en-US" dirty="0" smtClean="0"/>
-              <a:t>Who’s in charge for customer </a:t>
-            </a:r>
-            <a:r>
-              <a:rPr lang="en-US" dirty="0"/>
-              <a:t>s</a:t>
-            </a:r>
-            <a:r>
-              <a:rPr lang="en-US" dirty="0" smtClean="0"/>
-              <a:t>upport?</a:t>
-            </a:r>
-          </a:p>
-          <a:p>
-            <a:r>
-              <a:rPr lang="en-US" dirty="0" smtClean="0"/>
-              <a:t>Support plans </a:t>
-            </a:r>
-          </a:p>
-          <a:p>
-            <a:pPr lvl="1"/>
-            <a:r>
-              <a:rPr lang="en-US" dirty="0" smtClean="0"/>
-              <a:t>When it fails, what’s the procedure for support? </a:t>
-            </a:r>
-          </a:p>
-          <a:p>
+              <a:t>Place the data in a database. </a:t>
+            </a:r>
             <a:endParaRPr lang="en-US" dirty="0"/>
           </a:p>
         </p:txBody>
@@ -3275,7 +3303,7 @@
           <a:p>
             <a:fld id="{CAEF89AF-97FF-41FD-A810-843DAB910B39}" type="datetime4">
               <a:rPr lang="en-US" smtClean="0"/>
-              <a:t>August 14, 2019</a:t>
+              <a:t>August 16, 2019</a:t>
             </a:fld>
             <a:endParaRPr lang="en-US" dirty="0"/>
           </a:p>
@@ -3284,7 +3312,7 @@
     </p:spTree>
     <p:extLst>
       <p:ext uri="{BB962C8B-B14F-4D97-AF65-F5344CB8AC3E}">
-        <p14:creationId xmlns:p14="http://schemas.microsoft.com/office/powerpoint/2010/main" val="2655509265"/>
+        <p14:creationId xmlns:p14="http://schemas.microsoft.com/office/powerpoint/2010/main" val="559705827"/>
       </p:ext>
     </p:extLst>
   </p:cSld>
@@ -3313,7 +3341,7 @@
       </p:grpSpPr>
       <p:sp>
         <p:nvSpPr>
-          <p:cNvPr id="7" name="Title 6"/>
+          <p:cNvPr id="2" name="Title 1"/>
           <p:cNvSpPr>
             <a:spLocks noGrp="1"/>
           </p:cNvSpPr>
@@ -3326,30 +3354,30 @@
           <a:bodyPr/>
           <a:lstStyle/>
           <a:p>
+            <a:r>
+              <a:rPr lang="en-US" dirty="0" smtClean="0"/>
+              <a:t>Demo by Brandon</a:t>
+            </a:r>
+            <a:endParaRPr lang="en-US" dirty="0"/>
+          </a:p>
+        </p:txBody>
+      </p:sp>
+      <p:sp>
+        <p:nvSpPr>
+          <p:cNvPr id="3" name="Content Placeholder 2"/>
+          <p:cNvSpPr>
+            <a:spLocks noGrp="1"/>
+          </p:cNvSpPr>
+          <p:nvPr>
+            <p:ph idx="1"/>
+          </p:nvPr>
+        </p:nvSpPr>
+        <p:spPr/>
+        <p:txBody>
+          <a:bodyPr/>
+          <a:lstStyle/>
+          <a:p>
             <a:endParaRPr lang="en-US"/>
-          </a:p>
-        </p:txBody>
-      </p:sp>
-      <p:sp>
-        <p:nvSpPr>
-          <p:cNvPr id="8" name="Text Placeholder 7"/>
-          <p:cNvSpPr>
-            <a:spLocks noGrp="1"/>
-          </p:cNvSpPr>
-          <p:nvPr>
-            <p:ph type="body" idx="1"/>
-          </p:nvPr>
-        </p:nvSpPr>
-        <p:spPr/>
-        <p:txBody>
-          <a:bodyPr/>
-          <a:lstStyle/>
-          <a:p>
-            <a:r>
-              <a:rPr lang="en-US" dirty="0" smtClean="0"/>
-              <a:t>Known Issues</a:t>
-            </a:r>
-            <a:endParaRPr lang="en-US" dirty="0"/>
           </a:p>
         </p:txBody>
       </p:sp>
@@ -3416,7 +3444,7 @@
           <a:p>
             <a:fld id="{CAEF89AF-97FF-41FD-A810-843DAB910B39}" type="datetime4">
               <a:rPr lang="en-US" smtClean="0"/>
-              <a:t>August 14, 2019</a:t>
+              <a:t>August 16, 2019</a:t>
             </a:fld>
             <a:endParaRPr lang="en-US" dirty="0"/>
           </a:p>
@@ -3425,7 +3453,7 @@
     </p:spTree>
     <p:extLst>
       <p:ext uri="{BB962C8B-B14F-4D97-AF65-F5344CB8AC3E}">
-        <p14:creationId xmlns:p14="http://schemas.microsoft.com/office/powerpoint/2010/main" val="336119163"/>
+        <p14:creationId xmlns:p14="http://schemas.microsoft.com/office/powerpoint/2010/main" val="4218794475"/>
       </p:ext>
     </p:extLst>
   </p:cSld>
@@ -3454,7 +3482,7 @@
       </p:grpSpPr>
       <p:sp>
         <p:nvSpPr>
-          <p:cNvPr id="7" name="Title 6"/>
+          <p:cNvPr id="2" name="Title 1"/>
           <p:cNvSpPr>
             <a:spLocks noGrp="1"/>
           </p:cNvSpPr>
@@ -3469,15 +3497,15 @@
           <a:p>
             <a:r>
               <a:rPr lang="en-US" dirty="0" smtClean="0"/>
-              <a:t>Error at Opening</a:t>
-            </a:r>
-            <a:endParaRPr lang="en-US" dirty="0"/>
-          </a:p>
-        </p:txBody>
-      </p:sp>
-      <p:sp>
-        <p:nvSpPr>
-          <p:cNvPr id="8" name="Content Placeholder 7"/>
+              <a:t>External Client Access</a:t>
+            </a:r>
+            <a:endParaRPr lang="en-US" dirty="0"/>
+          </a:p>
+        </p:txBody>
+      </p:sp>
+      <p:sp>
+        <p:nvSpPr>
+          <p:cNvPr id="3" name="Content Placeholder 2"/>
           <p:cNvSpPr>
             <a:spLocks noGrp="1"/>
           </p:cNvSpPr>
@@ -3488,63 +3516,118 @@
         <p:spPr/>
         <p:txBody>
           <a:bodyPr>
-            <a:normAutofit lnSpcReduction="10000"/>
+            <a:normAutofit fontScale="70000" lnSpcReduction="20000"/>
           </a:bodyPr>
           <a:lstStyle/>
           <a:p>
-            <a:r>
-              <a:rPr lang="en-US" dirty="0" smtClean="0"/>
-              <a:t>At opening, you may encounter an error which goes away by refreshing the page a few times.</a:t>
+            <a:pPr marL="0" indent="0">
+              <a:buNone/>
+            </a:pPr>
+            <a:r>
+              <a:rPr lang="en-US" dirty="0"/>
+              <a:t>Q</a:t>
+            </a:r>
+            <a:r>
+              <a:rPr lang="en-US" dirty="0" smtClean="0"/>
+              <a:t>uestions to ask: </a:t>
+            </a:r>
+          </a:p>
+          <a:p>
+            <a:r>
+              <a:rPr lang="en-US" dirty="0" smtClean="0"/>
+              <a:t>Can we get away without giving access</a:t>
+            </a:r>
+            <a:r>
+              <a:rPr lang="en-US" dirty="0"/>
+              <a:t>? (We are service providers, not app provider</a:t>
+            </a:r>
+            <a:r>
+              <a:rPr lang="en-US" dirty="0" smtClean="0"/>
+              <a:t>).</a:t>
+            </a:r>
+          </a:p>
+          <a:p>
+            <a:r>
+              <a:rPr lang="en-US" dirty="0" smtClean="0"/>
+              <a:t>Do you have to limit the access? </a:t>
             </a:r>
           </a:p>
           <a:p>
             <a:pPr lvl="1"/>
             <a:r>
               <a:rPr lang="en-US" dirty="0" smtClean="0"/>
-              <a:t>Cause:  The </a:t>
-            </a:r>
-            <a:r>
-              <a:rPr lang="en-US" dirty="0" err="1" smtClean="0"/>
-              <a:t>linux</a:t>
-            </a:r>
-            <a:r>
-              <a:rPr lang="en-US" dirty="0" smtClean="0"/>
-              <a:t> machine need to look into </a:t>
-            </a:r>
-            <a:r>
-              <a:rPr lang="en-US" dirty="0" smtClean="0">
-                <a:hlinkClick r:id="rId2" action="ppaction://hlinkfile"/>
-              </a:rPr>
-              <a:t>\\analystfs</a:t>
-            </a:r>
-            <a:r>
-              <a:rPr lang="en-US" dirty="0" smtClean="0"/>
-              <a:t> network locations. There seems to be a glitch somewhere. </a:t>
+              <a:t>Are there any sensitive data or tabs to hide? </a:t>
             </a:r>
           </a:p>
           <a:p>
             <a:pPr lvl="1"/>
             <a:r>
               <a:rPr lang="en-US" dirty="0" smtClean="0"/>
-              <a:t>Solution: </a:t>
-            </a:r>
-          </a:p>
-          <a:p>
-            <a:pPr lvl="2"/>
-            <a:r>
-              <a:rPr lang="en-US" dirty="0" smtClean="0"/>
-              <a:t>If we like this app file locations, no solutions have been found so far. </a:t>
-            </a:r>
-          </a:p>
-          <a:p>
-            <a:pPr lvl="2"/>
-            <a:r>
-              <a:rPr lang="en-US" dirty="0" smtClean="0"/>
-              <a:t>If we don’t mind using file transfer apps, we could place app files within the server machine…</a:t>
+              <a:t>Pre-set user inputs. </a:t>
+            </a:r>
+          </a:p>
+          <a:p>
+            <a:r>
+              <a:rPr lang="en-US" dirty="0" smtClean="0"/>
+              <a:t>Error handling</a:t>
             </a:r>
           </a:p>
           <a:p>
             <a:pPr lvl="1"/>
+            <a:r>
+              <a:rPr lang="en-US" dirty="0" smtClean="0"/>
+              <a:t>Meaningful messages. </a:t>
+            </a:r>
+          </a:p>
+          <a:p>
+            <a:pPr lvl="1"/>
+            <a:r>
+              <a:rPr lang="en-US" dirty="0" smtClean="0"/>
+              <a:t>Safe errors. </a:t>
+            </a:r>
+          </a:p>
+          <a:p>
+            <a:r>
+              <a:rPr lang="en-US" dirty="0" smtClean="0"/>
+              <a:t>Is it vulnerable to misinterpretation? </a:t>
+            </a:r>
+          </a:p>
+          <a:p>
+            <a:pPr lvl="1"/>
+            <a:r>
+              <a:rPr lang="en-US" dirty="0" smtClean="0"/>
+              <a:t>Disclaimer and signature page. </a:t>
+            </a:r>
+          </a:p>
+          <a:p>
+            <a:pPr lvl="1"/>
+            <a:r>
+              <a:rPr lang="en-US" dirty="0" smtClean="0"/>
+              <a:t>Who’s in charge for customer </a:t>
+            </a:r>
+            <a:r>
+              <a:rPr lang="en-US" dirty="0"/>
+              <a:t>s</a:t>
+            </a:r>
+            <a:r>
+              <a:rPr lang="en-US" dirty="0" smtClean="0"/>
+              <a:t>upport?</a:t>
+            </a:r>
+          </a:p>
+          <a:p>
+            <a:r>
+              <a:rPr lang="en-US" dirty="0" smtClean="0"/>
+              <a:t>Support plans </a:t>
+            </a:r>
+          </a:p>
+          <a:p>
+            <a:pPr lvl="1"/>
+            <a:r>
+              <a:rPr lang="en-US" dirty="0" smtClean="0"/>
+              <a:t>When it fails, what’s the procedure for support? </a:t>
+            </a:r>
+          </a:p>
+          <a:p>
             <a:endParaRPr lang="en-US" dirty="0"/>
           </a:p>
         </p:txBody>
@@ -3610,9 +3693,9 @@
           <a:bodyPr/>
           <a:lstStyle/>
           <a:p>
-            <a:fld id="{58C37697-90A4-4007-8C23-BAAA588B27B3}" type="datetime4">
-              <a:rPr lang="en-US" smtClean="0"/>
-              <a:t>August 14, 2019</a:t>
+            <a:fld id="{CAEF89AF-97FF-41FD-A810-843DAB910B39}" type="datetime4">
+              <a:rPr lang="en-US" smtClean="0"/>
+              <a:t>August 16, 2019</a:t>
             </a:fld>
             <a:endParaRPr lang="en-US" dirty="0"/>
           </a:p>
@@ -3621,7 +3704,7 @@
     </p:spTree>
     <p:extLst>
       <p:ext uri="{BB962C8B-B14F-4D97-AF65-F5344CB8AC3E}">
-        <p14:creationId xmlns:p14="http://schemas.microsoft.com/office/powerpoint/2010/main" val="1444294383"/>
+        <p14:creationId xmlns:p14="http://schemas.microsoft.com/office/powerpoint/2010/main" val="2655509265"/>
       </p:ext>
     </p:extLst>
   </p:cSld>
@@ -3663,7 +3746,11 @@
           <a:bodyPr/>
           <a:lstStyle/>
           <a:p>
-            <a:endParaRPr lang="en-US"/>
+            <a:r>
+              <a:rPr lang="en-US" dirty="0" smtClean="0"/>
+              <a:t>Support Plans</a:t>
+            </a:r>
+            <a:endParaRPr lang="en-US" dirty="0"/>
           </a:p>
         </p:txBody>
       </p:sp>
@@ -3682,6 +3769,19 @@
           <a:bodyPr/>
           <a:lstStyle/>
           <a:p>
+            <a:r>
+              <a:rPr lang="en-US" dirty="0" smtClean="0"/>
+              <a:t>Talk with Brandon. </a:t>
+            </a:r>
+          </a:p>
+          <a:p>
+            <a:endParaRPr lang="en-US" dirty="0"/>
+          </a:p>
+          <a:p>
+            <a:r>
+              <a:rPr lang="en-US" dirty="0" smtClean="0"/>
+              <a:t>Example</a:t>
+            </a:r>
             <a:endParaRPr lang="en-US" dirty="0"/>
           </a:p>
         </p:txBody>
@@ -3749,7 +3849,641 @@
           <a:p>
             <a:fld id="{CAEF89AF-97FF-41FD-A810-843DAB910B39}" type="datetime4">
               <a:rPr lang="en-US" smtClean="0"/>
-              <a:t>August 14, 2019</a:t>
+              <a:t>August 16, 2019</a:t>
+            </a:fld>
+            <a:endParaRPr lang="en-US" dirty="0"/>
+          </a:p>
+        </p:txBody>
+      </p:sp>
+    </p:spTree>
+    <p:extLst>
+      <p:ext uri="{BB962C8B-B14F-4D97-AF65-F5344CB8AC3E}">
+        <p14:creationId xmlns:p14="http://schemas.microsoft.com/office/powerpoint/2010/main" val="4080595743"/>
+      </p:ext>
+    </p:extLst>
+  </p:cSld>
+  <p:clrMapOvr>
+    <a:masterClrMapping/>
+  </p:clrMapOvr>
+</p:sld>
+</file>
+
+<file path=ppt/slides/slide14.xml><?xml version="1.0" encoding="utf-8"?>
+<p:sld xmlns:a="http://schemas.openxmlformats.org/drawingml/2006/main" xmlns:r="http://schemas.openxmlformats.org/officeDocument/2006/relationships" xmlns:p="http://schemas.openxmlformats.org/presentationml/2006/main">
+  <p:cSld>
+    <p:spTree>
+      <p:nvGrpSpPr>
+        <p:cNvPr id="1" name=""/>
+        <p:cNvGrpSpPr/>
+        <p:nvPr/>
+      </p:nvGrpSpPr>
+      <p:grpSpPr>
+        <a:xfrm>
+          <a:off x="0" y="0"/>
+          <a:ext cx="0" cy="0"/>
+          <a:chOff x="0" y="0"/>
+          <a:chExt cx="0" cy="0"/>
+        </a:xfrm>
+      </p:grpSpPr>
+      <p:sp>
+        <p:nvSpPr>
+          <p:cNvPr id="7" name="Title 6"/>
+          <p:cNvSpPr>
+            <a:spLocks noGrp="1"/>
+          </p:cNvSpPr>
+          <p:nvPr>
+            <p:ph type="title"/>
+          </p:nvPr>
+        </p:nvSpPr>
+        <p:spPr/>
+        <p:txBody>
+          <a:bodyPr/>
+          <a:lstStyle/>
+          <a:p>
+            <a:endParaRPr lang="en-US"/>
+          </a:p>
+        </p:txBody>
+      </p:sp>
+      <p:sp>
+        <p:nvSpPr>
+          <p:cNvPr id="8" name="Text Placeholder 7"/>
+          <p:cNvSpPr>
+            <a:spLocks noGrp="1"/>
+          </p:cNvSpPr>
+          <p:nvPr>
+            <p:ph type="body" idx="1"/>
+          </p:nvPr>
+        </p:nvSpPr>
+        <p:spPr/>
+        <p:txBody>
+          <a:bodyPr/>
+          <a:lstStyle/>
+          <a:p>
+            <a:r>
+              <a:rPr lang="en-US" dirty="0" smtClean="0"/>
+              <a:t>Known Issues</a:t>
+            </a:r>
+            <a:endParaRPr lang="en-US" dirty="0"/>
+          </a:p>
+        </p:txBody>
+      </p:sp>
+      <p:sp>
+        <p:nvSpPr>
+          <p:cNvPr id="4" name="Slide Number Placeholder 3"/>
+          <p:cNvSpPr>
+            <a:spLocks noGrp="1"/>
+          </p:cNvSpPr>
+          <p:nvPr>
+            <p:ph type="sldNum" sz="quarter" idx="12"/>
+          </p:nvPr>
+        </p:nvSpPr>
+        <p:spPr/>
+        <p:txBody>
+          <a:bodyPr/>
+          <a:lstStyle/>
+          <a:p>
+            <a:fld id="{8848E627-D06A-4F0E-98E2-3D90458BE48C}" type="slidenum">
+              <a:rPr lang="en-US" smtClean="0"/>
+              <a:t>14</a:t>
+            </a:fld>
+            <a:endParaRPr lang="en-US"/>
+          </a:p>
+        </p:txBody>
+      </p:sp>
+      <p:sp>
+        <p:nvSpPr>
+          <p:cNvPr id="5" name="Footer Placeholder 4"/>
+          <p:cNvSpPr>
+            <a:spLocks noGrp="1"/>
+          </p:cNvSpPr>
+          <p:nvPr>
+            <p:ph type="ftr" sz="quarter" idx="3"/>
+          </p:nvPr>
+        </p:nvSpPr>
+        <p:spPr/>
+        <p:txBody>
+          <a:bodyPr/>
+          <a:lstStyle/>
+          <a:p>
+            <a:r>
+              <a:rPr lang="en-US" smtClean="0"/>
+              <a:t>CONFIDENTIAL &amp; PROPRIETARY</a:t>
+            </a:r>
+            <a:endParaRPr lang="en-US" dirty="0"/>
+          </a:p>
+        </p:txBody>
+      </p:sp>
+      <p:sp>
+        <p:nvSpPr>
+          <p:cNvPr id="6" name="Date Placeholder 5"/>
+          <p:cNvSpPr>
+            <a:spLocks noGrp="1"/>
+          </p:cNvSpPr>
+          <p:nvPr>
+            <p:ph type="dt" sz="half" idx="10"/>
+          </p:nvPr>
+        </p:nvSpPr>
+        <p:spPr/>
+        <p:txBody>
+          <a:bodyPr/>
+          <a:lstStyle/>
+          <a:p>
+            <a:fld id="{CAEF89AF-97FF-41FD-A810-843DAB910B39}" type="datetime4">
+              <a:rPr lang="en-US" smtClean="0"/>
+              <a:t>August 16, 2019</a:t>
+            </a:fld>
+            <a:endParaRPr lang="en-US" dirty="0"/>
+          </a:p>
+        </p:txBody>
+      </p:sp>
+    </p:spTree>
+    <p:extLst>
+      <p:ext uri="{BB962C8B-B14F-4D97-AF65-F5344CB8AC3E}">
+        <p14:creationId xmlns:p14="http://schemas.microsoft.com/office/powerpoint/2010/main" val="336119163"/>
+      </p:ext>
+    </p:extLst>
+  </p:cSld>
+  <p:clrMapOvr>
+    <a:masterClrMapping/>
+  </p:clrMapOvr>
+</p:sld>
+</file>
+
+<file path=ppt/slides/slide15.xml><?xml version="1.0" encoding="utf-8"?>
+<p:sld xmlns:a="http://schemas.openxmlformats.org/drawingml/2006/main" xmlns:r="http://schemas.openxmlformats.org/officeDocument/2006/relationships" xmlns:p="http://schemas.openxmlformats.org/presentationml/2006/main">
+  <p:cSld>
+    <p:spTree>
+      <p:nvGrpSpPr>
+        <p:cNvPr id="1" name=""/>
+        <p:cNvGrpSpPr/>
+        <p:nvPr/>
+      </p:nvGrpSpPr>
+      <p:grpSpPr>
+        <a:xfrm>
+          <a:off x="0" y="0"/>
+          <a:ext cx="0" cy="0"/>
+          <a:chOff x="0" y="0"/>
+          <a:chExt cx="0" cy="0"/>
+        </a:xfrm>
+      </p:grpSpPr>
+      <p:sp>
+        <p:nvSpPr>
+          <p:cNvPr id="2" name="Title 1"/>
+          <p:cNvSpPr>
+            <a:spLocks noGrp="1"/>
+          </p:cNvSpPr>
+          <p:nvPr>
+            <p:ph type="title"/>
+          </p:nvPr>
+        </p:nvSpPr>
+        <p:spPr/>
+        <p:txBody>
+          <a:bodyPr/>
+          <a:lstStyle/>
+          <a:p>
+            <a:r>
+              <a:rPr lang="en-US" dirty="0" smtClean="0"/>
+              <a:t>Behavior Issues</a:t>
+            </a:r>
+            <a:endParaRPr lang="en-US" dirty="0"/>
+          </a:p>
+        </p:txBody>
+      </p:sp>
+      <p:sp>
+        <p:nvSpPr>
+          <p:cNvPr id="3" name="Content Placeholder 2"/>
+          <p:cNvSpPr>
+            <a:spLocks noGrp="1"/>
+          </p:cNvSpPr>
+          <p:nvPr>
+            <p:ph idx="1"/>
+          </p:nvPr>
+        </p:nvSpPr>
+        <p:spPr/>
+        <p:txBody>
+          <a:bodyPr/>
+          <a:lstStyle/>
+          <a:p>
+            <a:r>
+              <a:rPr lang="en-US" dirty="0" smtClean="0"/>
+              <a:t>No access to index page unless you are analyst or admin. </a:t>
+            </a:r>
+          </a:p>
+          <a:p>
+            <a:r>
+              <a:rPr lang="en-US" dirty="0" smtClean="0"/>
+              <a:t>Wrong address will say you don’t have permissions. </a:t>
+            </a:r>
+          </a:p>
+          <a:p>
+            <a:pPr lvl="1"/>
+            <a:r>
+              <a:rPr lang="en-US" dirty="0" smtClean="0"/>
+              <a:t>Lower case. </a:t>
+            </a:r>
+          </a:p>
+          <a:p>
+            <a:endParaRPr lang="en-US" dirty="0"/>
+          </a:p>
+        </p:txBody>
+      </p:sp>
+      <p:sp>
+        <p:nvSpPr>
+          <p:cNvPr id="4" name="Slide Number Placeholder 3"/>
+          <p:cNvSpPr>
+            <a:spLocks noGrp="1"/>
+          </p:cNvSpPr>
+          <p:nvPr>
+            <p:ph type="sldNum" sz="quarter" idx="12"/>
+          </p:nvPr>
+        </p:nvSpPr>
+        <p:spPr/>
+        <p:txBody>
+          <a:bodyPr/>
+          <a:lstStyle/>
+          <a:p>
+            <a:fld id="{8848E627-D06A-4F0E-98E2-3D90458BE48C}" type="slidenum">
+              <a:rPr lang="en-US" smtClean="0"/>
+              <a:t>15</a:t>
+            </a:fld>
+            <a:endParaRPr lang="en-US"/>
+          </a:p>
+        </p:txBody>
+      </p:sp>
+      <p:sp>
+        <p:nvSpPr>
+          <p:cNvPr id="5" name="Footer Placeholder 4"/>
+          <p:cNvSpPr>
+            <a:spLocks noGrp="1"/>
+          </p:cNvSpPr>
+          <p:nvPr>
+            <p:ph type="ftr" sz="quarter" idx="3"/>
+          </p:nvPr>
+        </p:nvSpPr>
+        <p:spPr/>
+        <p:txBody>
+          <a:bodyPr/>
+          <a:lstStyle/>
+          <a:p>
+            <a:r>
+              <a:rPr lang="en-US" smtClean="0"/>
+              <a:t>CONFIDENTIAL &amp; PROPRIETARY</a:t>
+            </a:r>
+            <a:endParaRPr lang="en-US" dirty="0"/>
+          </a:p>
+        </p:txBody>
+      </p:sp>
+      <p:sp>
+        <p:nvSpPr>
+          <p:cNvPr id="6" name="Date Placeholder 5"/>
+          <p:cNvSpPr>
+            <a:spLocks noGrp="1"/>
+          </p:cNvSpPr>
+          <p:nvPr>
+            <p:ph type="dt" sz="half" idx="10"/>
+          </p:nvPr>
+        </p:nvSpPr>
+        <p:spPr/>
+        <p:txBody>
+          <a:bodyPr/>
+          <a:lstStyle/>
+          <a:p>
+            <a:fld id="{CAEF89AF-97FF-41FD-A810-843DAB910B39}" type="datetime4">
+              <a:rPr lang="en-US" smtClean="0"/>
+              <a:t>August 16, 2019</a:t>
+            </a:fld>
+            <a:endParaRPr lang="en-US" dirty="0"/>
+          </a:p>
+        </p:txBody>
+      </p:sp>
+    </p:spTree>
+    <p:extLst>
+      <p:ext uri="{BB962C8B-B14F-4D97-AF65-F5344CB8AC3E}">
+        <p14:creationId xmlns:p14="http://schemas.microsoft.com/office/powerpoint/2010/main" val="3714174805"/>
+      </p:ext>
+    </p:extLst>
+  </p:cSld>
+  <p:clrMapOvr>
+    <a:masterClrMapping/>
+  </p:clrMapOvr>
+</p:sld>
+</file>
+
+<file path=ppt/slides/slide16.xml><?xml version="1.0" encoding="utf-8"?>
+<p:sld xmlns:a="http://schemas.openxmlformats.org/drawingml/2006/main" xmlns:r="http://schemas.openxmlformats.org/officeDocument/2006/relationships" xmlns:p="http://schemas.openxmlformats.org/presentationml/2006/main">
+  <p:cSld>
+    <p:spTree>
+      <p:nvGrpSpPr>
+        <p:cNvPr id="1" name=""/>
+        <p:cNvGrpSpPr/>
+        <p:nvPr/>
+      </p:nvGrpSpPr>
+      <p:grpSpPr>
+        <a:xfrm>
+          <a:off x="0" y="0"/>
+          <a:ext cx="0" cy="0"/>
+          <a:chOff x="0" y="0"/>
+          <a:chExt cx="0" cy="0"/>
+        </a:xfrm>
+      </p:grpSpPr>
+      <p:sp>
+        <p:nvSpPr>
+          <p:cNvPr id="7" name="Title 6"/>
+          <p:cNvSpPr>
+            <a:spLocks noGrp="1"/>
+          </p:cNvSpPr>
+          <p:nvPr>
+            <p:ph type="title"/>
+          </p:nvPr>
+        </p:nvSpPr>
+        <p:spPr/>
+        <p:txBody>
+          <a:bodyPr/>
+          <a:lstStyle/>
+          <a:p>
+            <a:r>
+              <a:rPr lang="en-US" dirty="0" smtClean="0"/>
+              <a:t>Error at Opening</a:t>
+            </a:r>
+            <a:endParaRPr lang="en-US" dirty="0"/>
+          </a:p>
+        </p:txBody>
+      </p:sp>
+      <p:sp>
+        <p:nvSpPr>
+          <p:cNvPr id="8" name="Content Placeholder 7"/>
+          <p:cNvSpPr>
+            <a:spLocks noGrp="1"/>
+          </p:cNvSpPr>
+          <p:nvPr>
+            <p:ph idx="1"/>
+          </p:nvPr>
+        </p:nvSpPr>
+        <p:spPr/>
+        <p:txBody>
+          <a:bodyPr>
+            <a:normAutofit lnSpcReduction="10000"/>
+          </a:bodyPr>
+          <a:lstStyle/>
+          <a:p>
+            <a:r>
+              <a:rPr lang="en-US" dirty="0" smtClean="0"/>
+              <a:t>At opening, you may encounter an error which goes away by refreshing the page a few times.</a:t>
+            </a:r>
+          </a:p>
+          <a:p>
+            <a:pPr lvl="1"/>
+            <a:r>
+              <a:rPr lang="en-US" dirty="0" smtClean="0"/>
+              <a:t>Cause:  The </a:t>
+            </a:r>
+            <a:r>
+              <a:rPr lang="en-US" dirty="0" err="1" smtClean="0"/>
+              <a:t>linux</a:t>
+            </a:r>
+            <a:r>
+              <a:rPr lang="en-US" dirty="0" smtClean="0"/>
+              <a:t> machine need to look into </a:t>
+            </a:r>
+            <a:r>
+              <a:rPr lang="en-US" dirty="0" smtClean="0">
+                <a:hlinkClick r:id="rId2" action="ppaction://hlinkfile"/>
+              </a:rPr>
+              <a:t>\\analystfs</a:t>
+            </a:r>
+            <a:r>
+              <a:rPr lang="en-US" dirty="0" smtClean="0"/>
+              <a:t> network locations. There seems to be a glitch somewhere. </a:t>
+            </a:r>
+          </a:p>
+          <a:p>
+            <a:pPr lvl="1"/>
+            <a:r>
+              <a:rPr lang="en-US" dirty="0" smtClean="0"/>
+              <a:t>Solution: </a:t>
+            </a:r>
+          </a:p>
+          <a:p>
+            <a:pPr lvl="2"/>
+            <a:r>
+              <a:rPr lang="en-US" dirty="0" smtClean="0"/>
+              <a:t>If we like this app file locations, no solutions have been found so far. </a:t>
+            </a:r>
+          </a:p>
+          <a:p>
+            <a:pPr lvl="2"/>
+            <a:r>
+              <a:rPr lang="en-US" dirty="0" smtClean="0"/>
+              <a:t>If we don’t mind using file transfer apps, we could place app files within the server machine…</a:t>
+            </a:r>
+          </a:p>
+          <a:p>
+            <a:pPr lvl="1"/>
+            <a:endParaRPr lang="en-US" dirty="0"/>
+          </a:p>
+        </p:txBody>
+      </p:sp>
+      <p:sp>
+        <p:nvSpPr>
+          <p:cNvPr id="4" name="Slide Number Placeholder 3"/>
+          <p:cNvSpPr>
+            <a:spLocks noGrp="1"/>
+          </p:cNvSpPr>
+          <p:nvPr>
+            <p:ph type="sldNum" sz="quarter" idx="12"/>
+          </p:nvPr>
+        </p:nvSpPr>
+        <p:spPr/>
+        <p:txBody>
+          <a:bodyPr/>
+          <a:lstStyle/>
+          <a:p>
+            <a:fld id="{8848E627-D06A-4F0E-98E2-3D90458BE48C}" type="slidenum">
+              <a:rPr lang="en-US" smtClean="0"/>
+              <a:t>16</a:t>
+            </a:fld>
+            <a:endParaRPr lang="en-US"/>
+          </a:p>
+        </p:txBody>
+      </p:sp>
+      <p:sp>
+        <p:nvSpPr>
+          <p:cNvPr id="5" name="Footer Placeholder 4"/>
+          <p:cNvSpPr>
+            <a:spLocks noGrp="1"/>
+          </p:cNvSpPr>
+          <p:nvPr>
+            <p:ph type="ftr" sz="quarter" idx="3"/>
+          </p:nvPr>
+        </p:nvSpPr>
+        <p:spPr/>
+        <p:txBody>
+          <a:bodyPr/>
+          <a:lstStyle/>
+          <a:p>
+            <a:r>
+              <a:rPr lang="en-US" smtClean="0"/>
+              <a:t>CONFIDENTIAL &amp; PROPRIETARY</a:t>
+            </a:r>
+            <a:endParaRPr lang="en-US" dirty="0"/>
+          </a:p>
+        </p:txBody>
+      </p:sp>
+      <p:sp>
+        <p:nvSpPr>
+          <p:cNvPr id="6" name="Date Placeholder 5"/>
+          <p:cNvSpPr>
+            <a:spLocks noGrp="1"/>
+          </p:cNvSpPr>
+          <p:nvPr>
+            <p:ph type="dt" sz="half" idx="10"/>
+          </p:nvPr>
+        </p:nvSpPr>
+        <p:spPr/>
+        <p:txBody>
+          <a:bodyPr/>
+          <a:lstStyle/>
+          <a:p>
+            <a:fld id="{58C37697-90A4-4007-8C23-BAAA588B27B3}" type="datetime4">
+              <a:rPr lang="en-US" smtClean="0"/>
+              <a:t>August 16, 2019</a:t>
+            </a:fld>
+            <a:endParaRPr lang="en-US" dirty="0"/>
+          </a:p>
+        </p:txBody>
+      </p:sp>
+    </p:spTree>
+    <p:extLst>
+      <p:ext uri="{BB962C8B-B14F-4D97-AF65-F5344CB8AC3E}">
+        <p14:creationId xmlns:p14="http://schemas.microsoft.com/office/powerpoint/2010/main" val="1444294383"/>
+      </p:ext>
+    </p:extLst>
+  </p:cSld>
+  <p:clrMapOvr>
+    <a:masterClrMapping/>
+  </p:clrMapOvr>
+</p:sld>
+</file>
+
+<file path=ppt/slides/slide17.xml><?xml version="1.0" encoding="utf-8"?>
+<p:sld xmlns:a="http://schemas.openxmlformats.org/drawingml/2006/main" xmlns:r="http://schemas.openxmlformats.org/officeDocument/2006/relationships" xmlns:p="http://schemas.openxmlformats.org/presentationml/2006/main">
+  <p:cSld>
+    <p:spTree>
+      <p:nvGrpSpPr>
+        <p:cNvPr id="1" name=""/>
+        <p:cNvGrpSpPr/>
+        <p:nvPr/>
+      </p:nvGrpSpPr>
+      <p:grpSpPr>
+        <a:xfrm>
+          <a:off x="0" y="0"/>
+          <a:ext cx="0" cy="0"/>
+          <a:chOff x="0" y="0"/>
+          <a:chExt cx="0" cy="0"/>
+        </a:xfrm>
+      </p:grpSpPr>
+      <p:sp>
+        <p:nvSpPr>
+          <p:cNvPr id="2" name="Title 1"/>
+          <p:cNvSpPr>
+            <a:spLocks noGrp="1"/>
+          </p:cNvSpPr>
+          <p:nvPr>
+            <p:ph type="title"/>
+          </p:nvPr>
+        </p:nvSpPr>
+        <p:spPr/>
+        <p:txBody>
+          <a:bodyPr/>
+          <a:lstStyle/>
+          <a:p>
+            <a:endParaRPr lang="en-US"/>
+          </a:p>
+        </p:txBody>
+      </p:sp>
+      <p:sp>
+        <p:nvSpPr>
+          <p:cNvPr id="3" name="Content Placeholder 2"/>
+          <p:cNvSpPr>
+            <a:spLocks noGrp="1"/>
+          </p:cNvSpPr>
+          <p:nvPr>
+            <p:ph idx="1"/>
+          </p:nvPr>
+        </p:nvSpPr>
+        <p:spPr/>
+        <p:txBody>
+          <a:bodyPr/>
+          <a:lstStyle/>
+          <a:p>
+            <a:endParaRPr lang="en-US" dirty="0"/>
+          </a:p>
+        </p:txBody>
+      </p:sp>
+      <p:sp>
+        <p:nvSpPr>
+          <p:cNvPr id="4" name="Slide Number Placeholder 3"/>
+          <p:cNvSpPr>
+            <a:spLocks noGrp="1"/>
+          </p:cNvSpPr>
+          <p:nvPr>
+            <p:ph type="sldNum" sz="quarter" idx="12"/>
+          </p:nvPr>
+        </p:nvSpPr>
+        <p:spPr/>
+        <p:txBody>
+          <a:bodyPr/>
+          <a:lstStyle/>
+          <a:p>
+            <a:fld id="{8848E627-D06A-4F0E-98E2-3D90458BE48C}" type="slidenum">
+              <a:rPr lang="en-US" smtClean="0"/>
+              <a:t>17</a:t>
+            </a:fld>
+            <a:endParaRPr lang="en-US"/>
+          </a:p>
+        </p:txBody>
+      </p:sp>
+      <p:sp>
+        <p:nvSpPr>
+          <p:cNvPr id="5" name="Footer Placeholder 4"/>
+          <p:cNvSpPr>
+            <a:spLocks noGrp="1"/>
+          </p:cNvSpPr>
+          <p:nvPr>
+            <p:ph type="ftr" sz="quarter" idx="3"/>
+          </p:nvPr>
+        </p:nvSpPr>
+        <p:spPr/>
+        <p:txBody>
+          <a:bodyPr/>
+          <a:lstStyle/>
+          <a:p>
+            <a:r>
+              <a:rPr lang="en-US" smtClean="0"/>
+              <a:t>CONFIDENTIAL &amp; PROPRIETARY</a:t>
+            </a:r>
+            <a:endParaRPr lang="en-US" dirty="0"/>
+          </a:p>
+        </p:txBody>
+      </p:sp>
+      <p:sp>
+        <p:nvSpPr>
+          <p:cNvPr id="6" name="Date Placeholder 5"/>
+          <p:cNvSpPr>
+            <a:spLocks noGrp="1"/>
+          </p:cNvSpPr>
+          <p:nvPr>
+            <p:ph type="dt" sz="half" idx="10"/>
+          </p:nvPr>
+        </p:nvSpPr>
+        <p:spPr/>
+        <p:txBody>
+          <a:bodyPr/>
+          <a:lstStyle/>
+          <a:p>
+            <a:fld id="{CAEF89AF-97FF-41FD-A810-843DAB910B39}" type="datetime4">
+              <a:rPr lang="en-US" smtClean="0"/>
+              <a:t>August 16, 2019</a:t>
             </a:fld>
             <a:endParaRPr lang="en-US" dirty="0"/>
           </a:p>
@@ -3822,7 +4556,7 @@
 </p:sld>
 </file>
 
-<file path=ppt/slides/slide14.xml><?xml version="1.0" encoding="utf-8"?>
+<file path=ppt/slides/slide18.xml><?xml version="1.0" encoding="utf-8"?>
 <p:sld xmlns:a="http://schemas.openxmlformats.org/drawingml/2006/main" xmlns:r="http://schemas.openxmlformats.org/officeDocument/2006/relationships" xmlns:p="http://schemas.openxmlformats.org/presentationml/2006/main">
   <p:cSld>
     <p:spTree>
@@ -3937,7 +4671,7 @@
           <a:p>
             <a:r>
               <a:rPr lang="en-US" dirty="0" smtClean="0"/>
-              <a:t>We plan to update it on XXXXXXX. </a:t>
+              <a:t>We plan to update it on Feb 2020.  </a:t>
             </a:r>
           </a:p>
           <a:p>
@@ -4041,7 +4775,7 @@
           <a:p>
             <a:fld id="{8848E627-D06A-4F0E-98E2-3D90458BE48C}" type="slidenum">
               <a:rPr lang="en-US" smtClean="0"/>
-              <a:t>14</a:t>
+              <a:t>18</a:t>
             </a:fld>
             <a:endParaRPr lang="en-US"/>
           </a:p>
@@ -4087,7 +4821,7 @@
           <a:p>
             <a:fld id="{CAEF89AF-97FF-41FD-A810-843DAB910B39}" type="datetime4">
               <a:rPr lang="en-US" smtClean="0"/>
-              <a:t>August 14, 2019</a:t>
+              <a:t>August 16, 2019</a:t>
             </a:fld>
             <a:endParaRPr lang="en-US" dirty="0"/>
           </a:p>
@@ -4106,7 +4840,7 @@
 </p:sld>
 </file>
 
-<file path=ppt/slides/slide15.xml><?xml version="1.0" encoding="utf-8"?>
+<file path=ppt/slides/slide19.xml><?xml version="1.0" encoding="utf-8"?>
 <p:sld xmlns:a="http://schemas.openxmlformats.org/drawingml/2006/main" xmlns:r="http://schemas.openxmlformats.org/officeDocument/2006/relationships" xmlns:p="http://schemas.openxmlformats.org/presentationml/2006/main">
   <p:cSld>
     <p:spTree>
@@ -4224,7 +4958,7 @@
           <a:p>
             <a:fld id="{8848E627-D06A-4F0E-98E2-3D90458BE48C}" type="slidenum">
               <a:rPr lang="en-US" smtClean="0"/>
-              <a:t>15</a:t>
+              <a:t>19</a:t>
             </a:fld>
             <a:endParaRPr lang="en-US"/>
           </a:p>
@@ -4270,7 +5004,7 @@
           <a:p>
             <a:fld id="{CAEF89AF-97FF-41FD-A810-843DAB910B39}" type="datetime4">
               <a:rPr lang="en-US" smtClean="0"/>
-              <a:t>August 14, 2019</a:t>
+              <a:t>August 16, 2019</a:t>
             </a:fld>
             <a:endParaRPr lang="en-US" dirty="0"/>
           </a:p>
@@ -4289,7 +5023,7 @@
 </p:sld>
 </file>
 
-<file path=ppt/slides/slide16.xml><?xml version="1.0" encoding="utf-8"?>
+<file path=ppt/slides/slide2.xml><?xml version="1.0" encoding="utf-8"?>
 <p:sld xmlns:a="http://schemas.openxmlformats.org/drawingml/2006/main" xmlns:r="http://schemas.openxmlformats.org/officeDocument/2006/relationships" xmlns:p="http://schemas.openxmlformats.org/presentationml/2006/main">
   <p:cSld>
     <p:spTree>
@@ -4308,6 +5042,183 @@
       </p:grpSpPr>
       <p:sp>
         <p:nvSpPr>
+          <p:cNvPr id="7" name="Title 6"/>
+          <p:cNvSpPr>
+            <a:spLocks noGrp="1"/>
+          </p:cNvSpPr>
+          <p:nvPr>
+            <p:ph type="title"/>
+          </p:nvPr>
+        </p:nvSpPr>
+        <p:spPr/>
+        <p:txBody>
+          <a:bodyPr/>
+          <a:lstStyle/>
+          <a:p>
+            <a:r>
+              <a:rPr lang="en-US" dirty="0" smtClean="0"/>
+              <a:t>Lunch Time To-Do List</a:t>
+            </a:r>
+            <a:endParaRPr lang="en-US" dirty="0"/>
+          </a:p>
+        </p:txBody>
+      </p:sp>
+      <p:sp>
+        <p:nvSpPr>
+          <p:cNvPr id="8" name="Content Placeholder 7"/>
+          <p:cNvSpPr>
+            <a:spLocks noGrp="1"/>
+          </p:cNvSpPr>
+          <p:nvPr>
+            <p:ph idx="1"/>
+          </p:nvPr>
+        </p:nvSpPr>
+        <p:spPr/>
+        <p:txBody>
+          <a:bodyPr>
+            <a:normAutofit/>
+          </a:bodyPr>
+          <a:lstStyle/>
+          <a:p>
+            <a:pPr marL="514350" indent="-514350">
+              <a:buFont typeface="+mj-lt"/>
+              <a:buAutoNum type="arabicPeriod"/>
+            </a:pPr>
+            <a:r>
+              <a:rPr lang="en-US" dirty="0" err="1" smtClean="0"/>
+              <a:t>Git</a:t>
+            </a:r>
+            <a:r>
+              <a:rPr lang="en-US" dirty="0" smtClean="0"/>
+              <a:t> setup. </a:t>
+            </a:r>
+          </a:p>
+          <a:p>
+            <a:pPr marL="514350" indent="-514350">
+              <a:buFont typeface="+mj-lt"/>
+              <a:buAutoNum type="arabicPeriod"/>
+            </a:pPr>
+            <a:r>
+              <a:rPr lang="en-US" dirty="0" smtClean="0"/>
+              <a:t>Connect to GitHub account. </a:t>
+            </a:r>
+          </a:p>
+          <a:p>
+            <a:pPr marL="0" indent="0">
+              <a:buNone/>
+            </a:pPr>
+            <a:endParaRPr lang="en-US" dirty="0" smtClean="0"/>
+          </a:p>
+        </p:txBody>
+      </p:sp>
+      <p:sp>
+        <p:nvSpPr>
+          <p:cNvPr id="4" name="Slide Number Placeholder 3"/>
+          <p:cNvSpPr>
+            <a:spLocks noGrp="1"/>
+          </p:cNvSpPr>
+          <p:nvPr>
+            <p:ph type="sldNum" sz="quarter" idx="12"/>
+          </p:nvPr>
+        </p:nvSpPr>
+        <p:spPr/>
+        <p:txBody>
+          <a:bodyPr/>
+          <a:lstStyle/>
+          <a:p>
+            <a:fld id="{8848E627-D06A-4F0E-98E2-3D90458BE48C}" type="slidenum">
+              <a:rPr lang="en-US" smtClean="0"/>
+              <a:t>2</a:t>
+            </a:fld>
+            <a:endParaRPr lang="en-US"/>
+          </a:p>
+        </p:txBody>
+      </p:sp>
+      <p:sp>
+        <p:nvSpPr>
+          <p:cNvPr id="5" name="Footer Placeholder 4"/>
+          <p:cNvSpPr>
+            <a:spLocks noGrp="1"/>
+          </p:cNvSpPr>
+          <p:nvPr>
+            <p:ph type="ftr" sz="quarter" idx="3"/>
+          </p:nvPr>
+        </p:nvSpPr>
+        <p:spPr/>
+        <p:txBody>
+          <a:bodyPr/>
+          <a:lstStyle/>
+          <a:p>
+            <a:r>
+              <a:rPr lang="en-US" smtClean="0"/>
+              <a:t>CONFIDENTIAL &amp; PROPRIETARY</a:t>
+            </a:r>
+            <a:endParaRPr lang="en-US" dirty="0"/>
+          </a:p>
+        </p:txBody>
+      </p:sp>
+      <p:sp>
+        <p:nvSpPr>
+          <p:cNvPr id="6" name="Date Placeholder 5"/>
+          <p:cNvSpPr>
+            <a:spLocks noGrp="1"/>
+          </p:cNvSpPr>
+          <p:nvPr>
+            <p:ph type="dt" sz="half" idx="10"/>
+          </p:nvPr>
+        </p:nvSpPr>
+        <p:spPr/>
+        <p:txBody>
+          <a:bodyPr/>
+          <a:lstStyle/>
+          <a:p>
+            <a:fld id="{58C37697-90A4-4007-8C23-BAAA588B27B3}" type="datetime4">
+              <a:rPr lang="en-US" smtClean="0"/>
+              <a:t>August 16, 2019</a:t>
+            </a:fld>
+            <a:endParaRPr lang="en-US" dirty="0"/>
+          </a:p>
+        </p:txBody>
+      </p:sp>
+    </p:spTree>
+    <p:extLst>
+      <p:ext uri="{BB962C8B-B14F-4D97-AF65-F5344CB8AC3E}">
+        <p14:creationId xmlns:p14="http://schemas.microsoft.com/office/powerpoint/2010/main" val="941300768"/>
+      </p:ext>
+    </p:extLst>
+  </p:cSld>
+  <p:clrMapOvr>
+    <a:masterClrMapping/>
+  </p:clrMapOvr>
+  <p:timing>
+    <p:tnLst>
+      <p:par>
+        <p:cTn id="1" dur="indefinite" restart="never" nodeType="tmRoot"/>
+      </p:par>
+    </p:tnLst>
+  </p:timing>
+</p:sld>
+</file>
+
+<file path=ppt/slides/slide20.xml><?xml version="1.0" encoding="utf-8"?>
+<p:sld xmlns:a="http://schemas.openxmlformats.org/drawingml/2006/main" xmlns:r="http://schemas.openxmlformats.org/officeDocument/2006/relationships" xmlns:p="http://schemas.openxmlformats.org/presentationml/2006/main">
+  <p:cSld>
+    <p:spTree>
+      <p:nvGrpSpPr>
+        <p:cNvPr id="1" name=""/>
+        <p:cNvGrpSpPr/>
+        <p:nvPr/>
+      </p:nvGrpSpPr>
+      <p:grpSpPr>
+        <a:xfrm>
+          <a:off x="0" y="0"/>
+          <a:ext cx="0" cy="0"/>
+          <a:chOff x="0" y="0"/>
+          <a:chExt cx="0" cy="0"/>
+        </a:xfrm>
+      </p:grpSpPr>
+      <p:sp>
+        <p:nvSpPr>
           <p:cNvPr id="2" name="Title 1"/>
           <p:cNvSpPr>
             <a:spLocks noGrp="1"/>
@@ -4442,7 +5353,7 @@
           <a:p>
             <a:fld id="{8848E627-D06A-4F0E-98E2-3D90458BE48C}" type="slidenum">
               <a:rPr lang="en-US" smtClean="0"/>
-              <a:t>16</a:t>
+              <a:t>20</a:t>
             </a:fld>
             <a:endParaRPr lang="en-US"/>
           </a:p>
@@ -4488,7 +5399,7 @@
           <a:p>
             <a:fld id="{CAEF89AF-97FF-41FD-A810-843DAB910B39}" type="datetime4">
               <a:rPr lang="en-US" smtClean="0"/>
-              <a:t>August 14, 2019</a:t>
+              <a:t>August 16, 2019</a:t>
             </a:fld>
             <a:endParaRPr lang="en-US" dirty="0"/>
           </a:p>
@@ -5236,7 +6147,7 @@
 </p:sld>
 </file>
 
-<file path=ppt/slides/slide17.xml><?xml version="1.0" encoding="utf-8"?>
+<file path=ppt/slides/slide21.xml><?xml version="1.0" encoding="utf-8"?>
 <p:sld xmlns:a="http://schemas.openxmlformats.org/drawingml/2006/main" xmlns:r="http://schemas.openxmlformats.org/officeDocument/2006/relationships" xmlns:p="http://schemas.openxmlformats.org/presentationml/2006/main">
   <p:cSld>
     <p:spTree>
@@ -5313,7 +6224,7 @@
             <a:fld id="{8848E627-D06A-4F0E-98E2-3D90458BE48C}" type="slidenum">
               <a:rPr lang="en-US" smtClean="0"/>
               <a:pPr/>
-              <a:t>17</a:t>
+              <a:t>21</a:t>
             </a:fld>
             <a:endParaRPr lang="en-US" dirty="0"/>
           </a:p>
@@ -5336,7 +6247,7 @@
           <a:p>
             <a:fld id="{86768572-F13A-4AC8-B064-CDBF8DA91B73}" type="datetime4">
               <a:rPr lang="en-US" smtClean="0"/>
-              <a:t>August 14, 2019</a:t>
+              <a:t>August 16, 2019</a:t>
             </a:fld>
             <a:endParaRPr lang="en-US" dirty="0"/>
           </a:p>
@@ -5390,7 +6301,7 @@
 </p:sld>
 </file>
 
-<file path=ppt/slides/slide18.xml><?xml version="1.0" encoding="utf-8"?>
+<file path=ppt/slides/slide22.xml><?xml version="1.0" encoding="utf-8"?>
 <p:sld xmlns:a="http://schemas.openxmlformats.org/drawingml/2006/main" xmlns:r="http://schemas.openxmlformats.org/officeDocument/2006/relationships" xmlns:p="http://schemas.openxmlformats.org/presentationml/2006/main">
   <p:cSld>
     <p:spTree>
@@ -5703,7 +6614,7 @@
           <a:p>
             <a:fld id="{8848E627-D06A-4F0E-98E2-3D90458BE48C}" type="slidenum">
               <a:rPr lang="en-US" smtClean="0"/>
-              <a:t>18</a:t>
+              <a:t>22</a:t>
             </a:fld>
             <a:endParaRPr lang="en-US"/>
           </a:p>
@@ -5749,7 +6660,7 @@
           <a:p>
             <a:fld id="{58C37697-90A4-4007-8C23-BAAA588B27B3}" type="datetime4">
               <a:rPr lang="en-US" smtClean="0"/>
-              <a:t>August 14, 2019</a:t>
+              <a:t>August 16, 2019</a:t>
             </a:fld>
             <a:endParaRPr lang="en-US" dirty="0"/>
           </a:p>
@@ -5906,7 +6817,7 @@
 </p:sld>
 </file>
 
-<file path=ppt/slides/slide19.xml><?xml version="1.0" encoding="utf-8"?>
+<file path=ppt/slides/slide23.xml><?xml version="1.0" encoding="utf-8"?>
 <p:sld xmlns:a="http://schemas.openxmlformats.org/drawingml/2006/main" xmlns:r="http://schemas.openxmlformats.org/officeDocument/2006/relationships" xmlns:p="http://schemas.openxmlformats.org/presentationml/2006/main">
   <p:cSld>
     <p:spTree>
@@ -5987,7 +6898,7 @@
           <a:p>
             <a:fld id="{8848E627-D06A-4F0E-98E2-3D90458BE48C}" type="slidenum">
               <a:rPr lang="en-US" smtClean="0"/>
-              <a:t>19</a:t>
+              <a:t>23</a:t>
             </a:fld>
             <a:endParaRPr lang="en-US"/>
           </a:p>
@@ -6033,7 +6944,7 @@
           <a:p>
             <a:fld id="{CAEF89AF-97FF-41FD-A810-843DAB910B39}" type="datetime4">
               <a:rPr lang="en-US" smtClean="0"/>
-              <a:t>August 14, 2019</a:t>
+              <a:t>August 16, 2019</a:t>
             </a:fld>
             <a:endParaRPr lang="en-US" dirty="0"/>
           </a:p>
@@ -6334,7 +7245,7 @@
 </p:sld>
 </file>
 
-<file path=ppt/slides/slide2.xml><?xml version="1.0" encoding="utf-8"?>
+<file path=ppt/slides/slide24.xml><?xml version="1.0" encoding="utf-8"?>
 <p:sld xmlns:a="http://schemas.openxmlformats.org/drawingml/2006/main" xmlns:r="http://schemas.openxmlformats.org/officeDocument/2006/relationships" xmlns:p="http://schemas.openxmlformats.org/presentationml/2006/main">
   <p:cSld>
     <p:spTree>
@@ -6353,183 +7264,6 @@
       </p:grpSpPr>
       <p:sp>
         <p:nvSpPr>
-          <p:cNvPr id="7" name="Title 6"/>
-          <p:cNvSpPr>
-            <a:spLocks noGrp="1"/>
-          </p:cNvSpPr>
-          <p:nvPr>
-            <p:ph type="title"/>
-          </p:nvPr>
-        </p:nvSpPr>
-        <p:spPr/>
-        <p:txBody>
-          <a:bodyPr/>
-          <a:lstStyle/>
-          <a:p>
-            <a:r>
-              <a:rPr lang="en-US" dirty="0" smtClean="0"/>
-              <a:t>Lunch Time To-Do List</a:t>
-            </a:r>
-            <a:endParaRPr lang="en-US" dirty="0"/>
-          </a:p>
-        </p:txBody>
-      </p:sp>
-      <p:sp>
-        <p:nvSpPr>
-          <p:cNvPr id="8" name="Content Placeholder 7"/>
-          <p:cNvSpPr>
-            <a:spLocks noGrp="1"/>
-          </p:cNvSpPr>
-          <p:nvPr>
-            <p:ph idx="1"/>
-          </p:nvPr>
-        </p:nvSpPr>
-        <p:spPr/>
-        <p:txBody>
-          <a:bodyPr>
-            <a:normAutofit/>
-          </a:bodyPr>
-          <a:lstStyle/>
-          <a:p>
-            <a:pPr marL="514350" indent="-514350">
-              <a:buFont typeface="+mj-lt"/>
-              <a:buAutoNum type="arabicPeriod"/>
-            </a:pPr>
-            <a:r>
-              <a:rPr lang="en-US" dirty="0" err="1" smtClean="0"/>
-              <a:t>Git</a:t>
-            </a:r>
-            <a:r>
-              <a:rPr lang="en-US" dirty="0" smtClean="0"/>
-              <a:t> setup. </a:t>
-            </a:r>
-          </a:p>
-          <a:p>
-            <a:pPr marL="514350" indent="-514350">
-              <a:buFont typeface="+mj-lt"/>
-              <a:buAutoNum type="arabicPeriod"/>
-            </a:pPr>
-            <a:r>
-              <a:rPr lang="en-US" dirty="0" smtClean="0"/>
-              <a:t>Connect to GitHub account. </a:t>
-            </a:r>
-          </a:p>
-          <a:p>
-            <a:pPr marL="0" indent="0">
-              <a:buNone/>
-            </a:pPr>
-            <a:endParaRPr lang="en-US" dirty="0" smtClean="0"/>
-          </a:p>
-        </p:txBody>
-      </p:sp>
-      <p:sp>
-        <p:nvSpPr>
-          <p:cNvPr id="4" name="Slide Number Placeholder 3"/>
-          <p:cNvSpPr>
-            <a:spLocks noGrp="1"/>
-          </p:cNvSpPr>
-          <p:nvPr>
-            <p:ph type="sldNum" sz="quarter" idx="12"/>
-          </p:nvPr>
-        </p:nvSpPr>
-        <p:spPr/>
-        <p:txBody>
-          <a:bodyPr/>
-          <a:lstStyle/>
-          <a:p>
-            <a:fld id="{8848E627-D06A-4F0E-98E2-3D90458BE48C}" type="slidenum">
-              <a:rPr lang="en-US" smtClean="0"/>
-              <a:t>2</a:t>
-            </a:fld>
-            <a:endParaRPr lang="en-US"/>
-          </a:p>
-        </p:txBody>
-      </p:sp>
-      <p:sp>
-        <p:nvSpPr>
-          <p:cNvPr id="5" name="Footer Placeholder 4"/>
-          <p:cNvSpPr>
-            <a:spLocks noGrp="1"/>
-          </p:cNvSpPr>
-          <p:nvPr>
-            <p:ph type="ftr" sz="quarter" idx="3"/>
-          </p:nvPr>
-        </p:nvSpPr>
-        <p:spPr/>
-        <p:txBody>
-          <a:bodyPr/>
-          <a:lstStyle/>
-          <a:p>
-            <a:r>
-              <a:rPr lang="en-US" smtClean="0"/>
-              <a:t>CONFIDENTIAL &amp; PROPRIETARY</a:t>
-            </a:r>
-            <a:endParaRPr lang="en-US" dirty="0"/>
-          </a:p>
-        </p:txBody>
-      </p:sp>
-      <p:sp>
-        <p:nvSpPr>
-          <p:cNvPr id="6" name="Date Placeholder 5"/>
-          <p:cNvSpPr>
-            <a:spLocks noGrp="1"/>
-          </p:cNvSpPr>
-          <p:nvPr>
-            <p:ph type="dt" sz="half" idx="10"/>
-          </p:nvPr>
-        </p:nvSpPr>
-        <p:spPr/>
-        <p:txBody>
-          <a:bodyPr/>
-          <a:lstStyle/>
-          <a:p>
-            <a:fld id="{58C37697-90A4-4007-8C23-BAAA588B27B3}" type="datetime4">
-              <a:rPr lang="en-US" smtClean="0"/>
-              <a:t>August 14, 2019</a:t>
-            </a:fld>
-            <a:endParaRPr lang="en-US" dirty="0"/>
-          </a:p>
-        </p:txBody>
-      </p:sp>
-    </p:spTree>
-    <p:extLst>
-      <p:ext uri="{BB962C8B-B14F-4D97-AF65-F5344CB8AC3E}">
-        <p14:creationId xmlns:p14="http://schemas.microsoft.com/office/powerpoint/2010/main" val="941300768"/>
-      </p:ext>
-    </p:extLst>
-  </p:cSld>
-  <p:clrMapOvr>
-    <a:masterClrMapping/>
-  </p:clrMapOvr>
-  <p:timing>
-    <p:tnLst>
-      <p:par>
-        <p:cTn id="1" dur="indefinite" restart="never" nodeType="tmRoot"/>
-      </p:par>
-    </p:tnLst>
-  </p:timing>
-</p:sld>
-</file>
-
-<file path=ppt/slides/slide20.xml><?xml version="1.0" encoding="utf-8"?>
-<p:sld xmlns:a="http://schemas.openxmlformats.org/drawingml/2006/main" xmlns:r="http://schemas.openxmlformats.org/officeDocument/2006/relationships" xmlns:p="http://schemas.openxmlformats.org/presentationml/2006/main">
-  <p:cSld>
-    <p:spTree>
-      <p:nvGrpSpPr>
-        <p:cNvPr id="1" name=""/>
-        <p:cNvGrpSpPr/>
-        <p:nvPr/>
-      </p:nvGrpSpPr>
-      <p:grpSpPr>
-        <a:xfrm>
-          <a:off x="0" y="0"/>
-          <a:ext cx="0" cy="0"/>
-          <a:chOff x="0" y="0"/>
-          <a:chExt cx="0" cy="0"/>
-        </a:xfrm>
-      </p:grpSpPr>
-      <p:sp>
-        <p:nvSpPr>
           <p:cNvPr id="2" name="Title 1"/>
           <p:cNvSpPr>
             <a:spLocks noGrp="1"/>
@@ -6665,7 +7399,7 @@
           <a:p>
             <a:fld id="{8848E627-D06A-4F0E-98E2-3D90458BE48C}" type="slidenum">
               <a:rPr lang="en-US" smtClean="0"/>
-              <a:t>20</a:t>
+              <a:t>24</a:t>
             </a:fld>
             <a:endParaRPr lang="en-US"/>
           </a:p>
@@ -6711,7 +7445,7 @@
           <a:p>
             <a:fld id="{CAEF89AF-97FF-41FD-A810-843DAB910B39}" type="datetime4">
               <a:rPr lang="en-US" smtClean="0"/>
-              <a:t>August 14, 2019</a:t>
+              <a:t>August 16, 2019</a:t>
             </a:fld>
             <a:endParaRPr lang="en-US" dirty="0"/>
           </a:p>
@@ -6730,7 +7464,7 @@
 </p:sld>
 </file>
 
-<file path=ppt/slides/slide21.xml><?xml version="1.0" encoding="utf-8"?>
+<file path=ppt/slides/slide25.xml><?xml version="1.0" encoding="utf-8"?>
 <p:sld xmlns:a="http://schemas.openxmlformats.org/drawingml/2006/main" xmlns:r="http://schemas.openxmlformats.org/officeDocument/2006/relationships" xmlns:p="http://schemas.openxmlformats.org/presentationml/2006/main">
   <p:cSld>
     <p:spTree>
@@ -7055,7 +7789,7 @@
           <a:p>
             <a:fld id="{8848E627-D06A-4F0E-98E2-3D90458BE48C}" type="slidenum">
               <a:rPr lang="en-US" smtClean="0"/>
-              <a:t>21</a:t>
+              <a:t>25</a:t>
             </a:fld>
             <a:endParaRPr lang="en-US"/>
           </a:p>
@@ -7101,7 +7835,7 @@
           <a:p>
             <a:fld id="{CAEF89AF-97FF-41FD-A810-843DAB910B39}" type="datetime4">
               <a:rPr lang="en-US" smtClean="0"/>
-              <a:t>August 14, 2019</a:t>
+              <a:t>August 16, 2019</a:t>
             </a:fld>
             <a:endParaRPr lang="en-US" dirty="0"/>
           </a:p>
@@ -7174,7 +7908,7 @@
 </p:sld>
 </file>
 
-<file path=ppt/slides/slide22.xml><?xml version="1.0" encoding="utf-8"?>
+<file path=ppt/slides/slide26.xml><?xml version="1.0" encoding="utf-8"?>
 <p:sld xmlns:a="http://schemas.openxmlformats.org/drawingml/2006/main" xmlns:r="http://schemas.openxmlformats.org/officeDocument/2006/relationships" xmlns:p="http://schemas.openxmlformats.org/presentationml/2006/main">
   <p:cSld>
     <p:spTree>
@@ -7306,7 +8040,7 @@
           <a:p>
             <a:fld id="{8848E627-D06A-4F0E-98E2-3D90458BE48C}" type="slidenum">
               <a:rPr lang="en-US" smtClean="0"/>
-              <a:t>22</a:t>
+              <a:t>26</a:t>
             </a:fld>
             <a:endParaRPr lang="en-US"/>
           </a:p>
@@ -7352,7 +8086,7 @@
           <a:p>
             <a:fld id="{CAEF89AF-97FF-41FD-A810-843DAB910B39}" type="datetime4">
               <a:rPr lang="en-US" smtClean="0"/>
-              <a:t>August 14, 2019</a:t>
+              <a:t>August 16, 2019</a:t>
             </a:fld>
             <a:endParaRPr lang="en-US" dirty="0"/>
           </a:p>
@@ -7395,7 +8129,7 @@
 </p:sld>
 </file>
 
-<file path=ppt/slides/slide23.xml><?xml version="1.0" encoding="utf-8"?>
+<file path=ppt/slides/slide27.xml><?xml version="1.0" encoding="utf-8"?>
 <p:sld xmlns:a="http://schemas.openxmlformats.org/drawingml/2006/main" xmlns:r="http://schemas.openxmlformats.org/officeDocument/2006/relationships" xmlns:p="http://schemas.openxmlformats.org/presentationml/2006/main">
   <p:cSld>
     <p:spTree>
@@ -7475,7 +8209,7 @@
           <a:p>
             <a:fld id="{8848E627-D06A-4F0E-98E2-3D90458BE48C}" type="slidenum">
               <a:rPr lang="en-US" smtClean="0"/>
-              <a:t>23</a:t>
+              <a:t>27</a:t>
             </a:fld>
             <a:endParaRPr lang="en-US"/>
           </a:p>
@@ -7521,7 +8255,7 @@
           <a:p>
             <a:fld id="{CAEF89AF-97FF-41FD-A810-843DAB910B39}" type="datetime4">
               <a:rPr lang="en-US" smtClean="0"/>
-              <a:t>August 14, 2019</a:t>
+              <a:t>August 16, 2019</a:t>
             </a:fld>
             <a:endParaRPr lang="en-US" dirty="0"/>
           </a:p>
@@ -7547,7 +8281,7 @@
 </p:sld>
 </file>
 
-<file path=ppt/slides/slide24.xml><?xml version="1.0" encoding="utf-8"?>
+<file path=ppt/slides/slide28.xml><?xml version="1.0" encoding="utf-8"?>
 <p:sld xmlns:a="http://schemas.openxmlformats.org/drawingml/2006/main" xmlns:r="http://schemas.openxmlformats.org/officeDocument/2006/relationships" xmlns:p="http://schemas.openxmlformats.org/presentationml/2006/main">
   <p:cSld>
     <p:spTree>
@@ -7737,7 +8471,7 @@
 </p:sld>
 </file>
 
-<file path=ppt/slides/slide25.xml><?xml version="1.0" encoding="utf-8"?>
+<file path=ppt/slides/slide29.xml><?xml version="1.0" encoding="utf-8"?>
 <p:sld xmlns:a="http://schemas.openxmlformats.org/drawingml/2006/main" xmlns:r="http://schemas.openxmlformats.org/officeDocument/2006/relationships" xmlns:p="http://schemas.openxmlformats.org/presentationml/2006/main">
   <p:cSld>
     <p:spTree>
@@ -7812,7 +8546,6 @@
               <a:rPr lang="en-US" dirty="0" smtClean="0"/>
               <a:t> repo. </a:t>
             </a:r>
-            <a:endParaRPr lang="en-US" dirty="0" smtClean="0"/>
           </a:p>
           <a:p>
             <a:pPr marL="514350" indent="-514350">
@@ -7821,21 +8554,8 @@
             </a:pPr>
             <a:r>
               <a:rPr lang="en-US" dirty="0" smtClean="0"/>
-              <a:t>Pull </a:t>
-            </a:r>
-            <a:r>
-              <a:rPr lang="en-US" dirty="0" smtClean="0"/>
-              <a:t>this</a:t>
-            </a:r>
-            <a:r>
-              <a:rPr lang="en-US" dirty="0" smtClean="0"/>
-              <a:t> repo to your </a:t>
-            </a:r>
-            <a:r>
-              <a:rPr lang="en-US" dirty="0" smtClean="0"/>
-              <a:t>local machine. </a:t>
-            </a:r>
-            <a:endParaRPr lang="en-US" dirty="0" smtClean="0"/>
+              <a:t>Pull this repo to your local machine. </a:t>
+            </a:r>
           </a:p>
           <a:p>
             <a:pPr marL="514350" indent="-514350">
@@ -7846,7 +8566,6 @@
               <a:rPr lang="en-US" dirty="0" smtClean="0"/>
               <a:t>Activate your branch. </a:t>
             </a:r>
-            <a:endParaRPr lang="en-US" dirty="0" smtClean="0"/>
           </a:p>
           <a:p>
             <a:pPr marL="514350" indent="-514350">
@@ -7855,15 +8574,7 @@
             </a:pPr>
             <a:r>
               <a:rPr lang="en-US" dirty="0" smtClean="0"/>
-              <a:t>Edit</a:t>
-            </a:r>
-            <a:r>
-              <a:rPr lang="en-US" dirty="0" smtClean="0"/>
-              <a:t>, save, stage, </a:t>
-            </a:r>
-            <a:r>
-              <a:rPr lang="en-US" dirty="0" smtClean="0"/>
-              <a:t>commit.</a:t>
+              <a:t>Edit, save, stage, commit.</a:t>
             </a:r>
             <a:r>
               <a:rPr lang="en-US" dirty="0"/>
@@ -7871,13 +8582,8 @@
             </a:r>
             <a:r>
               <a:rPr lang="en-US" dirty="0" smtClean="0"/>
-              <a:t>Make </a:t>
-            </a:r>
-            <a:r>
-              <a:rPr lang="en-US" dirty="0" smtClean="0"/>
-              <a:t>sure to mention the issue number. </a:t>
-            </a:r>
-            <a:endParaRPr lang="en-US" dirty="0" smtClean="0"/>
+              <a:t>Make sure to mention the issue number. </a:t>
+            </a:r>
           </a:p>
           <a:p>
             <a:pPr marL="514350" indent="-514350">
@@ -7888,7 +8594,6 @@
               <a:rPr lang="en-US" dirty="0" smtClean="0"/>
               <a:t>Push to remote repo. </a:t>
             </a:r>
-            <a:endParaRPr lang="en-US" dirty="0" smtClean="0"/>
           </a:p>
           <a:p>
             <a:pPr marL="514350" indent="-514350">
@@ -7918,7 +8623,148 @@
 </p:sld>
 </file>
 
-<file path=ppt/slides/slide26.xml><?xml version="1.0" encoding="utf-8"?>
+<file path=ppt/slides/slide3.xml><?xml version="1.0" encoding="utf-8"?>
+<p:sld xmlns:a="http://schemas.openxmlformats.org/drawingml/2006/main" xmlns:r="http://schemas.openxmlformats.org/officeDocument/2006/relationships" xmlns:p="http://schemas.openxmlformats.org/presentationml/2006/main">
+  <p:cSld>
+    <p:spTree>
+      <p:nvGrpSpPr>
+        <p:cNvPr id="1" name=""/>
+        <p:cNvGrpSpPr/>
+        <p:nvPr/>
+      </p:nvGrpSpPr>
+      <p:grpSpPr>
+        <a:xfrm>
+          <a:off x="0" y="0"/>
+          <a:ext cx="0" cy="0"/>
+          <a:chOff x="0" y="0"/>
+          <a:chExt cx="0" cy="0"/>
+        </a:xfrm>
+      </p:grpSpPr>
+      <p:sp>
+        <p:nvSpPr>
+          <p:cNvPr id="7" name="Title 6"/>
+          <p:cNvSpPr>
+            <a:spLocks noGrp="1"/>
+          </p:cNvSpPr>
+          <p:nvPr>
+            <p:ph type="title"/>
+          </p:nvPr>
+        </p:nvSpPr>
+        <p:spPr/>
+        <p:txBody>
+          <a:bodyPr/>
+          <a:lstStyle/>
+          <a:p>
+            <a:endParaRPr lang="en-US"/>
+          </a:p>
+        </p:txBody>
+      </p:sp>
+      <p:sp>
+        <p:nvSpPr>
+          <p:cNvPr id="8" name="Text Placeholder 7"/>
+          <p:cNvSpPr>
+            <a:spLocks noGrp="1"/>
+          </p:cNvSpPr>
+          <p:nvPr>
+            <p:ph type="body" idx="1"/>
+          </p:nvPr>
+        </p:nvSpPr>
+        <p:spPr/>
+        <p:txBody>
+          <a:bodyPr/>
+          <a:lstStyle/>
+          <a:p>
+            <a:r>
+              <a:rPr lang="en-US" dirty="0" smtClean="0"/>
+              <a:t>TEA Shiny Server &amp; Deployment</a:t>
+            </a:r>
+            <a:endParaRPr lang="en-US" dirty="0"/>
+          </a:p>
+        </p:txBody>
+      </p:sp>
+      <p:sp>
+        <p:nvSpPr>
+          <p:cNvPr id="4" name="Slide Number Placeholder 3"/>
+          <p:cNvSpPr>
+            <a:spLocks noGrp="1"/>
+          </p:cNvSpPr>
+          <p:nvPr>
+            <p:ph type="sldNum" sz="quarter" idx="12"/>
+          </p:nvPr>
+        </p:nvSpPr>
+        <p:spPr/>
+        <p:txBody>
+          <a:bodyPr/>
+          <a:lstStyle/>
+          <a:p>
+            <a:fld id="{8848E627-D06A-4F0E-98E2-3D90458BE48C}" type="slidenum">
+              <a:rPr lang="en-US" smtClean="0"/>
+              <a:t>3</a:t>
+            </a:fld>
+            <a:endParaRPr lang="en-US"/>
+          </a:p>
+        </p:txBody>
+      </p:sp>
+      <p:sp>
+        <p:nvSpPr>
+          <p:cNvPr id="5" name="Footer Placeholder 4"/>
+          <p:cNvSpPr>
+            <a:spLocks noGrp="1"/>
+          </p:cNvSpPr>
+          <p:nvPr>
+            <p:ph type="ftr" sz="quarter" idx="3"/>
+          </p:nvPr>
+        </p:nvSpPr>
+        <p:spPr/>
+        <p:txBody>
+          <a:bodyPr/>
+          <a:lstStyle/>
+          <a:p>
+            <a:r>
+              <a:rPr lang="en-US" smtClean="0"/>
+              <a:t>CONFIDENTIAL &amp; PROPRIETARY</a:t>
+            </a:r>
+            <a:endParaRPr lang="en-US" dirty="0"/>
+          </a:p>
+        </p:txBody>
+      </p:sp>
+      <p:sp>
+        <p:nvSpPr>
+          <p:cNvPr id="6" name="Date Placeholder 5"/>
+          <p:cNvSpPr>
+            <a:spLocks noGrp="1"/>
+          </p:cNvSpPr>
+          <p:nvPr>
+            <p:ph type="dt" sz="half" idx="10"/>
+          </p:nvPr>
+        </p:nvSpPr>
+        <p:spPr/>
+        <p:txBody>
+          <a:bodyPr/>
+          <a:lstStyle/>
+          <a:p>
+            <a:fld id="{CAEF89AF-97FF-41FD-A810-843DAB910B39}" type="datetime4">
+              <a:rPr lang="en-US" smtClean="0"/>
+              <a:t>August 16, 2019</a:t>
+            </a:fld>
+            <a:endParaRPr lang="en-US" dirty="0"/>
+          </a:p>
+        </p:txBody>
+      </p:sp>
+    </p:spTree>
+    <p:extLst>
+      <p:ext uri="{BB962C8B-B14F-4D97-AF65-F5344CB8AC3E}">
+        <p14:creationId xmlns:p14="http://schemas.microsoft.com/office/powerpoint/2010/main" val="4124504774"/>
+      </p:ext>
+    </p:extLst>
+  </p:cSld>
+  <p:clrMapOvr>
+    <a:masterClrMapping/>
+  </p:clrMapOvr>
+</p:sld>
+</file>
+
+<file path=ppt/slides/slide30.xml><?xml version="1.0" encoding="utf-8"?>
 <p:sld xmlns:a="http://schemas.openxmlformats.org/drawingml/2006/main" xmlns:r="http://schemas.openxmlformats.org/officeDocument/2006/relationships" xmlns:p="http://schemas.openxmlformats.org/presentationml/2006/main">
   <p:cSld>
     <p:spTree>
@@ -8118,7 +8964,7 @@
 </p:sld>
 </file>
 
-<file path=ppt/slides/slide27.xml><?xml version="1.0" encoding="utf-8"?>
+<file path=ppt/slides/slide31.xml><?xml version="1.0" encoding="utf-8"?>
 <p:sld xmlns:a="http://schemas.openxmlformats.org/drawingml/2006/main" xmlns:r="http://schemas.openxmlformats.org/officeDocument/2006/relationships" xmlns:p="http://schemas.openxmlformats.org/presentationml/2006/main">
   <p:cSld>
     <p:spTree>
@@ -8198,7 +9044,7 @@
           <a:p>
             <a:fld id="{8848E627-D06A-4F0E-98E2-3D90458BE48C}" type="slidenum">
               <a:rPr lang="en-US" smtClean="0"/>
-              <a:t>27</a:t>
+              <a:t>31</a:t>
             </a:fld>
             <a:endParaRPr lang="en-US"/>
           </a:p>
@@ -8244,7 +9090,7 @@
           <a:p>
             <a:fld id="{CAEF89AF-97FF-41FD-A810-843DAB910B39}" type="datetime4">
               <a:rPr lang="en-US" smtClean="0"/>
-              <a:t>August 14, 2019</a:t>
+              <a:t>August 16, 2019</a:t>
             </a:fld>
             <a:endParaRPr lang="en-US" dirty="0"/>
           </a:p>
@@ -8263,7 +9109,7 @@
 </p:sld>
 </file>
 
-<file path=ppt/slides/slide28.xml><?xml version="1.0" encoding="utf-8"?>
+<file path=ppt/slides/slide32.xml><?xml version="1.0" encoding="utf-8"?>
 <p:sld xmlns:a="http://schemas.openxmlformats.org/drawingml/2006/main" xmlns:r="http://schemas.openxmlformats.org/officeDocument/2006/relationships" xmlns:p="http://schemas.openxmlformats.org/presentationml/2006/main">
   <p:cSld>
     <p:spTree>
@@ -8364,7 +9210,7 @@
           <a:p>
             <a:fld id="{8848E627-D06A-4F0E-98E2-3D90458BE48C}" type="slidenum">
               <a:rPr lang="en-US" smtClean="0"/>
-              <a:t>28</a:t>
+              <a:t>32</a:t>
             </a:fld>
             <a:endParaRPr lang="en-US"/>
           </a:p>
@@ -8410,7 +9256,7 @@
           <a:p>
             <a:fld id="{58C37697-90A4-4007-8C23-BAAA588B27B3}" type="datetime4">
               <a:rPr lang="en-US" smtClean="0"/>
-              <a:t>August 14, 2019</a:t>
+              <a:t>August 16, 2019</a:t>
             </a:fld>
             <a:endParaRPr lang="en-US" dirty="0"/>
           </a:p>
@@ -8429,7 +9275,7 @@
 </p:sld>
 </file>
 
-<file path=ppt/slides/slide29.xml><?xml version="1.0" encoding="utf-8"?>
+<file path=ppt/slides/slide33.xml><?xml version="1.0" encoding="utf-8"?>
 <p:sld xmlns:a="http://schemas.openxmlformats.org/drawingml/2006/main" xmlns:r="http://schemas.openxmlformats.org/officeDocument/2006/relationships" xmlns:p="http://schemas.openxmlformats.org/presentationml/2006/main">
   <p:cSld>
     <p:spTree>
@@ -8505,7 +9351,7 @@
           <a:p>
             <a:fld id="{8848E627-D06A-4F0E-98E2-3D90458BE48C}" type="slidenum">
               <a:rPr lang="en-US" smtClean="0"/>
-              <a:t>29</a:t>
+              <a:t>33</a:t>
             </a:fld>
             <a:endParaRPr lang="en-US"/>
           </a:p>
@@ -8551,7 +9397,7 @@
           <a:p>
             <a:fld id="{2AE9CD06-5419-4F67-A0F0-D9130AC4F9A9}" type="datetime4">
               <a:rPr lang="en-US" smtClean="0"/>
-              <a:t>August 14, 2019</a:t>
+              <a:t>August 16, 2019</a:t>
             </a:fld>
             <a:endParaRPr lang="en-US" dirty="0"/>
           </a:p>
@@ -8577,7 +9423,7 @@
 </p:sld>
 </file>
 
-<file path=ppt/slides/slide3.xml><?xml version="1.0" encoding="utf-8"?>
+<file path=ppt/slides/slide34.xml><?xml version="1.0" encoding="utf-8"?>
 <p:sld xmlns:a="http://schemas.openxmlformats.org/drawingml/2006/main" xmlns:r="http://schemas.openxmlformats.org/officeDocument/2006/relationships" xmlns:p="http://schemas.openxmlformats.org/presentationml/2006/main">
   <p:cSld>
     <p:spTree>
@@ -8609,147 +9455,6 @@
           <a:bodyPr/>
           <a:lstStyle/>
           <a:p>
-            <a:endParaRPr lang="en-US"/>
-          </a:p>
-        </p:txBody>
-      </p:sp>
-      <p:sp>
-        <p:nvSpPr>
-          <p:cNvPr id="8" name="Text Placeholder 7"/>
-          <p:cNvSpPr>
-            <a:spLocks noGrp="1"/>
-          </p:cNvSpPr>
-          <p:nvPr>
-            <p:ph type="body" idx="1"/>
-          </p:nvPr>
-        </p:nvSpPr>
-        <p:spPr/>
-        <p:txBody>
-          <a:bodyPr/>
-          <a:lstStyle/>
-          <a:p>
-            <a:r>
-              <a:rPr lang="en-US" dirty="0" smtClean="0"/>
-              <a:t>TEA Shiny Server &amp; Deployment</a:t>
-            </a:r>
-            <a:endParaRPr lang="en-US" dirty="0"/>
-          </a:p>
-        </p:txBody>
-      </p:sp>
-      <p:sp>
-        <p:nvSpPr>
-          <p:cNvPr id="4" name="Slide Number Placeholder 3"/>
-          <p:cNvSpPr>
-            <a:spLocks noGrp="1"/>
-          </p:cNvSpPr>
-          <p:nvPr>
-            <p:ph type="sldNum" sz="quarter" idx="12"/>
-          </p:nvPr>
-        </p:nvSpPr>
-        <p:spPr/>
-        <p:txBody>
-          <a:bodyPr/>
-          <a:lstStyle/>
-          <a:p>
-            <a:fld id="{8848E627-D06A-4F0E-98E2-3D90458BE48C}" type="slidenum">
-              <a:rPr lang="en-US" smtClean="0"/>
-              <a:t>3</a:t>
-            </a:fld>
-            <a:endParaRPr lang="en-US"/>
-          </a:p>
-        </p:txBody>
-      </p:sp>
-      <p:sp>
-        <p:nvSpPr>
-          <p:cNvPr id="5" name="Footer Placeholder 4"/>
-          <p:cNvSpPr>
-            <a:spLocks noGrp="1"/>
-          </p:cNvSpPr>
-          <p:nvPr>
-            <p:ph type="ftr" sz="quarter" idx="3"/>
-          </p:nvPr>
-        </p:nvSpPr>
-        <p:spPr/>
-        <p:txBody>
-          <a:bodyPr/>
-          <a:lstStyle/>
-          <a:p>
-            <a:r>
-              <a:rPr lang="en-US" smtClean="0"/>
-              <a:t>CONFIDENTIAL &amp; PROPRIETARY</a:t>
-            </a:r>
-            <a:endParaRPr lang="en-US" dirty="0"/>
-          </a:p>
-        </p:txBody>
-      </p:sp>
-      <p:sp>
-        <p:nvSpPr>
-          <p:cNvPr id="6" name="Date Placeholder 5"/>
-          <p:cNvSpPr>
-            <a:spLocks noGrp="1"/>
-          </p:cNvSpPr>
-          <p:nvPr>
-            <p:ph type="dt" sz="half" idx="10"/>
-          </p:nvPr>
-        </p:nvSpPr>
-        <p:spPr/>
-        <p:txBody>
-          <a:bodyPr/>
-          <a:lstStyle/>
-          <a:p>
-            <a:fld id="{CAEF89AF-97FF-41FD-A810-843DAB910B39}" type="datetime4">
-              <a:rPr lang="en-US" smtClean="0"/>
-              <a:t>August 14, 2019</a:t>
-            </a:fld>
-            <a:endParaRPr lang="en-US" dirty="0"/>
-          </a:p>
-        </p:txBody>
-      </p:sp>
-    </p:spTree>
-    <p:extLst>
-      <p:ext uri="{BB962C8B-B14F-4D97-AF65-F5344CB8AC3E}">
-        <p14:creationId xmlns:p14="http://schemas.microsoft.com/office/powerpoint/2010/main" val="4124504774"/>
-      </p:ext>
-    </p:extLst>
-  </p:cSld>
-  <p:clrMapOvr>
-    <a:masterClrMapping/>
-  </p:clrMapOvr>
-</p:sld>
-</file>
-
-<file path=ppt/slides/slide30.xml><?xml version="1.0" encoding="utf-8"?>
-<p:sld xmlns:a="http://schemas.openxmlformats.org/drawingml/2006/main" xmlns:r="http://schemas.openxmlformats.org/officeDocument/2006/relationships" xmlns:p="http://schemas.openxmlformats.org/presentationml/2006/main">
-  <p:cSld>
-    <p:spTree>
-      <p:nvGrpSpPr>
-        <p:cNvPr id="1" name=""/>
-        <p:cNvGrpSpPr/>
-        <p:nvPr/>
-      </p:nvGrpSpPr>
-      <p:grpSpPr>
-        <a:xfrm>
-          <a:off x="0" y="0"/>
-          <a:ext cx="0" cy="0"/>
-          <a:chOff x="0" y="0"/>
-          <a:chExt cx="0" cy="0"/>
-        </a:xfrm>
-      </p:grpSpPr>
-      <p:sp>
-        <p:nvSpPr>
-          <p:cNvPr id="7" name="Title 6"/>
-          <p:cNvSpPr>
-            <a:spLocks noGrp="1"/>
-          </p:cNvSpPr>
-          <p:nvPr>
-            <p:ph type="title"/>
-          </p:nvPr>
-        </p:nvSpPr>
-        <p:spPr/>
-        <p:txBody>
-          <a:bodyPr/>
-          <a:lstStyle/>
-          <a:p>
             <a:r>
               <a:rPr lang="en-US" dirty="0" smtClean="0"/>
               <a:t>Debugging</a:t>
@@ -8803,15 +9508,7 @@
             <a:pPr lvl="2"/>
             <a:r>
               <a:rPr lang="en-US" sz="1200" dirty="0" smtClean="0"/>
-              <a:t>Cons: </a:t>
-            </a:r>
-            <a:r>
-              <a:rPr lang="en-US" sz="1200" dirty="0" smtClean="0"/>
-              <a:t>works </a:t>
-            </a:r>
-            <a:r>
-              <a:rPr lang="en-US" sz="1200" dirty="0" smtClean="0"/>
-              <a:t>only within server. </a:t>
+              <a:t>Cons: works only within server. </a:t>
             </a:r>
           </a:p>
           <a:p>
@@ -8822,15 +9519,7 @@
                   <a:schemeClr val="accent2"/>
                 </a:solidFill>
               </a:rPr>
-              <a:t>Browser</a:t>
-            </a:r>
-            <a:r>
-              <a:rPr lang="en-US" sz="1400" dirty="0" smtClean="0">
-                <a:solidFill>
-                  <a:schemeClr val="accent2"/>
-                </a:solidFill>
-              </a:rPr>
-              <a:t>()</a:t>
+              <a:t>Browser()</a:t>
             </a:r>
           </a:p>
           <a:p>
@@ -8850,7 +9539,6 @@
               <a:rPr lang="en-US" sz="1200" dirty="0" smtClean="0"/>
               <a:t>Cons: Changes in code. </a:t>
             </a:r>
-            <a:endParaRPr lang="en-US" sz="1200" dirty="0" smtClean="0"/>
           </a:p>
           <a:p>
             <a:pPr lvl="1"/>
@@ -8936,11 +9624,7 @@
           <a:p>
             <a:r>
               <a:rPr lang="en-US" sz="1800" dirty="0" smtClean="0"/>
-              <a:t>Performance </a:t>
-            </a:r>
-            <a:r>
-              <a:rPr lang="en-US" sz="1800" dirty="0" smtClean="0"/>
-              <a:t>Optimization</a:t>
+              <a:t>Performance Optimization</a:t>
             </a:r>
           </a:p>
           <a:p>
@@ -8957,7 +9641,6 @@
               <a:rPr lang="en-US" sz="1000" dirty="0" smtClean="0"/>
               <a:t>Find which calculation is taking time. </a:t>
             </a:r>
-            <a:endParaRPr lang="en-US" sz="1000" dirty="0" smtClean="0"/>
           </a:p>
         </p:txBody>
       </p:sp>
@@ -8978,7 +9661,7 @@
           <a:p>
             <a:fld id="{8848E627-D06A-4F0E-98E2-3D90458BE48C}" type="slidenum">
               <a:rPr lang="en-US" smtClean="0"/>
-              <a:t>30</a:t>
+              <a:t>34</a:t>
             </a:fld>
             <a:endParaRPr lang="en-US"/>
           </a:p>
@@ -9024,7 +9707,7 @@
           <a:p>
             <a:fld id="{58C37697-90A4-4007-8C23-BAAA588B27B3}" type="datetime4">
               <a:rPr lang="en-US" smtClean="0"/>
-              <a:t>August 14, 2019</a:t>
+              <a:t>August 16, 2019</a:t>
             </a:fld>
             <a:endParaRPr lang="en-US" dirty="0"/>
           </a:p>
@@ -9151,7 +9834,7 @@
 </p:sld>
 </file>
 
-<file path=ppt/slides/slide31.xml><?xml version="1.0" encoding="utf-8"?>
+<file path=ppt/slides/slide35.xml><?xml version="1.0" encoding="utf-8"?>
 <p:sld xmlns:a="http://schemas.openxmlformats.org/drawingml/2006/main" xmlns:r="http://schemas.openxmlformats.org/officeDocument/2006/relationships" xmlns:p="http://schemas.openxmlformats.org/presentationml/2006/main">
   <p:cSld>
     <p:spTree>
@@ -9226,11 +9909,7 @@
           <a:p>
             <a:r>
               <a:rPr lang="en-US" dirty="0" smtClean="0"/>
-              <a:t>Find a solution for getting rid of it. </a:t>
-            </a:r>
-            <a:r>
-              <a:rPr lang="en-US" dirty="0" smtClean="0"/>
-              <a:t> </a:t>
+              <a:t>Find a solution for getting rid of it.  </a:t>
             </a:r>
           </a:p>
           <a:p>
@@ -9255,7 +9934,7 @@
           <a:p>
             <a:fld id="{8848E627-D06A-4F0E-98E2-3D90458BE48C}" type="slidenum">
               <a:rPr lang="en-US" smtClean="0"/>
-              <a:t>31</a:t>
+              <a:t>35</a:t>
             </a:fld>
             <a:endParaRPr lang="en-US"/>
           </a:p>
@@ -9301,7 +9980,7 @@
           <a:p>
             <a:fld id="{CAEF89AF-97FF-41FD-A810-843DAB910B39}" type="datetime4">
               <a:rPr lang="en-US" smtClean="0"/>
-              <a:t>August 14, 2019</a:t>
+              <a:t>August 16, 2019</a:t>
             </a:fld>
             <a:endParaRPr lang="en-US" dirty="0"/>
           </a:p>
@@ -9344,7 +10023,7 @@
 </p:sld>
 </file>
 
-<file path=ppt/slides/slide32.xml><?xml version="1.0" encoding="utf-8"?>
+<file path=ppt/slides/slide36.xml><?xml version="1.0" encoding="utf-8"?>
 <p:sld xmlns:a="http://schemas.openxmlformats.org/drawingml/2006/main" xmlns:r="http://schemas.openxmlformats.org/officeDocument/2006/relationships" xmlns:p="http://schemas.openxmlformats.org/presentationml/2006/main">
   <p:cSld>
     <p:spTree>
@@ -9491,7 +10170,7 @@
           <a:p>
             <a:fld id="{8848E627-D06A-4F0E-98E2-3D90458BE48C}" type="slidenum">
               <a:rPr lang="en-US" smtClean="0"/>
-              <a:t>32</a:t>
+              <a:t>36</a:t>
             </a:fld>
             <a:endParaRPr lang="en-US"/>
           </a:p>
@@ -9537,7 +10216,7 @@
           <a:p>
             <a:fld id="{CAEF89AF-97FF-41FD-A810-843DAB910B39}" type="datetime4">
               <a:rPr lang="en-US" smtClean="0"/>
-              <a:t>August 14, 2019</a:t>
+              <a:t>August 16, 2019</a:t>
             </a:fld>
             <a:endParaRPr lang="en-US" dirty="0"/>
           </a:p>
@@ -9556,7 +10235,7 @@
 </p:sld>
 </file>
 
-<file path=ppt/slides/slide33.xml><?xml version="1.0" encoding="utf-8"?>
+<file path=ppt/slides/slide37.xml><?xml version="1.0" encoding="utf-8"?>
 <p:sld xmlns:a="http://schemas.openxmlformats.org/drawingml/2006/main" xmlns:r="http://schemas.openxmlformats.org/officeDocument/2006/relationships" xmlns:p="http://schemas.openxmlformats.org/presentationml/2006/main">
   <p:cSld>
     <p:spTree>
@@ -9613,31 +10292,7 @@
           <a:p>
             <a:r>
               <a:rPr lang="en-US" dirty="0" smtClean="0"/>
-              <a:t>Rid of validate() for data imports. </a:t>
-            </a:r>
-          </a:p>
-          <a:p>
-            <a:r>
-              <a:rPr lang="en-US" dirty="0" smtClean="0"/>
-              <a:t>Add safe error. </a:t>
-            </a:r>
-          </a:p>
-          <a:p>
-            <a:r>
-              <a:rPr lang="en-US" dirty="0" smtClean="0"/>
-              <a:t>Set </a:t>
-            </a:r>
-            <a:r>
-              <a:rPr lang="en-US" dirty="0"/>
-              <a:t>global options for </a:t>
-            </a:r>
-            <a:r>
-              <a:rPr lang="en-US" dirty="0" err="1" smtClean="0"/>
-              <a:t>Sanitize.errors</a:t>
-            </a:r>
-            <a:r>
-              <a:rPr lang="en-US" dirty="0" smtClean="0"/>
-              <a:t>. </a:t>
+              <a:t>screenshot</a:t>
             </a:r>
             <a:endParaRPr lang="en-US" dirty="0"/>
           </a:p>
@@ -9660,7 +10315,7 @@
           <a:p>
             <a:fld id="{8848E627-D06A-4F0E-98E2-3D90458BE48C}" type="slidenum">
               <a:rPr lang="en-US" smtClean="0"/>
-              <a:t>33</a:t>
+              <a:t>37</a:t>
             </a:fld>
             <a:endParaRPr lang="en-US"/>
           </a:p>
@@ -9706,7 +10361,7 @@
           <a:p>
             <a:fld id="{CAEF89AF-97FF-41FD-A810-843DAB910B39}" type="datetime4">
               <a:rPr lang="en-US" smtClean="0"/>
-              <a:t>August 14, 2019</a:t>
+              <a:t>August 16, 2019</a:t>
             </a:fld>
             <a:endParaRPr lang="en-US" dirty="0"/>
           </a:p>
@@ -9715,7 +10370,7 @@
     </p:spTree>
     <p:extLst>
       <p:ext uri="{BB962C8B-B14F-4D97-AF65-F5344CB8AC3E}">
-        <p14:creationId xmlns:p14="http://schemas.microsoft.com/office/powerpoint/2010/main" val="4028345403"/>
+        <p14:creationId xmlns:p14="http://schemas.microsoft.com/office/powerpoint/2010/main" val="4247952989"/>
       </p:ext>
     </p:extLst>
   </p:cSld>
@@ -9725,7 +10380,7 @@
 </p:sld>
 </file>
 
-<file path=ppt/slides/slide34.xml><?xml version="1.0" encoding="utf-8"?>
+<file path=ppt/slides/slide38.xml><?xml version="1.0" encoding="utf-8"?>
 <p:sld xmlns:a="http://schemas.openxmlformats.org/drawingml/2006/main" xmlns:r="http://schemas.openxmlformats.org/officeDocument/2006/relationships" xmlns:p="http://schemas.openxmlformats.org/presentationml/2006/main">
   <p:cSld>
     <p:spTree>
@@ -9744,7 +10399,7 @@
       </p:grpSpPr>
       <p:sp>
         <p:nvSpPr>
-          <p:cNvPr id="7" name="Title 6"/>
+          <p:cNvPr id="2" name="Title 1"/>
           <p:cNvSpPr>
             <a:spLocks noGrp="1"/>
           </p:cNvSpPr>
@@ -9758,35 +10413,57 @@
           <a:lstStyle/>
           <a:p>
             <a:r>
+              <a:rPr lang="en-US" dirty="0" smtClean="0"/>
+              <a:t>2.2 Exercise</a:t>
+            </a:r>
+            <a:endParaRPr lang="en-US" dirty="0"/>
+          </a:p>
+        </p:txBody>
+      </p:sp>
+      <p:sp>
+        <p:nvSpPr>
+          <p:cNvPr id="3" name="Content Placeholder 2"/>
+          <p:cNvSpPr>
+            <a:spLocks noGrp="1"/>
+          </p:cNvSpPr>
+          <p:nvPr>
+            <p:ph idx="1"/>
+          </p:nvPr>
+        </p:nvSpPr>
+        <p:spPr/>
+        <p:txBody>
+          <a:bodyPr/>
+          <a:lstStyle/>
+          <a:p>
+            <a:r>
+              <a:rPr lang="en-US" dirty="0" smtClean="0"/>
+              <a:t>Rid of validate() for data imports. </a:t>
+            </a:r>
+          </a:p>
+          <a:p>
+            <a:r>
+              <a:rPr lang="en-US" dirty="0" smtClean="0"/>
+              <a:t>Add safe error. </a:t>
+            </a:r>
+          </a:p>
+          <a:p>
+            <a:r>
+              <a:rPr lang="en-US" dirty="0" smtClean="0"/>
+              <a:t>Set </a:t>
+            </a:r>
+            <a:r>
               <a:rPr lang="en-US" dirty="0"/>
-              <a:t>Advanced Topics</a:t>
-            </a:r>
-            <a:br>
-              <a:rPr lang="en-US" dirty="0"/>
-            </a:br>
-            <a:endParaRPr lang="en-US" dirty="0"/>
-          </a:p>
-        </p:txBody>
-      </p:sp>
-      <p:sp>
-        <p:nvSpPr>
-          <p:cNvPr id="8" name="Text Placeholder 7"/>
-          <p:cNvSpPr>
-            <a:spLocks noGrp="1"/>
-          </p:cNvSpPr>
-          <p:nvPr>
-            <p:ph type="body" idx="1"/>
-          </p:nvPr>
-        </p:nvSpPr>
-        <p:spPr/>
-        <p:txBody>
-          <a:bodyPr/>
-          <a:lstStyle/>
-          <a:p>
-            <a:r>
-              <a:rPr lang="en-US" dirty="0"/>
-              <a:t>Use of Module</a:t>
-            </a:r>
+              <a:t>global options for </a:t>
+            </a:r>
+            <a:r>
+              <a:rPr lang="en-US" dirty="0" err="1" smtClean="0"/>
+              <a:t>Sanitize.errors</a:t>
+            </a:r>
+            <a:r>
+              <a:rPr lang="en-US" dirty="0" smtClean="0"/>
+              <a:t>. </a:t>
+            </a:r>
+            <a:endParaRPr lang="en-US" dirty="0"/>
           </a:p>
         </p:txBody>
       </p:sp>
@@ -9807,7 +10484,7 @@
           <a:p>
             <a:fld id="{8848E627-D06A-4F0E-98E2-3D90458BE48C}" type="slidenum">
               <a:rPr lang="en-US" smtClean="0"/>
-              <a:t>34</a:t>
+              <a:t>38</a:t>
             </a:fld>
             <a:endParaRPr lang="en-US"/>
           </a:p>
@@ -9853,7 +10530,7 @@
           <a:p>
             <a:fld id="{CAEF89AF-97FF-41FD-A810-843DAB910B39}" type="datetime4">
               <a:rPr lang="en-US" smtClean="0"/>
-              <a:t>August 14, 2019</a:t>
+              <a:t>August 16, 2019</a:t>
             </a:fld>
             <a:endParaRPr lang="en-US" dirty="0"/>
           </a:p>
@@ -9862,7 +10539,7 @@
     </p:spTree>
     <p:extLst>
       <p:ext uri="{BB962C8B-B14F-4D97-AF65-F5344CB8AC3E}">
-        <p14:creationId xmlns:p14="http://schemas.microsoft.com/office/powerpoint/2010/main" val="1822175693"/>
+        <p14:creationId xmlns:p14="http://schemas.microsoft.com/office/powerpoint/2010/main" val="4028345403"/>
       </p:ext>
     </p:extLst>
   </p:cSld>
@@ -9872,7 +10549,7 @@
 </p:sld>
 </file>
 
-<file path=ppt/slides/slide35.xml><?xml version="1.0" encoding="utf-8"?>
+<file path=ppt/slides/slide39.xml><?xml version="1.0" encoding="utf-8"?>
 <p:sld xmlns:a="http://schemas.openxmlformats.org/drawingml/2006/main" xmlns:r="http://schemas.openxmlformats.org/officeDocument/2006/relationships" xmlns:p="http://schemas.openxmlformats.org/presentationml/2006/main">
   <p:cSld>
     <p:spTree>
@@ -9906,6 +10583,388 @@
           <a:p>
             <a:r>
               <a:rPr lang="en-US" dirty="0"/>
+              <a:t>Advanced Topics</a:t>
+            </a:r>
+            <a:br>
+              <a:rPr lang="en-US" dirty="0"/>
+            </a:br>
+            <a:endParaRPr lang="en-US" dirty="0"/>
+          </a:p>
+        </p:txBody>
+      </p:sp>
+      <p:sp>
+        <p:nvSpPr>
+          <p:cNvPr id="8" name="Text Placeholder 7"/>
+          <p:cNvSpPr>
+            <a:spLocks noGrp="1"/>
+          </p:cNvSpPr>
+          <p:nvPr>
+            <p:ph type="body" idx="1"/>
+          </p:nvPr>
+        </p:nvSpPr>
+        <p:spPr/>
+        <p:txBody>
+          <a:bodyPr/>
+          <a:lstStyle/>
+          <a:p>
+            <a:r>
+              <a:rPr lang="en-US" dirty="0"/>
+              <a:t>Use of Module</a:t>
+            </a:r>
+          </a:p>
+        </p:txBody>
+      </p:sp>
+      <p:sp>
+        <p:nvSpPr>
+          <p:cNvPr id="4" name="Slide Number Placeholder 3"/>
+          <p:cNvSpPr>
+            <a:spLocks noGrp="1"/>
+          </p:cNvSpPr>
+          <p:nvPr>
+            <p:ph type="sldNum" sz="quarter" idx="12"/>
+          </p:nvPr>
+        </p:nvSpPr>
+        <p:spPr/>
+        <p:txBody>
+          <a:bodyPr/>
+          <a:lstStyle/>
+          <a:p>
+            <a:fld id="{8848E627-D06A-4F0E-98E2-3D90458BE48C}" type="slidenum">
+              <a:rPr lang="en-US" smtClean="0"/>
+              <a:t>39</a:t>
+            </a:fld>
+            <a:endParaRPr lang="en-US"/>
+          </a:p>
+        </p:txBody>
+      </p:sp>
+      <p:sp>
+        <p:nvSpPr>
+          <p:cNvPr id="5" name="Footer Placeholder 4"/>
+          <p:cNvSpPr>
+            <a:spLocks noGrp="1"/>
+          </p:cNvSpPr>
+          <p:nvPr>
+            <p:ph type="ftr" sz="quarter" idx="3"/>
+          </p:nvPr>
+        </p:nvSpPr>
+        <p:spPr/>
+        <p:txBody>
+          <a:bodyPr/>
+          <a:lstStyle/>
+          <a:p>
+            <a:r>
+              <a:rPr lang="en-US" smtClean="0"/>
+              <a:t>CONFIDENTIAL &amp; PROPRIETARY</a:t>
+            </a:r>
+            <a:endParaRPr lang="en-US" dirty="0"/>
+          </a:p>
+        </p:txBody>
+      </p:sp>
+      <p:sp>
+        <p:nvSpPr>
+          <p:cNvPr id="6" name="Date Placeholder 5"/>
+          <p:cNvSpPr>
+            <a:spLocks noGrp="1"/>
+          </p:cNvSpPr>
+          <p:nvPr>
+            <p:ph type="dt" sz="half" idx="10"/>
+          </p:nvPr>
+        </p:nvSpPr>
+        <p:spPr/>
+        <p:txBody>
+          <a:bodyPr/>
+          <a:lstStyle/>
+          <a:p>
+            <a:fld id="{CAEF89AF-97FF-41FD-A810-843DAB910B39}" type="datetime4">
+              <a:rPr lang="en-US" smtClean="0"/>
+              <a:t>August 16, 2019</a:t>
+            </a:fld>
+            <a:endParaRPr lang="en-US" dirty="0"/>
+          </a:p>
+        </p:txBody>
+      </p:sp>
+    </p:spTree>
+    <p:extLst>
+      <p:ext uri="{BB962C8B-B14F-4D97-AF65-F5344CB8AC3E}">
+        <p14:creationId xmlns:p14="http://schemas.microsoft.com/office/powerpoint/2010/main" val="1822175693"/>
+      </p:ext>
+    </p:extLst>
+  </p:cSld>
+  <p:clrMapOvr>
+    <a:masterClrMapping/>
+  </p:clrMapOvr>
+</p:sld>
+</file>
+
+<file path=ppt/slides/slide4.xml><?xml version="1.0" encoding="utf-8"?>
+<p:sld xmlns:a="http://schemas.openxmlformats.org/drawingml/2006/main" xmlns:r="http://schemas.openxmlformats.org/officeDocument/2006/relationships" xmlns:p="http://schemas.openxmlformats.org/presentationml/2006/main">
+  <p:cSld>
+    <p:spTree>
+      <p:nvGrpSpPr>
+        <p:cNvPr id="1" name=""/>
+        <p:cNvGrpSpPr/>
+        <p:nvPr/>
+      </p:nvGrpSpPr>
+      <p:grpSpPr>
+        <a:xfrm>
+          <a:off x="0" y="0"/>
+          <a:ext cx="0" cy="0"/>
+          <a:chOff x="0" y="0"/>
+          <a:chExt cx="0" cy="0"/>
+        </a:xfrm>
+      </p:grpSpPr>
+      <p:sp>
+        <p:nvSpPr>
+          <p:cNvPr id="7" name="Title 6"/>
+          <p:cNvSpPr>
+            <a:spLocks noGrp="1"/>
+          </p:cNvSpPr>
+          <p:nvPr>
+            <p:ph type="title"/>
+          </p:nvPr>
+        </p:nvSpPr>
+        <p:spPr/>
+        <p:txBody>
+          <a:bodyPr/>
+          <a:lstStyle/>
+          <a:p>
+            <a:r>
+              <a:rPr lang="en-US" dirty="0" smtClean="0"/>
+              <a:t>Shiny Server</a:t>
+            </a:r>
+            <a:endParaRPr lang="en-US" dirty="0"/>
+          </a:p>
+        </p:txBody>
+      </p:sp>
+      <p:sp>
+        <p:nvSpPr>
+          <p:cNvPr id="8" name="Content Placeholder 7"/>
+          <p:cNvSpPr>
+            <a:spLocks noGrp="1"/>
+          </p:cNvSpPr>
+          <p:nvPr>
+            <p:ph idx="1"/>
+          </p:nvPr>
+        </p:nvSpPr>
+        <p:spPr/>
+        <p:txBody>
+          <a:bodyPr>
+            <a:normAutofit fontScale="70000" lnSpcReduction="20000"/>
+          </a:bodyPr>
+          <a:lstStyle/>
+          <a:p>
+            <a:r>
+              <a:rPr lang="en-US" dirty="0" smtClean="0"/>
+              <a:t>It’s a web server that makes shiny apps available over the web. </a:t>
+            </a:r>
+          </a:p>
+          <a:p>
+            <a:r>
+              <a:rPr lang="en-US" dirty="0" smtClean="0"/>
+              <a:t>PROD server</a:t>
+            </a:r>
+          </a:p>
+          <a:p>
+            <a:pPr lvl="1"/>
+            <a:r>
+              <a:rPr lang="en-US" dirty="0">
+                <a:hlinkClick r:id="rId2"/>
+              </a:rPr>
+              <a:t>https://</a:t>
+            </a:r>
+            <a:r>
+              <a:rPr lang="en-US" dirty="0" smtClean="0">
+                <a:hlinkClick r:id="rId2"/>
+              </a:rPr>
+              <a:t>analyze.teainc.org</a:t>
+            </a:r>
+            <a:endParaRPr lang="en-US" dirty="0" smtClean="0"/>
+          </a:p>
+          <a:p>
+            <a:pPr lvl="1"/>
+            <a:r>
+              <a:rPr lang="en-US" dirty="0" smtClean="0"/>
+              <a:t>Apps are accessible from anywhere</a:t>
+            </a:r>
+          </a:p>
+          <a:p>
+            <a:r>
+              <a:rPr lang="en-US" dirty="0" smtClean="0"/>
+              <a:t>Staging server</a:t>
+            </a:r>
+          </a:p>
+          <a:p>
+            <a:pPr lvl="1"/>
+            <a:r>
+              <a:rPr lang="en-US" dirty="0">
+                <a:hlinkClick r:id="rId3"/>
+              </a:rPr>
+              <a:t>http://rshinydev001:3838</a:t>
+            </a:r>
+            <a:r>
+              <a:rPr lang="en-US" dirty="0" smtClean="0">
+                <a:hlinkClick r:id="rId3"/>
+              </a:rPr>
+              <a:t>/</a:t>
+            </a:r>
+            <a:endParaRPr lang="en-US" dirty="0" smtClean="0"/>
+          </a:p>
+          <a:p>
+            <a:pPr lvl="1"/>
+            <a:r>
+              <a:rPr lang="en-US" dirty="0" smtClean="0"/>
+              <a:t>Apps are available only within TEA network. </a:t>
+            </a:r>
+          </a:p>
+          <a:p>
+            <a:endParaRPr lang="en-US" dirty="0" smtClean="0"/>
+          </a:p>
+          <a:p>
+            <a:r>
+              <a:rPr lang="en-US" dirty="0" smtClean="0"/>
+              <a:t>FYI: </a:t>
+            </a:r>
+          </a:p>
+          <a:p>
+            <a:pPr lvl="1"/>
+            <a:r>
+              <a:rPr lang="en-US" dirty="0" smtClean="0"/>
+              <a:t>Operating System: Linux (Ubuntu)</a:t>
+            </a:r>
+          </a:p>
+          <a:p>
+            <a:pPr lvl="1"/>
+            <a:r>
+              <a:rPr lang="en-US" dirty="0" smtClean="0"/>
+              <a:t>System Analyst: Brandon Clayton</a:t>
+            </a:r>
+          </a:p>
+          <a:p>
+            <a:pPr lvl="1"/>
+            <a:r>
+              <a:rPr lang="en-US" dirty="0" smtClean="0"/>
+              <a:t>URL is case sensitive. </a:t>
+            </a:r>
+            <a:endParaRPr lang="en-US" dirty="0"/>
+          </a:p>
+        </p:txBody>
+      </p:sp>
+      <p:sp>
+        <p:nvSpPr>
+          <p:cNvPr id="4" name="Slide Number Placeholder 3"/>
+          <p:cNvSpPr>
+            <a:spLocks noGrp="1"/>
+          </p:cNvSpPr>
+          <p:nvPr>
+            <p:ph type="sldNum" sz="quarter" idx="12"/>
+          </p:nvPr>
+        </p:nvSpPr>
+        <p:spPr/>
+        <p:txBody>
+          <a:bodyPr/>
+          <a:lstStyle/>
+          <a:p>
+            <a:fld id="{8848E627-D06A-4F0E-98E2-3D90458BE48C}" type="slidenum">
+              <a:rPr lang="en-US" smtClean="0"/>
+              <a:t>4</a:t>
+            </a:fld>
+            <a:endParaRPr lang="en-US"/>
+          </a:p>
+        </p:txBody>
+      </p:sp>
+      <p:sp>
+        <p:nvSpPr>
+          <p:cNvPr id="5" name="Footer Placeholder 4"/>
+          <p:cNvSpPr>
+            <a:spLocks noGrp="1"/>
+          </p:cNvSpPr>
+          <p:nvPr>
+            <p:ph type="ftr" sz="quarter" idx="3"/>
+          </p:nvPr>
+        </p:nvSpPr>
+        <p:spPr/>
+        <p:txBody>
+          <a:bodyPr/>
+          <a:lstStyle/>
+          <a:p>
+            <a:r>
+              <a:rPr lang="en-US" smtClean="0"/>
+              <a:t>CONFIDENTIAL &amp; PROPRIETARY</a:t>
+            </a:r>
+            <a:endParaRPr lang="en-US" dirty="0"/>
+          </a:p>
+        </p:txBody>
+      </p:sp>
+      <p:sp>
+        <p:nvSpPr>
+          <p:cNvPr id="6" name="Date Placeholder 5"/>
+          <p:cNvSpPr>
+            <a:spLocks noGrp="1"/>
+          </p:cNvSpPr>
+          <p:nvPr>
+            <p:ph type="dt" sz="half" idx="10"/>
+          </p:nvPr>
+        </p:nvSpPr>
+        <p:spPr/>
+        <p:txBody>
+          <a:bodyPr/>
+          <a:lstStyle/>
+          <a:p>
+            <a:fld id="{58C37697-90A4-4007-8C23-BAAA588B27B3}" type="datetime4">
+              <a:rPr lang="en-US" smtClean="0"/>
+              <a:t>August 16, 2019</a:t>
+            </a:fld>
+            <a:endParaRPr lang="en-US" dirty="0"/>
+          </a:p>
+        </p:txBody>
+      </p:sp>
+    </p:spTree>
+    <p:extLst>
+      <p:ext uri="{BB962C8B-B14F-4D97-AF65-F5344CB8AC3E}">
+        <p14:creationId xmlns:p14="http://schemas.microsoft.com/office/powerpoint/2010/main" val="765488673"/>
+      </p:ext>
+    </p:extLst>
+  </p:cSld>
+  <p:clrMapOvr>
+    <a:masterClrMapping/>
+  </p:clrMapOvr>
+</p:sld>
+</file>
+
+<file path=ppt/slides/slide40.xml><?xml version="1.0" encoding="utf-8"?>
+<p:sld xmlns:a="http://schemas.openxmlformats.org/drawingml/2006/main" xmlns:r="http://schemas.openxmlformats.org/officeDocument/2006/relationships" xmlns:p="http://schemas.openxmlformats.org/presentationml/2006/main">
+  <p:cSld>
+    <p:spTree>
+      <p:nvGrpSpPr>
+        <p:cNvPr id="1" name=""/>
+        <p:cNvGrpSpPr/>
+        <p:nvPr/>
+      </p:nvGrpSpPr>
+      <p:grpSpPr>
+        <a:xfrm>
+          <a:off x="0" y="0"/>
+          <a:ext cx="0" cy="0"/>
+          <a:chOff x="0" y="0"/>
+          <a:chExt cx="0" cy="0"/>
+        </a:xfrm>
+      </p:grpSpPr>
+      <p:sp>
+        <p:nvSpPr>
+          <p:cNvPr id="7" name="Title 6"/>
+          <p:cNvSpPr>
+            <a:spLocks noGrp="1"/>
+          </p:cNvSpPr>
+          <p:nvPr>
+            <p:ph type="title"/>
+          </p:nvPr>
+        </p:nvSpPr>
+        <p:spPr/>
+        <p:txBody>
+          <a:bodyPr/>
+          <a:lstStyle/>
+          <a:p>
+            <a:r>
+              <a:rPr lang="en-US" dirty="0"/>
               <a:t>software design technique</a:t>
             </a:r>
           </a:p>
@@ -9935,15 +10994,7 @@
           <a:p>
             <a:r>
               <a:rPr lang="en-US" dirty="0" smtClean="0"/>
-              <a:t>Fact: As we develop more shiny apps, we get closer to </a:t>
-            </a:r>
-            <a:r>
-              <a:rPr lang="en-US" dirty="0" smtClean="0"/>
-              <a:t>web programmers</a:t>
-            </a:r>
-            <a:r>
-              <a:rPr lang="en-US" dirty="0" smtClean="0"/>
-              <a:t>. Adopt some of their techniques to start with. </a:t>
+              <a:t>Fact: As we develop more shiny apps, we get closer to web programmers. Adopt some of their techniques to start with. </a:t>
             </a:r>
           </a:p>
           <a:p>
@@ -9972,7 +11023,7 @@
           <a:p>
             <a:fld id="{8848E627-D06A-4F0E-98E2-3D90458BE48C}" type="slidenum">
               <a:rPr lang="en-US" smtClean="0"/>
-              <a:t>35</a:t>
+              <a:t>40</a:t>
             </a:fld>
             <a:endParaRPr lang="en-US"/>
           </a:p>
@@ -10018,7 +11069,7 @@
           <a:p>
             <a:fld id="{58C37697-90A4-4007-8C23-BAAA588B27B3}" type="datetime4">
               <a:rPr lang="en-US" smtClean="0"/>
-              <a:t>August 14, 2019</a:t>
+              <a:t>August 16, 2019</a:t>
             </a:fld>
             <a:endParaRPr lang="en-US" dirty="0"/>
           </a:p>
@@ -10264,7 +11315,7 @@
 </p:sld>
 </file>
 
-<file path=ppt/slides/slide36.xml><?xml version="1.0" encoding="utf-8"?>
+<file path=ppt/slides/slide41.xml><?xml version="1.0" encoding="utf-8"?>
 <p:sld xmlns:a="http://schemas.openxmlformats.org/drawingml/2006/main" xmlns:r="http://schemas.openxmlformats.org/officeDocument/2006/relationships" xmlns:p="http://schemas.openxmlformats.org/presentationml/2006/main">
   <p:cSld>
     <p:spTree>
@@ -10495,7 +11546,7 @@
           <a:p>
             <a:fld id="{8848E627-D06A-4F0E-98E2-3D90458BE48C}" type="slidenum">
               <a:rPr lang="en-US" smtClean="0"/>
-              <a:t>36</a:t>
+              <a:t>41</a:t>
             </a:fld>
             <a:endParaRPr lang="en-US"/>
           </a:p>
@@ -10541,7 +11592,7 @@
           <a:p>
             <a:fld id="{CAEF89AF-97FF-41FD-A810-843DAB910B39}" type="datetime4">
               <a:rPr lang="en-US" smtClean="0"/>
-              <a:t>August 14, 2019</a:t>
+              <a:t>August 16, 2019</a:t>
             </a:fld>
             <a:endParaRPr lang="en-US" dirty="0"/>
           </a:p>
@@ -10584,7 +11635,7 @@
 </p:sld>
 </file>
 
-<file path=ppt/slides/slide37.xml><?xml version="1.0" encoding="utf-8"?>
+<file path=ppt/slides/slide42.xml><?xml version="1.0" encoding="utf-8"?>
 <p:sld xmlns:a="http://schemas.openxmlformats.org/drawingml/2006/main" xmlns:r="http://schemas.openxmlformats.org/officeDocument/2006/relationships" xmlns:p="http://schemas.openxmlformats.org/presentationml/2006/main">
   <p:cSld>
     <p:spTree>
@@ -10636,9 +11687,148 @@
         </p:nvSpPr>
         <p:spPr/>
         <p:txBody>
-          <a:bodyPr/>
-          <a:lstStyle/>
-          <a:p>
+          <a:bodyPr>
+            <a:normAutofit fontScale="32500" lnSpcReduction="20000"/>
+          </a:bodyPr>
+          <a:lstStyle/>
+          <a:p>
+            <a:r>
+              <a:rPr lang="en-US" dirty="0">
+                <a:hlinkClick r:id="rId2"/>
+              </a:rPr>
+              <a:t>https://ijlyttle.shinyapps.io/read_delim_dygraph</a:t>
+            </a:r>
+            <a:r>
+              <a:rPr lang="en-US" dirty="0" smtClean="0">
+                <a:hlinkClick r:id="rId2"/>
+              </a:rPr>
+              <a:t>/</a:t>
+            </a:r>
+            <a:endParaRPr lang="en-US" dirty="0" smtClean="0"/>
+          </a:p>
+          <a:p>
+            <a:r>
+              <a:rPr lang="en-US" dirty="0" smtClean="0"/>
+              <a:t>Reactive spaghetti vs reactive ravioli</a:t>
+            </a:r>
+          </a:p>
+          <a:p>
+            <a:r>
+              <a:rPr lang="en-US" dirty="0">
+                <a:hlinkClick r:id="rId3"/>
+              </a:rPr>
+              <a:t>https://</a:t>
+            </a:r>
+            <a:r>
+              <a:rPr lang="en-US" dirty="0" smtClean="0">
+                <a:hlinkClick r:id="rId3"/>
+              </a:rPr>
+              <a:t>github.com/ijlyttle/shinypod/tree/master/R</a:t>
+            </a:r>
+            <a:endParaRPr lang="en-US" dirty="0" smtClean="0"/>
+          </a:p>
+          <a:p>
+            <a:endParaRPr lang="en-US" dirty="0"/>
+          </a:p>
+          <a:p>
+            <a:r>
+              <a:rPr lang="en-US" dirty="0"/>
+              <a:t>Advantages &amp; Benefits</a:t>
+            </a:r>
+          </a:p>
+          <a:p>
+            <a:r>
+              <a:rPr lang="en-US" dirty="0"/>
+              <a:t>Like functions, Shiny modules can be called many times for various use cases. One can reuse code in the same app or in a different app. For example, many people have created debugging modules used for Shiny app development that can be used with various apps in development.</a:t>
+            </a:r>
+          </a:p>
+          <a:p>
+            <a:endParaRPr lang="en-US" dirty="0"/>
+          </a:p>
+          <a:p>
+            <a:r>
+              <a:rPr lang="en-US" dirty="0"/>
+              <a:t>https://github.com/stanstrup/QC4Metabolomics/tree/master/Modules/Debug</a:t>
+            </a:r>
+          </a:p>
+          <a:p>
+            <a:endParaRPr lang="en-US" dirty="0"/>
+          </a:p>
+          <a:p>
+            <a:r>
+              <a:rPr lang="en-US" dirty="0"/>
+              <a:t>Modules can help promote the standardization of apps and simpler &amp; isolated code.</a:t>
+            </a:r>
+          </a:p>
+          <a:p>
+            <a:endParaRPr lang="en-US" dirty="0"/>
+          </a:p>
+          <a:p>
+            <a:r>
+              <a:rPr lang="en-US" dirty="0"/>
+              <a:t>Modules also help to solve the issue of re-</a:t>
+            </a:r>
+            <a:r>
+              <a:rPr lang="en-US" dirty="0" err="1"/>
+              <a:t>useability</a:t>
+            </a:r>
+            <a:r>
+              <a:rPr lang="en-US" dirty="0"/>
+              <a:t>. Rather than copy and paste code, you can use modules to help manage the pieces</a:t>
+            </a:r>
+            <a:r>
+              <a:rPr lang="en-US" dirty="0" smtClean="0"/>
+              <a:t>.</a:t>
+            </a:r>
+          </a:p>
+          <a:p>
+            <a:r>
+              <a:rPr lang="en-US" dirty="0" smtClean="0"/>
+              <a:t>No name collisions. </a:t>
+            </a:r>
+            <a:endParaRPr lang="en-US" dirty="0"/>
+          </a:p>
+          <a:p>
+            <a:endParaRPr lang="en-US" dirty="0"/>
+          </a:p>
+          <a:p>
+            <a:r>
+              <a:rPr lang="en-US" dirty="0"/>
+              <a:t>Disadvantages</a:t>
+            </a:r>
+          </a:p>
+          <a:p>
+            <a:r>
+              <a:rPr lang="en-US" dirty="0"/>
+              <a:t>Adds some complexity to Shiny app development for beginners and intermediate developers.</a:t>
+            </a:r>
+          </a:p>
+          <a:p>
+            <a:endParaRPr lang="en-US" dirty="0"/>
+          </a:p>
+          <a:p>
+            <a:r>
+              <a:rPr lang="en-US" dirty="0"/>
+              <a:t>Requires that the other people know how to use your module if you plan to share it.</a:t>
+            </a:r>
+          </a:p>
+          <a:p>
+            <a:endParaRPr lang="en-US" dirty="0"/>
+          </a:p>
+          <a:p>
+            <a:r>
+              <a:rPr lang="en-US" dirty="0"/>
+              <a:t>Could add complexity to debugging Shiny apps.</a:t>
+            </a:r>
+          </a:p>
+          <a:p>
+            <a:endParaRPr lang="en-US" dirty="0"/>
+          </a:p>
+          <a:p>
+            <a:r>
+              <a:rPr lang="en-US" dirty="0"/>
+              <a:t>Changes the look and feel of standard Shiny apps.</a:t>
+            </a:r>
             <a:endParaRPr lang="en-US" dirty="0"/>
           </a:p>
         </p:txBody>
@@ -10660,7 +11850,7 @@
           <a:p>
             <a:fld id="{8848E627-D06A-4F0E-98E2-3D90458BE48C}" type="slidenum">
               <a:rPr lang="en-US" smtClean="0"/>
-              <a:t>37</a:t>
+              <a:t>42</a:t>
             </a:fld>
             <a:endParaRPr lang="en-US"/>
           </a:p>
@@ -10706,7 +11896,7 @@
           <a:p>
             <a:fld id="{CAEF89AF-97FF-41FD-A810-843DAB910B39}" type="datetime4">
               <a:rPr lang="en-US" smtClean="0"/>
-              <a:t>August 14, 2019</a:t>
+              <a:t>August 16, 2019</a:t>
             </a:fld>
             <a:endParaRPr lang="en-US" dirty="0"/>
           </a:p>
@@ -10725,7 +11915,7 @@
 </p:sld>
 </file>
 
-<file path=ppt/slides/slide38.xml><?xml version="1.0" encoding="utf-8"?>
+<file path=ppt/slides/slide43.xml><?xml version="1.0" encoding="utf-8"?>
 <p:sld xmlns:a="http://schemas.openxmlformats.org/drawingml/2006/main" xmlns:r="http://schemas.openxmlformats.org/officeDocument/2006/relationships" xmlns:p="http://schemas.openxmlformats.org/presentationml/2006/main">
   <p:cSld>
     <p:spTree>
@@ -10801,7 +11991,7 @@
           <a:p>
             <a:fld id="{8848E627-D06A-4F0E-98E2-3D90458BE48C}" type="slidenum">
               <a:rPr lang="en-US" smtClean="0"/>
-              <a:t>38</a:t>
+              <a:t>43</a:t>
             </a:fld>
             <a:endParaRPr lang="en-US"/>
           </a:p>
@@ -10847,7 +12037,7 @@
           <a:p>
             <a:fld id="{CAEF89AF-97FF-41FD-A810-843DAB910B39}" type="datetime4">
               <a:rPr lang="en-US" smtClean="0"/>
-              <a:t>August 14, 2019</a:t>
+              <a:t>August 16, 2019</a:t>
             </a:fld>
             <a:endParaRPr lang="en-US" dirty="0"/>
           </a:p>
@@ -10866,7 +12056,7 @@
 </p:sld>
 </file>
 
-<file path=ppt/slides/slide39.xml><?xml version="1.0" encoding="utf-8"?>
+<file path=ppt/slides/slide44.xml><?xml version="1.0" encoding="utf-8"?>
 <p:sld xmlns:a="http://schemas.openxmlformats.org/drawingml/2006/main" xmlns:r="http://schemas.openxmlformats.org/officeDocument/2006/relationships" xmlns:p="http://schemas.openxmlformats.org/presentationml/2006/main">
   <p:cSld>
     <p:spTree>
@@ -10948,7 +12138,7 @@
           <a:p>
             <a:fld id="{8848E627-D06A-4F0E-98E2-3D90458BE48C}" type="slidenum">
               <a:rPr lang="en-US" smtClean="0"/>
-              <a:t>39</a:t>
+              <a:t>44</a:t>
             </a:fld>
             <a:endParaRPr lang="en-US"/>
           </a:p>
@@ -10994,7 +12184,7 @@
           <a:p>
             <a:fld id="{58C37697-90A4-4007-8C23-BAAA588B27B3}" type="datetime4">
               <a:rPr lang="en-US" smtClean="0"/>
-              <a:t>August 14, 2019</a:t>
+              <a:t>August 16, 2019</a:t>
             </a:fld>
             <a:endParaRPr lang="en-US" dirty="0"/>
           </a:p>
@@ -11013,7 +12203,7 @@
 </p:sld>
 </file>
 
-<file path=ppt/slides/slide4.xml><?xml version="1.0" encoding="utf-8"?>
+<file path=ppt/slides/slide45.xml><?xml version="1.0" encoding="utf-8"?>
 <p:sld xmlns:a="http://schemas.openxmlformats.org/drawingml/2006/main" xmlns:r="http://schemas.openxmlformats.org/officeDocument/2006/relationships" xmlns:p="http://schemas.openxmlformats.org/presentationml/2006/main">
   <p:cSld>
     <p:spTree>
@@ -11047,7 +12237,7 @@
           <a:p>
             <a:r>
               <a:rPr lang="en-US" dirty="0" smtClean="0"/>
-              <a:t>Shiny Server</a:t>
+              <a:t>Futures &amp; Promises</a:t>
             </a:r>
             <a:endParaRPr lang="en-US" dirty="0"/>
           </a:p>
@@ -11065,103 +12255,29 @@
         </p:nvSpPr>
         <p:spPr/>
         <p:txBody>
-          <a:bodyPr>
-            <a:normAutofit fontScale="77500" lnSpcReduction="20000"/>
-          </a:bodyPr>
-          <a:lstStyle/>
-          <a:p>
-            <a:r>
-              <a:rPr lang="en-US" dirty="0" smtClean="0"/>
-              <a:t>It’s a web server that makes shiny apps available over the web. </a:t>
-            </a:r>
-          </a:p>
-          <a:p>
-            <a:r>
-              <a:rPr lang="en-US" dirty="0" smtClean="0"/>
-              <a:t>PROD server</a:t>
-            </a:r>
-          </a:p>
-          <a:p>
-            <a:pPr lvl="1"/>
+          <a:bodyPr/>
+          <a:lstStyle/>
+          <a:p>
+            <a:r>
+              <a:rPr lang="en-US" dirty="0" smtClean="0"/>
+              <a:t>Solution to slowness or pause due to concurrent users or long computation. </a:t>
+            </a:r>
+          </a:p>
+          <a:p>
+            <a:r>
+              <a:rPr lang="en-US" dirty="0" smtClean="0"/>
+              <a:t>Use multi-thread for long computations. </a:t>
+            </a:r>
+          </a:p>
+          <a:p>
+            <a:endParaRPr lang="en-US" dirty="0"/>
+          </a:p>
+          <a:p>
             <a:r>
               <a:rPr lang="en-US" dirty="0">
                 <a:hlinkClick r:id="rId2"/>
               </a:rPr>
-              <a:t>https://</a:t>
-            </a:r>
-            <a:r>
-              <a:rPr lang="en-US" dirty="0" smtClean="0">
-                <a:hlinkClick r:id="rId2"/>
-              </a:rPr>
-              <a:t>analyze.teainc.org</a:t>
-            </a:r>
-            <a:endParaRPr lang="en-US" dirty="0" smtClean="0"/>
-          </a:p>
-          <a:p>
-            <a:pPr lvl="1"/>
-            <a:r>
-              <a:rPr lang="en-US" dirty="0" smtClean="0"/>
-              <a:t>Apps are accessible from anywhere</a:t>
-            </a:r>
-          </a:p>
-          <a:p>
-            <a:r>
-              <a:rPr lang="en-US" dirty="0" smtClean="0"/>
-              <a:t>Staging server</a:t>
-            </a:r>
-          </a:p>
-          <a:p>
-            <a:pPr lvl="1"/>
-            <a:r>
-              <a:rPr lang="en-US" dirty="0">
-                <a:hlinkClick r:id="rId3"/>
-              </a:rPr>
-              <a:t>http://rshinydev001:3838</a:t>
-            </a:r>
-            <a:r>
-              <a:rPr lang="en-US" dirty="0" smtClean="0">
-                <a:hlinkClick r:id="rId3"/>
-              </a:rPr>
-              <a:t>/</a:t>
-            </a:r>
-            <a:endParaRPr lang="en-US" dirty="0" smtClean="0"/>
-          </a:p>
-          <a:p>
-            <a:pPr lvl="1"/>
-            <a:r>
-              <a:rPr lang="en-US" dirty="0" smtClean="0"/>
-              <a:t>Apps are available only within TEA network. </a:t>
-            </a:r>
-          </a:p>
-          <a:p>
-            <a:endParaRPr lang="en-US" dirty="0" smtClean="0"/>
-          </a:p>
-          <a:p>
-            <a:r>
-              <a:rPr lang="en-US" dirty="0" smtClean="0"/>
-              <a:t>FYI: </a:t>
-            </a:r>
-          </a:p>
-          <a:p>
-            <a:pPr lvl="1"/>
-            <a:r>
-              <a:rPr lang="en-US" dirty="0" smtClean="0"/>
-              <a:t>Operating System: Linux </a:t>
-            </a:r>
-          </a:p>
-          <a:p>
-            <a:pPr lvl="1"/>
-            <a:r>
-              <a:rPr lang="en-US" dirty="0" smtClean="0"/>
-              <a:t>System Operator</a:t>
-            </a:r>
-            <a:r>
-              <a:rPr lang="en-US" dirty="0" smtClean="0"/>
-              <a:t>: </a:t>
-            </a:r>
-            <a:r>
-              <a:rPr lang="en-US" dirty="0" smtClean="0"/>
-              <a:t>Brandon Clayton</a:t>
+              <a:t>https://rstudio.github.io/promises/articles/shiny.html</a:t>
             </a:r>
             <a:endParaRPr lang="en-US" dirty="0"/>
           </a:p>
@@ -11184,7 +12300,7 @@
           <a:p>
             <a:fld id="{8848E627-D06A-4F0E-98E2-3D90458BE48C}" type="slidenum">
               <a:rPr lang="en-US" smtClean="0"/>
-              <a:t>4</a:t>
+              <a:t>45</a:t>
             </a:fld>
             <a:endParaRPr lang="en-US"/>
           </a:p>
@@ -11230,7 +12346,7 @@
           <a:p>
             <a:fld id="{58C37697-90A4-4007-8C23-BAAA588B27B3}" type="datetime4">
               <a:rPr lang="en-US" smtClean="0"/>
-              <a:t>August 14, 2019</a:t>
+              <a:t>August 16, 2019</a:t>
             </a:fld>
             <a:endParaRPr lang="en-US" dirty="0"/>
           </a:p>
@@ -11239,7 +12355,7 @@
     </p:spTree>
     <p:extLst>
       <p:ext uri="{BB962C8B-B14F-4D97-AF65-F5344CB8AC3E}">
-        <p14:creationId xmlns:p14="http://schemas.microsoft.com/office/powerpoint/2010/main" val="765488673"/>
+        <p14:creationId xmlns:p14="http://schemas.microsoft.com/office/powerpoint/2010/main" val="2302241533"/>
       </p:ext>
     </p:extLst>
   </p:cSld>
@@ -11249,7 +12365,7 @@
 </p:sld>
 </file>
 
-<file path=ppt/slides/slide40.xml><?xml version="1.0" encoding="utf-8"?>
+<file path=ppt/slides/slide46.xml><?xml version="1.0" encoding="utf-8"?>
 <p:sld xmlns:a="http://schemas.openxmlformats.org/drawingml/2006/main" xmlns:r="http://schemas.openxmlformats.org/officeDocument/2006/relationships" xmlns:p="http://schemas.openxmlformats.org/presentationml/2006/main">
   <p:cSld>
     <p:spTree>
@@ -11281,49 +12397,28 @@
           <a:bodyPr/>
           <a:lstStyle/>
           <a:p>
-            <a:r>
-              <a:rPr lang="en-US" dirty="0" smtClean="0"/>
-              <a:t>Futures &amp; Promises</a:t>
-            </a:r>
-            <a:endParaRPr lang="en-US" dirty="0"/>
-          </a:p>
-        </p:txBody>
-      </p:sp>
-      <p:sp>
-        <p:nvSpPr>
-          <p:cNvPr id="8" name="Content Placeholder 7"/>
-          <p:cNvSpPr>
-            <a:spLocks noGrp="1"/>
-          </p:cNvSpPr>
-          <p:nvPr>
-            <p:ph idx="1"/>
-          </p:nvPr>
-        </p:nvSpPr>
-        <p:spPr/>
-        <p:txBody>
-          <a:bodyPr/>
-          <a:lstStyle/>
-          <a:p>
-            <a:r>
-              <a:rPr lang="en-US" dirty="0" smtClean="0"/>
-              <a:t>Solution to slowness or pause due to concurrent users or long computation. </a:t>
-            </a:r>
-          </a:p>
-          <a:p>
-            <a:r>
-              <a:rPr lang="en-US" dirty="0" smtClean="0"/>
-              <a:t>Use multi-thread for long computations. </a:t>
-            </a:r>
-          </a:p>
-          <a:p>
-            <a:endParaRPr lang="en-US" dirty="0"/>
-          </a:p>
-          <a:p>
-            <a:r>
-              <a:rPr lang="en-US" dirty="0">
-                <a:hlinkClick r:id="rId2"/>
-              </a:rPr>
-              <a:t>https://rstudio.github.io/promises/articles/shiny.html</a:t>
+            <a:endParaRPr lang="en-US"/>
+          </a:p>
+        </p:txBody>
+      </p:sp>
+      <p:sp>
+        <p:nvSpPr>
+          <p:cNvPr id="8" name="Text Placeholder 7"/>
+          <p:cNvSpPr>
+            <a:spLocks noGrp="1"/>
+          </p:cNvSpPr>
+          <p:nvPr>
+            <p:ph type="body" idx="1"/>
+          </p:nvPr>
+        </p:nvSpPr>
+        <p:spPr/>
+        <p:txBody>
+          <a:bodyPr/>
+          <a:lstStyle/>
+          <a:p>
+            <a:r>
+              <a:rPr lang="en-US" dirty="0" smtClean="0"/>
+              <a:t>Q&amp;A</a:t>
             </a:r>
             <a:endParaRPr lang="en-US" dirty="0"/>
           </a:p>
@@ -11346,7 +12441,7 @@
           <a:p>
             <a:fld id="{8848E627-D06A-4F0E-98E2-3D90458BE48C}" type="slidenum">
               <a:rPr lang="en-US" smtClean="0"/>
-              <a:t>40</a:t>
+              <a:t>46</a:t>
             </a:fld>
             <a:endParaRPr lang="en-US"/>
           </a:p>
@@ -11390,150 +12485,9 @@
           <a:bodyPr/>
           <a:lstStyle/>
           <a:p>
-            <a:fld id="{58C37697-90A4-4007-8C23-BAAA588B27B3}" type="datetime4">
-              <a:rPr lang="en-US" smtClean="0"/>
-              <a:t>August 14, 2019</a:t>
-            </a:fld>
-            <a:endParaRPr lang="en-US" dirty="0"/>
-          </a:p>
-        </p:txBody>
-      </p:sp>
-    </p:spTree>
-    <p:extLst>
-      <p:ext uri="{BB962C8B-B14F-4D97-AF65-F5344CB8AC3E}">
-        <p14:creationId xmlns:p14="http://schemas.microsoft.com/office/powerpoint/2010/main" val="2302241533"/>
-      </p:ext>
-    </p:extLst>
-  </p:cSld>
-  <p:clrMapOvr>
-    <a:masterClrMapping/>
-  </p:clrMapOvr>
-</p:sld>
-</file>
-
-<file path=ppt/slides/slide41.xml><?xml version="1.0" encoding="utf-8"?>
-<p:sld xmlns:a="http://schemas.openxmlformats.org/drawingml/2006/main" xmlns:r="http://schemas.openxmlformats.org/officeDocument/2006/relationships" xmlns:p="http://schemas.openxmlformats.org/presentationml/2006/main">
-  <p:cSld>
-    <p:spTree>
-      <p:nvGrpSpPr>
-        <p:cNvPr id="1" name=""/>
-        <p:cNvGrpSpPr/>
-        <p:nvPr/>
-      </p:nvGrpSpPr>
-      <p:grpSpPr>
-        <a:xfrm>
-          <a:off x="0" y="0"/>
-          <a:ext cx="0" cy="0"/>
-          <a:chOff x="0" y="0"/>
-          <a:chExt cx="0" cy="0"/>
-        </a:xfrm>
-      </p:grpSpPr>
-      <p:sp>
-        <p:nvSpPr>
-          <p:cNvPr id="7" name="Title 6"/>
-          <p:cNvSpPr>
-            <a:spLocks noGrp="1"/>
-          </p:cNvSpPr>
-          <p:nvPr>
-            <p:ph type="title"/>
-          </p:nvPr>
-        </p:nvSpPr>
-        <p:spPr/>
-        <p:txBody>
-          <a:bodyPr/>
-          <a:lstStyle/>
-          <a:p>
-            <a:endParaRPr lang="en-US"/>
-          </a:p>
-        </p:txBody>
-      </p:sp>
-      <p:sp>
-        <p:nvSpPr>
-          <p:cNvPr id="8" name="Text Placeholder 7"/>
-          <p:cNvSpPr>
-            <a:spLocks noGrp="1"/>
-          </p:cNvSpPr>
-          <p:nvPr>
-            <p:ph type="body" idx="1"/>
-          </p:nvPr>
-        </p:nvSpPr>
-        <p:spPr/>
-        <p:txBody>
-          <a:bodyPr/>
-          <a:lstStyle/>
-          <a:p>
-            <a:r>
-              <a:rPr lang="en-US" dirty="0" smtClean="0"/>
-              <a:t>Q&amp;A</a:t>
-            </a:r>
-            <a:endParaRPr lang="en-US" dirty="0"/>
-          </a:p>
-        </p:txBody>
-      </p:sp>
-      <p:sp>
-        <p:nvSpPr>
-          <p:cNvPr id="4" name="Slide Number Placeholder 3"/>
-          <p:cNvSpPr>
-            <a:spLocks noGrp="1"/>
-          </p:cNvSpPr>
-          <p:nvPr>
-            <p:ph type="sldNum" sz="quarter" idx="12"/>
-          </p:nvPr>
-        </p:nvSpPr>
-        <p:spPr/>
-        <p:txBody>
-          <a:bodyPr/>
-          <a:lstStyle/>
-          <a:p>
-            <a:fld id="{8848E627-D06A-4F0E-98E2-3D90458BE48C}" type="slidenum">
-              <a:rPr lang="en-US" smtClean="0"/>
-              <a:t>41</a:t>
-            </a:fld>
-            <a:endParaRPr lang="en-US"/>
-          </a:p>
-        </p:txBody>
-      </p:sp>
-      <p:sp>
-        <p:nvSpPr>
-          <p:cNvPr id="5" name="Footer Placeholder 4"/>
-          <p:cNvSpPr>
-            <a:spLocks noGrp="1"/>
-          </p:cNvSpPr>
-          <p:nvPr>
-            <p:ph type="ftr" sz="quarter" idx="3"/>
-          </p:nvPr>
-        </p:nvSpPr>
-        <p:spPr/>
-        <p:txBody>
-          <a:bodyPr/>
-          <a:lstStyle/>
-          <a:p>
-            <a:r>
-              <a:rPr lang="en-US" smtClean="0"/>
-              <a:t>CONFIDENTIAL &amp; PROPRIETARY</a:t>
-            </a:r>
-            <a:endParaRPr lang="en-US" dirty="0"/>
-          </a:p>
-        </p:txBody>
-      </p:sp>
-      <p:sp>
-        <p:nvSpPr>
-          <p:cNvPr id="6" name="Date Placeholder 5"/>
-          <p:cNvSpPr>
-            <a:spLocks noGrp="1"/>
-          </p:cNvSpPr>
-          <p:nvPr>
-            <p:ph type="dt" sz="half" idx="10"/>
-          </p:nvPr>
-        </p:nvSpPr>
-        <p:spPr/>
-        <p:txBody>
-          <a:bodyPr/>
-          <a:lstStyle/>
-          <a:p>
             <a:fld id="{CAEF89AF-97FF-41FD-A810-843DAB910B39}" type="datetime4">
               <a:rPr lang="en-US" smtClean="0"/>
-              <a:t>August 14, 2019</a:t>
+              <a:t>August 16, 2019</a:t>
             </a:fld>
             <a:endParaRPr lang="en-US" dirty="0"/>
           </a:p>
@@ -11586,7 +12540,7 @@
           <a:p>
             <a:r>
               <a:rPr lang="en-US" dirty="0" smtClean="0"/>
-              <a:t>Deployment Steps</a:t>
+              <a:t>Admin Page</a:t>
             </a:r>
             <a:endParaRPr lang="en-US" dirty="0"/>
           </a:p>
@@ -11604,246 +12558,10 @@
         </p:nvSpPr>
         <p:spPr/>
         <p:txBody>
-          <a:bodyPr>
-            <a:normAutofit fontScale="47500" lnSpcReduction="20000"/>
-          </a:bodyPr>
-          <a:lstStyle/>
-          <a:p>
-            <a:pPr marL="0" indent="0">
-              <a:buNone/>
-            </a:pPr>
-            <a:r>
-              <a:rPr lang="en-US" u="sng" dirty="0" smtClean="0"/>
-              <a:t>Dev</a:t>
-            </a:r>
-          </a:p>
-          <a:p>
-            <a:pPr marL="514350" indent="-514350">
-              <a:buFont typeface="+mj-lt"/>
-              <a:buAutoNum type="arabicPeriod"/>
-            </a:pPr>
-            <a:r>
-              <a:rPr lang="en-US" dirty="0" smtClean="0"/>
-              <a:t>Develop an app locally. </a:t>
-            </a:r>
-          </a:p>
-          <a:p>
-            <a:pPr marL="0" indent="0">
-              <a:buNone/>
-            </a:pPr>
-            <a:endParaRPr lang="en-US" dirty="0" smtClean="0"/>
-          </a:p>
-          <a:p>
-            <a:pPr marL="0" indent="0">
-              <a:buNone/>
-            </a:pPr>
-            <a:r>
-              <a:rPr lang="en-US" u="sng" dirty="0" smtClean="0"/>
-              <a:t>Staging</a:t>
-            </a:r>
-          </a:p>
-          <a:p>
-            <a:pPr marL="514350" indent="-514350">
-              <a:buFont typeface="+mj-lt"/>
-              <a:buAutoNum type="arabicPeriod" startAt="2"/>
-            </a:pPr>
-            <a:r>
-              <a:rPr lang="en-US" dirty="0" smtClean="0"/>
-              <a:t>Place the app folder in Staging location: </a:t>
-            </a:r>
-            <a:r>
-              <a:rPr lang="en-US" dirty="0" smtClean="0">
-                <a:hlinkClick r:id="rId2" action="ppaction://hlinkfile"/>
-              </a:rPr>
-              <a:t>\\analystfs\westcoastdata\Shiny\Staging</a:t>
-            </a:r>
-            <a:endParaRPr lang="en-US" dirty="0" smtClean="0"/>
-          </a:p>
-          <a:p>
-            <a:pPr marL="514350" indent="-514350">
-              <a:buFont typeface="+mj-lt"/>
-              <a:buAutoNum type="arabicPeriod" startAt="2"/>
-            </a:pPr>
-            <a:endParaRPr lang="en-US" dirty="0" smtClean="0"/>
-          </a:p>
-          <a:p>
-            <a:pPr marL="514350" indent="-514350">
-              <a:buFont typeface="+mj-lt"/>
-              <a:buAutoNum type="arabicPeriod" startAt="2"/>
-            </a:pPr>
-            <a:r>
-              <a:rPr lang="en-US" dirty="0" smtClean="0"/>
-              <a:t>Check your app on </a:t>
-            </a:r>
-            <a:r>
-              <a:rPr lang="en-US" dirty="0">
-                <a:hlinkClick r:id="rId3"/>
-              </a:rPr>
-              <a:t>http://rshinydev001:3838</a:t>
-            </a:r>
-            <a:r>
-              <a:rPr lang="en-US" dirty="0" smtClean="0">
-                <a:hlinkClick r:id="rId3"/>
-              </a:rPr>
-              <a:t>/</a:t>
-            </a:r>
-            <a:endParaRPr lang="en-US" dirty="0" smtClean="0"/>
-          </a:p>
-          <a:p>
-            <a:pPr marL="514350" indent="-514350">
-              <a:buFont typeface="+mj-lt"/>
-              <a:buAutoNum type="arabicPeriod" startAt="2"/>
-            </a:pPr>
-            <a:endParaRPr lang="en-US" dirty="0" smtClean="0"/>
-          </a:p>
-          <a:p>
-            <a:pPr marL="514350" indent="-514350">
-              <a:buFont typeface="+mj-lt"/>
-              <a:buAutoNum type="arabicPeriod" startAt="2"/>
-            </a:pPr>
-            <a:r>
-              <a:rPr lang="en-US" dirty="0" smtClean="0"/>
-              <a:t>If debugging is needed, do so here: </a:t>
-            </a:r>
-            <a:r>
-              <a:rPr lang="en-US" dirty="0">
-                <a:hlinkClick r:id="rId4"/>
-              </a:rPr>
-              <a:t>http://rshinydev001:8787</a:t>
-            </a:r>
-            <a:r>
-              <a:rPr lang="en-US" dirty="0" smtClean="0">
-                <a:hlinkClick r:id="rId4"/>
-              </a:rPr>
-              <a:t>/</a:t>
-            </a:r>
-            <a:endParaRPr lang="en-US" dirty="0" smtClean="0"/>
-          </a:p>
-          <a:p>
-            <a:pPr marL="0" indent="0">
-              <a:buNone/>
-            </a:pPr>
-            <a:endParaRPr lang="en-US" dirty="0" smtClean="0"/>
-          </a:p>
-          <a:p>
-            <a:pPr marL="0" indent="0">
-              <a:buNone/>
-            </a:pPr>
-            <a:r>
-              <a:rPr lang="en-US" u="sng" dirty="0" smtClean="0"/>
-              <a:t>PROD</a:t>
-            </a:r>
-          </a:p>
-          <a:p>
-            <a:pPr marL="514350" indent="-514350">
-              <a:buFont typeface="+mj-lt"/>
-              <a:buAutoNum type="arabicPeriod" startAt="5"/>
-            </a:pPr>
-            <a:r>
-              <a:rPr lang="en-US" dirty="0" smtClean="0"/>
-              <a:t>Once all working, place </a:t>
-            </a:r>
-            <a:r>
-              <a:rPr lang="en-US" dirty="0"/>
-              <a:t>the folder here: </a:t>
-            </a:r>
-            <a:r>
-              <a:rPr lang="en-US" dirty="0">
-                <a:hlinkClick r:id="rId5" action="ppaction://hlinkfile"/>
-              </a:rPr>
-              <a:t>\\</a:t>
-            </a:r>
-            <a:r>
-              <a:rPr lang="en-US" dirty="0" smtClean="0">
-                <a:hlinkClick r:id="rId5" action="ppaction://hlinkfile"/>
-              </a:rPr>
-              <a:t>analystfs\westcoastdata\Shiny\Prod</a:t>
-            </a:r>
-            <a:endParaRPr lang="en-US" dirty="0" smtClean="0"/>
-          </a:p>
-          <a:p>
-            <a:pPr marL="514350" indent="-514350">
-              <a:buFont typeface="+mj-lt"/>
-              <a:buAutoNum type="arabicPeriod" startAt="5"/>
-            </a:pPr>
-            <a:endParaRPr lang="en-US" dirty="0" smtClean="0"/>
-          </a:p>
-          <a:p>
-            <a:pPr marL="514350" indent="-514350">
-              <a:buFont typeface="+mj-lt"/>
-              <a:buAutoNum type="arabicPeriod" startAt="5"/>
-            </a:pPr>
-            <a:r>
-              <a:rPr lang="en-US" dirty="0" smtClean="0"/>
-              <a:t>Check your app on </a:t>
-            </a:r>
-            <a:r>
-              <a:rPr lang="en-US" dirty="0">
-                <a:hlinkClick r:id="rId6"/>
-              </a:rPr>
-              <a:t>https://analyze.teainc.org</a:t>
-            </a:r>
-            <a:r>
-              <a:rPr lang="en-US" dirty="0" smtClean="0">
-                <a:hlinkClick r:id="rId6"/>
-              </a:rPr>
-              <a:t>/</a:t>
-            </a:r>
-            <a:endParaRPr lang="en-US" dirty="0" smtClean="0"/>
-          </a:p>
-          <a:p>
-            <a:pPr marL="514350" indent="-514350">
-              <a:buFont typeface="+mj-lt"/>
-              <a:buAutoNum type="arabicPeriod" startAt="5"/>
-            </a:pPr>
-            <a:endParaRPr lang="en-US" dirty="0" smtClean="0"/>
-          </a:p>
-          <a:p>
-            <a:pPr marL="514350" indent="-514350">
-              <a:buFont typeface="+mj-lt"/>
-              <a:buAutoNum type="arabicPeriod" startAt="5"/>
-            </a:pPr>
-            <a:r>
-              <a:rPr lang="en-US" dirty="0" smtClean="0"/>
-              <a:t>Debug if necessary: </a:t>
-            </a:r>
-            <a:r>
-              <a:rPr lang="en-US" dirty="0">
-                <a:hlinkClick r:id="rId7"/>
-              </a:rPr>
-              <a:t>http://</a:t>
-            </a:r>
-            <a:r>
-              <a:rPr lang="en-US" dirty="0" smtClean="0">
-                <a:hlinkClick r:id="rId7"/>
-              </a:rPr>
-              <a:t>rshiny001:8787</a:t>
-            </a:r>
-            <a:endParaRPr lang="en-US" dirty="0" smtClean="0"/>
-          </a:p>
-          <a:p>
-            <a:pPr marL="514350" indent="-514350">
-              <a:buFont typeface="+mj-lt"/>
-              <a:buAutoNum type="arabicPeriod" startAt="5"/>
-            </a:pPr>
-            <a:endParaRPr lang="en-US" dirty="0" smtClean="0"/>
-          </a:p>
-          <a:p>
-            <a:pPr marL="514350" indent="-514350">
-              <a:buFont typeface="+mj-lt"/>
-              <a:buAutoNum type="arabicPeriod" startAt="5"/>
-            </a:pPr>
-            <a:r>
-              <a:rPr lang="en-US" dirty="0" smtClean="0"/>
-              <a:t>Check configurations with Brandon. </a:t>
-            </a:r>
-          </a:p>
-          <a:p>
-            <a:pPr marL="514350" indent="-514350">
-              <a:buFont typeface="+mj-lt"/>
-              <a:buAutoNum type="arabicPeriod" startAt="5"/>
-            </a:pPr>
-            <a:endParaRPr lang="en-US" dirty="0"/>
+          <a:bodyPr/>
+          <a:lstStyle/>
+          <a:p>
+            <a:endParaRPr lang="en-US"/>
           </a:p>
         </p:txBody>
       </p:sp>
@@ -11910,7 +12628,7 @@
           <a:p>
             <a:fld id="{CAEF89AF-97FF-41FD-A810-843DAB910B39}" type="datetime4">
               <a:rPr lang="en-US" smtClean="0"/>
-              <a:t>August 14, 2019</a:t>
+              <a:t>August 19, 2019</a:t>
             </a:fld>
             <a:endParaRPr lang="en-US" dirty="0"/>
           </a:p>
@@ -11919,7 +12637,7 @@
     </p:spTree>
     <p:extLst>
       <p:ext uri="{BB962C8B-B14F-4D97-AF65-F5344CB8AC3E}">
-        <p14:creationId xmlns:p14="http://schemas.microsoft.com/office/powerpoint/2010/main" val="992238374"/>
+        <p14:creationId xmlns:p14="http://schemas.microsoft.com/office/powerpoint/2010/main" val="347959092"/>
       </p:ext>
     </p:extLst>
   </p:cSld>
@@ -11948,7 +12666,7 @@
       </p:grpSpPr>
       <p:sp>
         <p:nvSpPr>
-          <p:cNvPr id="9" name="Title 8"/>
+          <p:cNvPr id="2" name="Title 1"/>
           <p:cNvSpPr>
             <a:spLocks noGrp="1"/>
           </p:cNvSpPr>
@@ -11963,15 +12681,15 @@
           <a:p>
             <a:r>
               <a:rPr lang="en-US" dirty="0" smtClean="0"/>
-              <a:t>Demo</a:t>
-            </a:r>
-            <a:endParaRPr lang="en-US" dirty="0"/>
-          </a:p>
-        </p:txBody>
-      </p:sp>
-      <p:sp>
-        <p:nvSpPr>
-          <p:cNvPr id="8" name="Text Placeholder 7"/>
+              <a:t>Deployment Steps</a:t>
+            </a:r>
+            <a:endParaRPr lang="en-US" dirty="0"/>
+          </a:p>
+        </p:txBody>
+      </p:sp>
+      <p:sp>
+        <p:nvSpPr>
+          <p:cNvPr id="3" name="Content Placeholder 2"/>
           <p:cNvSpPr>
             <a:spLocks noGrp="1"/>
           </p:cNvSpPr>
@@ -11981,14 +12699,239 @@
         </p:nvSpPr>
         <p:spPr/>
         <p:txBody>
-          <a:bodyPr/>
-          <a:lstStyle/>
-          <a:p>
-            <a:r>
-              <a:rPr lang="en-US" dirty="0" smtClean="0"/>
-              <a:t>Deployment to Staging</a:t>
-            </a:r>
-            <a:endParaRPr lang="en-US" dirty="0"/>
+          <a:bodyPr>
+            <a:normAutofit fontScale="47500" lnSpcReduction="20000"/>
+          </a:bodyPr>
+          <a:lstStyle/>
+          <a:p>
+            <a:pPr marL="0" indent="0">
+              <a:buNone/>
+            </a:pPr>
+            <a:r>
+              <a:rPr lang="en-US" u="sng" dirty="0" smtClean="0"/>
+              <a:t>Dev</a:t>
+            </a:r>
+          </a:p>
+          <a:p>
+            <a:pPr marL="514350" indent="-514350">
+              <a:buFont typeface="+mj-lt"/>
+              <a:buAutoNum type="arabicPeriod"/>
+            </a:pPr>
+            <a:r>
+              <a:rPr lang="en-US" dirty="0" smtClean="0"/>
+              <a:t>Develop an app locally. </a:t>
+            </a:r>
+          </a:p>
+          <a:p>
+            <a:pPr marL="0" indent="0">
+              <a:buNone/>
+            </a:pPr>
+            <a:endParaRPr lang="en-US" dirty="0" smtClean="0"/>
+          </a:p>
+          <a:p>
+            <a:pPr marL="0" indent="0">
+              <a:buNone/>
+            </a:pPr>
+            <a:r>
+              <a:rPr lang="en-US" u="sng" dirty="0" smtClean="0"/>
+              <a:t>Staging</a:t>
+            </a:r>
+          </a:p>
+          <a:p>
+            <a:pPr marL="514350" indent="-514350">
+              <a:buFont typeface="+mj-lt"/>
+              <a:buAutoNum type="arabicPeriod" startAt="2"/>
+            </a:pPr>
+            <a:r>
+              <a:rPr lang="en-US" dirty="0" smtClean="0"/>
+              <a:t>Place the app folder in Staging location: </a:t>
+            </a:r>
+            <a:r>
+              <a:rPr lang="en-US" dirty="0" smtClean="0">
+                <a:hlinkClick r:id="rId2" action="ppaction://hlinkfile"/>
+              </a:rPr>
+              <a:t>\\analystfs\westcoastdata\Shiny\Staging</a:t>
+            </a:r>
+            <a:endParaRPr lang="en-US" dirty="0" smtClean="0"/>
+          </a:p>
+          <a:p>
+            <a:pPr marL="514350" indent="-514350">
+              <a:buFont typeface="+mj-lt"/>
+              <a:buAutoNum type="arabicPeriod" startAt="2"/>
+            </a:pPr>
+            <a:endParaRPr lang="en-US" dirty="0" smtClean="0"/>
+          </a:p>
+          <a:p>
+            <a:pPr marL="514350" indent="-514350">
+              <a:buFont typeface="+mj-lt"/>
+              <a:buAutoNum type="arabicPeriod" startAt="2"/>
+            </a:pPr>
+            <a:r>
+              <a:rPr lang="en-US" dirty="0" smtClean="0"/>
+              <a:t>Check your app on </a:t>
+            </a:r>
+            <a:r>
+              <a:rPr lang="en-US" dirty="0">
+                <a:hlinkClick r:id="rId3"/>
+              </a:rPr>
+              <a:t>http://rshinydev001:3838</a:t>
+            </a:r>
+            <a:r>
+              <a:rPr lang="en-US" dirty="0" smtClean="0">
+                <a:hlinkClick r:id="rId3"/>
+              </a:rPr>
+              <a:t>/</a:t>
+            </a:r>
+            <a:endParaRPr lang="en-US" dirty="0" smtClean="0"/>
+          </a:p>
+          <a:p>
+            <a:pPr marL="514350" indent="-514350">
+              <a:buFont typeface="+mj-lt"/>
+              <a:buAutoNum type="arabicPeriod" startAt="2"/>
+            </a:pPr>
+            <a:endParaRPr lang="en-US" dirty="0" smtClean="0"/>
+          </a:p>
+          <a:p>
+            <a:pPr marL="514350" indent="-514350">
+              <a:buFont typeface="+mj-lt"/>
+              <a:buAutoNum type="arabicPeriod" startAt="2"/>
+            </a:pPr>
+            <a:r>
+              <a:rPr lang="en-US" dirty="0" smtClean="0"/>
+              <a:t>If debugging is needed, do so here: </a:t>
+            </a:r>
+            <a:r>
+              <a:rPr lang="en-US" dirty="0">
+                <a:hlinkClick r:id="rId4"/>
+              </a:rPr>
+              <a:t>http://rshinydev001:8787</a:t>
+            </a:r>
+            <a:r>
+              <a:rPr lang="en-US" dirty="0" smtClean="0">
+                <a:hlinkClick r:id="rId4"/>
+              </a:rPr>
+              <a:t>/</a:t>
+            </a:r>
+            <a:endParaRPr lang="en-US" dirty="0" smtClean="0"/>
+          </a:p>
+          <a:p>
+            <a:pPr marL="514350" indent="-514350">
+              <a:buFont typeface="+mj-lt"/>
+              <a:buAutoNum type="arabicPeriod" startAt="2"/>
+            </a:pPr>
+            <a:r>
+              <a:rPr lang="en-US" dirty="0" smtClean="0"/>
+              <a:t>Security test. </a:t>
+            </a:r>
+          </a:p>
+          <a:p>
+            <a:pPr marL="0" indent="0">
+              <a:buNone/>
+            </a:pPr>
+            <a:endParaRPr lang="en-US" dirty="0" smtClean="0"/>
+          </a:p>
+          <a:p>
+            <a:pPr marL="0" indent="0">
+              <a:buNone/>
+            </a:pPr>
+            <a:r>
+              <a:rPr lang="en-US" u="sng" dirty="0" smtClean="0"/>
+              <a:t>PROD</a:t>
+            </a:r>
+          </a:p>
+          <a:p>
+            <a:pPr marL="514350" indent="-514350">
+              <a:buFont typeface="+mj-lt"/>
+              <a:buAutoNum type="arabicPeriod" startAt="5"/>
+            </a:pPr>
+            <a:r>
+              <a:rPr lang="en-US" dirty="0" smtClean="0"/>
+              <a:t>Once all working, place </a:t>
+            </a:r>
+            <a:r>
+              <a:rPr lang="en-US" dirty="0"/>
+              <a:t>the folder here: </a:t>
+            </a:r>
+            <a:r>
+              <a:rPr lang="en-US" dirty="0">
+                <a:hlinkClick r:id="rId5" action="ppaction://hlinkfile"/>
+              </a:rPr>
+              <a:t>\\</a:t>
+            </a:r>
+            <a:r>
+              <a:rPr lang="en-US" dirty="0" smtClean="0">
+                <a:hlinkClick r:id="rId5" action="ppaction://hlinkfile"/>
+              </a:rPr>
+              <a:t>analystfs\westcoastdata\Shiny\Prod</a:t>
+            </a:r>
+            <a:endParaRPr lang="en-US" dirty="0" smtClean="0"/>
+          </a:p>
+          <a:p>
+            <a:pPr marL="514350" indent="-514350">
+              <a:buFont typeface="+mj-lt"/>
+              <a:buAutoNum type="arabicPeriod" startAt="5"/>
+            </a:pPr>
+            <a:endParaRPr lang="en-US" dirty="0" smtClean="0"/>
+          </a:p>
+          <a:p>
+            <a:pPr marL="514350" indent="-514350">
+              <a:buFont typeface="+mj-lt"/>
+              <a:buAutoNum type="arabicPeriod" startAt="5"/>
+            </a:pPr>
+            <a:r>
+              <a:rPr lang="en-US" dirty="0" smtClean="0"/>
+              <a:t>Check your app on </a:t>
+            </a:r>
+            <a:r>
+              <a:rPr lang="en-US" dirty="0">
+                <a:hlinkClick r:id="rId6"/>
+              </a:rPr>
+              <a:t>https://analyze.teainc.org</a:t>
+            </a:r>
+            <a:r>
+              <a:rPr lang="en-US" dirty="0" smtClean="0">
+                <a:hlinkClick r:id="rId6"/>
+              </a:rPr>
+              <a:t>/</a:t>
+            </a:r>
+            <a:endParaRPr lang="en-US" dirty="0" smtClean="0"/>
+          </a:p>
+          <a:p>
+            <a:pPr marL="514350" indent="-514350">
+              <a:buFont typeface="+mj-lt"/>
+              <a:buAutoNum type="arabicPeriod" startAt="5"/>
+            </a:pPr>
+            <a:endParaRPr lang="en-US" dirty="0" smtClean="0"/>
+          </a:p>
+          <a:p>
+            <a:pPr marL="514350" indent="-514350">
+              <a:buFont typeface="+mj-lt"/>
+              <a:buAutoNum type="arabicPeriod" startAt="5"/>
+            </a:pPr>
+            <a:r>
+              <a:rPr lang="en-US" dirty="0" smtClean="0"/>
+              <a:t>Debug if necessary: </a:t>
+            </a:r>
+            <a:r>
+              <a:rPr lang="en-US" dirty="0">
+                <a:hlinkClick r:id="rId7"/>
+              </a:rPr>
+              <a:t>http://</a:t>
+            </a:r>
+            <a:r>
+              <a:rPr lang="en-US" dirty="0" smtClean="0">
+                <a:hlinkClick r:id="rId7"/>
+              </a:rPr>
+              <a:t>rshiny001:8787</a:t>
+            </a:r>
+            <a:endParaRPr lang="en-US" dirty="0" smtClean="0"/>
+          </a:p>
+          <a:p>
+            <a:pPr marL="514350" indent="-514350">
+              <a:buFont typeface="+mj-lt"/>
+              <a:buAutoNum type="arabicPeriod" startAt="5"/>
+            </a:pPr>
+            <a:endParaRPr lang="en-US" dirty="0" smtClean="0"/>
           </a:p>
         </p:txBody>
       </p:sp>
@@ -12055,7 +12998,7 @@
           <a:p>
             <a:fld id="{CAEF89AF-97FF-41FD-A810-843DAB910B39}" type="datetime4">
               <a:rPr lang="en-US" smtClean="0"/>
-              <a:t>August 14, 2019</a:t>
+              <a:t>August 16, 2019</a:t>
             </a:fld>
             <a:endParaRPr lang="en-US" dirty="0"/>
           </a:p>
@@ -12064,7 +13007,7 @@
     </p:spTree>
     <p:extLst>
       <p:ext uri="{BB962C8B-B14F-4D97-AF65-F5344CB8AC3E}">
-        <p14:creationId xmlns:p14="http://schemas.microsoft.com/office/powerpoint/2010/main" val="3727578142"/>
+        <p14:creationId xmlns:p14="http://schemas.microsoft.com/office/powerpoint/2010/main" val="992238374"/>
       </p:ext>
     </p:extLst>
   </p:cSld>
@@ -12093,6 +13036,151 @@
       </p:grpSpPr>
       <p:sp>
         <p:nvSpPr>
+          <p:cNvPr id="9" name="Title 8"/>
+          <p:cNvSpPr>
+            <a:spLocks noGrp="1"/>
+          </p:cNvSpPr>
+          <p:nvPr>
+            <p:ph type="title"/>
+          </p:nvPr>
+        </p:nvSpPr>
+        <p:spPr/>
+        <p:txBody>
+          <a:bodyPr/>
+          <a:lstStyle/>
+          <a:p>
+            <a:r>
+              <a:rPr lang="en-US" dirty="0" smtClean="0"/>
+              <a:t>Demo</a:t>
+            </a:r>
+            <a:endParaRPr lang="en-US" dirty="0"/>
+          </a:p>
+        </p:txBody>
+      </p:sp>
+      <p:sp>
+        <p:nvSpPr>
+          <p:cNvPr id="8" name="Text Placeholder 7"/>
+          <p:cNvSpPr>
+            <a:spLocks noGrp="1"/>
+          </p:cNvSpPr>
+          <p:nvPr>
+            <p:ph idx="1"/>
+          </p:nvPr>
+        </p:nvSpPr>
+        <p:spPr/>
+        <p:txBody>
+          <a:bodyPr/>
+          <a:lstStyle/>
+          <a:p>
+            <a:r>
+              <a:rPr lang="en-US" dirty="0" smtClean="0"/>
+              <a:t>Deployment to Staging</a:t>
+            </a:r>
+            <a:endParaRPr lang="en-US" dirty="0"/>
+          </a:p>
+        </p:txBody>
+      </p:sp>
+      <p:sp>
+        <p:nvSpPr>
+          <p:cNvPr id="4" name="Slide Number Placeholder 3"/>
+          <p:cNvSpPr>
+            <a:spLocks noGrp="1"/>
+          </p:cNvSpPr>
+          <p:nvPr>
+            <p:ph type="sldNum" sz="quarter" idx="12"/>
+          </p:nvPr>
+        </p:nvSpPr>
+        <p:spPr/>
+        <p:txBody>
+          <a:bodyPr/>
+          <a:lstStyle/>
+          <a:p>
+            <a:fld id="{8848E627-D06A-4F0E-98E2-3D90458BE48C}" type="slidenum">
+              <a:rPr lang="en-US" smtClean="0"/>
+              <a:t>7</a:t>
+            </a:fld>
+            <a:endParaRPr lang="en-US"/>
+          </a:p>
+        </p:txBody>
+      </p:sp>
+      <p:sp>
+        <p:nvSpPr>
+          <p:cNvPr id="5" name="Footer Placeholder 4"/>
+          <p:cNvSpPr>
+            <a:spLocks noGrp="1"/>
+          </p:cNvSpPr>
+          <p:nvPr>
+            <p:ph type="ftr" sz="quarter" idx="3"/>
+          </p:nvPr>
+        </p:nvSpPr>
+        <p:spPr/>
+        <p:txBody>
+          <a:bodyPr/>
+          <a:lstStyle/>
+          <a:p>
+            <a:r>
+              <a:rPr lang="en-US" smtClean="0"/>
+              <a:t>CONFIDENTIAL &amp; PROPRIETARY</a:t>
+            </a:r>
+            <a:endParaRPr lang="en-US" dirty="0"/>
+          </a:p>
+        </p:txBody>
+      </p:sp>
+      <p:sp>
+        <p:nvSpPr>
+          <p:cNvPr id="6" name="Date Placeholder 5"/>
+          <p:cNvSpPr>
+            <a:spLocks noGrp="1"/>
+          </p:cNvSpPr>
+          <p:nvPr>
+            <p:ph type="dt" sz="half" idx="10"/>
+          </p:nvPr>
+        </p:nvSpPr>
+        <p:spPr/>
+        <p:txBody>
+          <a:bodyPr/>
+          <a:lstStyle/>
+          <a:p>
+            <a:fld id="{CAEF89AF-97FF-41FD-A810-843DAB910B39}" type="datetime4">
+              <a:rPr lang="en-US" smtClean="0"/>
+              <a:t>August 16, 2019</a:t>
+            </a:fld>
+            <a:endParaRPr lang="en-US" dirty="0"/>
+          </a:p>
+        </p:txBody>
+      </p:sp>
+    </p:spTree>
+    <p:extLst>
+      <p:ext uri="{BB962C8B-B14F-4D97-AF65-F5344CB8AC3E}">
+        <p14:creationId xmlns:p14="http://schemas.microsoft.com/office/powerpoint/2010/main" val="3727578142"/>
+      </p:ext>
+    </p:extLst>
+  </p:cSld>
+  <p:clrMapOvr>
+    <a:masterClrMapping/>
+  </p:clrMapOvr>
+</p:sld>
+</file>
+
+<file path=ppt/slides/slide8.xml><?xml version="1.0" encoding="utf-8"?>
+<p:sld xmlns:a="http://schemas.openxmlformats.org/drawingml/2006/main" xmlns:r="http://schemas.openxmlformats.org/officeDocument/2006/relationships" xmlns:p="http://schemas.openxmlformats.org/presentationml/2006/main">
+  <p:cSld>
+    <p:spTree>
+      <p:nvGrpSpPr>
+        <p:cNvPr id="1" name=""/>
+        <p:cNvGrpSpPr/>
+        <p:nvPr/>
+      </p:nvGrpSpPr>
+      <p:grpSpPr>
+        <a:xfrm>
+          <a:off x="0" y="0"/>
+          <a:ext cx="0" cy="0"/>
+          <a:chOff x="0" y="0"/>
+          <a:chExt cx="0" cy="0"/>
+        </a:xfrm>
+      </p:grpSpPr>
+      <p:sp>
+        <p:nvSpPr>
           <p:cNvPr id="2" name="Title 1"/>
           <p:cNvSpPr>
             <a:spLocks noGrp="1"/>
@@ -12403,7 +13491,7 @@
           <a:p>
             <a:fld id="{8848E627-D06A-4F0E-98E2-3D90458BE48C}" type="slidenum">
               <a:rPr lang="en-US" smtClean="0"/>
-              <a:t>7</a:t>
+              <a:t>8</a:t>
             </a:fld>
             <a:endParaRPr lang="en-US"/>
           </a:p>
@@ -12449,7 +13537,7 @@
           <a:p>
             <a:fld id="{CAEF89AF-97FF-41FD-A810-843DAB910B39}" type="datetime4">
               <a:rPr lang="en-US" smtClean="0"/>
-              <a:t>August 14, 2019</a:t>
+              <a:t>August 16, 2019</a:t>
             </a:fld>
             <a:endParaRPr lang="en-US" dirty="0"/>
           </a:p>
@@ -12713,17 +13801,6 @@
             </a:endParaRPr>
           </a:p>
           <a:p>
-            <a:pPr marL="514350" indent="-514350" algn="r">
-              <a:buFont typeface="+mj-lt"/>
-              <a:buAutoNum type="arabicPeriod" startAt="5"/>
-            </a:pPr>
-            <a:endParaRPr lang="en-US" sz="1500" dirty="0">
-              <a:solidFill>
-                <a:schemeClr val="accent3"/>
-              </a:solidFill>
-            </a:endParaRPr>
-          </a:p>
-          <a:p>
             <a:pPr marL="0" indent="0" algn="r">
               <a:buNone/>
             </a:pPr>
@@ -12733,13 +13810,29 @@
                   <a:schemeClr val="accent3"/>
                 </a:solidFill>
               </a:rPr>
-              <a:t>Merge staging branch into master.</a:t>
+              <a:t>Merge </a:t>
+            </a:r>
+            <a:r>
+              <a:rPr lang="en-US" sz="1500" dirty="0" smtClean="0">
+                <a:solidFill>
+                  <a:schemeClr val="accent3"/>
+                </a:solidFill>
+              </a:rPr>
+              <a:t>staging branch into master.</a:t>
             </a:r>
           </a:p>
           <a:p>
             <a:pPr marL="0" indent="0" algn="r">
               <a:buNone/>
             </a:pPr>
+            <a:r>
+              <a:rPr lang="en-US" sz="1500" dirty="0" smtClean="0">
+                <a:solidFill>
+                  <a:schemeClr val="accent3"/>
+                </a:solidFill>
+              </a:rPr>
+              <a:t>Check nobody is using the app.</a:t>
+            </a:r>
             <a:endParaRPr lang="en-US" sz="1500" dirty="0">
               <a:solidFill>
                 <a:schemeClr val="accent3"/>
@@ -12824,200 +13917,6 @@
   <p:clrMapOvr>
     <a:masterClrMapping/>
   </p:clrMapOvr>
-</p:sld>
-</file>
-
-<file path=ppt/slides/slide8.xml><?xml version="1.0" encoding="utf-8"?>
-<p:sld xmlns:a="http://schemas.openxmlformats.org/drawingml/2006/main" xmlns:r="http://schemas.openxmlformats.org/officeDocument/2006/relationships" xmlns:p="http://schemas.openxmlformats.org/presentationml/2006/main">
-  <p:cSld>
-    <p:spTree>
-      <p:nvGrpSpPr>
-        <p:cNvPr id="1" name=""/>
-        <p:cNvGrpSpPr/>
-        <p:nvPr/>
-      </p:nvGrpSpPr>
-      <p:grpSpPr>
-        <a:xfrm>
-          <a:off x="0" y="0"/>
-          <a:ext cx="0" cy="0"/>
-          <a:chOff x="0" y="0"/>
-          <a:chExt cx="0" cy="0"/>
-        </a:xfrm>
-      </p:grpSpPr>
-      <p:sp>
-        <p:nvSpPr>
-          <p:cNvPr id="2" name="Title 1"/>
-          <p:cNvSpPr>
-            <a:spLocks noGrp="1"/>
-          </p:cNvSpPr>
-          <p:nvPr>
-            <p:ph type="title"/>
-          </p:nvPr>
-        </p:nvSpPr>
-        <p:spPr/>
-        <p:txBody>
-          <a:bodyPr/>
-          <a:lstStyle/>
-          <a:p>
-            <a:r>
-              <a:rPr lang="en-US" dirty="0" smtClean="0"/>
-              <a:t>App Configurations</a:t>
-            </a:r>
-            <a:endParaRPr lang="en-US" dirty="0"/>
-          </a:p>
-        </p:txBody>
-      </p:sp>
-      <p:sp>
-        <p:nvSpPr>
-          <p:cNvPr id="3" name="Content Placeholder 2"/>
-          <p:cNvSpPr>
-            <a:spLocks noGrp="1"/>
-          </p:cNvSpPr>
-          <p:nvPr>
-            <p:ph idx="1"/>
-          </p:nvPr>
-        </p:nvSpPr>
-        <p:spPr/>
-        <p:txBody>
-          <a:bodyPr/>
-          <a:lstStyle/>
-          <a:p>
-            <a:r>
-              <a:rPr lang="en-US" dirty="0" smtClean="0"/>
-              <a:t>User Groups</a:t>
-            </a:r>
-          </a:p>
-          <a:p>
-            <a:r>
-              <a:rPr lang="en-US" dirty="0" smtClean="0"/>
-              <a:t>Timeout</a:t>
-            </a:r>
-          </a:p>
-          <a:p>
-            <a:pPr lvl="1"/>
-            <a:r>
-              <a:rPr lang="en-US" dirty="0" smtClean="0"/>
-              <a:t>Default: 30 min</a:t>
-            </a:r>
-          </a:p>
-          <a:p>
-            <a:pPr lvl="1"/>
-            <a:endParaRPr lang="en-US" dirty="0" smtClean="0"/>
-          </a:p>
-          <a:p>
-            <a:r>
-              <a:rPr lang="en-US" dirty="0" smtClean="0"/>
-              <a:t>Error Log</a:t>
-            </a:r>
-          </a:p>
-          <a:p>
-            <a:pPr lvl="1"/>
-            <a:r>
-              <a:rPr lang="en-US" dirty="0">
-                <a:hlinkClick r:id="rId2" action="ppaction://hlinkfile"/>
-              </a:rPr>
-              <a:t>\\</a:t>
-            </a:r>
-            <a:r>
-              <a:rPr lang="en-US" dirty="0" smtClean="0">
-                <a:hlinkClick r:id="rId2" action="ppaction://hlinkfile"/>
-              </a:rPr>
-              <a:t>analystfs\westcoastdata\Shiny\Logs</a:t>
-            </a:r>
-            <a:endParaRPr lang="en-US" dirty="0" smtClean="0"/>
-          </a:p>
-          <a:p>
-            <a:pPr lvl="1"/>
-            <a:endParaRPr lang="en-US" dirty="0"/>
-          </a:p>
-        </p:txBody>
-      </p:sp>
-      <p:sp>
-        <p:nvSpPr>
-          <p:cNvPr id="4" name="Slide Number Placeholder 3"/>
-          <p:cNvSpPr>
-            <a:spLocks noGrp="1"/>
-          </p:cNvSpPr>
-          <p:nvPr>
-            <p:ph type="sldNum" sz="quarter" idx="12"/>
-          </p:nvPr>
-        </p:nvSpPr>
-        <p:spPr/>
-        <p:txBody>
-          <a:bodyPr/>
-          <a:lstStyle/>
-          <a:p>
-            <a:fld id="{8848E627-D06A-4F0E-98E2-3D90458BE48C}" type="slidenum">
-              <a:rPr lang="en-US" smtClean="0"/>
-              <a:t>8</a:t>
-            </a:fld>
-            <a:endParaRPr lang="en-US"/>
-          </a:p>
-        </p:txBody>
-      </p:sp>
-      <p:sp>
-        <p:nvSpPr>
-          <p:cNvPr id="5" name="Footer Placeholder 4"/>
-          <p:cNvSpPr>
-            <a:spLocks noGrp="1"/>
-          </p:cNvSpPr>
-          <p:nvPr>
-            <p:ph type="ftr" sz="quarter" idx="3"/>
-          </p:nvPr>
-        </p:nvSpPr>
-        <p:spPr/>
-        <p:txBody>
-          <a:bodyPr/>
-          <a:lstStyle/>
-          <a:p>
-            <a:r>
-              <a:rPr lang="en-US" smtClean="0"/>
-              <a:t>CONFIDENTIAL &amp; PROPRIETARY</a:t>
-            </a:r>
-            <a:endParaRPr lang="en-US" dirty="0"/>
-          </a:p>
-        </p:txBody>
-      </p:sp>
-      <p:sp>
-        <p:nvSpPr>
-          <p:cNvPr id="6" name="Date Placeholder 5"/>
-          <p:cNvSpPr>
-            <a:spLocks noGrp="1"/>
-          </p:cNvSpPr>
-          <p:nvPr>
-            <p:ph type="dt" sz="half" idx="10"/>
-          </p:nvPr>
-        </p:nvSpPr>
-        <p:spPr/>
-        <p:txBody>
-          <a:bodyPr/>
-          <a:lstStyle/>
-          <a:p>
-            <a:fld id="{CAEF89AF-97FF-41FD-A810-843DAB910B39}" type="datetime4">
-              <a:rPr lang="en-US" smtClean="0"/>
-              <a:t>August 14, 2019</a:t>
-            </a:fld>
-            <a:endParaRPr lang="en-US" dirty="0"/>
-          </a:p>
-        </p:txBody>
-      </p:sp>
-    </p:spTree>
-    <p:extLst>
-      <p:ext uri="{BB962C8B-B14F-4D97-AF65-F5344CB8AC3E}">
-        <p14:creationId xmlns:p14="http://schemas.microsoft.com/office/powerpoint/2010/main" val="3736307437"/>
-      </p:ext>
-    </p:extLst>
-  </p:cSld>
-  <p:clrMapOvr>
-    <a:masterClrMapping/>
-  </p:clrMapOvr>
-  <p:timing>
-    <p:tnLst>
-      <p:par>
-        <p:cTn id="1" dur="indefinite" restart="never" nodeType="tmRoot"/>
-      </p:par>
-    </p:tnLst>
-  </p:timing>
 </p:sld>
 </file>
 
@@ -13055,7 +13954,7 @@
           <a:p>
             <a:r>
               <a:rPr lang="en-US" dirty="0" smtClean="0"/>
-              <a:t>Accessing Network Files</a:t>
+              <a:t>App Configurations/Security</a:t>
             </a:r>
             <a:endParaRPr lang="en-US" dirty="0"/>
           </a:p>
@@ -13074,141 +13973,110 @@
         <p:spPr/>
         <p:txBody>
           <a:bodyPr>
-            <a:normAutofit fontScale="77500" lnSpcReduction="20000"/>
+            <a:normAutofit fontScale="70000" lnSpcReduction="20000"/>
           </a:bodyPr>
           <a:lstStyle/>
           <a:p>
             <a:r>
               <a:rPr lang="en-US" dirty="0" smtClean="0"/>
-              <a:t>Certain network locations are visible from Shiny Server. (Mounting).</a:t>
+              <a:t>User Groups</a:t>
             </a:r>
           </a:p>
           <a:p>
             <a:pPr lvl="1"/>
+            <a:r>
+              <a:rPr lang="en-US" dirty="0" smtClean="0"/>
+              <a:t>Who are added. </a:t>
+            </a:r>
+          </a:p>
+          <a:p>
+            <a:pPr lvl="1"/>
+            <a:r>
+              <a:rPr lang="en-US" dirty="0" smtClean="0"/>
+              <a:t>One person can be in multiple groups. </a:t>
+            </a:r>
+          </a:p>
+          <a:p>
+            <a:pPr lvl="1"/>
+            <a:r>
+              <a:rPr lang="en-US" dirty="0" smtClean="0"/>
+              <a:t>Company as a group</a:t>
+            </a:r>
+          </a:p>
+          <a:p>
+            <a:pPr lvl="1"/>
+            <a:r>
+              <a:rPr lang="en-US" dirty="0" smtClean="0"/>
+              <a:t>Permission level per group</a:t>
+            </a:r>
+          </a:p>
+          <a:p>
+            <a:pPr lvl="1"/>
+            <a:r>
+              <a:rPr lang="en-US" dirty="0" smtClean="0"/>
+              <a:t>External client needs teainc.org email. </a:t>
+            </a:r>
+          </a:p>
+          <a:p>
+            <a:pPr lvl="1"/>
+            <a:r>
+              <a:rPr lang="en-US" dirty="0" smtClean="0"/>
+              <a:t>Default: All analysts, IT admin (Brandon)</a:t>
+            </a:r>
+          </a:p>
+          <a:p>
+            <a:r>
+              <a:rPr lang="en-US" dirty="0" smtClean="0"/>
+              <a:t>Timeout</a:t>
+            </a:r>
+          </a:p>
+          <a:p>
+            <a:pPr lvl="1"/>
+            <a:r>
+              <a:rPr lang="en-US" dirty="0" smtClean="0"/>
+              <a:t>Default: 30 min</a:t>
+            </a:r>
+          </a:p>
+          <a:p>
+            <a:pPr lvl="1"/>
+            <a:r>
+              <a:rPr lang="en-US" dirty="0" smtClean="0"/>
+              <a:t>1 sec ~ indefinite. </a:t>
+            </a:r>
+          </a:p>
+          <a:p>
+            <a:r>
+              <a:rPr lang="en-US" dirty="0" smtClean="0"/>
+              <a:t>Subfolders</a:t>
+            </a:r>
+          </a:p>
+          <a:p>
+            <a:endParaRPr lang="en-US" dirty="0" smtClean="0"/>
+          </a:p>
+          <a:p>
+            <a:r>
+              <a:rPr lang="en-US" dirty="0" smtClean="0"/>
+              <a:t>Error Log -- ????</a:t>
+            </a:r>
+          </a:p>
+          <a:p>
+            <a:pPr lvl="1"/>
+            <a:r>
+              <a:rPr lang="en-US" dirty="0">
+                <a:hlinkClick r:id="rId2" action="ppaction://hlinkfile"/>
+              </a:rPr>
+              <a:t>\\</a:t>
+            </a:r>
             <a:r>
               <a:rPr lang="en-US" dirty="0" smtClean="0">
                 <a:hlinkClick r:id="rId2" action="ppaction://hlinkfile"/>
               </a:rPr>
-              <a:t>\\Analystfs\westcoastdata</a:t>
-            </a:r>
-            <a:r>
-              <a:rPr lang="en-US" dirty="0" smtClean="0"/>
-              <a:t> </a:t>
-            </a:r>
-          </a:p>
-          <a:p>
-            <a:pPr marL="457200" lvl="1" indent="0">
-              <a:buNone/>
-            </a:pPr>
-            <a:r>
-              <a:rPr lang="en-US" dirty="0" smtClean="0">
-                <a:sym typeface="Wingdings" panose="05000000000000000000" pitchFamily="2" charset="2"/>
-              </a:rPr>
-              <a:t>     </a:t>
-            </a:r>
-            <a:r>
-              <a:rPr lang="en-US" dirty="0" smtClean="0"/>
-              <a:t>   /</a:t>
-            </a:r>
-            <a:r>
-              <a:rPr lang="en-US" dirty="0" err="1" smtClean="0"/>
-              <a:t>mnt</a:t>
-            </a:r>
-            <a:r>
-              <a:rPr lang="en-US" dirty="0" smtClean="0"/>
-              <a:t>/</a:t>
-            </a:r>
-            <a:r>
-              <a:rPr lang="en-US" dirty="0" err="1" smtClean="0"/>
-              <a:t>analystfs</a:t>
-            </a:r>
-            <a:r>
-              <a:rPr lang="en-US" dirty="0" smtClean="0"/>
-              <a:t>/</a:t>
-            </a:r>
-            <a:r>
-              <a:rPr lang="en-US" dirty="0" err="1" smtClean="0"/>
-              <a:t>westcoastdata</a:t>
+              <a:t>analystfs\westcoastdata\Shiny\Logs</a:t>
             </a:r>
             <a:endParaRPr lang="en-US" dirty="0" smtClean="0"/>
           </a:p>
           <a:p>
             <a:pPr lvl="1"/>
-            <a:r>
-              <a:rPr lang="en-US" dirty="0">
-                <a:hlinkClick r:id="rId3" action="ppaction://hlinkfile"/>
-              </a:rPr>
-              <a:t>\\</a:t>
-            </a:r>
-            <a:r>
-              <a:rPr lang="en-US" dirty="0" smtClean="0">
-                <a:hlinkClick r:id="rId3" action="ppaction://hlinkfile"/>
-              </a:rPr>
-              <a:t>seaanalystfs1\Data</a:t>
-            </a:r>
-            <a:r>
-              <a:rPr lang="en-US" dirty="0" smtClean="0"/>
-              <a:t> </a:t>
-            </a:r>
-          </a:p>
-          <a:p>
-            <a:pPr marL="457200" lvl="1" indent="0">
-              <a:buNone/>
-            </a:pPr>
-            <a:r>
-              <a:rPr lang="en-US" dirty="0">
-                <a:sym typeface="Wingdings" panose="05000000000000000000" pitchFamily="2" charset="2"/>
-              </a:rPr>
-              <a:t> </a:t>
-            </a:r>
-            <a:r>
-              <a:rPr lang="en-US" dirty="0" smtClean="0">
-                <a:sym typeface="Wingdings" panose="05000000000000000000" pitchFamily="2" charset="2"/>
-              </a:rPr>
-              <a:t>    /</a:t>
-            </a:r>
-            <a:r>
-              <a:rPr lang="en-US" dirty="0" err="1" smtClean="0">
-                <a:sym typeface="Wingdings" panose="05000000000000000000" pitchFamily="2" charset="2"/>
-              </a:rPr>
-              <a:t>mnt</a:t>
-            </a:r>
-            <a:r>
-              <a:rPr lang="en-US" dirty="0" smtClean="0">
-                <a:sym typeface="Wingdings" panose="05000000000000000000" pitchFamily="2" charset="2"/>
-              </a:rPr>
-              <a:t>/seaanalyst1/data</a:t>
-            </a:r>
-          </a:p>
-          <a:p>
-            <a:pPr lvl="1"/>
-            <a:endParaRPr lang="en-US" dirty="0" smtClean="0"/>
-          </a:p>
-          <a:p>
-            <a:r>
-              <a:rPr lang="en-US" dirty="0" smtClean="0"/>
-              <a:t>Working directory is always the shiny app folder. If files are placed inside the app folder, use relative path. </a:t>
-            </a:r>
-          </a:p>
-          <a:p>
-            <a:r>
-              <a:rPr lang="en-US" dirty="0" smtClean="0"/>
-              <a:t>Watch out if you have a path to a file in the network. </a:t>
-            </a:r>
-          </a:p>
-          <a:p>
-            <a:pPr lvl="1"/>
-            <a:r>
-              <a:rPr lang="en-US" dirty="0" smtClean="0"/>
-              <a:t>Make a copy in an available location and use a mounted path. (different path names for Dev vs PROD).</a:t>
-            </a:r>
-          </a:p>
-          <a:p>
-            <a:pPr lvl="1"/>
-            <a:r>
-              <a:rPr lang="en-US" dirty="0" smtClean="0"/>
-              <a:t>Place the data in a database. </a:t>
-            </a:r>
             <a:endParaRPr lang="en-US" dirty="0"/>
           </a:p>
         </p:txBody>
@@ -13276,7 +14144,7 @@
           <a:p>
             <a:fld id="{CAEF89AF-97FF-41FD-A810-843DAB910B39}" type="datetime4">
               <a:rPr lang="en-US" smtClean="0"/>
-              <a:t>August 14, 2019</a:t>
+              <a:t>August 16, 2019</a:t>
             </a:fld>
             <a:endParaRPr lang="en-US" dirty="0"/>
           </a:p>
@@ -13285,13 +14153,20 @@
     </p:spTree>
     <p:extLst>
       <p:ext uri="{BB962C8B-B14F-4D97-AF65-F5344CB8AC3E}">
-        <p14:creationId xmlns:p14="http://schemas.microsoft.com/office/powerpoint/2010/main" val="559705827"/>
+        <p14:creationId xmlns:p14="http://schemas.microsoft.com/office/powerpoint/2010/main" val="3736307437"/>
       </p:ext>
     </p:extLst>
   </p:cSld>
   <p:clrMapOvr>
     <a:masterClrMapping/>
   </p:clrMapOvr>
+  <p:timing>
+    <p:tnLst>
+      <p:par>
+        <p:cTn id="1" dur="indefinite" restart="never" nodeType="tmRoot"/>
+      </p:par>
+    </p:tnLst>
+  </p:timing>
 </p:sld>
 </file>
 
